--- a/Lending_Club_Case_Study.pptx
+++ b/Lending_Club_Case_Study.pptx
@@ -3795,7 +3795,7 @@
           <a:p>
             <a:r>
               <a:rPr lang="en-US" dirty="0"/>
-              <a:t>The Consumer Finance Company has been giving loans mostly in the range of 5 to 5k with a spike at every 5k. Average loan amount is 9800</a:t>
+              <a:t>The Consumer Finance Company has been giving loans mostly in the range of 5 to 5k with a spike at every 5k. Average loan amount is $9800</a:t>
             </a:r>
           </a:p>
           <a:p>
@@ -3825,15 +3825,15 @@
           <a:p>
             <a:r>
               <a:rPr lang="en-US" dirty="0"/>
-              <a:t>Most borrowers have paid their loans in full (83%), followed by those whose loans were </a:t>
+              <a:t>83% of the borrowers have paid their loans in full, while 14% loans were </a:t>
             </a:r>
             <a:r>
               <a:rPr lang="en-US" i="1" dirty="0"/>
-              <a:t>charged off (14%), </a:t>
-            </a:r>
-            <a:r>
-              <a:rPr lang="en-US" dirty="0"/>
-              <a:t>and those whose loans are still current (3%).</a:t>
+              <a:t>charged off </a:t>
+            </a:r>
+            <a:r>
+              <a:rPr lang="en-US" dirty="0"/>
+              <a:t>and 3% loans are still current.</a:t>
             </a:r>
           </a:p>
           <a:p>
@@ -3841,12 +3841,6 @@
               <a:rPr lang="en-US" dirty="0"/>
               <a:t>Most number of loans are taken for the purpose of debt consolidation (47%), followed by credit card debt (13%). Small business, debt consolidation, house, credit card purposes got big loan amounts, at higher interest rates and installment amounts. Home improvement, small biz, renewable energy and wedding borrowers have higher annual incomes.</a:t>
             </a:r>
-          </a:p>
-          <a:p>
-            <a:endParaRPr lang="en-US" dirty="0"/>
-          </a:p>
-          <a:p>
-            <a:endParaRPr lang="en-US" dirty="0"/>
           </a:p>
           <a:p>
             <a:endParaRPr lang="en-US" dirty="0"/>
@@ -3945,7 +3939,7 @@
           <a:p>
             <a:r>
               <a:rPr lang="en-US" dirty="0"/>
-              <a:t>Borrower DTI mostly ranges between ~8 to 18. Average is 13.51</a:t>
+              <a:t>Borrower Debt To Income ratio mostly ranges between ~8 to 18. Average is 13.51</a:t>
             </a:r>
           </a:p>
           <a:p>
@@ -3978,19 +3972,19 @@
           <a:p>
             <a:r>
               <a:rPr lang="en-US" dirty="0"/>
-              <a:t>89% of borrowers do not have 30+ day past due incidences in last 2 years. 8% have had one such incident, 2% have had two, and 1% have had three.</a:t>
+              <a:t>95% of borrowers have 0 public records, while 5% have 1. Additionally, 96% have 0 public bankruptcy records, with 4% having 1.</a:t>
+            </a:r>
+          </a:p>
+          <a:p>
+            <a:r>
+              <a:rPr lang="en-US" dirty="0"/>
+              <a:t>89% of borrowers do not have 30+ days past due incidences in last 2 years. 8% have had one such incident, 2% have had two, and 1% have had three.</a:t>
             </a:r>
           </a:p>
           <a:p>
             <a:r>
               <a:rPr lang="en-US" dirty="0"/>
               <a:t>Over the last 6 months, 49% of borrowers did not make any inquiries, while 28% made one, 15% made two, and 8% made three inquiries.</a:t>
-            </a:r>
-          </a:p>
-          <a:p>
-            <a:r>
-              <a:rPr lang="en-US" dirty="0"/>
-              <a:t>95% of borrowers have 0 public records, while 5% have 1. Additionally, 96% have 0 public bankruptcy records, with 4% having 1.</a:t>
             </a:r>
           </a:p>
         </p:txBody>
@@ -4048,7 +4042,7 @@
           <a:p>
             <a:r>
               <a:rPr lang="en-US" dirty="0"/>
-              <a:t>Conclusions</a:t>
+              <a:t>Recommendations</a:t>
             </a:r>
             <a:endParaRPr lang="en-IN" dirty="0"/>
           </a:p>
@@ -4085,13 +4079,13 @@
           <a:p>
             <a:r>
               <a:rPr lang="en-US" dirty="0"/>
-              <a:t>The higher the grade of the borrower, the higher their default rate. Especially loans extended to C, D &amp; E graded borrowers are significant in number and their default rate is also higher, so should be evaluated more carefully going forward.</a:t>
-            </a:r>
-          </a:p>
-          <a:p>
-            <a:r>
-              <a:rPr lang="en-US" dirty="0"/>
-              <a:t>Though 1/3</a:t>
+              <a:t>The higher the grade of the borrower, the higher their default rate. Especially loans extended to C, D &amp; E graded borrowers are significant in number and their default rate is also high, hence lesser number of loans should be offered to this category and when loan is offered, loan amount should be lower and interest rate higher to cover for default risk.</a:t>
+            </a:r>
+          </a:p>
+          <a:p>
+            <a:r>
+              <a:rPr lang="en-US" dirty="0"/>
+              <a:t>Though 60-month loans are only 1/3</a:t>
             </a:r>
             <a:r>
               <a:rPr lang="en-US" baseline="30000" dirty="0"/>
@@ -4099,25 +4093,19 @@
             </a:r>
             <a:r>
               <a:rPr lang="en-US" dirty="0"/>
-              <a:t> of 36-month loans, the 60-month loans have more than double the default rate and hence can be reduced as percentage of total loans given or need to have a collateral</a:t>
-            </a:r>
-          </a:p>
-          <a:p>
-            <a:r>
-              <a:rPr lang="en-US" dirty="0"/>
-              <a:t>Debt consolidation loans amount to 47% of all loans given and have a significant default rate at 15.41%. This needs to be diversified to more safer purposes such as wedding, major purchase, car, credit card and home improvement which have lower default rates.</a:t>
-            </a:r>
-          </a:p>
-          <a:p>
-            <a:r>
-              <a:rPr lang="en-US" dirty="0"/>
-              <a:t>10% of loans given to borrowers having 30+ day past due incidences (delinquencies). These are at risk of default.</a:t>
-            </a:r>
-          </a:p>
-          <a:p>
-            <a:r>
-              <a:rPr lang="en-US" dirty="0"/>
-              <a:t>Little over 5% of borrowers have derogatory public records and 4% have public bankruptcy records. These are almost certain to default.</a:t>
+              <a:t> in number compared to 36-month loans, they have more than double the default rate and hence it may be better to offer fewer of these loans or offer higher interest on loan or mandate a collateral for the loan.</a:t>
+            </a:r>
+          </a:p>
+          <a:p>
+            <a:r>
+              <a:rPr lang="en-US" dirty="0"/>
+              <a:t>Debt consolidation loans amount to 47% of all loans given and have a significant default rate at 15.41%. This needs to be diversified to more safer purposes such as car, credit card and home improvement, wedding, major purchase which have lower default rates.</a:t>
+            </a:r>
+          </a:p>
+          <a:p>
+            <a:r>
+              <a:rPr lang="en-US" dirty="0"/>
+              <a:t>There is high probability of loans given to borrowers having 30+ days past due incidences (delinquencies), derogatory public records or public bankruptcy records. If loans are extended to this segment in future the loan amounts should be smaller and interest rates higher to cover for the risk of default.</a:t>
             </a:r>
           </a:p>
           <a:p>
@@ -4177,8 +4165,8 @@
           <a:lstStyle/>
           <a:p>
             <a:r>
-              <a:rPr lang="en-US" dirty="0"/>
-              <a:t>Conclusions</a:t>
+              <a:rPr lang="en-US"/>
+              <a:t>Recommendations</a:t>
             </a:r>
             <a:endParaRPr lang="en-IN" dirty="0"/>
           </a:p>
@@ -4203,59 +4191,44 @@
         <p:spPr/>
         <p:txBody>
           <a:bodyPr>
-            <a:normAutofit fontScale="70000" lnSpcReduction="20000"/>
+            <a:normAutofit fontScale="85000" lnSpcReduction="20000"/>
           </a:bodyPr>
           <a:lstStyle/>
           <a:p>
             <a:r>
               <a:rPr lang="en-US" dirty="0"/>
+              <a:t>Default rate is higher for verified borrowers compared to unverified borrower. This suggests verification process needs to be strengthened. The annual incomes may be suspect based on which higher loans at higher interest rates are being given.</a:t>
+            </a:r>
+          </a:p>
+          <a:p>
+            <a:r>
+              <a:rPr lang="en-US" dirty="0"/>
+              <a:t>Default rate increases with DTI, anything above 8 has significantly higher default rate.</a:t>
+            </a:r>
+          </a:p>
+          <a:p>
+            <a:r>
+              <a:rPr lang="en-US" dirty="0"/>
+              <a:t>Default rate increases with revolving utilization rate. Above 30% utilization rate the chances of default increase significantly.</a:t>
+            </a:r>
+          </a:p>
+          <a:p>
+            <a:r>
+              <a:rPr lang="en-US" dirty="0"/>
+              <a:t>Default rate steadily increases with interest rate. Care need to be taken when interest rate goes beyond 12%.</a:t>
+            </a:r>
+          </a:p>
+          <a:p>
+            <a:r>
+              <a:rPr lang="en-US" dirty="0"/>
+              <a:t>Default rate increases with number of inquiries in last 6 months in general. </a:t>
+            </a:r>
+          </a:p>
+          <a:p>
+            <a:r>
+              <a:rPr lang="en-US" dirty="0"/>
               <a:t>Recovery fees paid by borrower is a lead indicator of loan default. Check this before extending loans</a:t>
             </a:r>
-          </a:p>
-          <a:p>
-            <a:r>
-              <a:rPr lang="en-US" dirty="0"/>
-              <a:t>Default rate increases with number of inquiries in last 6 months in general. </a:t>
-            </a:r>
-          </a:p>
-          <a:p>
-            <a:r>
-              <a:rPr lang="en-US" dirty="0"/>
-              <a:t>Default rate is higher for verified borrowers compared to unverified borrower. This suggests verification process needs to be strengthened. The annual incomes may be suspect based on which higher loans at higher interest rates are being given.</a:t>
-            </a:r>
-          </a:p>
-          <a:p>
-            <a:r>
-              <a:rPr lang="en-US" dirty="0"/>
-              <a:t>Default rate increases with DTI, anything above 8 has significantly higher default rate.</a:t>
-            </a:r>
-          </a:p>
-          <a:p>
-            <a:r>
-              <a:rPr lang="en-US" dirty="0"/>
-              <a:t>Default rate increases with revolving utilization rate. Above 30% utilization rate the chances of default increase significantly.</a:t>
-            </a:r>
-          </a:p>
-          <a:p>
-            <a:r>
-              <a:rPr lang="en-US" dirty="0"/>
-              <a:t>Default rate steadily increases with interest rate. Care need to be taken when interest rate goes beyond 13.5%</a:t>
-            </a:r>
-          </a:p>
-          <a:p>
-            <a:r>
-              <a:rPr lang="en-US" dirty="0"/>
-              <a:t>Charged-off borrowers typically have higher interest rates and installments compared to fully paid borrowers, while their salaries are lower than those of fully paid borrowers. This suggests loans are being extended aggressively and may need some caution.</a:t>
-            </a:r>
-          </a:p>
-          <a:p>
-            <a:r>
-              <a:rPr lang="en-US" dirty="0"/>
-              <a:t>The above applies to delinquency rates too</a:t>
-            </a:r>
-          </a:p>
-          <a:p>
-            <a:endParaRPr lang="en-US" dirty="0"/>
           </a:p>
           <a:p>
             <a:endParaRPr lang="en-US" dirty="0"/>

--- a/Lending_Club_Case_Study.pptx
+++ b/Lending_Club_Case_Study.pptx
@@ -3413,18 +3413,27 @@
           <a:p>
             <a:r>
               <a:rPr lang="en-IN" dirty="0" err="1"/>
-              <a:t>Upgrad</a:t>
+              <a:t>upGrad</a:t>
             </a:r>
             <a:r>
               <a:rPr lang="en-IN" dirty="0"/>
-              <a:t> – IIITB ML and AI Program Feb 24 batch</a:t>
+              <a:t> – IIITB ML and AI Program - Feb 24 batch</a:t>
             </a:r>
           </a:p>
           <a:p>
             <a:r>
               <a:rPr lang="en-IN" dirty="0"/>
-              <a:t>Siva Vaddadi</a:t>
-            </a:r>
+              <a:t>Siva Vaddadi &amp; </a:t>
+            </a:r>
+            <a:r>
+              <a:rPr lang="en-IN" dirty="0" err="1"/>
+              <a:t>Yukta</a:t>
+            </a:r>
+            <a:r>
+              <a:rPr lang="en-IN"/>
+              <a:t> Bajaj</a:t>
+            </a:r>
+            <a:endParaRPr lang="en-IN" dirty="0"/>
           </a:p>
           <a:p>
             <a:endParaRPr lang="en-IN" dirty="0"/>
@@ -3657,7 +3666,9 @@
         </p:nvSpPr>
         <p:spPr/>
         <p:txBody>
-          <a:bodyPr/>
+          <a:bodyPr>
+            <a:normAutofit fontScale="92500" lnSpcReduction="10000"/>
+          </a:bodyPr>
           <a:lstStyle/>
           <a:p>
             <a:r>
@@ -3701,6 +3712,18 @@
             <a:r>
               <a:rPr lang="en-US" dirty="0"/>
               <a:t>Grade A is lowest, and F is highest. A is lower than B which is lower than C and so on</a:t>
+            </a:r>
+          </a:p>
+          <a:p>
+            <a:r>
+              <a:rPr lang="en-US" dirty="0"/>
+              <a:t>~ symbol represents around that number. For example ~25 means around 25</a:t>
+            </a:r>
+          </a:p>
+          <a:p>
+            <a:r>
+              <a:rPr lang="en-US" dirty="0"/>
+              <a:t>Most of the numbers and percentages are rounded off to nearest integer for easy reading</a:t>
             </a:r>
           </a:p>
           <a:p>
@@ -3795,19 +3818,19 @@
           <a:p>
             <a:r>
               <a:rPr lang="en-US" dirty="0"/>
-              <a:t>The Consumer Finance Company has been giving loans mostly in the range of 5 to 5k with a spike at every 5k. Average loan amount is $9800</a:t>
-            </a:r>
-          </a:p>
-          <a:p>
-            <a:r>
-              <a:rPr lang="en-US" dirty="0"/>
-              <a:t>Interest rates mostly range between ~9% to 15%. Average interest rate is around 12%</a:t>
-            </a:r>
-          </a:p>
-          <a:p>
-            <a:r>
-              <a:rPr lang="en-US" dirty="0"/>
-              <a:t>Most of the Installment amounts range between 165 to 423. Average installment is ~277</a:t>
+              <a:t>The Consumer Finance Company has been giving loans mostly in the range of 5 to 5k with a spike at every 5k. Average loan amount is $9600</a:t>
+            </a:r>
+          </a:p>
+          <a:p>
+            <a:r>
+              <a:rPr lang="en-US" dirty="0"/>
+              <a:t>Interest rates mostly range between ~9% to 14%. Average interest rate is around 12%</a:t>
+            </a:r>
+          </a:p>
+          <a:p>
+            <a:r>
+              <a:rPr lang="en-US" dirty="0"/>
+              <a:t>Most of the Installment amounts range between 165 to 420. Average installment is ~275</a:t>
             </a:r>
           </a:p>
           <a:p>
@@ -3819,21 +3842,13 @@
           <a:p>
             <a:r>
               <a:rPr lang="en-US" dirty="0"/>
-              <a:t>The number of loans granted with a 36-month tenure at 73% is nearly three times the number granted with a 60-month tenure (27%).</a:t>
-            </a:r>
-          </a:p>
-          <a:p>
-            <a:r>
-              <a:rPr lang="en-US" dirty="0"/>
-              <a:t>83% of the borrowers have paid their loans in full, while 14% loans were </a:t>
-            </a:r>
-            <a:r>
-              <a:rPr lang="en-US" i="1" dirty="0"/>
-              <a:t>charged off </a:t>
-            </a:r>
-            <a:r>
-              <a:rPr lang="en-US" dirty="0"/>
-              <a:t>and 3% loans are still current.</a:t>
+              <a:t>The number of loans granted with a 36-month tenure at ~75% is nearly three times the number granted with a 60-month tenure (~25%).</a:t>
+            </a:r>
+          </a:p>
+          <a:p>
+            <a:r>
+              <a:rPr lang="en-US" dirty="0"/>
+              <a:t>85% of the borrowers have paid their loans in full, while about 15% loans were charged off.</a:t>
             </a:r>
           </a:p>
           <a:p>
@@ -3939,7 +3954,7 @@
           <a:p>
             <a:r>
               <a:rPr lang="en-US" dirty="0"/>
-              <a:t>Borrower Debt To Income ratio mostly ranges between ~8 to 18. Average is 13.51</a:t>
+              <a:t>Borrower Debt To Income ratio mostly ranges between ~8 to 18. Average is 13.47</a:t>
             </a:r>
           </a:p>
           <a:p>
@@ -4073,7 +4088,7 @@
           <a:p>
             <a:r>
               <a:rPr lang="en-US" dirty="0"/>
-              <a:t>Charged off loans stand at 14.24% and this needs to be brought down.</a:t>
+              <a:t>Charged off loans stand at 14.66% and this needs to be brought down.</a:t>
             </a:r>
           </a:p>
           <a:p>

--- a/Lending_Club_Case_Study.pptx
+++ b/Lending_Club_Case_Study.pptx
@@ -11,8 +11,9 @@
     <p:sldId id="259" r:id="rId5"/>
     <p:sldId id="260" r:id="rId6"/>
     <p:sldId id="263" r:id="rId7"/>
-    <p:sldId id="266" r:id="rId8"/>
-    <p:sldId id="264" r:id="rId9"/>
+    <p:sldId id="267" r:id="rId8"/>
+    <p:sldId id="266" r:id="rId9"/>
+    <p:sldId id="264" r:id="rId10"/>
   </p:sldIdLst>
   <p:sldSz cx="12192000" cy="6858000"/>
   <p:notesSz cx="6858000" cy="9144000"/>
@@ -268,7 +269,7 @@
           <a:p>
             <a:fld id="{48CF19BC-7402-4398-B54F-F264A784A0DE}" type="datetimeFigureOut">
               <a:rPr lang="en-IN" smtClean="0"/>
-              <a:t>27-04-2024</a:t>
+              <a:t>29-04-2024</a:t>
             </a:fld>
             <a:endParaRPr lang="en-IN"/>
           </a:p>
@@ -468,7 +469,7 @@
           <a:p>
             <a:fld id="{48CF19BC-7402-4398-B54F-F264A784A0DE}" type="datetimeFigureOut">
               <a:rPr lang="en-IN" smtClean="0"/>
-              <a:t>27-04-2024</a:t>
+              <a:t>29-04-2024</a:t>
             </a:fld>
             <a:endParaRPr lang="en-IN"/>
           </a:p>
@@ -678,7 +679,7 @@
           <a:p>
             <a:fld id="{48CF19BC-7402-4398-B54F-F264A784A0DE}" type="datetimeFigureOut">
               <a:rPr lang="en-IN" smtClean="0"/>
-              <a:t>27-04-2024</a:t>
+              <a:t>29-04-2024</a:t>
             </a:fld>
             <a:endParaRPr lang="en-IN"/>
           </a:p>
@@ -878,7 +879,7 @@
           <a:p>
             <a:fld id="{48CF19BC-7402-4398-B54F-F264A784A0DE}" type="datetimeFigureOut">
               <a:rPr lang="en-IN" smtClean="0"/>
-              <a:t>27-04-2024</a:t>
+              <a:t>29-04-2024</a:t>
             </a:fld>
             <a:endParaRPr lang="en-IN"/>
           </a:p>
@@ -1154,7 +1155,7 @@
           <a:p>
             <a:fld id="{48CF19BC-7402-4398-B54F-F264A784A0DE}" type="datetimeFigureOut">
               <a:rPr lang="en-IN" smtClean="0"/>
-              <a:t>27-04-2024</a:t>
+              <a:t>29-04-2024</a:t>
             </a:fld>
             <a:endParaRPr lang="en-IN"/>
           </a:p>
@@ -1422,7 +1423,7 @@
           <a:p>
             <a:fld id="{48CF19BC-7402-4398-B54F-F264A784A0DE}" type="datetimeFigureOut">
               <a:rPr lang="en-IN" smtClean="0"/>
-              <a:t>27-04-2024</a:t>
+              <a:t>29-04-2024</a:t>
             </a:fld>
             <a:endParaRPr lang="en-IN"/>
           </a:p>
@@ -1837,7 +1838,7 @@
           <a:p>
             <a:fld id="{48CF19BC-7402-4398-B54F-F264A784A0DE}" type="datetimeFigureOut">
               <a:rPr lang="en-IN" smtClean="0"/>
-              <a:t>27-04-2024</a:t>
+              <a:t>29-04-2024</a:t>
             </a:fld>
             <a:endParaRPr lang="en-IN"/>
           </a:p>
@@ -1979,7 +1980,7 @@
           <a:p>
             <a:fld id="{48CF19BC-7402-4398-B54F-F264A784A0DE}" type="datetimeFigureOut">
               <a:rPr lang="en-IN" smtClean="0"/>
-              <a:t>27-04-2024</a:t>
+              <a:t>29-04-2024</a:t>
             </a:fld>
             <a:endParaRPr lang="en-IN"/>
           </a:p>
@@ -2092,7 +2093,7 @@
           <a:p>
             <a:fld id="{48CF19BC-7402-4398-B54F-F264A784A0DE}" type="datetimeFigureOut">
               <a:rPr lang="en-IN" smtClean="0"/>
-              <a:t>27-04-2024</a:t>
+              <a:t>29-04-2024</a:t>
             </a:fld>
             <a:endParaRPr lang="en-IN"/>
           </a:p>
@@ -2405,7 +2406,7 @@
           <a:p>
             <a:fld id="{48CF19BC-7402-4398-B54F-F264A784A0DE}" type="datetimeFigureOut">
               <a:rPr lang="en-IN" smtClean="0"/>
-              <a:t>27-04-2024</a:t>
+              <a:t>29-04-2024</a:t>
             </a:fld>
             <a:endParaRPr lang="en-IN"/>
           </a:p>
@@ -2694,7 +2695,7 @@
           <a:p>
             <a:fld id="{48CF19BC-7402-4398-B54F-F264A784A0DE}" type="datetimeFigureOut">
               <a:rPr lang="en-IN" smtClean="0"/>
-              <a:t>27-04-2024</a:t>
+              <a:t>29-04-2024</a:t>
             </a:fld>
             <a:endParaRPr lang="en-IN"/>
           </a:p>
@@ -2937,7 +2938,7 @@
           <a:p>
             <a:fld id="{48CF19BC-7402-4398-B54F-F264A784A0DE}" type="datetimeFigureOut">
               <a:rPr lang="en-IN" smtClean="0"/>
-              <a:t>27-04-2024</a:t>
+              <a:t>29-04-2024</a:t>
             </a:fld>
             <a:endParaRPr lang="en-IN"/>
           </a:p>
@@ -3818,7 +3819,13 @@
           <a:p>
             <a:r>
               <a:rPr lang="en-US" dirty="0"/>
-              <a:t>The Consumer Finance Company has been giving loans mostly in the range of 5 to 5k with a spike at every 5k. Average loan amount is $9600</a:t>
+              <a:t>Charged off loans stand at 14.66% and this needs to be brought down.</a:t>
+            </a:r>
+          </a:p>
+          <a:p>
+            <a:r>
+              <a:rPr lang="en-US" dirty="0"/>
+              <a:t>The Consumer Finance Company has been giving loans mostly in the range of 5 to 15k with a spike at every 5k. Average loan amount is $9600</a:t>
             </a:r>
           </a:p>
           <a:p>
@@ -3830,7 +3837,7 @@
           <a:p>
             <a:r>
               <a:rPr lang="en-US" dirty="0"/>
-              <a:t>Most of the Installment amounts range between 165 to 420. Average installment is ~275</a:t>
+              <a:t>Most of the Installment amounts range between $165 to $420. Average installment is ~$275</a:t>
             </a:r>
           </a:p>
           <a:p>
@@ -4082,45 +4089,27 @@
         <p:spPr/>
         <p:txBody>
           <a:bodyPr>
-            <a:normAutofit fontScale="77500" lnSpcReduction="20000"/>
+            <a:normAutofit/>
           </a:bodyPr>
           <a:lstStyle/>
           <a:p>
             <a:r>
               <a:rPr lang="en-US" dirty="0"/>
-              <a:t>Charged off loans stand at 14.66% and this needs to be brought down.</a:t>
-            </a:r>
-          </a:p>
-          <a:p>
-            <a:r>
-              <a:rPr lang="en-US" dirty="0"/>
-              <a:t>The higher the grade of the borrower, the higher their default rate. Especially loans extended to C, D &amp; E graded borrowers are significant in number and their default rate is also high, hence lesser number of loans should be offered to this category and when loan is offered, loan amount should be lower and interest rate higher to cover for default risk.</a:t>
-            </a:r>
-          </a:p>
-          <a:p>
-            <a:r>
-              <a:rPr lang="en-US" dirty="0"/>
-              <a:t>Though 60-month loans are only 1/3</a:t>
-            </a:r>
-            <a:r>
-              <a:rPr lang="en-US" baseline="30000" dirty="0"/>
-              <a:t>rd</a:t>
-            </a:r>
-            <a:r>
-              <a:rPr lang="en-US" dirty="0"/>
-              <a:t> in number compared to 36-month loans, they have more than double the default rate and hence it may be better to offer fewer of these loans or offer higher interest on loan or mandate a collateral for the loan.</a:t>
-            </a:r>
-          </a:p>
-          <a:p>
-            <a:r>
-              <a:rPr lang="en-US" dirty="0"/>
-              <a:t>Debt consolidation loans amount to 47% of all loans given and have a significant default rate at 15.41%. This needs to be diversified to more safer purposes such as car, credit card and home improvement, wedding, major purchase which have lower default rates.</a:t>
-            </a:r>
-          </a:p>
-          <a:p>
-            <a:r>
-              <a:rPr lang="en-US" dirty="0"/>
-              <a:t>There is high probability of loans given to borrowers having 30+ days past due incidences (delinquencies), derogatory public records or public bankruptcy records. If loans are extended to this segment in future the loan amounts should be smaller and interest rates higher to cover for the risk of default.</a:t>
+              <a:t>The primary objective of this analysis is</a:t>
+            </a:r>
+          </a:p>
+          <a:p>
+            <a:pPr lvl="1"/>
+            <a:r>
+              <a:rPr lang="en-US" dirty="0"/>
+              <a:t>Not to attack the main revenue generator for the company</a:t>
+            </a:r>
+          </a:p>
+          <a:p>
+            <a:pPr lvl="1"/>
+            <a:r>
+              <a:rPr lang="en-US" dirty="0"/>
+              <a:t>Keep the recommendations few so company can implement them</a:t>
             </a:r>
           </a:p>
           <a:p>
@@ -4180,7 +4169,7 @@
           <a:lstStyle/>
           <a:p>
             <a:r>
-              <a:rPr lang="en-US"/>
+              <a:rPr lang="en-US" dirty="0"/>
               <a:t>Recommendations</a:t>
             </a:r>
             <a:endParaRPr lang="en-IN" dirty="0"/>
@@ -4212,9 +4201,116 @@
           <a:p>
             <a:r>
               <a:rPr lang="en-US" dirty="0"/>
+              <a:t>C, D, E, F, and G grade borrowers exhibit a higher default rate compared to A and B grade borrowers. Despite having annual incomes comparable to those of A and B grade borrowers, these higher-grade borrowers were extended larger loan amounts at interest rates of 12% and above. In contrast, A and B grade borrowers received loans with interest rates not exceeding 13%. Default rate steadily increases with interest rate. Care need to be taken when interest rate goes beyond 12%.</a:t>
+            </a:r>
+          </a:p>
+          <a:p>
+            <a:r>
+              <a:rPr lang="en-US" dirty="0"/>
+              <a:t>Debt consolidation loans amount to 47% of all loans given and have a significant default rate at 15.41%. This needs to be diversified to more safer purposes such as car, credit card and home improvement, wedding, major purchase which have lower default rates.</a:t>
+            </a:r>
+          </a:p>
+          <a:p>
+            <a:r>
+              <a:rPr lang="en-US" dirty="0"/>
               <a:t>Default rate is higher for verified borrowers compared to unverified borrower. This suggests verification process needs to be strengthened. The annual incomes may be suspect based on which higher loans at higher interest rates are being given.</a:t>
             </a:r>
           </a:p>
+        </p:txBody>
+      </p:sp>
+    </p:spTree>
+    <p:extLst>
+      <p:ext uri="{BB962C8B-B14F-4D97-AF65-F5344CB8AC3E}">
+        <p14:creationId xmlns:p14="http://schemas.microsoft.com/office/powerpoint/2010/main" val="2151947758"/>
+      </p:ext>
+    </p:extLst>
+  </p:cSld>
+  <p:clrMapOvr>
+    <a:masterClrMapping/>
+  </p:clrMapOvr>
+</p:sld>
+</file>
+
+<file path=ppt/slides/slide8.xml><?xml version="1.0" encoding="utf-8"?>
+<p:sld xmlns:a="http://schemas.openxmlformats.org/drawingml/2006/main" xmlns:r="http://schemas.openxmlformats.org/officeDocument/2006/relationships" xmlns:p="http://schemas.openxmlformats.org/presentationml/2006/main">
+  <p:cSld>
+    <p:spTree>
+      <p:nvGrpSpPr>
+        <p:cNvPr id="1" name=""/>
+        <p:cNvGrpSpPr/>
+        <p:nvPr/>
+      </p:nvGrpSpPr>
+      <p:grpSpPr>
+        <a:xfrm>
+          <a:off x="0" y="0"/>
+          <a:ext cx="0" cy="0"/>
+          <a:chOff x="0" y="0"/>
+          <a:chExt cx="0" cy="0"/>
+        </a:xfrm>
+      </p:grpSpPr>
+      <p:sp>
+        <p:nvSpPr>
+          <p:cNvPr id="2" name="Title 1">
+            <a:extLst>
+              <a:ext uri="{FF2B5EF4-FFF2-40B4-BE49-F238E27FC236}">
+                <a16:creationId xmlns:a16="http://schemas.microsoft.com/office/drawing/2014/main" id="{97D17C85-208C-7FFA-5E36-DFD5867B4CA4}"/>
+              </a:ext>
+            </a:extLst>
+          </p:cNvPr>
+          <p:cNvSpPr>
+            <a:spLocks noGrp="1"/>
+          </p:cNvSpPr>
+          <p:nvPr>
+            <p:ph type="title"/>
+          </p:nvPr>
+        </p:nvSpPr>
+        <p:spPr/>
+        <p:txBody>
+          <a:bodyPr/>
+          <a:lstStyle/>
+          <a:p>
+            <a:r>
+              <a:rPr lang="en-US"/>
+              <a:t>Recommendations</a:t>
+            </a:r>
+            <a:endParaRPr lang="en-IN" dirty="0"/>
+          </a:p>
+        </p:txBody>
+      </p:sp>
+      <p:sp>
+        <p:nvSpPr>
+          <p:cNvPr id="3" name="Content Placeholder 2">
+            <a:extLst>
+              <a:ext uri="{FF2B5EF4-FFF2-40B4-BE49-F238E27FC236}">
+                <a16:creationId xmlns:a16="http://schemas.microsoft.com/office/drawing/2014/main" id="{66A77BCF-D7E8-2808-D5B4-00803FB316B1}"/>
+              </a:ext>
+            </a:extLst>
+          </p:cNvPr>
+          <p:cNvSpPr>
+            <a:spLocks noGrp="1"/>
+          </p:cNvSpPr>
+          <p:nvPr>
+            <p:ph idx="1"/>
+          </p:nvPr>
+        </p:nvSpPr>
+        <p:spPr/>
+        <p:txBody>
+          <a:bodyPr>
+            <a:normAutofit fontScale="92500" lnSpcReduction="20000"/>
+          </a:bodyPr>
+          <a:lstStyle/>
+          <a:p>
+            <a:r>
+              <a:rPr lang="en-US" dirty="0"/>
+              <a:t>The default rate tends to rise with borrowers having 30+ days past due incidences (delinquencies), derogatory public records or public bankruptcy records. </a:t>
+            </a:r>
+          </a:p>
+          <a:p>
+            <a:r>
+              <a:rPr lang="en-US" dirty="0"/>
+              <a:t>Default rate increases with revolving utilization rate. Above 30% utilization rate the chances of default increase significantly.</a:t>
+            </a:r>
+          </a:p>
           <a:p>
             <a:r>
               <a:rPr lang="en-US" dirty="0"/>
@@ -4224,26 +4320,24 @@
           <a:p>
             <a:r>
               <a:rPr lang="en-US" dirty="0"/>
-              <a:t>Default rate increases with revolving utilization rate. Above 30% utilization rate the chances of default increase significantly.</a:t>
-            </a:r>
-          </a:p>
-          <a:p>
-            <a:r>
-              <a:rPr lang="en-US" dirty="0"/>
-              <a:t>Default rate steadily increases with interest rate. Care need to be taken when interest rate goes beyond 12%.</a:t>
-            </a:r>
-          </a:p>
-          <a:p>
-            <a:r>
-              <a:rPr lang="en-US" dirty="0"/>
               <a:t>Default rate increases with number of inquiries in last 6 months in general. </a:t>
             </a:r>
           </a:p>
           <a:p>
             <a:r>
               <a:rPr lang="en-US" dirty="0"/>
-              <a:t>Recovery fees paid by borrower is a lead indicator of loan default. Check this before extending loans</a:t>
-            </a:r>
+              <a:t>Recovery fees paid by borrower is a lead indicator of loan default. </a:t>
+            </a:r>
+          </a:p>
+          <a:p>
+            <a:r>
+              <a:rPr lang="en-US" dirty="0"/>
+              <a:t>For future loans extended to borrowers satisfying above conditions, it's advisable to mitigate risk by offering smaller loan amounts and higher interest rates.</a:t>
+            </a:r>
+            <a:endParaRPr lang="en-IN" dirty="0"/>
+          </a:p>
+          <a:p>
+            <a:endParaRPr lang="en-US" dirty="0"/>
           </a:p>
           <a:p>
             <a:endParaRPr lang="en-US" dirty="0"/>
@@ -4272,7 +4366,7 @@
 </p:sld>
 </file>
 
-<file path=ppt/slides/slide8.xml><?xml version="1.0" encoding="utf-8"?>
+<file path=ppt/slides/slide9.xml><?xml version="1.0" encoding="utf-8"?>
 <p:sld xmlns:a="http://schemas.openxmlformats.org/drawingml/2006/main" xmlns:r="http://schemas.openxmlformats.org/officeDocument/2006/relationships" xmlns:p="http://schemas.openxmlformats.org/presentationml/2006/main">
   <p:cSld>
     <p:spTree>

--- a/Lending_Club_Case_Study.pptx
+++ b/Lending_Club_Case_Study.pptx
@@ -2,18 +2,24 @@
 <file path=ppt/presentation.xml><?xml version="1.0" encoding="utf-8"?>
 <p:presentation xmlns:a="http://schemas.openxmlformats.org/drawingml/2006/main" xmlns:r="http://schemas.openxmlformats.org/officeDocument/2006/relationships" xmlns:p="http://schemas.openxmlformats.org/presentationml/2006/main" saveSubsetFonts="1">
   <p:sldMasterIdLst>
-    <p:sldMasterId id="2147483648" r:id="rId1"/>
+    <p:sldMasterId id="2147483660" r:id="rId1"/>
   </p:sldMasterIdLst>
   <p:sldIdLst>
     <p:sldId id="256" r:id="rId2"/>
     <p:sldId id="257" r:id="rId3"/>
     <p:sldId id="258" r:id="rId4"/>
     <p:sldId id="259" r:id="rId5"/>
-    <p:sldId id="260" r:id="rId6"/>
-    <p:sldId id="263" r:id="rId7"/>
-    <p:sldId id="267" r:id="rId8"/>
-    <p:sldId id="266" r:id="rId9"/>
-    <p:sldId id="264" r:id="rId10"/>
+    <p:sldId id="269" r:id="rId6"/>
+    <p:sldId id="260" r:id="rId7"/>
+    <p:sldId id="270" r:id="rId8"/>
+    <p:sldId id="263" r:id="rId9"/>
+    <p:sldId id="267" r:id="rId10"/>
+    <p:sldId id="272" r:id="rId11"/>
+    <p:sldId id="273" r:id="rId12"/>
+    <p:sldId id="266" r:id="rId13"/>
+    <p:sldId id="274" r:id="rId14"/>
+    <p:sldId id="275" r:id="rId15"/>
+    <p:sldId id="264" r:id="rId16"/>
   </p:sldIdLst>
   <p:sldSz cx="12192000" cy="6858000"/>
   <p:notesSz cx="6858000" cy="9144000"/>
@@ -21,7 +27,7 @@
     <a:defPPr>
       <a:defRPr lang="en-US"/>
     </a:defPPr>
-    <a:lvl1pPr marL="0" algn="l" defTabSz="914400" rtl="0" eaLnBrk="1" latinLnBrk="0" hangingPunct="1">
+    <a:lvl1pPr marL="0" algn="l" defTabSz="457200" rtl="0" eaLnBrk="1" latinLnBrk="0" hangingPunct="1">
       <a:defRPr sz="1800" kern="1200">
         <a:solidFill>
           <a:schemeClr val="tx1"/>
@@ -31,7 +37,7 @@
         <a:cs typeface="+mn-cs"/>
       </a:defRPr>
     </a:lvl1pPr>
-    <a:lvl2pPr marL="457200" algn="l" defTabSz="914400" rtl="0" eaLnBrk="1" latinLnBrk="0" hangingPunct="1">
+    <a:lvl2pPr marL="457200" algn="l" defTabSz="457200" rtl="0" eaLnBrk="1" latinLnBrk="0" hangingPunct="1">
       <a:defRPr sz="1800" kern="1200">
         <a:solidFill>
           <a:schemeClr val="tx1"/>
@@ -41,7 +47,7 @@
         <a:cs typeface="+mn-cs"/>
       </a:defRPr>
     </a:lvl2pPr>
-    <a:lvl3pPr marL="914400" algn="l" defTabSz="914400" rtl="0" eaLnBrk="1" latinLnBrk="0" hangingPunct="1">
+    <a:lvl3pPr marL="914400" algn="l" defTabSz="457200" rtl="0" eaLnBrk="1" latinLnBrk="0" hangingPunct="1">
       <a:defRPr sz="1800" kern="1200">
         <a:solidFill>
           <a:schemeClr val="tx1"/>
@@ -51,7 +57,7 @@
         <a:cs typeface="+mn-cs"/>
       </a:defRPr>
     </a:lvl3pPr>
-    <a:lvl4pPr marL="1371600" algn="l" defTabSz="914400" rtl="0" eaLnBrk="1" latinLnBrk="0" hangingPunct="1">
+    <a:lvl4pPr marL="1371600" algn="l" defTabSz="457200" rtl="0" eaLnBrk="1" latinLnBrk="0" hangingPunct="1">
       <a:defRPr sz="1800" kern="1200">
         <a:solidFill>
           <a:schemeClr val="tx1"/>
@@ -61,7 +67,7 @@
         <a:cs typeface="+mn-cs"/>
       </a:defRPr>
     </a:lvl4pPr>
-    <a:lvl5pPr marL="1828800" algn="l" defTabSz="914400" rtl="0" eaLnBrk="1" latinLnBrk="0" hangingPunct="1">
+    <a:lvl5pPr marL="1828800" algn="l" defTabSz="457200" rtl="0" eaLnBrk="1" latinLnBrk="0" hangingPunct="1">
       <a:defRPr sz="1800" kern="1200">
         <a:solidFill>
           <a:schemeClr val="tx1"/>
@@ -71,7 +77,7 @@
         <a:cs typeface="+mn-cs"/>
       </a:defRPr>
     </a:lvl5pPr>
-    <a:lvl6pPr marL="2286000" algn="l" defTabSz="914400" rtl="0" eaLnBrk="1" latinLnBrk="0" hangingPunct="1">
+    <a:lvl6pPr marL="2286000" algn="l" defTabSz="457200" rtl="0" eaLnBrk="1" latinLnBrk="0" hangingPunct="1">
       <a:defRPr sz="1800" kern="1200">
         <a:solidFill>
           <a:schemeClr val="tx1"/>
@@ -81,7 +87,7 @@
         <a:cs typeface="+mn-cs"/>
       </a:defRPr>
     </a:lvl6pPr>
-    <a:lvl7pPr marL="2743200" algn="l" defTabSz="914400" rtl="0" eaLnBrk="1" latinLnBrk="0" hangingPunct="1">
+    <a:lvl7pPr marL="2743200" algn="l" defTabSz="457200" rtl="0" eaLnBrk="1" latinLnBrk="0" hangingPunct="1">
       <a:defRPr sz="1800" kern="1200">
         <a:solidFill>
           <a:schemeClr val="tx1"/>
@@ -91,7 +97,7 @@
         <a:cs typeface="+mn-cs"/>
       </a:defRPr>
     </a:lvl7pPr>
-    <a:lvl8pPr marL="3200400" algn="l" defTabSz="914400" rtl="0" eaLnBrk="1" latinLnBrk="0" hangingPunct="1">
+    <a:lvl8pPr marL="3200400" algn="l" defTabSz="457200" rtl="0" eaLnBrk="1" latinLnBrk="0" hangingPunct="1">
       <a:defRPr sz="1800" kern="1200">
         <a:solidFill>
           <a:schemeClr val="tx1"/>
@@ -101,7 +107,7 @@
         <a:cs typeface="+mn-cs"/>
       </a:defRPr>
     </a:lvl8pPr>
-    <a:lvl9pPr marL="3657600" algn="l" defTabSz="914400" rtl="0" eaLnBrk="1" latinLnBrk="0" hangingPunct="1">
+    <a:lvl9pPr marL="3657600" algn="l" defTabSz="457200" rtl="0" eaLnBrk="1" latinLnBrk="0" hangingPunct="1">
       <a:defRPr sz="1800" kern="1200">
         <a:solidFill>
           <a:schemeClr val="tx1"/>
@@ -121,7 +127,7 @@
 </file>
 
 <file path=ppt/slideLayouts/slideLayout1.xml><?xml version="1.0" encoding="utf-8"?>
-<p:sldLayout xmlns:a="http://schemas.openxmlformats.org/drawingml/2006/main" xmlns:r="http://schemas.openxmlformats.org/officeDocument/2006/relationships" xmlns:p="http://schemas.openxmlformats.org/presentationml/2006/main" type="title" preserve="1">
+<p:sldLayout xmlns:a="http://schemas.openxmlformats.org/drawingml/2006/main" xmlns:r="http://schemas.openxmlformats.org/officeDocument/2006/relationships" xmlns:p="http://schemas.openxmlformats.org/presentationml/2006/main" showMasterSp="0" type="title" preserve="1">
   <p:cSld name="Title Slide">
     <p:spTree>
       <p:nvGrpSpPr>
@@ -137,15 +143,539 @@
           <a:chExt cx="0" cy="0"/>
         </a:xfrm>
       </p:grpSpPr>
-      <p:sp>
-        <p:nvSpPr>
-          <p:cNvPr id="2" name="Title 1">
-            <a:extLst>
-              <a:ext uri="{FF2B5EF4-FFF2-40B4-BE49-F238E27FC236}">
-                <a16:creationId xmlns:a16="http://schemas.microsoft.com/office/drawing/2014/main" id="{69A9B74D-E035-C2D2-AB18-2A8B0E1A5988}"/>
-              </a:ext>
-            </a:extLst>
-          </p:cNvPr>
+      <p:grpSp>
+        <p:nvGrpSpPr>
+          <p:cNvPr id="7" name="Group 6"/>
+          <p:cNvGrpSpPr/>
+          <p:nvPr/>
+        </p:nvGrpSpPr>
+        <p:grpSpPr>
+          <a:xfrm>
+            <a:off x="0" y="-8467"/>
+            <a:ext cx="12192000" cy="6866467"/>
+            <a:chOff x="0" y="-8467"/>
+            <a:chExt cx="12192000" cy="6866467"/>
+          </a:xfrm>
+        </p:grpSpPr>
+        <p:cxnSp>
+          <p:nvCxnSpPr>
+            <p:cNvPr id="32" name="Straight Connector 31"/>
+            <p:cNvCxnSpPr/>
+            <p:nvPr/>
+          </p:nvCxnSpPr>
+          <p:spPr>
+            <a:xfrm>
+              <a:off x="9371012" y="0"/>
+              <a:ext cx="1219200" cy="6858000"/>
+            </a:xfrm>
+            <a:prstGeom prst="line">
+              <a:avLst/>
+            </a:prstGeom>
+            <a:ln w="9525">
+              <a:solidFill>
+                <a:schemeClr val="bg1">
+                  <a:lumMod val="75000"/>
+                </a:schemeClr>
+              </a:solidFill>
+            </a:ln>
+          </p:spPr>
+          <p:style>
+            <a:lnRef idx="2">
+              <a:schemeClr val="accent1"/>
+            </a:lnRef>
+            <a:fillRef idx="0">
+              <a:schemeClr val="accent1"/>
+            </a:fillRef>
+            <a:effectRef idx="1">
+              <a:schemeClr val="accent1"/>
+            </a:effectRef>
+            <a:fontRef idx="minor">
+              <a:schemeClr val="tx1"/>
+            </a:fontRef>
+          </p:style>
+        </p:cxnSp>
+        <p:cxnSp>
+          <p:nvCxnSpPr>
+            <p:cNvPr id="21" name="Straight Connector 20"/>
+            <p:cNvCxnSpPr/>
+            <p:nvPr/>
+          </p:nvCxnSpPr>
+          <p:spPr>
+            <a:xfrm flipH="1">
+              <a:off x="7425267" y="3681413"/>
+              <a:ext cx="4763558" cy="3176587"/>
+            </a:xfrm>
+            <a:prstGeom prst="line">
+              <a:avLst/>
+            </a:prstGeom>
+            <a:ln w="9525">
+              <a:solidFill>
+                <a:schemeClr val="bg1">
+                  <a:lumMod val="85000"/>
+                </a:schemeClr>
+              </a:solidFill>
+            </a:ln>
+          </p:spPr>
+          <p:style>
+            <a:lnRef idx="2">
+              <a:schemeClr val="accent1"/>
+            </a:lnRef>
+            <a:fillRef idx="0">
+              <a:schemeClr val="accent1"/>
+            </a:fillRef>
+            <a:effectRef idx="1">
+              <a:schemeClr val="accent1"/>
+            </a:effectRef>
+            <a:fontRef idx="minor">
+              <a:schemeClr val="tx1"/>
+            </a:fontRef>
+          </p:style>
+        </p:cxnSp>
+        <p:sp>
+          <p:nvSpPr>
+            <p:cNvPr id="24" name="Rectangle 23"/>
+            <p:cNvSpPr/>
+            <p:nvPr/>
+          </p:nvSpPr>
+          <p:spPr>
+            <a:xfrm>
+              <a:off x="9181476" y="-8467"/>
+              <a:ext cx="3007349" cy="6866467"/>
+            </a:xfrm>
+            <a:custGeom>
+              <a:avLst/>
+              <a:gdLst/>
+              <a:ahLst/>
+              <a:cxnLst/>
+              <a:rect l="l" t="t" r="r" b="b"/>
+              <a:pathLst>
+                <a:path w="3007349" h="6866467">
+                  <a:moveTo>
+                    <a:pt x="2045532" y="0"/>
+                  </a:moveTo>
+                  <a:lnTo>
+                    <a:pt x="3007349" y="0"/>
+                  </a:lnTo>
+                  <a:lnTo>
+                    <a:pt x="3007349" y="6866467"/>
+                  </a:lnTo>
+                  <a:lnTo>
+                    <a:pt x="0" y="6866467"/>
+                  </a:lnTo>
+                  <a:lnTo>
+                    <a:pt x="2045532" y="0"/>
+                  </a:lnTo>
+                  <a:close/>
+                </a:path>
+              </a:pathLst>
+            </a:custGeom>
+            <a:solidFill>
+              <a:schemeClr val="accent1">
+                <a:alpha val="30000"/>
+              </a:schemeClr>
+            </a:solidFill>
+            <a:ln>
+              <a:noFill/>
+            </a:ln>
+            <a:effectLst/>
+          </p:spPr>
+          <p:style>
+            <a:lnRef idx="1">
+              <a:schemeClr val="accent1"/>
+            </a:lnRef>
+            <a:fillRef idx="3">
+              <a:schemeClr val="accent1"/>
+            </a:fillRef>
+            <a:effectRef idx="2">
+              <a:schemeClr val="accent1"/>
+            </a:effectRef>
+            <a:fontRef idx="minor">
+              <a:schemeClr val="lt1"/>
+            </a:fontRef>
+          </p:style>
+        </p:sp>
+        <p:sp>
+          <p:nvSpPr>
+            <p:cNvPr id="26" name="Rectangle 25"/>
+            <p:cNvSpPr/>
+            <p:nvPr/>
+          </p:nvSpPr>
+          <p:spPr>
+            <a:xfrm>
+              <a:off x="9603442" y="-8467"/>
+              <a:ext cx="2588558" cy="6866467"/>
+            </a:xfrm>
+            <a:custGeom>
+              <a:avLst/>
+              <a:gdLst/>
+              <a:ahLst/>
+              <a:cxnLst/>
+              <a:rect l="l" t="t" r="r" b="b"/>
+              <a:pathLst>
+                <a:path w="2573311" h="6866467">
+                  <a:moveTo>
+                    <a:pt x="0" y="0"/>
+                  </a:moveTo>
+                  <a:lnTo>
+                    <a:pt x="2573311" y="0"/>
+                  </a:lnTo>
+                  <a:lnTo>
+                    <a:pt x="2573311" y="6866467"/>
+                  </a:lnTo>
+                  <a:lnTo>
+                    <a:pt x="1202336" y="6866467"/>
+                  </a:lnTo>
+                  <a:lnTo>
+                    <a:pt x="0" y="0"/>
+                  </a:lnTo>
+                  <a:close/>
+                </a:path>
+              </a:pathLst>
+            </a:custGeom>
+            <a:solidFill>
+              <a:schemeClr val="accent1">
+                <a:alpha val="20000"/>
+              </a:schemeClr>
+            </a:solidFill>
+            <a:ln>
+              <a:noFill/>
+            </a:ln>
+            <a:effectLst/>
+          </p:spPr>
+          <p:style>
+            <a:lnRef idx="1">
+              <a:schemeClr val="accent1"/>
+            </a:lnRef>
+            <a:fillRef idx="3">
+              <a:schemeClr val="accent1"/>
+            </a:fillRef>
+            <a:effectRef idx="2">
+              <a:schemeClr val="accent1"/>
+            </a:effectRef>
+            <a:fontRef idx="minor">
+              <a:schemeClr val="lt1"/>
+            </a:fontRef>
+          </p:style>
+        </p:sp>
+        <p:sp>
+          <p:nvSpPr>
+            <p:cNvPr id="27" name="Isosceles Triangle 26"/>
+            <p:cNvSpPr/>
+            <p:nvPr/>
+          </p:nvSpPr>
+          <p:spPr>
+            <a:xfrm>
+              <a:off x="8932333" y="3048000"/>
+              <a:ext cx="3259667" cy="3810000"/>
+            </a:xfrm>
+            <a:prstGeom prst="triangle">
+              <a:avLst>
+                <a:gd name="adj" fmla="val 100000"/>
+              </a:avLst>
+            </a:prstGeom>
+            <a:solidFill>
+              <a:schemeClr val="accent2">
+                <a:alpha val="72000"/>
+              </a:schemeClr>
+            </a:solidFill>
+            <a:ln>
+              <a:noFill/>
+            </a:ln>
+            <a:effectLst/>
+          </p:spPr>
+          <p:style>
+            <a:lnRef idx="1">
+              <a:schemeClr val="accent1"/>
+            </a:lnRef>
+            <a:fillRef idx="3">
+              <a:schemeClr val="accent1"/>
+            </a:fillRef>
+            <a:effectRef idx="2">
+              <a:schemeClr val="accent1"/>
+            </a:effectRef>
+            <a:fontRef idx="minor">
+              <a:schemeClr val="lt1"/>
+            </a:fontRef>
+          </p:style>
+        </p:sp>
+        <p:sp>
+          <p:nvSpPr>
+            <p:cNvPr id="28" name="Rectangle 27"/>
+            <p:cNvSpPr/>
+            <p:nvPr/>
+          </p:nvSpPr>
+          <p:spPr>
+            <a:xfrm>
+              <a:off x="9334500" y="-8467"/>
+              <a:ext cx="2854326" cy="6866467"/>
+            </a:xfrm>
+            <a:custGeom>
+              <a:avLst/>
+              <a:gdLst/>
+              <a:ahLst/>
+              <a:cxnLst/>
+              <a:rect l="l" t="t" r="r" b="b"/>
+              <a:pathLst>
+                <a:path w="2858013" h="6866467">
+                  <a:moveTo>
+                    <a:pt x="0" y="0"/>
+                  </a:moveTo>
+                  <a:lnTo>
+                    <a:pt x="2858013" y="0"/>
+                  </a:lnTo>
+                  <a:lnTo>
+                    <a:pt x="2858013" y="6866467"/>
+                  </a:lnTo>
+                  <a:lnTo>
+                    <a:pt x="2473942" y="6866467"/>
+                  </a:lnTo>
+                  <a:lnTo>
+                    <a:pt x="0" y="0"/>
+                  </a:lnTo>
+                  <a:close/>
+                </a:path>
+              </a:pathLst>
+            </a:custGeom>
+            <a:solidFill>
+              <a:schemeClr val="accent2">
+                <a:lumMod val="75000"/>
+                <a:alpha val="70000"/>
+              </a:schemeClr>
+            </a:solidFill>
+            <a:ln>
+              <a:noFill/>
+            </a:ln>
+            <a:effectLst/>
+          </p:spPr>
+          <p:style>
+            <a:lnRef idx="1">
+              <a:schemeClr val="accent1"/>
+            </a:lnRef>
+            <a:fillRef idx="3">
+              <a:schemeClr val="accent1"/>
+            </a:fillRef>
+            <a:effectRef idx="2">
+              <a:schemeClr val="accent1"/>
+            </a:effectRef>
+            <a:fontRef idx="minor">
+              <a:schemeClr val="lt1"/>
+            </a:fontRef>
+          </p:style>
+        </p:sp>
+        <p:sp>
+          <p:nvSpPr>
+            <p:cNvPr id="29" name="Rectangle 28"/>
+            <p:cNvSpPr/>
+            <p:nvPr/>
+          </p:nvSpPr>
+          <p:spPr>
+            <a:xfrm>
+              <a:off x="10898730" y="-8467"/>
+              <a:ext cx="1290094" cy="6866467"/>
+            </a:xfrm>
+            <a:custGeom>
+              <a:avLst/>
+              <a:gdLst/>
+              <a:ahLst/>
+              <a:cxnLst/>
+              <a:rect l="l" t="t" r="r" b="b"/>
+              <a:pathLst>
+                <a:path w="1290094" h="6858000">
+                  <a:moveTo>
+                    <a:pt x="1019735" y="0"/>
+                  </a:moveTo>
+                  <a:lnTo>
+                    <a:pt x="1290094" y="0"/>
+                  </a:lnTo>
+                  <a:lnTo>
+                    <a:pt x="1290094" y="6858000"/>
+                  </a:lnTo>
+                  <a:lnTo>
+                    <a:pt x="0" y="6858000"/>
+                  </a:lnTo>
+                  <a:lnTo>
+                    <a:pt x="1019735" y="0"/>
+                  </a:lnTo>
+                  <a:close/>
+                </a:path>
+              </a:pathLst>
+            </a:custGeom>
+            <a:solidFill>
+              <a:schemeClr val="accent1">
+                <a:lumMod val="60000"/>
+                <a:lumOff val="40000"/>
+                <a:alpha val="70000"/>
+              </a:schemeClr>
+            </a:solidFill>
+            <a:ln>
+              <a:noFill/>
+            </a:ln>
+            <a:effectLst/>
+          </p:spPr>
+          <p:style>
+            <a:lnRef idx="1">
+              <a:schemeClr val="accent1"/>
+            </a:lnRef>
+            <a:fillRef idx="3">
+              <a:schemeClr val="accent1"/>
+            </a:fillRef>
+            <a:effectRef idx="2">
+              <a:schemeClr val="accent1"/>
+            </a:effectRef>
+            <a:fontRef idx="minor">
+              <a:schemeClr val="lt1"/>
+            </a:fontRef>
+          </p:style>
+        </p:sp>
+        <p:sp>
+          <p:nvSpPr>
+            <p:cNvPr id="30" name="Rectangle 29"/>
+            <p:cNvSpPr/>
+            <p:nvPr/>
+          </p:nvSpPr>
+          <p:spPr>
+            <a:xfrm>
+              <a:off x="10938999" y="-8467"/>
+              <a:ext cx="1249825" cy="6866467"/>
+            </a:xfrm>
+            <a:custGeom>
+              <a:avLst/>
+              <a:gdLst/>
+              <a:ahLst/>
+              <a:cxnLst/>
+              <a:rect l="l" t="t" r="r" b="b"/>
+              <a:pathLst>
+                <a:path w="1249825" h="6858000">
+                  <a:moveTo>
+                    <a:pt x="0" y="0"/>
+                  </a:moveTo>
+                  <a:lnTo>
+                    <a:pt x="1249825" y="0"/>
+                  </a:lnTo>
+                  <a:lnTo>
+                    <a:pt x="1249825" y="6858000"/>
+                  </a:lnTo>
+                  <a:lnTo>
+                    <a:pt x="1109382" y="6858000"/>
+                  </a:lnTo>
+                  <a:lnTo>
+                    <a:pt x="0" y="0"/>
+                  </a:lnTo>
+                  <a:close/>
+                </a:path>
+              </a:pathLst>
+            </a:custGeom>
+            <a:solidFill>
+              <a:schemeClr val="accent1">
+                <a:alpha val="65000"/>
+              </a:schemeClr>
+            </a:solidFill>
+            <a:ln>
+              <a:noFill/>
+            </a:ln>
+            <a:effectLst/>
+          </p:spPr>
+          <p:style>
+            <a:lnRef idx="1">
+              <a:schemeClr val="accent1"/>
+            </a:lnRef>
+            <a:fillRef idx="3">
+              <a:schemeClr val="accent1"/>
+            </a:fillRef>
+            <a:effectRef idx="2">
+              <a:schemeClr val="accent1"/>
+            </a:effectRef>
+            <a:fontRef idx="minor">
+              <a:schemeClr val="lt1"/>
+            </a:fontRef>
+          </p:style>
+        </p:sp>
+        <p:sp>
+          <p:nvSpPr>
+            <p:cNvPr id="31" name="Isosceles Triangle 30"/>
+            <p:cNvSpPr/>
+            <p:nvPr/>
+          </p:nvSpPr>
+          <p:spPr>
+            <a:xfrm>
+              <a:off x="10371666" y="3589867"/>
+              <a:ext cx="1817159" cy="3268133"/>
+            </a:xfrm>
+            <a:prstGeom prst="triangle">
+              <a:avLst>
+                <a:gd name="adj" fmla="val 100000"/>
+              </a:avLst>
+            </a:prstGeom>
+            <a:solidFill>
+              <a:schemeClr val="accent1">
+                <a:alpha val="80000"/>
+              </a:schemeClr>
+            </a:solidFill>
+            <a:ln>
+              <a:noFill/>
+            </a:ln>
+            <a:effectLst/>
+          </p:spPr>
+          <p:style>
+            <a:lnRef idx="1">
+              <a:schemeClr val="accent1"/>
+            </a:lnRef>
+            <a:fillRef idx="3">
+              <a:schemeClr val="accent1"/>
+            </a:fillRef>
+            <a:effectRef idx="2">
+              <a:schemeClr val="accent1"/>
+            </a:effectRef>
+            <a:fontRef idx="minor">
+              <a:schemeClr val="lt1"/>
+            </a:fontRef>
+          </p:style>
+        </p:sp>
+        <p:sp>
+          <p:nvSpPr>
+            <p:cNvPr id="19" name="Isosceles Triangle 18"/>
+            <p:cNvSpPr/>
+            <p:nvPr/>
+          </p:nvSpPr>
+          <p:spPr>
+            <a:xfrm rot="10800000">
+              <a:off x="0" y="0"/>
+              <a:ext cx="842596" cy="5666154"/>
+            </a:xfrm>
+            <a:prstGeom prst="triangle">
+              <a:avLst>
+                <a:gd name="adj" fmla="val 100000"/>
+              </a:avLst>
+            </a:prstGeom>
+            <a:solidFill>
+              <a:schemeClr val="accent1">
+                <a:alpha val="85000"/>
+              </a:schemeClr>
+            </a:solidFill>
+            <a:ln>
+              <a:noFill/>
+            </a:ln>
+            <a:effectLst/>
+          </p:spPr>
+          <p:style>
+            <a:lnRef idx="1">
+              <a:schemeClr val="accent1"/>
+            </a:lnRef>
+            <a:fillRef idx="3">
+              <a:schemeClr val="accent1"/>
+            </a:fillRef>
+            <a:effectRef idx="2">
+              <a:schemeClr val="accent1"/>
+            </a:effectRef>
+            <a:fontRef idx="minor">
+              <a:schemeClr val="lt1"/>
+            </a:fontRef>
+          </p:style>
+        </p:sp>
+      </p:grpSp>
+      <p:sp>
+        <p:nvSpPr>
+          <p:cNvPr id="2" name="Title 1"/>
           <p:cNvSpPr>
             <a:spLocks noGrp="1"/>
           </p:cNvSpPr>
@@ -155,15 +685,21 @@
         </p:nvSpPr>
         <p:spPr>
           <a:xfrm>
-            <a:off x="1524000" y="1122363"/>
-            <a:ext cx="9144000" cy="2387600"/>
+            <a:off x="1507067" y="2404534"/>
+            <a:ext cx="7766936" cy="1646302"/>
           </a:xfrm>
         </p:spPr>
         <p:txBody>
-          <a:bodyPr anchor="b"/>
+          <a:bodyPr anchor="b">
+            <a:noAutofit/>
+          </a:bodyPr>
           <a:lstStyle>
-            <a:lvl1pPr algn="ctr">
-              <a:defRPr sz="6000"/>
+            <a:lvl1pPr algn="r">
+              <a:defRPr sz="5400">
+                <a:solidFill>
+                  <a:schemeClr val="accent1"/>
+                </a:solidFill>
+              </a:defRPr>
             </a:lvl1pPr>
           </a:lstStyle>
           <a:p>
@@ -171,19 +707,13 @@
               <a:rPr lang="en-US"/>
               <a:t>Click to edit Master title style</a:t>
             </a:r>
-            <a:endParaRPr lang="en-IN"/>
-          </a:p>
-        </p:txBody>
-      </p:sp>
-      <p:sp>
-        <p:nvSpPr>
-          <p:cNvPr id="3" name="Subtitle 2">
-            <a:extLst>
-              <a:ext uri="{FF2B5EF4-FFF2-40B4-BE49-F238E27FC236}">
-                <a16:creationId xmlns:a16="http://schemas.microsoft.com/office/drawing/2014/main" id="{658A1957-C1DE-44EF-99B5-6F0132506180}"/>
-              </a:ext>
-            </a:extLst>
-          </p:cNvPr>
+            <a:endParaRPr lang="en-US" dirty="0"/>
+          </a:p>
+        </p:txBody>
+      </p:sp>
+      <p:sp>
+        <p:nvSpPr>
+          <p:cNvPr id="3" name="Subtitle 2"/>
           <p:cNvSpPr>
             <a:spLocks noGrp="1"/>
           </p:cNvSpPr>
@@ -193,48 +723,103 @@
         </p:nvSpPr>
         <p:spPr>
           <a:xfrm>
-            <a:off x="1524000" y="3602038"/>
-            <a:ext cx="9144000" cy="1655762"/>
+            <a:off x="1507067" y="4050833"/>
+            <a:ext cx="7766936" cy="1096899"/>
           </a:xfrm>
         </p:spPr>
         <p:txBody>
-          <a:bodyPr/>
+          <a:bodyPr anchor="t"/>
           <a:lstStyle>
-            <a:lvl1pPr marL="0" indent="0" algn="ctr">
-              <a:buNone/>
-              <a:defRPr sz="2400"/>
+            <a:lvl1pPr marL="0" indent="0" algn="r">
+              <a:buNone/>
+              <a:defRPr>
+                <a:solidFill>
+                  <a:schemeClr val="tx1">
+                    <a:lumMod val="50000"/>
+                    <a:lumOff val="50000"/>
+                  </a:schemeClr>
+                </a:solidFill>
+              </a:defRPr>
             </a:lvl1pPr>
             <a:lvl2pPr marL="457200" indent="0" algn="ctr">
               <a:buNone/>
-              <a:defRPr sz="2000"/>
+              <a:defRPr>
+                <a:solidFill>
+                  <a:schemeClr val="tx1">
+                    <a:tint val="75000"/>
+                  </a:schemeClr>
+                </a:solidFill>
+              </a:defRPr>
             </a:lvl2pPr>
             <a:lvl3pPr marL="914400" indent="0" algn="ctr">
               <a:buNone/>
-              <a:defRPr sz="1800"/>
+              <a:defRPr>
+                <a:solidFill>
+                  <a:schemeClr val="tx1">
+                    <a:tint val="75000"/>
+                  </a:schemeClr>
+                </a:solidFill>
+              </a:defRPr>
             </a:lvl3pPr>
             <a:lvl4pPr marL="1371600" indent="0" algn="ctr">
               <a:buNone/>
-              <a:defRPr sz="1600"/>
+              <a:defRPr>
+                <a:solidFill>
+                  <a:schemeClr val="tx1">
+                    <a:tint val="75000"/>
+                  </a:schemeClr>
+                </a:solidFill>
+              </a:defRPr>
             </a:lvl4pPr>
             <a:lvl5pPr marL="1828800" indent="0" algn="ctr">
               <a:buNone/>
-              <a:defRPr sz="1600"/>
+              <a:defRPr>
+                <a:solidFill>
+                  <a:schemeClr val="tx1">
+                    <a:tint val="75000"/>
+                  </a:schemeClr>
+                </a:solidFill>
+              </a:defRPr>
             </a:lvl5pPr>
             <a:lvl6pPr marL="2286000" indent="0" algn="ctr">
               <a:buNone/>
-              <a:defRPr sz="1600"/>
+              <a:defRPr>
+                <a:solidFill>
+                  <a:schemeClr val="tx1">
+                    <a:tint val="75000"/>
+                  </a:schemeClr>
+                </a:solidFill>
+              </a:defRPr>
             </a:lvl6pPr>
             <a:lvl7pPr marL="2743200" indent="0" algn="ctr">
               <a:buNone/>
-              <a:defRPr sz="1600"/>
+              <a:defRPr>
+                <a:solidFill>
+                  <a:schemeClr val="tx1">
+                    <a:tint val="75000"/>
+                  </a:schemeClr>
+                </a:solidFill>
+              </a:defRPr>
             </a:lvl7pPr>
             <a:lvl8pPr marL="3200400" indent="0" algn="ctr">
               <a:buNone/>
-              <a:defRPr sz="1600"/>
+              <a:defRPr>
+                <a:solidFill>
+                  <a:schemeClr val="tx1">
+                    <a:tint val="75000"/>
+                  </a:schemeClr>
+                </a:solidFill>
+              </a:defRPr>
             </a:lvl8pPr>
             <a:lvl9pPr marL="3657600" indent="0" algn="ctr">
               <a:buNone/>
-              <a:defRPr sz="1600"/>
+              <a:defRPr>
+                <a:solidFill>
+                  <a:schemeClr val="tx1">
+                    <a:tint val="75000"/>
+                  </a:schemeClr>
+                </a:solidFill>
+              </a:defRPr>
             </a:lvl9pPr>
           </a:lstStyle>
           <a:p>
@@ -242,19 +827,13 @@
               <a:rPr lang="en-US"/>
               <a:t>Click to edit Master subtitle style</a:t>
             </a:r>
-            <a:endParaRPr lang="en-IN"/>
-          </a:p>
-        </p:txBody>
-      </p:sp>
-      <p:sp>
-        <p:nvSpPr>
-          <p:cNvPr id="4" name="Date Placeholder 3">
-            <a:extLst>
-              <a:ext uri="{FF2B5EF4-FFF2-40B4-BE49-F238E27FC236}">
-                <a16:creationId xmlns:a16="http://schemas.microsoft.com/office/drawing/2014/main" id="{0366F322-997A-4D94-70AB-6402FE7CAD32}"/>
-              </a:ext>
-            </a:extLst>
-          </p:cNvPr>
+            <a:endParaRPr lang="en-US" dirty="0"/>
+          </a:p>
+        </p:txBody>
+      </p:sp>
+      <p:sp>
+        <p:nvSpPr>
+          <p:cNvPr id="4" name="Date Placeholder 3"/>
           <p:cNvSpPr>
             <a:spLocks noGrp="1"/>
           </p:cNvSpPr>
@@ -269,7 +848,7 @@
           <a:p>
             <a:fld id="{48CF19BC-7402-4398-B54F-F264A784A0DE}" type="datetimeFigureOut">
               <a:rPr lang="en-IN" smtClean="0"/>
-              <a:t>29-04-2024</a:t>
+              <a:t>01-05-2024</a:t>
             </a:fld>
             <a:endParaRPr lang="en-IN"/>
           </a:p>
@@ -277,13 +856,7 @@
       </p:sp>
       <p:sp>
         <p:nvSpPr>
-          <p:cNvPr id="5" name="Footer Placeholder 4">
-            <a:extLst>
-              <a:ext uri="{FF2B5EF4-FFF2-40B4-BE49-F238E27FC236}">
-                <a16:creationId xmlns:a16="http://schemas.microsoft.com/office/drawing/2014/main" id="{280256BE-E4B9-77C0-F0EC-8988CC221C83}"/>
-              </a:ext>
-            </a:extLst>
-          </p:cNvPr>
+          <p:cNvPr id="5" name="Footer Placeholder 4"/>
           <p:cNvSpPr>
             <a:spLocks noGrp="1"/>
           </p:cNvSpPr>
@@ -302,13 +875,7 @@
       </p:sp>
       <p:sp>
         <p:nvSpPr>
-          <p:cNvPr id="6" name="Slide Number Placeholder 5">
-            <a:extLst>
-              <a:ext uri="{FF2B5EF4-FFF2-40B4-BE49-F238E27FC236}">
-                <a16:creationId xmlns:a16="http://schemas.microsoft.com/office/drawing/2014/main" id="{2955A698-DE35-BC2D-C923-4FC5F394602E}"/>
-              </a:ext>
-            </a:extLst>
-          </p:cNvPr>
+          <p:cNvPr id="6" name="Slide Number Placeholder 5"/>
           <p:cNvSpPr>
             <a:spLocks noGrp="1"/>
           </p:cNvSpPr>
@@ -332,7 +899,7 @@
     </p:spTree>
     <p:extLst>
       <p:ext uri="{BB962C8B-B14F-4D97-AF65-F5344CB8AC3E}">
-        <p14:creationId xmlns:p14="http://schemas.microsoft.com/office/powerpoint/2010/main" val="1587916133"/>
+        <p14:creationId xmlns:p14="http://schemas.microsoft.com/office/powerpoint/2010/main" val="1519735338"/>
       </p:ext>
     </p:extLst>
   </p:cSld>
@@ -343,6 +910,1619 @@
 </file>
 
 <file path=ppt/slideLayouts/slideLayout10.xml><?xml version="1.0" encoding="utf-8"?>
+<p:sldLayout xmlns:a="http://schemas.openxmlformats.org/drawingml/2006/main" xmlns:r="http://schemas.openxmlformats.org/officeDocument/2006/relationships" xmlns:p="http://schemas.openxmlformats.org/presentationml/2006/main" preserve="1">
+  <p:cSld name="Title and Caption">
+    <p:spTree>
+      <p:nvGrpSpPr>
+        <p:cNvPr id="1" name=""/>
+        <p:cNvGrpSpPr/>
+        <p:nvPr/>
+      </p:nvGrpSpPr>
+      <p:grpSpPr>
+        <a:xfrm>
+          <a:off x="0" y="0"/>
+          <a:ext cx="0" cy="0"/>
+          <a:chOff x="0" y="0"/>
+          <a:chExt cx="0" cy="0"/>
+        </a:xfrm>
+      </p:grpSpPr>
+      <p:sp>
+        <p:nvSpPr>
+          <p:cNvPr id="2" name="Title 1"/>
+          <p:cNvSpPr>
+            <a:spLocks noGrp="1"/>
+          </p:cNvSpPr>
+          <p:nvPr>
+            <p:ph type="title"/>
+          </p:nvPr>
+        </p:nvSpPr>
+        <p:spPr>
+          <a:xfrm>
+            <a:off x="677335" y="609600"/>
+            <a:ext cx="8596668" cy="3403600"/>
+          </a:xfrm>
+        </p:spPr>
+        <p:txBody>
+          <a:bodyPr anchor="ctr">
+            <a:normAutofit/>
+          </a:bodyPr>
+          <a:lstStyle>
+            <a:lvl1pPr algn="l">
+              <a:defRPr sz="4400" b="0" cap="none"/>
+            </a:lvl1pPr>
+          </a:lstStyle>
+          <a:p>
+            <a:r>
+              <a:rPr lang="en-US"/>
+              <a:t>Click to edit Master title style</a:t>
+            </a:r>
+            <a:endParaRPr lang="en-US" dirty="0"/>
+          </a:p>
+        </p:txBody>
+      </p:sp>
+      <p:sp>
+        <p:nvSpPr>
+          <p:cNvPr id="3" name="Text Placeholder 2"/>
+          <p:cNvSpPr>
+            <a:spLocks noGrp="1"/>
+          </p:cNvSpPr>
+          <p:nvPr>
+            <p:ph type="body" idx="1"/>
+          </p:nvPr>
+        </p:nvSpPr>
+        <p:spPr>
+          <a:xfrm>
+            <a:off x="677335" y="4470400"/>
+            <a:ext cx="8596668" cy="1570962"/>
+          </a:xfrm>
+        </p:spPr>
+        <p:txBody>
+          <a:bodyPr anchor="ctr">
+            <a:normAutofit/>
+          </a:bodyPr>
+          <a:lstStyle>
+            <a:lvl1pPr marL="0" indent="0" algn="l">
+              <a:buNone/>
+              <a:defRPr sz="1800">
+                <a:solidFill>
+                  <a:schemeClr val="tx1">
+                    <a:lumMod val="75000"/>
+                    <a:lumOff val="25000"/>
+                  </a:schemeClr>
+                </a:solidFill>
+              </a:defRPr>
+            </a:lvl1pPr>
+            <a:lvl2pPr marL="457200" indent="0">
+              <a:buNone/>
+              <a:defRPr sz="1800">
+                <a:solidFill>
+                  <a:schemeClr val="tx1">
+                    <a:tint val="75000"/>
+                  </a:schemeClr>
+                </a:solidFill>
+              </a:defRPr>
+            </a:lvl2pPr>
+            <a:lvl3pPr marL="914400" indent="0">
+              <a:buNone/>
+              <a:defRPr sz="1600">
+                <a:solidFill>
+                  <a:schemeClr val="tx1">
+                    <a:tint val="75000"/>
+                  </a:schemeClr>
+                </a:solidFill>
+              </a:defRPr>
+            </a:lvl3pPr>
+            <a:lvl4pPr marL="1371600" indent="0">
+              <a:buNone/>
+              <a:defRPr sz="1400">
+                <a:solidFill>
+                  <a:schemeClr val="tx1">
+                    <a:tint val="75000"/>
+                  </a:schemeClr>
+                </a:solidFill>
+              </a:defRPr>
+            </a:lvl4pPr>
+            <a:lvl5pPr marL="1828800" indent="0">
+              <a:buNone/>
+              <a:defRPr sz="1400">
+                <a:solidFill>
+                  <a:schemeClr val="tx1">
+                    <a:tint val="75000"/>
+                  </a:schemeClr>
+                </a:solidFill>
+              </a:defRPr>
+            </a:lvl5pPr>
+            <a:lvl6pPr marL="2286000" indent="0">
+              <a:buNone/>
+              <a:defRPr sz="1400">
+                <a:solidFill>
+                  <a:schemeClr val="tx1">
+                    <a:tint val="75000"/>
+                  </a:schemeClr>
+                </a:solidFill>
+              </a:defRPr>
+            </a:lvl6pPr>
+            <a:lvl7pPr marL="2743200" indent="0">
+              <a:buNone/>
+              <a:defRPr sz="1400">
+                <a:solidFill>
+                  <a:schemeClr val="tx1">
+                    <a:tint val="75000"/>
+                  </a:schemeClr>
+                </a:solidFill>
+              </a:defRPr>
+            </a:lvl7pPr>
+            <a:lvl8pPr marL="3200400" indent="0">
+              <a:buNone/>
+              <a:defRPr sz="1400">
+                <a:solidFill>
+                  <a:schemeClr val="tx1">
+                    <a:tint val="75000"/>
+                  </a:schemeClr>
+                </a:solidFill>
+              </a:defRPr>
+            </a:lvl8pPr>
+            <a:lvl9pPr marL="3657600" indent="0">
+              <a:buNone/>
+              <a:defRPr sz="1400">
+                <a:solidFill>
+                  <a:schemeClr val="tx1">
+                    <a:tint val="75000"/>
+                  </a:schemeClr>
+                </a:solidFill>
+              </a:defRPr>
+            </a:lvl9pPr>
+          </a:lstStyle>
+          <a:p>
+            <a:pPr lvl="0"/>
+            <a:r>
+              <a:rPr lang="en-US"/>
+              <a:t>Click to edit Master text styles</a:t>
+            </a:r>
+          </a:p>
+        </p:txBody>
+      </p:sp>
+      <p:sp>
+        <p:nvSpPr>
+          <p:cNvPr id="4" name="Date Placeholder 3"/>
+          <p:cNvSpPr>
+            <a:spLocks noGrp="1"/>
+          </p:cNvSpPr>
+          <p:nvPr>
+            <p:ph type="dt" sz="half" idx="10"/>
+          </p:nvPr>
+        </p:nvSpPr>
+        <p:spPr/>
+        <p:txBody>
+          <a:bodyPr/>
+          <a:lstStyle/>
+          <a:p>
+            <a:fld id="{48CF19BC-7402-4398-B54F-F264A784A0DE}" type="datetimeFigureOut">
+              <a:rPr lang="en-IN" smtClean="0"/>
+              <a:t>01-05-2024</a:t>
+            </a:fld>
+            <a:endParaRPr lang="en-IN"/>
+          </a:p>
+        </p:txBody>
+      </p:sp>
+      <p:sp>
+        <p:nvSpPr>
+          <p:cNvPr id="5" name="Footer Placeholder 4"/>
+          <p:cNvSpPr>
+            <a:spLocks noGrp="1"/>
+          </p:cNvSpPr>
+          <p:nvPr>
+            <p:ph type="ftr" sz="quarter" idx="11"/>
+          </p:nvPr>
+        </p:nvSpPr>
+        <p:spPr/>
+        <p:txBody>
+          <a:bodyPr/>
+          <a:lstStyle/>
+          <a:p>
+            <a:endParaRPr lang="en-IN"/>
+          </a:p>
+        </p:txBody>
+      </p:sp>
+      <p:sp>
+        <p:nvSpPr>
+          <p:cNvPr id="6" name="Slide Number Placeholder 5"/>
+          <p:cNvSpPr>
+            <a:spLocks noGrp="1"/>
+          </p:cNvSpPr>
+          <p:nvPr>
+            <p:ph type="sldNum" sz="quarter" idx="12"/>
+          </p:nvPr>
+        </p:nvSpPr>
+        <p:spPr/>
+        <p:txBody>
+          <a:bodyPr/>
+          <a:lstStyle/>
+          <a:p>
+            <a:fld id="{239C28EA-708B-42D0-AD9E-AA399AAAC528}" type="slidenum">
+              <a:rPr lang="en-IN" smtClean="0"/>
+              <a:t>‹#›</a:t>
+            </a:fld>
+            <a:endParaRPr lang="en-IN"/>
+          </a:p>
+        </p:txBody>
+      </p:sp>
+    </p:spTree>
+    <p:extLst>
+      <p:ext uri="{BB962C8B-B14F-4D97-AF65-F5344CB8AC3E}">
+        <p14:creationId xmlns:p14="http://schemas.microsoft.com/office/powerpoint/2010/main" val="4095280513"/>
+      </p:ext>
+    </p:extLst>
+  </p:cSld>
+  <p:clrMapOvr>
+    <a:masterClrMapping/>
+  </p:clrMapOvr>
+</p:sldLayout>
+</file>
+
+<file path=ppt/slideLayouts/slideLayout11.xml><?xml version="1.0" encoding="utf-8"?>
+<p:sldLayout xmlns:a="http://schemas.openxmlformats.org/drawingml/2006/main" xmlns:r="http://schemas.openxmlformats.org/officeDocument/2006/relationships" xmlns:p="http://schemas.openxmlformats.org/presentationml/2006/main" preserve="1">
+  <p:cSld name="Quote with Caption">
+    <p:spTree>
+      <p:nvGrpSpPr>
+        <p:cNvPr id="1" name=""/>
+        <p:cNvGrpSpPr/>
+        <p:nvPr/>
+      </p:nvGrpSpPr>
+      <p:grpSpPr>
+        <a:xfrm>
+          <a:off x="0" y="0"/>
+          <a:ext cx="0" cy="0"/>
+          <a:chOff x="0" y="0"/>
+          <a:chExt cx="0" cy="0"/>
+        </a:xfrm>
+      </p:grpSpPr>
+      <p:sp>
+        <p:nvSpPr>
+          <p:cNvPr id="2" name="Title 1"/>
+          <p:cNvSpPr>
+            <a:spLocks noGrp="1"/>
+          </p:cNvSpPr>
+          <p:nvPr>
+            <p:ph type="title"/>
+          </p:nvPr>
+        </p:nvSpPr>
+        <p:spPr>
+          <a:xfrm>
+            <a:off x="931334" y="609600"/>
+            <a:ext cx="8094134" cy="3022600"/>
+          </a:xfrm>
+        </p:spPr>
+        <p:txBody>
+          <a:bodyPr anchor="ctr">
+            <a:normAutofit/>
+          </a:bodyPr>
+          <a:lstStyle>
+            <a:lvl1pPr algn="l">
+              <a:defRPr sz="4400" b="0" cap="none"/>
+            </a:lvl1pPr>
+          </a:lstStyle>
+          <a:p>
+            <a:r>
+              <a:rPr lang="en-US"/>
+              <a:t>Click to edit Master title style</a:t>
+            </a:r>
+            <a:endParaRPr lang="en-US" dirty="0"/>
+          </a:p>
+        </p:txBody>
+      </p:sp>
+      <p:sp>
+        <p:nvSpPr>
+          <p:cNvPr id="23" name="Text Placeholder 9"/>
+          <p:cNvSpPr>
+            <a:spLocks noGrp="1"/>
+          </p:cNvSpPr>
+          <p:nvPr>
+            <p:ph type="body" sz="quarter" idx="13"/>
+          </p:nvPr>
+        </p:nvSpPr>
+        <p:spPr>
+          <a:xfrm>
+            <a:off x="1366139" y="3632200"/>
+            <a:ext cx="7224524" cy="381000"/>
+          </a:xfrm>
+        </p:spPr>
+        <p:txBody>
+          <a:bodyPr anchor="ctr">
+            <a:noAutofit/>
+          </a:bodyPr>
+          <a:lstStyle>
+            <a:lvl1pPr marL="0" indent="0">
+              <a:buFontTx/>
+              <a:buNone/>
+              <a:defRPr sz="1600">
+                <a:solidFill>
+                  <a:schemeClr val="tx1">
+                    <a:lumMod val="50000"/>
+                    <a:lumOff val="50000"/>
+                  </a:schemeClr>
+                </a:solidFill>
+              </a:defRPr>
+            </a:lvl1pPr>
+            <a:lvl2pPr marL="457200" indent="0">
+              <a:buFontTx/>
+              <a:buNone/>
+              <a:defRPr/>
+            </a:lvl2pPr>
+            <a:lvl3pPr marL="914400" indent="0">
+              <a:buFontTx/>
+              <a:buNone/>
+              <a:defRPr/>
+            </a:lvl3pPr>
+            <a:lvl4pPr marL="1371600" indent="0">
+              <a:buFontTx/>
+              <a:buNone/>
+              <a:defRPr/>
+            </a:lvl4pPr>
+            <a:lvl5pPr marL="1828800" indent="0">
+              <a:buFontTx/>
+              <a:buNone/>
+              <a:defRPr/>
+            </a:lvl5pPr>
+          </a:lstStyle>
+          <a:p>
+            <a:pPr lvl="0"/>
+            <a:r>
+              <a:rPr lang="en-US"/>
+              <a:t>Click to edit Master text styles</a:t>
+            </a:r>
+          </a:p>
+        </p:txBody>
+      </p:sp>
+      <p:sp>
+        <p:nvSpPr>
+          <p:cNvPr id="3" name="Text Placeholder 2"/>
+          <p:cNvSpPr>
+            <a:spLocks noGrp="1"/>
+          </p:cNvSpPr>
+          <p:nvPr>
+            <p:ph type="body" idx="1"/>
+          </p:nvPr>
+        </p:nvSpPr>
+        <p:spPr>
+          <a:xfrm>
+            <a:off x="677335" y="4470400"/>
+            <a:ext cx="8596668" cy="1570962"/>
+          </a:xfrm>
+        </p:spPr>
+        <p:txBody>
+          <a:bodyPr anchor="ctr">
+            <a:normAutofit/>
+          </a:bodyPr>
+          <a:lstStyle>
+            <a:lvl1pPr marL="0" indent="0" algn="l">
+              <a:buNone/>
+              <a:defRPr sz="1800">
+                <a:solidFill>
+                  <a:schemeClr val="tx1">
+                    <a:lumMod val="75000"/>
+                    <a:lumOff val="25000"/>
+                  </a:schemeClr>
+                </a:solidFill>
+              </a:defRPr>
+            </a:lvl1pPr>
+            <a:lvl2pPr marL="457200" indent="0">
+              <a:buNone/>
+              <a:defRPr sz="1800">
+                <a:solidFill>
+                  <a:schemeClr val="tx1">
+                    <a:tint val="75000"/>
+                  </a:schemeClr>
+                </a:solidFill>
+              </a:defRPr>
+            </a:lvl2pPr>
+            <a:lvl3pPr marL="914400" indent="0">
+              <a:buNone/>
+              <a:defRPr sz="1600">
+                <a:solidFill>
+                  <a:schemeClr val="tx1">
+                    <a:tint val="75000"/>
+                  </a:schemeClr>
+                </a:solidFill>
+              </a:defRPr>
+            </a:lvl3pPr>
+            <a:lvl4pPr marL="1371600" indent="0">
+              <a:buNone/>
+              <a:defRPr sz="1400">
+                <a:solidFill>
+                  <a:schemeClr val="tx1">
+                    <a:tint val="75000"/>
+                  </a:schemeClr>
+                </a:solidFill>
+              </a:defRPr>
+            </a:lvl4pPr>
+            <a:lvl5pPr marL="1828800" indent="0">
+              <a:buNone/>
+              <a:defRPr sz="1400">
+                <a:solidFill>
+                  <a:schemeClr val="tx1">
+                    <a:tint val="75000"/>
+                  </a:schemeClr>
+                </a:solidFill>
+              </a:defRPr>
+            </a:lvl5pPr>
+            <a:lvl6pPr marL="2286000" indent="0">
+              <a:buNone/>
+              <a:defRPr sz="1400">
+                <a:solidFill>
+                  <a:schemeClr val="tx1">
+                    <a:tint val="75000"/>
+                  </a:schemeClr>
+                </a:solidFill>
+              </a:defRPr>
+            </a:lvl6pPr>
+            <a:lvl7pPr marL="2743200" indent="0">
+              <a:buNone/>
+              <a:defRPr sz="1400">
+                <a:solidFill>
+                  <a:schemeClr val="tx1">
+                    <a:tint val="75000"/>
+                  </a:schemeClr>
+                </a:solidFill>
+              </a:defRPr>
+            </a:lvl7pPr>
+            <a:lvl8pPr marL="3200400" indent="0">
+              <a:buNone/>
+              <a:defRPr sz="1400">
+                <a:solidFill>
+                  <a:schemeClr val="tx1">
+                    <a:tint val="75000"/>
+                  </a:schemeClr>
+                </a:solidFill>
+              </a:defRPr>
+            </a:lvl8pPr>
+            <a:lvl9pPr marL="3657600" indent="0">
+              <a:buNone/>
+              <a:defRPr sz="1400">
+                <a:solidFill>
+                  <a:schemeClr val="tx1">
+                    <a:tint val="75000"/>
+                  </a:schemeClr>
+                </a:solidFill>
+              </a:defRPr>
+            </a:lvl9pPr>
+          </a:lstStyle>
+          <a:p>
+            <a:pPr lvl="0"/>
+            <a:r>
+              <a:rPr lang="en-US"/>
+              <a:t>Click to edit Master text styles</a:t>
+            </a:r>
+          </a:p>
+        </p:txBody>
+      </p:sp>
+      <p:sp>
+        <p:nvSpPr>
+          <p:cNvPr id="4" name="Date Placeholder 3"/>
+          <p:cNvSpPr>
+            <a:spLocks noGrp="1"/>
+          </p:cNvSpPr>
+          <p:nvPr>
+            <p:ph type="dt" sz="half" idx="10"/>
+          </p:nvPr>
+        </p:nvSpPr>
+        <p:spPr/>
+        <p:txBody>
+          <a:bodyPr/>
+          <a:lstStyle/>
+          <a:p>
+            <a:fld id="{48CF19BC-7402-4398-B54F-F264A784A0DE}" type="datetimeFigureOut">
+              <a:rPr lang="en-IN" smtClean="0"/>
+              <a:t>01-05-2024</a:t>
+            </a:fld>
+            <a:endParaRPr lang="en-IN"/>
+          </a:p>
+        </p:txBody>
+      </p:sp>
+      <p:sp>
+        <p:nvSpPr>
+          <p:cNvPr id="5" name="Footer Placeholder 4"/>
+          <p:cNvSpPr>
+            <a:spLocks noGrp="1"/>
+          </p:cNvSpPr>
+          <p:nvPr>
+            <p:ph type="ftr" sz="quarter" idx="11"/>
+          </p:nvPr>
+        </p:nvSpPr>
+        <p:spPr/>
+        <p:txBody>
+          <a:bodyPr/>
+          <a:lstStyle/>
+          <a:p>
+            <a:endParaRPr lang="en-IN"/>
+          </a:p>
+        </p:txBody>
+      </p:sp>
+      <p:sp>
+        <p:nvSpPr>
+          <p:cNvPr id="6" name="Slide Number Placeholder 5"/>
+          <p:cNvSpPr>
+            <a:spLocks noGrp="1"/>
+          </p:cNvSpPr>
+          <p:nvPr>
+            <p:ph type="sldNum" sz="quarter" idx="12"/>
+          </p:nvPr>
+        </p:nvSpPr>
+        <p:spPr/>
+        <p:txBody>
+          <a:bodyPr/>
+          <a:lstStyle/>
+          <a:p>
+            <a:fld id="{239C28EA-708B-42D0-AD9E-AA399AAAC528}" type="slidenum">
+              <a:rPr lang="en-IN" smtClean="0"/>
+              <a:t>‹#›</a:t>
+            </a:fld>
+            <a:endParaRPr lang="en-IN"/>
+          </a:p>
+        </p:txBody>
+      </p:sp>
+      <p:sp>
+        <p:nvSpPr>
+          <p:cNvPr id="20" name="TextBox 19"/>
+          <p:cNvSpPr txBox="1"/>
+          <p:nvPr/>
+        </p:nvSpPr>
+        <p:spPr>
+          <a:xfrm>
+            <a:off x="541870" y="790378"/>
+            <a:ext cx="609600" cy="584776"/>
+          </a:xfrm>
+          <a:prstGeom prst="rect">
+            <a:avLst/>
+          </a:prstGeom>
+        </p:spPr>
+        <p:txBody>
+          <a:bodyPr vert="horz" lIns="91440" tIns="45720" rIns="91440" bIns="45720" rtlCol="0" anchor="ctr">
+            <a:noAutofit/>
+          </a:bodyPr>
+          <a:lstStyle/>
+          <a:p>
+            <a:pPr lvl="0"/>
+            <a:r>
+              <a:rPr lang="en-US" sz="8000" baseline="0" dirty="0">
+                <a:ln w="3175" cmpd="sng">
+                  <a:noFill/>
+                </a:ln>
+                <a:solidFill>
+                  <a:schemeClr val="accent1">
+                    <a:lumMod val="60000"/>
+                    <a:lumOff val="40000"/>
+                  </a:schemeClr>
+                </a:solidFill>
+                <a:effectLst/>
+                <a:latin typeface="Arial"/>
+              </a:rPr>
+              <a:t>“</a:t>
+            </a:r>
+          </a:p>
+        </p:txBody>
+      </p:sp>
+      <p:sp>
+        <p:nvSpPr>
+          <p:cNvPr id="22" name="TextBox 21"/>
+          <p:cNvSpPr txBox="1"/>
+          <p:nvPr/>
+        </p:nvSpPr>
+        <p:spPr>
+          <a:xfrm>
+            <a:off x="8893011" y="2886556"/>
+            <a:ext cx="609600" cy="584776"/>
+          </a:xfrm>
+          <a:prstGeom prst="rect">
+            <a:avLst/>
+          </a:prstGeom>
+        </p:spPr>
+        <p:txBody>
+          <a:bodyPr vert="horz" lIns="91440" tIns="45720" rIns="91440" bIns="45720" rtlCol="0" anchor="ctr">
+            <a:noAutofit/>
+          </a:bodyPr>
+          <a:lstStyle/>
+          <a:p>
+            <a:pPr lvl="0"/>
+            <a:r>
+              <a:rPr lang="en-US" sz="8000" baseline="0" dirty="0">
+                <a:ln w="3175" cmpd="sng">
+                  <a:noFill/>
+                </a:ln>
+                <a:solidFill>
+                  <a:schemeClr val="accent1">
+                    <a:lumMod val="60000"/>
+                    <a:lumOff val="40000"/>
+                  </a:schemeClr>
+                </a:solidFill>
+                <a:latin typeface="Arial"/>
+              </a:rPr>
+              <a:t>”</a:t>
+            </a:r>
+            <a:endParaRPr lang="en-US" dirty="0">
+              <a:solidFill>
+                <a:schemeClr val="accent1">
+                  <a:lumMod val="60000"/>
+                  <a:lumOff val="40000"/>
+                </a:schemeClr>
+              </a:solidFill>
+              <a:latin typeface="Arial"/>
+            </a:endParaRPr>
+          </a:p>
+        </p:txBody>
+      </p:sp>
+    </p:spTree>
+    <p:extLst>
+      <p:ext uri="{BB962C8B-B14F-4D97-AF65-F5344CB8AC3E}">
+        <p14:creationId xmlns:p14="http://schemas.microsoft.com/office/powerpoint/2010/main" val="3880792673"/>
+      </p:ext>
+    </p:extLst>
+  </p:cSld>
+  <p:clrMapOvr>
+    <a:masterClrMapping/>
+  </p:clrMapOvr>
+</p:sldLayout>
+</file>
+
+<file path=ppt/slideLayouts/slideLayout12.xml><?xml version="1.0" encoding="utf-8"?>
+<p:sldLayout xmlns:a="http://schemas.openxmlformats.org/drawingml/2006/main" xmlns:r="http://schemas.openxmlformats.org/officeDocument/2006/relationships" xmlns:p="http://schemas.openxmlformats.org/presentationml/2006/main" preserve="1">
+  <p:cSld name="Name Card">
+    <p:spTree>
+      <p:nvGrpSpPr>
+        <p:cNvPr id="1" name=""/>
+        <p:cNvGrpSpPr/>
+        <p:nvPr/>
+      </p:nvGrpSpPr>
+      <p:grpSpPr>
+        <a:xfrm>
+          <a:off x="0" y="0"/>
+          <a:ext cx="0" cy="0"/>
+          <a:chOff x="0" y="0"/>
+          <a:chExt cx="0" cy="0"/>
+        </a:xfrm>
+      </p:grpSpPr>
+      <p:sp>
+        <p:nvSpPr>
+          <p:cNvPr id="2" name="Title 1"/>
+          <p:cNvSpPr>
+            <a:spLocks noGrp="1"/>
+          </p:cNvSpPr>
+          <p:nvPr>
+            <p:ph type="title"/>
+          </p:nvPr>
+        </p:nvSpPr>
+        <p:spPr>
+          <a:xfrm>
+            <a:off x="677335" y="1931988"/>
+            <a:ext cx="8596668" cy="2595460"/>
+          </a:xfrm>
+        </p:spPr>
+        <p:txBody>
+          <a:bodyPr anchor="b">
+            <a:normAutofit/>
+          </a:bodyPr>
+          <a:lstStyle>
+            <a:lvl1pPr algn="l">
+              <a:defRPr sz="4400" b="0" cap="none"/>
+            </a:lvl1pPr>
+          </a:lstStyle>
+          <a:p>
+            <a:r>
+              <a:rPr lang="en-US"/>
+              <a:t>Click to edit Master title style</a:t>
+            </a:r>
+            <a:endParaRPr lang="en-US" dirty="0"/>
+          </a:p>
+        </p:txBody>
+      </p:sp>
+      <p:sp>
+        <p:nvSpPr>
+          <p:cNvPr id="3" name="Text Placeholder 2"/>
+          <p:cNvSpPr>
+            <a:spLocks noGrp="1"/>
+          </p:cNvSpPr>
+          <p:nvPr>
+            <p:ph type="body" idx="1"/>
+          </p:nvPr>
+        </p:nvSpPr>
+        <p:spPr>
+          <a:xfrm>
+            <a:off x="677335" y="4527448"/>
+            <a:ext cx="8596668" cy="1513914"/>
+          </a:xfrm>
+        </p:spPr>
+        <p:txBody>
+          <a:bodyPr anchor="t">
+            <a:normAutofit/>
+          </a:bodyPr>
+          <a:lstStyle>
+            <a:lvl1pPr marL="0" indent="0" algn="l">
+              <a:buNone/>
+              <a:defRPr sz="1800">
+                <a:solidFill>
+                  <a:schemeClr val="tx1">
+                    <a:lumMod val="75000"/>
+                    <a:lumOff val="25000"/>
+                  </a:schemeClr>
+                </a:solidFill>
+              </a:defRPr>
+            </a:lvl1pPr>
+            <a:lvl2pPr marL="457200" indent="0">
+              <a:buNone/>
+              <a:defRPr sz="1800">
+                <a:solidFill>
+                  <a:schemeClr val="tx1">
+                    <a:tint val="75000"/>
+                  </a:schemeClr>
+                </a:solidFill>
+              </a:defRPr>
+            </a:lvl2pPr>
+            <a:lvl3pPr marL="914400" indent="0">
+              <a:buNone/>
+              <a:defRPr sz="1600">
+                <a:solidFill>
+                  <a:schemeClr val="tx1">
+                    <a:tint val="75000"/>
+                  </a:schemeClr>
+                </a:solidFill>
+              </a:defRPr>
+            </a:lvl3pPr>
+            <a:lvl4pPr marL="1371600" indent="0">
+              <a:buNone/>
+              <a:defRPr sz="1400">
+                <a:solidFill>
+                  <a:schemeClr val="tx1">
+                    <a:tint val="75000"/>
+                  </a:schemeClr>
+                </a:solidFill>
+              </a:defRPr>
+            </a:lvl4pPr>
+            <a:lvl5pPr marL="1828800" indent="0">
+              <a:buNone/>
+              <a:defRPr sz="1400">
+                <a:solidFill>
+                  <a:schemeClr val="tx1">
+                    <a:tint val="75000"/>
+                  </a:schemeClr>
+                </a:solidFill>
+              </a:defRPr>
+            </a:lvl5pPr>
+            <a:lvl6pPr marL="2286000" indent="0">
+              <a:buNone/>
+              <a:defRPr sz="1400">
+                <a:solidFill>
+                  <a:schemeClr val="tx1">
+                    <a:tint val="75000"/>
+                  </a:schemeClr>
+                </a:solidFill>
+              </a:defRPr>
+            </a:lvl6pPr>
+            <a:lvl7pPr marL="2743200" indent="0">
+              <a:buNone/>
+              <a:defRPr sz="1400">
+                <a:solidFill>
+                  <a:schemeClr val="tx1">
+                    <a:tint val="75000"/>
+                  </a:schemeClr>
+                </a:solidFill>
+              </a:defRPr>
+            </a:lvl7pPr>
+            <a:lvl8pPr marL="3200400" indent="0">
+              <a:buNone/>
+              <a:defRPr sz="1400">
+                <a:solidFill>
+                  <a:schemeClr val="tx1">
+                    <a:tint val="75000"/>
+                  </a:schemeClr>
+                </a:solidFill>
+              </a:defRPr>
+            </a:lvl8pPr>
+            <a:lvl9pPr marL="3657600" indent="0">
+              <a:buNone/>
+              <a:defRPr sz="1400">
+                <a:solidFill>
+                  <a:schemeClr val="tx1">
+                    <a:tint val="75000"/>
+                  </a:schemeClr>
+                </a:solidFill>
+              </a:defRPr>
+            </a:lvl9pPr>
+          </a:lstStyle>
+          <a:p>
+            <a:pPr lvl="0"/>
+            <a:r>
+              <a:rPr lang="en-US"/>
+              <a:t>Click to edit Master text styles</a:t>
+            </a:r>
+          </a:p>
+        </p:txBody>
+      </p:sp>
+      <p:sp>
+        <p:nvSpPr>
+          <p:cNvPr id="4" name="Date Placeholder 3"/>
+          <p:cNvSpPr>
+            <a:spLocks noGrp="1"/>
+          </p:cNvSpPr>
+          <p:nvPr>
+            <p:ph type="dt" sz="half" idx="10"/>
+          </p:nvPr>
+        </p:nvSpPr>
+        <p:spPr/>
+        <p:txBody>
+          <a:bodyPr/>
+          <a:lstStyle/>
+          <a:p>
+            <a:fld id="{48CF19BC-7402-4398-B54F-F264A784A0DE}" type="datetimeFigureOut">
+              <a:rPr lang="en-IN" smtClean="0"/>
+              <a:t>01-05-2024</a:t>
+            </a:fld>
+            <a:endParaRPr lang="en-IN"/>
+          </a:p>
+        </p:txBody>
+      </p:sp>
+      <p:sp>
+        <p:nvSpPr>
+          <p:cNvPr id="5" name="Footer Placeholder 4"/>
+          <p:cNvSpPr>
+            <a:spLocks noGrp="1"/>
+          </p:cNvSpPr>
+          <p:nvPr>
+            <p:ph type="ftr" sz="quarter" idx="11"/>
+          </p:nvPr>
+        </p:nvSpPr>
+        <p:spPr/>
+        <p:txBody>
+          <a:bodyPr/>
+          <a:lstStyle/>
+          <a:p>
+            <a:endParaRPr lang="en-IN"/>
+          </a:p>
+        </p:txBody>
+      </p:sp>
+      <p:sp>
+        <p:nvSpPr>
+          <p:cNvPr id="6" name="Slide Number Placeholder 5"/>
+          <p:cNvSpPr>
+            <a:spLocks noGrp="1"/>
+          </p:cNvSpPr>
+          <p:nvPr>
+            <p:ph type="sldNum" sz="quarter" idx="12"/>
+          </p:nvPr>
+        </p:nvSpPr>
+        <p:spPr/>
+        <p:txBody>
+          <a:bodyPr/>
+          <a:lstStyle/>
+          <a:p>
+            <a:fld id="{239C28EA-708B-42D0-AD9E-AA399AAAC528}" type="slidenum">
+              <a:rPr lang="en-IN" smtClean="0"/>
+              <a:t>‹#›</a:t>
+            </a:fld>
+            <a:endParaRPr lang="en-IN"/>
+          </a:p>
+        </p:txBody>
+      </p:sp>
+    </p:spTree>
+    <p:extLst>
+      <p:ext uri="{BB962C8B-B14F-4D97-AF65-F5344CB8AC3E}">
+        <p14:creationId xmlns:p14="http://schemas.microsoft.com/office/powerpoint/2010/main" val="1111810457"/>
+      </p:ext>
+    </p:extLst>
+  </p:cSld>
+  <p:clrMapOvr>
+    <a:masterClrMapping/>
+  </p:clrMapOvr>
+</p:sldLayout>
+</file>
+
+<file path=ppt/slideLayouts/slideLayout13.xml><?xml version="1.0" encoding="utf-8"?>
+<p:sldLayout xmlns:a="http://schemas.openxmlformats.org/drawingml/2006/main" xmlns:r="http://schemas.openxmlformats.org/officeDocument/2006/relationships" xmlns:p="http://schemas.openxmlformats.org/presentationml/2006/main" preserve="1">
+  <p:cSld name="Quote Name Card">
+    <p:spTree>
+      <p:nvGrpSpPr>
+        <p:cNvPr id="1" name=""/>
+        <p:cNvGrpSpPr/>
+        <p:nvPr/>
+      </p:nvGrpSpPr>
+      <p:grpSpPr>
+        <a:xfrm>
+          <a:off x="0" y="0"/>
+          <a:ext cx="0" cy="0"/>
+          <a:chOff x="0" y="0"/>
+          <a:chExt cx="0" cy="0"/>
+        </a:xfrm>
+      </p:grpSpPr>
+      <p:sp>
+        <p:nvSpPr>
+          <p:cNvPr id="2" name="Title 1"/>
+          <p:cNvSpPr>
+            <a:spLocks noGrp="1"/>
+          </p:cNvSpPr>
+          <p:nvPr>
+            <p:ph type="title"/>
+          </p:nvPr>
+        </p:nvSpPr>
+        <p:spPr>
+          <a:xfrm>
+            <a:off x="931334" y="609600"/>
+            <a:ext cx="8094134" cy="3022600"/>
+          </a:xfrm>
+        </p:spPr>
+        <p:txBody>
+          <a:bodyPr anchor="ctr">
+            <a:normAutofit/>
+          </a:bodyPr>
+          <a:lstStyle>
+            <a:lvl1pPr algn="l">
+              <a:defRPr sz="4400" b="0" cap="none"/>
+            </a:lvl1pPr>
+          </a:lstStyle>
+          <a:p>
+            <a:r>
+              <a:rPr lang="en-US"/>
+              <a:t>Click to edit Master title style</a:t>
+            </a:r>
+            <a:endParaRPr lang="en-US" dirty="0"/>
+          </a:p>
+        </p:txBody>
+      </p:sp>
+      <p:sp>
+        <p:nvSpPr>
+          <p:cNvPr id="23" name="Text Placeholder 9"/>
+          <p:cNvSpPr>
+            <a:spLocks noGrp="1"/>
+          </p:cNvSpPr>
+          <p:nvPr>
+            <p:ph type="body" sz="quarter" idx="13"/>
+          </p:nvPr>
+        </p:nvSpPr>
+        <p:spPr>
+          <a:xfrm>
+            <a:off x="677332" y="4013200"/>
+            <a:ext cx="8596669" cy="514248"/>
+          </a:xfrm>
+        </p:spPr>
+        <p:txBody>
+          <a:bodyPr anchor="b">
+            <a:noAutofit/>
+          </a:bodyPr>
+          <a:lstStyle>
+            <a:lvl1pPr marL="0" indent="0">
+              <a:buFontTx/>
+              <a:buNone/>
+              <a:defRPr sz="2400">
+                <a:solidFill>
+                  <a:schemeClr val="tx1">
+                    <a:lumMod val="75000"/>
+                    <a:lumOff val="25000"/>
+                  </a:schemeClr>
+                </a:solidFill>
+              </a:defRPr>
+            </a:lvl1pPr>
+            <a:lvl2pPr marL="457200" indent="0">
+              <a:buFontTx/>
+              <a:buNone/>
+              <a:defRPr/>
+            </a:lvl2pPr>
+            <a:lvl3pPr marL="914400" indent="0">
+              <a:buFontTx/>
+              <a:buNone/>
+              <a:defRPr/>
+            </a:lvl3pPr>
+            <a:lvl4pPr marL="1371600" indent="0">
+              <a:buFontTx/>
+              <a:buNone/>
+              <a:defRPr/>
+            </a:lvl4pPr>
+            <a:lvl5pPr marL="1828800" indent="0">
+              <a:buFontTx/>
+              <a:buNone/>
+              <a:defRPr/>
+            </a:lvl5pPr>
+          </a:lstStyle>
+          <a:p>
+            <a:pPr lvl="0"/>
+            <a:r>
+              <a:rPr lang="en-US"/>
+              <a:t>Click to edit Master text styles</a:t>
+            </a:r>
+          </a:p>
+        </p:txBody>
+      </p:sp>
+      <p:sp>
+        <p:nvSpPr>
+          <p:cNvPr id="3" name="Text Placeholder 2"/>
+          <p:cNvSpPr>
+            <a:spLocks noGrp="1"/>
+          </p:cNvSpPr>
+          <p:nvPr>
+            <p:ph type="body" idx="1"/>
+          </p:nvPr>
+        </p:nvSpPr>
+        <p:spPr>
+          <a:xfrm>
+            <a:off x="677335" y="4527448"/>
+            <a:ext cx="8596668" cy="1513914"/>
+          </a:xfrm>
+        </p:spPr>
+        <p:txBody>
+          <a:bodyPr anchor="t">
+            <a:normAutofit/>
+          </a:bodyPr>
+          <a:lstStyle>
+            <a:lvl1pPr marL="0" indent="0" algn="l">
+              <a:buNone/>
+              <a:defRPr sz="1800">
+                <a:solidFill>
+                  <a:schemeClr val="tx1">
+                    <a:lumMod val="50000"/>
+                    <a:lumOff val="50000"/>
+                  </a:schemeClr>
+                </a:solidFill>
+              </a:defRPr>
+            </a:lvl1pPr>
+            <a:lvl2pPr marL="457200" indent="0">
+              <a:buNone/>
+              <a:defRPr sz="1800">
+                <a:solidFill>
+                  <a:schemeClr val="tx1">
+                    <a:tint val="75000"/>
+                  </a:schemeClr>
+                </a:solidFill>
+              </a:defRPr>
+            </a:lvl2pPr>
+            <a:lvl3pPr marL="914400" indent="0">
+              <a:buNone/>
+              <a:defRPr sz="1600">
+                <a:solidFill>
+                  <a:schemeClr val="tx1">
+                    <a:tint val="75000"/>
+                  </a:schemeClr>
+                </a:solidFill>
+              </a:defRPr>
+            </a:lvl3pPr>
+            <a:lvl4pPr marL="1371600" indent="0">
+              <a:buNone/>
+              <a:defRPr sz="1400">
+                <a:solidFill>
+                  <a:schemeClr val="tx1">
+                    <a:tint val="75000"/>
+                  </a:schemeClr>
+                </a:solidFill>
+              </a:defRPr>
+            </a:lvl4pPr>
+            <a:lvl5pPr marL="1828800" indent="0">
+              <a:buNone/>
+              <a:defRPr sz="1400">
+                <a:solidFill>
+                  <a:schemeClr val="tx1">
+                    <a:tint val="75000"/>
+                  </a:schemeClr>
+                </a:solidFill>
+              </a:defRPr>
+            </a:lvl5pPr>
+            <a:lvl6pPr marL="2286000" indent="0">
+              <a:buNone/>
+              <a:defRPr sz="1400">
+                <a:solidFill>
+                  <a:schemeClr val="tx1">
+                    <a:tint val="75000"/>
+                  </a:schemeClr>
+                </a:solidFill>
+              </a:defRPr>
+            </a:lvl6pPr>
+            <a:lvl7pPr marL="2743200" indent="0">
+              <a:buNone/>
+              <a:defRPr sz="1400">
+                <a:solidFill>
+                  <a:schemeClr val="tx1">
+                    <a:tint val="75000"/>
+                  </a:schemeClr>
+                </a:solidFill>
+              </a:defRPr>
+            </a:lvl7pPr>
+            <a:lvl8pPr marL="3200400" indent="0">
+              <a:buNone/>
+              <a:defRPr sz="1400">
+                <a:solidFill>
+                  <a:schemeClr val="tx1">
+                    <a:tint val="75000"/>
+                  </a:schemeClr>
+                </a:solidFill>
+              </a:defRPr>
+            </a:lvl8pPr>
+            <a:lvl9pPr marL="3657600" indent="0">
+              <a:buNone/>
+              <a:defRPr sz="1400">
+                <a:solidFill>
+                  <a:schemeClr val="tx1">
+                    <a:tint val="75000"/>
+                  </a:schemeClr>
+                </a:solidFill>
+              </a:defRPr>
+            </a:lvl9pPr>
+          </a:lstStyle>
+          <a:p>
+            <a:pPr lvl="0"/>
+            <a:r>
+              <a:rPr lang="en-US"/>
+              <a:t>Click to edit Master text styles</a:t>
+            </a:r>
+          </a:p>
+        </p:txBody>
+      </p:sp>
+      <p:sp>
+        <p:nvSpPr>
+          <p:cNvPr id="4" name="Date Placeholder 3"/>
+          <p:cNvSpPr>
+            <a:spLocks noGrp="1"/>
+          </p:cNvSpPr>
+          <p:nvPr>
+            <p:ph type="dt" sz="half" idx="10"/>
+          </p:nvPr>
+        </p:nvSpPr>
+        <p:spPr/>
+        <p:txBody>
+          <a:bodyPr/>
+          <a:lstStyle/>
+          <a:p>
+            <a:fld id="{48CF19BC-7402-4398-B54F-F264A784A0DE}" type="datetimeFigureOut">
+              <a:rPr lang="en-IN" smtClean="0"/>
+              <a:t>01-05-2024</a:t>
+            </a:fld>
+            <a:endParaRPr lang="en-IN"/>
+          </a:p>
+        </p:txBody>
+      </p:sp>
+      <p:sp>
+        <p:nvSpPr>
+          <p:cNvPr id="5" name="Footer Placeholder 4"/>
+          <p:cNvSpPr>
+            <a:spLocks noGrp="1"/>
+          </p:cNvSpPr>
+          <p:nvPr>
+            <p:ph type="ftr" sz="quarter" idx="11"/>
+          </p:nvPr>
+        </p:nvSpPr>
+        <p:spPr/>
+        <p:txBody>
+          <a:bodyPr/>
+          <a:lstStyle/>
+          <a:p>
+            <a:endParaRPr lang="en-IN"/>
+          </a:p>
+        </p:txBody>
+      </p:sp>
+      <p:sp>
+        <p:nvSpPr>
+          <p:cNvPr id="6" name="Slide Number Placeholder 5"/>
+          <p:cNvSpPr>
+            <a:spLocks noGrp="1"/>
+          </p:cNvSpPr>
+          <p:nvPr>
+            <p:ph type="sldNum" sz="quarter" idx="12"/>
+          </p:nvPr>
+        </p:nvSpPr>
+        <p:spPr/>
+        <p:txBody>
+          <a:bodyPr/>
+          <a:lstStyle/>
+          <a:p>
+            <a:fld id="{239C28EA-708B-42D0-AD9E-AA399AAAC528}" type="slidenum">
+              <a:rPr lang="en-IN" smtClean="0"/>
+              <a:t>‹#›</a:t>
+            </a:fld>
+            <a:endParaRPr lang="en-IN"/>
+          </a:p>
+        </p:txBody>
+      </p:sp>
+      <p:sp>
+        <p:nvSpPr>
+          <p:cNvPr id="24" name="TextBox 23"/>
+          <p:cNvSpPr txBox="1"/>
+          <p:nvPr/>
+        </p:nvSpPr>
+        <p:spPr>
+          <a:xfrm>
+            <a:off x="541870" y="790378"/>
+            <a:ext cx="609600" cy="584776"/>
+          </a:xfrm>
+          <a:prstGeom prst="rect">
+            <a:avLst/>
+          </a:prstGeom>
+        </p:spPr>
+        <p:txBody>
+          <a:bodyPr vert="horz" lIns="91440" tIns="45720" rIns="91440" bIns="45720" rtlCol="0" anchor="ctr">
+            <a:noAutofit/>
+          </a:bodyPr>
+          <a:lstStyle/>
+          <a:p>
+            <a:pPr lvl="0"/>
+            <a:r>
+              <a:rPr lang="en-US" sz="8000" baseline="0" dirty="0">
+                <a:ln w="3175" cmpd="sng">
+                  <a:noFill/>
+                </a:ln>
+                <a:solidFill>
+                  <a:schemeClr val="accent1">
+                    <a:lumMod val="60000"/>
+                    <a:lumOff val="40000"/>
+                  </a:schemeClr>
+                </a:solidFill>
+                <a:effectLst/>
+                <a:latin typeface="Arial"/>
+              </a:rPr>
+              <a:t>“</a:t>
+            </a:r>
+          </a:p>
+        </p:txBody>
+      </p:sp>
+      <p:sp>
+        <p:nvSpPr>
+          <p:cNvPr id="25" name="TextBox 24"/>
+          <p:cNvSpPr txBox="1"/>
+          <p:nvPr/>
+        </p:nvSpPr>
+        <p:spPr>
+          <a:xfrm>
+            <a:off x="8893011" y="2886556"/>
+            <a:ext cx="609600" cy="584776"/>
+          </a:xfrm>
+          <a:prstGeom prst="rect">
+            <a:avLst/>
+          </a:prstGeom>
+        </p:spPr>
+        <p:txBody>
+          <a:bodyPr vert="horz" lIns="91440" tIns="45720" rIns="91440" bIns="45720" rtlCol="0" anchor="ctr">
+            <a:noAutofit/>
+          </a:bodyPr>
+          <a:lstStyle/>
+          <a:p>
+            <a:pPr lvl="0"/>
+            <a:r>
+              <a:rPr lang="en-US" sz="8000" baseline="0" dirty="0">
+                <a:ln w="3175" cmpd="sng">
+                  <a:noFill/>
+                </a:ln>
+                <a:solidFill>
+                  <a:schemeClr val="accent1">
+                    <a:lumMod val="60000"/>
+                    <a:lumOff val="40000"/>
+                  </a:schemeClr>
+                </a:solidFill>
+                <a:effectLst/>
+                <a:latin typeface="Arial"/>
+              </a:rPr>
+              <a:t>”</a:t>
+            </a:r>
+          </a:p>
+        </p:txBody>
+      </p:sp>
+    </p:spTree>
+    <p:extLst>
+      <p:ext uri="{BB962C8B-B14F-4D97-AF65-F5344CB8AC3E}">
+        <p14:creationId xmlns:p14="http://schemas.microsoft.com/office/powerpoint/2010/main" val="193381663"/>
+      </p:ext>
+    </p:extLst>
+  </p:cSld>
+  <p:clrMapOvr>
+    <a:masterClrMapping/>
+  </p:clrMapOvr>
+</p:sldLayout>
+</file>
+
+<file path=ppt/slideLayouts/slideLayout14.xml><?xml version="1.0" encoding="utf-8"?>
+<p:sldLayout xmlns:a="http://schemas.openxmlformats.org/drawingml/2006/main" xmlns:r="http://schemas.openxmlformats.org/officeDocument/2006/relationships" xmlns:p="http://schemas.openxmlformats.org/presentationml/2006/main" preserve="1">
+  <p:cSld name="True or False">
+    <p:spTree>
+      <p:nvGrpSpPr>
+        <p:cNvPr id="1" name=""/>
+        <p:cNvGrpSpPr/>
+        <p:nvPr/>
+      </p:nvGrpSpPr>
+      <p:grpSpPr>
+        <a:xfrm>
+          <a:off x="0" y="0"/>
+          <a:ext cx="0" cy="0"/>
+          <a:chOff x="0" y="0"/>
+          <a:chExt cx="0" cy="0"/>
+        </a:xfrm>
+      </p:grpSpPr>
+      <p:sp>
+        <p:nvSpPr>
+          <p:cNvPr id="2" name="Title 1"/>
+          <p:cNvSpPr>
+            <a:spLocks noGrp="1"/>
+          </p:cNvSpPr>
+          <p:nvPr>
+            <p:ph type="title"/>
+          </p:nvPr>
+        </p:nvSpPr>
+        <p:spPr>
+          <a:xfrm>
+            <a:off x="685799" y="609600"/>
+            <a:ext cx="8588203" cy="3022600"/>
+          </a:xfrm>
+        </p:spPr>
+        <p:txBody>
+          <a:bodyPr anchor="ctr">
+            <a:normAutofit/>
+          </a:bodyPr>
+          <a:lstStyle>
+            <a:lvl1pPr algn="l">
+              <a:defRPr sz="4400" b="0" cap="none"/>
+            </a:lvl1pPr>
+          </a:lstStyle>
+          <a:p>
+            <a:r>
+              <a:rPr lang="en-US"/>
+              <a:t>Click to edit Master title style</a:t>
+            </a:r>
+            <a:endParaRPr lang="en-US" dirty="0"/>
+          </a:p>
+        </p:txBody>
+      </p:sp>
+      <p:sp>
+        <p:nvSpPr>
+          <p:cNvPr id="23" name="Text Placeholder 9"/>
+          <p:cNvSpPr>
+            <a:spLocks noGrp="1"/>
+          </p:cNvSpPr>
+          <p:nvPr>
+            <p:ph type="body" sz="quarter" idx="13"/>
+          </p:nvPr>
+        </p:nvSpPr>
+        <p:spPr>
+          <a:xfrm>
+            <a:off x="677332" y="4013200"/>
+            <a:ext cx="8596669" cy="514248"/>
+          </a:xfrm>
+        </p:spPr>
+        <p:txBody>
+          <a:bodyPr anchor="b">
+            <a:noAutofit/>
+          </a:bodyPr>
+          <a:lstStyle>
+            <a:lvl1pPr marL="0" indent="0">
+              <a:buFontTx/>
+              <a:buNone/>
+              <a:defRPr sz="2400">
+                <a:solidFill>
+                  <a:schemeClr val="accent1"/>
+                </a:solidFill>
+              </a:defRPr>
+            </a:lvl1pPr>
+            <a:lvl2pPr marL="457200" indent="0">
+              <a:buFontTx/>
+              <a:buNone/>
+              <a:defRPr/>
+            </a:lvl2pPr>
+            <a:lvl3pPr marL="914400" indent="0">
+              <a:buFontTx/>
+              <a:buNone/>
+              <a:defRPr/>
+            </a:lvl3pPr>
+            <a:lvl4pPr marL="1371600" indent="0">
+              <a:buFontTx/>
+              <a:buNone/>
+              <a:defRPr/>
+            </a:lvl4pPr>
+            <a:lvl5pPr marL="1828800" indent="0">
+              <a:buFontTx/>
+              <a:buNone/>
+              <a:defRPr/>
+            </a:lvl5pPr>
+          </a:lstStyle>
+          <a:p>
+            <a:pPr lvl="0"/>
+            <a:r>
+              <a:rPr lang="en-US"/>
+              <a:t>Click to edit Master text styles</a:t>
+            </a:r>
+          </a:p>
+        </p:txBody>
+      </p:sp>
+      <p:sp>
+        <p:nvSpPr>
+          <p:cNvPr id="3" name="Text Placeholder 2"/>
+          <p:cNvSpPr>
+            <a:spLocks noGrp="1"/>
+          </p:cNvSpPr>
+          <p:nvPr>
+            <p:ph type="body" idx="1"/>
+          </p:nvPr>
+        </p:nvSpPr>
+        <p:spPr>
+          <a:xfrm>
+            <a:off x="677335" y="4527448"/>
+            <a:ext cx="8596668" cy="1513914"/>
+          </a:xfrm>
+        </p:spPr>
+        <p:txBody>
+          <a:bodyPr anchor="t">
+            <a:normAutofit/>
+          </a:bodyPr>
+          <a:lstStyle>
+            <a:lvl1pPr marL="0" indent="0" algn="l">
+              <a:buNone/>
+              <a:defRPr sz="1800">
+                <a:solidFill>
+                  <a:schemeClr val="tx1">
+                    <a:lumMod val="50000"/>
+                    <a:lumOff val="50000"/>
+                  </a:schemeClr>
+                </a:solidFill>
+              </a:defRPr>
+            </a:lvl1pPr>
+            <a:lvl2pPr marL="457200" indent="0">
+              <a:buNone/>
+              <a:defRPr sz="1800">
+                <a:solidFill>
+                  <a:schemeClr val="tx1">
+                    <a:tint val="75000"/>
+                  </a:schemeClr>
+                </a:solidFill>
+              </a:defRPr>
+            </a:lvl2pPr>
+            <a:lvl3pPr marL="914400" indent="0">
+              <a:buNone/>
+              <a:defRPr sz="1600">
+                <a:solidFill>
+                  <a:schemeClr val="tx1">
+                    <a:tint val="75000"/>
+                  </a:schemeClr>
+                </a:solidFill>
+              </a:defRPr>
+            </a:lvl3pPr>
+            <a:lvl4pPr marL="1371600" indent="0">
+              <a:buNone/>
+              <a:defRPr sz="1400">
+                <a:solidFill>
+                  <a:schemeClr val="tx1">
+                    <a:tint val="75000"/>
+                  </a:schemeClr>
+                </a:solidFill>
+              </a:defRPr>
+            </a:lvl4pPr>
+            <a:lvl5pPr marL="1828800" indent="0">
+              <a:buNone/>
+              <a:defRPr sz="1400">
+                <a:solidFill>
+                  <a:schemeClr val="tx1">
+                    <a:tint val="75000"/>
+                  </a:schemeClr>
+                </a:solidFill>
+              </a:defRPr>
+            </a:lvl5pPr>
+            <a:lvl6pPr marL="2286000" indent="0">
+              <a:buNone/>
+              <a:defRPr sz="1400">
+                <a:solidFill>
+                  <a:schemeClr val="tx1">
+                    <a:tint val="75000"/>
+                  </a:schemeClr>
+                </a:solidFill>
+              </a:defRPr>
+            </a:lvl6pPr>
+            <a:lvl7pPr marL="2743200" indent="0">
+              <a:buNone/>
+              <a:defRPr sz="1400">
+                <a:solidFill>
+                  <a:schemeClr val="tx1">
+                    <a:tint val="75000"/>
+                  </a:schemeClr>
+                </a:solidFill>
+              </a:defRPr>
+            </a:lvl7pPr>
+            <a:lvl8pPr marL="3200400" indent="0">
+              <a:buNone/>
+              <a:defRPr sz="1400">
+                <a:solidFill>
+                  <a:schemeClr val="tx1">
+                    <a:tint val="75000"/>
+                  </a:schemeClr>
+                </a:solidFill>
+              </a:defRPr>
+            </a:lvl8pPr>
+            <a:lvl9pPr marL="3657600" indent="0">
+              <a:buNone/>
+              <a:defRPr sz="1400">
+                <a:solidFill>
+                  <a:schemeClr val="tx1">
+                    <a:tint val="75000"/>
+                  </a:schemeClr>
+                </a:solidFill>
+              </a:defRPr>
+            </a:lvl9pPr>
+          </a:lstStyle>
+          <a:p>
+            <a:pPr lvl="0"/>
+            <a:r>
+              <a:rPr lang="en-US"/>
+              <a:t>Click to edit Master text styles</a:t>
+            </a:r>
+          </a:p>
+        </p:txBody>
+      </p:sp>
+      <p:sp>
+        <p:nvSpPr>
+          <p:cNvPr id="4" name="Date Placeholder 3"/>
+          <p:cNvSpPr>
+            <a:spLocks noGrp="1"/>
+          </p:cNvSpPr>
+          <p:nvPr>
+            <p:ph type="dt" sz="half" idx="10"/>
+          </p:nvPr>
+        </p:nvSpPr>
+        <p:spPr/>
+        <p:txBody>
+          <a:bodyPr/>
+          <a:lstStyle/>
+          <a:p>
+            <a:fld id="{48CF19BC-7402-4398-B54F-F264A784A0DE}" type="datetimeFigureOut">
+              <a:rPr lang="en-IN" smtClean="0"/>
+              <a:t>01-05-2024</a:t>
+            </a:fld>
+            <a:endParaRPr lang="en-IN"/>
+          </a:p>
+        </p:txBody>
+      </p:sp>
+      <p:sp>
+        <p:nvSpPr>
+          <p:cNvPr id="5" name="Footer Placeholder 4"/>
+          <p:cNvSpPr>
+            <a:spLocks noGrp="1"/>
+          </p:cNvSpPr>
+          <p:nvPr>
+            <p:ph type="ftr" sz="quarter" idx="11"/>
+          </p:nvPr>
+        </p:nvSpPr>
+        <p:spPr/>
+        <p:txBody>
+          <a:bodyPr/>
+          <a:lstStyle/>
+          <a:p>
+            <a:endParaRPr lang="en-IN"/>
+          </a:p>
+        </p:txBody>
+      </p:sp>
+      <p:sp>
+        <p:nvSpPr>
+          <p:cNvPr id="6" name="Slide Number Placeholder 5"/>
+          <p:cNvSpPr>
+            <a:spLocks noGrp="1"/>
+          </p:cNvSpPr>
+          <p:nvPr>
+            <p:ph type="sldNum" sz="quarter" idx="12"/>
+          </p:nvPr>
+        </p:nvSpPr>
+        <p:spPr/>
+        <p:txBody>
+          <a:bodyPr/>
+          <a:lstStyle/>
+          <a:p>
+            <a:fld id="{239C28EA-708B-42D0-AD9E-AA399AAAC528}" type="slidenum">
+              <a:rPr lang="en-IN" smtClean="0"/>
+              <a:t>‹#›</a:t>
+            </a:fld>
+            <a:endParaRPr lang="en-IN"/>
+          </a:p>
+        </p:txBody>
+      </p:sp>
+    </p:spTree>
+    <p:extLst>
+      <p:ext uri="{BB962C8B-B14F-4D97-AF65-F5344CB8AC3E}">
+        <p14:creationId xmlns:p14="http://schemas.microsoft.com/office/powerpoint/2010/main" val="1481626602"/>
+      </p:ext>
+    </p:extLst>
+  </p:cSld>
+  <p:clrMapOvr>
+    <a:masterClrMapping/>
+  </p:clrMapOvr>
+</p:sldLayout>
+</file>
+
+<file path=ppt/slideLayouts/slideLayout15.xml><?xml version="1.0" encoding="utf-8"?>
 <p:sldLayout xmlns:a="http://schemas.openxmlformats.org/drawingml/2006/main" xmlns:r="http://schemas.openxmlformats.org/officeDocument/2006/relationships" xmlns:p="http://schemas.openxmlformats.org/presentationml/2006/main" type="vertTx" preserve="1">
   <p:cSld name="Title and Vertical Text">
     <p:spTree>
@@ -361,13 +2541,7 @@
       </p:grpSpPr>
       <p:sp>
         <p:nvSpPr>
-          <p:cNvPr id="2" name="Title 1">
-            <a:extLst>
-              <a:ext uri="{FF2B5EF4-FFF2-40B4-BE49-F238E27FC236}">
-                <a16:creationId xmlns:a16="http://schemas.microsoft.com/office/drawing/2014/main" id="{A4A329AB-A2ED-6449-DC0D-BBA4BCCBFEF5}"/>
-              </a:ext>
-            </a:extLst>
-          </p:cNvPr>
+          <p:cNvPr id="2" name="Title 1"/>
           <p:cNvSpPr>
             <a:spLocks noGrp="1"/>
           </p:cNvSpPr>
@@ -384,19 +2558,13 @@
               <a:rPr lang="en-US"/>
               <a:t>Click to edit Master title style</a:t>
             </a:r>
-            <a:endParaRPr lang="en-IN"/>
-          </a:p>
-        </p:txBody>
-      </p:sp>
-      <p:sp>
-        <p:nvSpPr>
-          <p:cNvPr id="3" name="Vertical Text Placeholder 2">
-            <a:extLst>
-              <a:ext uri="{FF2B5EF4-FFF2-40B4-BE49-F238E27FC236}">
-                <a16:creationId xmlns:a16="http://schemas.microsoft.com/office/drawing/2014/main" id="{47B4F122-B714-886E-3F0C-8D45078CB280}"/>
-              </a:ext>
-            </a:extLst>
-          </p:cNvPr>
+            <a:endParaRPr lang="en-US" dirty="0"/>
+          </a:p>
+        </p:txBody>
+      </p:sp>
+      <p:sp>
+        <p:nvSpPr>
+          <p:cNvPr id="3" name="Vertical Text Placeholder 2"/>
           <p:cNvSpPr>
             <a:spLocks noGrp="1"/>
           </p:cNvSpPr>
@@ -442,19 +2610,13 @@
               <a:rPr lang="en-US"/>
               <a:t>Fifth level</a:t>
             </a:r>
-            <a:endParaRPr lang="en-IN"/>
-          </a:p>
-        </p:txBody>
-      </p:sp>
-      <p:sp>
-        <p:nvSpPr>
-          <p:cNvPr id="4" name="Date Placeholder 3">
-            <a:extLst>
-              <a:ext uri="{FF2B5EF4-FFF2-40B4-BE49-F238E27FC236}">
-                <a16:creationId xmlns:a16="http://schemas.microsoft.com/office/drawing/2014/main" id="{24229C54-7425-F60A-AAC3-7E3928E54181}"/>
-              </a:ext>
-            </a:extLst>
-          </p:cNvPr>
+            <a:endParaRPr lang="en-US" dirty="0"/>
+          </a:p>
+        </p:txBody>
+      </p:sp>
+      <p:sp>
+        <p:nvSpPr>
+          <p:cNvPr id="4" name="Date Placeholder 3"/>
           <p:cNvSpPr>
             <a:spLocks noGrp="1"/>
           </p:cNvSpPr>
@@ -469,7 +2631,7 @@
           <a:p>
             <a:fld id="{48CF19BC-7402-4398-B54F-F264A784A0DE}" type="datetimeFigureOut">
               <a:rPr lang="en-IN" smtClean="0"/>
-              <a:t>29-04-2024</a:t>
+              <a:t>01-05-2024</a:t>
             </a:fld>
             <a:endParaRPr lang="en-IN"/>
           </a:p>
@@ -477,13 +2639,7 @@
       </p:sp>
       <p:sp>
         <p:nvSpPr>
-          <p:cNvPr id="5" name="Footer Placeholder 4">
-            <a:extLst>
-              <a:ext uri="{FF2B5EF4-FFF2-40B4-BE49-F238E27FC236}">
-                <a16:creationId xmlns:a16="http://schemas.microsoft.com/office/drawing/2014/main" id="{D2271560-AEC6-1714-10E7-82D9BE121189}"/>
-              </a:ext>
-            </a:extLst>
-          </p:cNvPr>
+          <p:cNvPr id="5" name="Footer Placeholder 4"/>
           <p:cNvSpPr>
             <a:spLocks noGrp="1"/>
           </p:cNvSpPr>
@@ -502,13 +2658,7 @@
       </p:sp>
       <p:sp>
         <p:nvSpPr>
-          <p:cNvPr id="6" name="Slide Number Placeholder 5">
-            <a:extLst>
-              <a:ext uri="{FF2B5EF4-FFF2-40B4-BE49-F238E27FC236}">
-                <a16:creationId xmlns:a16="http://schemas.microsoft.com/office/drawing/2014/main" id="{A546C7ED-9A44-F90C-016A-28EF7550682E}"/>
-              </a:ext>
-            </a:extLst>
-          </p:cNvPr>
+          <p:cNvPr id="6" name="Slide Number Placeholder 5"/>
           <p:cNvSpPr>
             <a:spLocks noGrp="1"/>
           </p:cNvSpPr>
@@ -532,7 +2682,7 @@
     </p:spTree>
     <p:extLst>
       <p:ext uri="{BB962C8B-B14F-4D97-AF65-F5344CB8AC3E}">
-        <p14:creationId xmlns:p14="http://schemas.microsoft.com/office/powerpoint/2010/main" val="1683662640"/>
+        <p14:creationId xmlns:p14="http://schemas.microsoft.com/office/powerpoint/2010/main" val="1102263686"/>
       </p:ext>
     </p:extLst>
   </p:cSld>
@@ -542,7 +2692,7 @@
 </p:sldLayout>
 </file>
 
-<file path=ppt/slideLayouts/slideLayout11.xml><?xml version="1.0" encoding="utf-8"?>
+<file path=ppt/slideLayouts/slideLayout16.xml><?xml version="1.0" encoding="utf-8"?>
 <p:sldLayout xmlns:a="http://schemas.openxmlformats.org/drawingml/2006/main" xmlns:r="http://schemas.openxmlformats.org/officeDocument/2006/relationships" xmlns:p="http://schemas.openxmlformats.org/presentationml/2006/main" type="vertTitleAndTx" preserve="1">
   <p:cSld name="Vertical Title and Text">
     <p:spTree>
@@ -561,13 +2711,7 @@
       </p:grpSpPr>
       <p:sp>
         <p:nvSpPr>
-          <p:cNvPr id="2" name="Vertical Title 1">
-            <a:extLst>
-              <a:ext uri="{FF2B5EF4-FFF2-40B4-BE49-F238E27FC236}">
-                <a16:creationId xmlns:a16="http://schemas.microsoft.com/office/drawing/2014/main" id="{A9585579-6E6E-03BA-E71C-D59CBF5DF07F}"/>
-              </a:ext>
-            </a:extLst>
-          </p:cNvPr>
+          <p:cNvPr id="2" name="Vertical Title 1"/>
           <p:cNvSpPr>
             <a:spLocks noGrp="1"/>
           </p:cNvSpPr>
@@ -577,31 +2721,25 @@
         </p:nvSpPr>
         <p:spPr>
           <a:xfrm>
-            <a:off x="8724900" y="365125"/>
-            <a:ext cx="2628900" cy="5811838"/>
+            <a:off x="7967673" y="609599"/>
+            <a:ext cx="1304743" cy="5251451"/>
           </a:xfrm>
         </p:spPr>
         <p:txBody>
-          <a:bodyPr vert="eaVert"/>
+          <a:bodyPr vert="eaVert" anchor="ctr"/>
           <a:lstStyle/>
           <a:p>
             <a:r>
               <a:rPr lang="en-US"/>
               <a:t>Click to edit Master title style</a:t>
             </a:r>
-            <a:endParaRPr lang="en-IN"/>
-          </a:p>
-        </p:txBody>
-      </p:sp>
-      <p:sp>
-        <p:nvSpPr>
-          <p:cNvPr id="3" name="Vertical Text Placeholder 2">
-            <a:extLst>
-              <a:ext uri="{FF2B5EF4-FFF2-40B4-BE49-F238E27FC236}">
-                <a16:creationId xmlns:a16="http://schemas.microsoft.com/office/drawing/2014/main" id="{A1A6F770-5D6E-37C1-C9EE-78BD2ECAC5A9}"/>
-              </a:ext>
-            </a:extLst>
-          </p:cNvPr>
+            <a:endParaRPr lang="en-US" dirty="0"/>
+          </a:p>
+        </p:txBody>
+      </p:sp>
+      <p:sp>
+        <p:nvSpPr>
+          <p:cNvPr id="3" name="Vertical Text Placeholder 2"/>
           <p:cNvSpPr>
             <a:spLocks noGrp="1"/>
           </p:cNvSpPr>
@@ -611,8 +2749,8 @@
         </p:nvSpPr>
         <p:spPr>
           <a:xfrm>
-            <a:off x="838200" y="365125"/>
-            <a:ext cx="7734300" cy="5811838"/>
+            <a:off x="677335" y="609600"/>
+            <a:ext cx="7060150" cy="5251450"/>
           </a:xfrm>
         </p:spPr>
         <p:txBody>
@@ -652,19 +2790,13 @@
               <a:rPr lang="en-US"/>
               <a:t>Fifth level</a:t>
             </a:r>
-            <a:endParaRPr lang="en-IN"/>
-          </a:p>
-        </p:txBody>
-      </p:sp>
-      <p:sp>
-        <p:nvSpPr>
-          <p:cNvPr id="4" name="Date Placeholder 3">
-            <a:extLst>
-              <a:ext uri="{FF2B5EF4-FFF2-40B4-BE49-F238E27FC236}">
-                <a16:creationId xmlns:a16="http://schemas.microsoft.com/office/drawing/2014/main" id="{3BAB608C-2827-9BA9-4A67-13C1196EB44B}"/>
-              </a:ext>
-            </a:extLst>
-          </p:cNvPr>
+            <a:endParaRPr lang="en-US" dirty="0"/>
+          </a:p>
+        </p:txBody>
+      </p:sp>
+      <p:sp>
+        <p:nvSpPr>
+          <p:cNvPr id="4" name="Date Placeholder 3"/>
           <p:cNvSpPr>
             <a:spLocks noGrp="1"/>
           </p:cNvSpPr>
@@ -679,7 +2811,7 @@
           <a:p>
             <a:fld id="{48CF19BC-7402-4398-B54F-F264A784A0DE}" type="datetimeFigureOut">
               <a:rPr lang="en-IN" smtClean="0"/>
-              <a:t>29-04-2024</a:t>
+              <a:t>01-05-2024</a:t>
             </a:fld>
             <a:endParaRPr lang="en-IN"/>
           </a:p>
@@ -687,13 +2819,7 @@
       </p:sp>
       <p:sp>
         <p:nvSpPr>
-          <p:cNvPr id="5" name="Footer Placeholder 4">
-            <a:extLst>
-              <a:ext uri="{FF2B5EF4-FFF2-40B4-BE49-F238E27FC236}">
-                <a16:creationId xmlns:a16="http://schemas.microsoft.com/office/drawing/2014/main" id="{3B1747DC-7B55-7D55-8ED8-6807D4910682}"/>
-              </a:ext>
-            </a:extLst>
-          </p:cNvPr>
+          <p:cNvPr id="5" name="Footer Placeholder 4"/>
           <p:cNvSpPr>
             <a:spLocks noGrp="1"/>
           </p:cNvSpPr>
@@ -712,13 +2838,7 @@
       </p:sp>
       <p:sp>
         <p:nvSpPr>
-          <p:cNvPr id="6" name="Slide Number Placeholder 5">
-            <a:extLst>
-              <a:ext uri="{FF2B5EF4-FFF2-40B4-BE49-F238E27FC236}">
-                <a16:creationId xmlns:a16="http://schemas.microsoft.com/office/drawing/2014/main" id="{B80CA301-0C30-B4BD-E2BC-C4051906CE47}"/>
-              </a:ext>
-            </a:extLst>
-          </p:cNvPr>
+          <p:cNvPr id="6" name="Slide Number Placeholder 5"/>
           <p:cNvSpPr>
             <a:spLocks noGrp="1"/>
           </p:cNvSpPr>
@@ -742,7 +2862,7 @@
     </p:spTree>
     <p:extLst>
       <p:ext uri="{BB962C8B-B14F-4D97-AF65-F5344CB8AC3E}">
-        <p14:creationId xmlns:p14="http://schemas.microsoft.com/office/powerpoint/2010/main" val="1243629248"/>
+        <p14:creationId xmlns:p14="http://schemas.microsoft.com/office/powerpoint/2010/main" val="1699774508"/>
       </p:ext>
     </p:extLst>
   </p:cSld>
@@ -771,13 +2891,7 @@
       </p:grpSpPr>
       <p:sp>
         <p:nvSpPr>
-          <p:cNvPr id="2" name="Title 1">
-            <a:extLst>
-              <a:ext uri="{FF2B5EF4-FFF2-40B4-BE49-F238E27FC236}">
-                <a16:creationId xmlns:a16="http://schemas.microsoft.com/office/drawing/2014/main" id="{E059E973-E63E-8829-B011-8C607489CB29}"/>
-              </a:ext>
-            </a:extLst>
-          </p:cNvPr>
+          <p:cNvPr id="2" name="Title 1"/>
           <p:cNvSpPr>
             <a:spLocks noGrp="1"/>
           </p:cNvSpPr>
@@ -787,26 +2901,26 @@
         </p:nvSpPr>
         <p:spPr/>
         <p:txBody>
-          <a:bodyPr/>
-          <a:lstStyle/>
+          <a:bodyPr>
+            <a:normAutofit/>
+          </a:bodyPr>
+          <a:lstStyle>
+            <a:lvl1pPr>
+              <a:defRPr sz="3600"/>
+            </a:lvl1pPr>
+          </a:lstStyle>
           <a:p>
             <a:r>
               <a:rPr lang="en-US"/>
               <a:t>Click to edit Master title style</a:t>
             </a:r>
-            <a:endParaRPr lang="en-IN"/>
-          </a:p>
-        </p:txBody>
-      </p:sp>
-      <p:sp>
-        <p:nvSpPr>
-          <p:cNvPr id="3" name="Content Placeholder 2">
-            <a:extLst>
-              <a:ext uri="{FF2B5EF4-FFF2-40B4-BE49-F238E27FC236}">
-                <a16:creationId xmlns:a16="http://schemas.microsoft.com/office/drawing/2014/main" id="{BCFFAB90-C5AB-92E7-1FB4-9B69095FFC9D}"/>
-              </a:ext>
-            </a:extLst>
-          </p:cNvPr>
+            <a:endParaRPr lang="en-US" dirty="0"/>
+          </a:p>
+        </p:txBody>
+      </p:sp>
+      <p:sp>
+        <p:nvSpPr>
+          <p:cNvPr id="3" name="Content Placeholder 2"/>
           <p:cNvSpPr>
             <a:spLocks noGrp="1"/>
           </p:cNvSpPr>
@@ -852,19 +2966,13 @@
               <a:rPr lang="en-US"/>
               <a:t>Fifth level</a:t>
             </a:r>
-            <a:endParaRPr lang="en-IN"/>
-          </a:p>
-        </p:txBody>
-      </p:sp>
-      <p:sp>
-        <p:nvSpPr>
-          <p:cNvPr id="4" name="Date Placeholder 3">
-            <a:extLst>
-              <a:ext uri="{FF2B5EF4-FFF2-40B4-BE49-F238E27FC236}">
-                <a16:creationId xmlns:a16="http://schemas.microsoft.com/office/drawing/2014/main" id="{CB0CC86D-9AD1-0CD9-508E-70699F0F04AD}"/>
-              </a:ext>
-            </a:extLst>
-          </p:cNvPr>
+            <a:endParaRPr lang="en-US" dirty="0"/>
+          </a:p>
+        </p:txBody>
+      </p:sp>
+      <p:sp>
+        <p:nvSpPr>
+          <p:cNvPr id="4" name="Date Placeholder 3"/>
           <p:cNvSpPr>
             <a:spLocks noGrp="1"/>
           </p:cNvSpPr>
@@ -879,7 +2987,7 @@
           <a:p>
             <a:fld id="{48CF19BC-7402-4398-B54F-F264A784A0DE}" type="datetimeFigureOut">
               <a:rPr lang="en-IN" smtClean="0"/>
-              <a:t>29-04-2024</a:t>
+              <a:t>01-05-2024</a:t>
             </a:fld>
             <a:endParaRPr lang="en-IN"/>
           </a:p>
@@ -887,13 +2995,7 @@
       </p:sp>
       <p:sp>
         <p:nvSpPr>
-          <p:cNvPr id="5" name="Footer Placeholder 4">
-            <a:extLst>
-              <a:ext uri="{FF2B5EF4-FFF2-40B4-BE49-F238E27FC236}">
-                <a16:creationId xmlns:a16="http://schemas.microsoft.com/office/drawing/2014/main" id="{EAAE1D86-28A2-809C-E0DD-7ED4A2EAD7B1}"/>
-              </a:ext>
-            </a:extLst>
-          </p:cNvPr>
+          <p:cNvPr id="5" name="Footer Placeholder 4"/>
           <p:cNvSpPr>
             <a:spLocks noGrp="1"/>
           </p:cNvSpPr>
@@ -912,13 +3014,7 @@
       </p:sp>
       <p:sp>
         <p:nvSpPr>
-          <p:cNvPr id="6" name="Slide Number Placeholder 5">
-            <a:extLst>
-              <a:ext uri="{FF2B5EF4-FFF2-40B4-BE49-F238E27FC236}">
-                <a16:creationId xmlns:a16="http://schemas.microsoft.com/office/drawing/2014/main" id="{6D95F538-02D9-7587-DDC5-4F4D8516FAD8}"/>
-              </a:ext>
-            </a:extLst>
-          </p:cNvPr>
+          <p:cNvPr id="6" name="Slide Number Placeholder 5"/>
           <p:cNvSpPr>
             <a:spLocks noGrp="1"/>
           </p:cNvSpPr>
@@ -942,7 +3038,7 @@
     </p:spTree>
     <p:extLst>
       <p:ext uri="{BB962C8B-B14F-4D97-AF65-F5344CB8AC3E}">
-        <p14:creationId xmlns:p14="http://schemas.microsoft.com/office/powerpoint/2010/main" val="2408636318"/>
+        <p14:creationId xmlns:p14="http://schemas.microsoft.com/office/powerpoint/2010/main" val="1987277405"/>
       </p:ext>
     </p:extLst>
   </p:cSld>
@@ -971,13 +3067,7 @@
       </p:grpSpPr>
       <p:sp>
         <p:nvSpPr>
-          <p:cNvPr id="2" name="Title 1">
-            <a:extLst>
-              <a:ext uri="{FF2B5EF4-FFF2-40B4-BE49-F238E27FC236}">
-                <a16:creationId xmlns:a16="http://schemas.microsoft.com/office/drawing/2014/main" id="{FDEC00C9-E81C-85D5-7644-9D86006AFE00}"/>
-              </a:ext>
-            </a:extLst>
-          </p:cNvPr>
+          <p:cNvPr id="2" name="Title 1"/>
           <p:cNvSpPr>
             <a:spLocks noGrp="1"/>
           </p:cNvSpPr>
@@ -987,15 +3077,15 @@
         </p:nvSpPr>
         <p:spPr>
           <a:xfrm>
-            <a:off x="831850" y="1709738"/>
-            <a:ext cx="10515600" cy="2852737"/>
+            <a:off x="677335" y="2700867"/>
+            <a:ext cx="8596668" cy="1826581"/>
           </a:xfrm>
         </p:spPr>
         <p:txBody>
           <a:bodyPr anchor="b"/>
           <a:lstStyle>
-            <a:lvl1pPr>
-              <a:defRPr sz="6000"/>
+            <a:lvl1pPr algn="l">
+              <a:defRPr sz="4000" b="0" cap="none"/>
             </a:lvl1pPr>
           </a:lstStyle>
           <a:p>
@@ -1003,19 +3093,13 @@
               <a:rPr lang="en-US"/>
               <a:t>Click to edit Master title style</a:t>
             </a:r>
-            <a:endParaRPr lang="en-IN"/>
-          </a:p>
-        </p:txBody>
-      </p:sp>
-      <p:sp>
-        <p:nvSpPr>
-          <p:cNvPr id="3" name="Text Placeholder 2">
-            <a:extLst>
-              <a:ext uri="{FF2B5EF4-FFF2-40B4-BE49-F238E27FC236}">
-                <a16:creationId xmlns:a16="http://schemas.microsoft.com/office/drawing/2014/main" id="{DA4BE119-CED9-C407-225C-6EFEAF067D44}"/>
-              </a:ext>
-            </a:extLst>
-          </p:cNvPr>
+            <a:endParaRPr lang="en-US" dirty="0"/>
+          </a:p>
+        </p:txBody>
+      </p:sp>
+      <p:sp>
+        <p:nvSpPr>
+          <p:cNvPr id="3" name="Text Placeholder 2"/>
           <p:cNvSpPr>
             <a:spLocks noGrp="1"/>
           </p:cNvSpPr>
@@ -1025,26 +3109,27 @@
         </p:nvSpPr>
         <p:spPr>
           <a:xfrm>
-            <a:off x="831850" y="4589463"/>
-            <a:ext cx="10515600" cy="1500187"/>
+            <a:off x="677335" y="4527448"/>
+            <a:ext cx="8596668" cy="860400"/>
           </a:xfrm>
         </p:spPr>
         <p:txBody>
-          <a:bodyPr/>
+          <a:bodyPr anchor="t"/>
           <a:lstStyle>
-            <a:lvl1pPr marL="0" indent="0">
-              <a:buNone/>
-              <a:defRPr sz="2400">
+            <a:lvl1pPr marL="0" indent="0" algn="l">
+              <a:buNone/>
+              <a:defRPr sz="2000">
                 <a:solidFill>
                   <a:schemeClr val="tx1">
-                    <a:tint val="75000"/>
+                    <a:lumMod val="50000"/>
+                    <a:lumOff val="50000"/>
                   </a:schemeClr>
                 </a:solidFill>
               </a:defRPr>
             </a:lvl1pPr>
             <a:lvl2pPr marL="457200" indent="0">
               <a:buNone/>
-              <a:defRPr sz="2000">
+              <a:defRPr sz="1800">
                 <a:solidFill>
                   <a:schemeClr val="tx1">
                     <a:tint val="75000"/>
@@ -1054,7 +3139,7 @@
             </a:lvl2pPr>
             <a:lvl3pPr marL="914400" indent="0">
               <a:buNone/>
-              <a:defRPr sz="1800">
+              <a:defRPr sz="1600">
                 <a:solidFill>
                   <a:schemeClr val="tx1">
                     <a:tint val="75000"/>
@@ -1064,7 +3149,7 @@
             </a:lvl3pPr>
             <a:lvl4pPr marL="1371600" indent="0">
               <a:buNone/>
-              <a:defRPr sz="1600">
+              <a:defRPr sz="1400">
                 <a:solidFill>
                   <a:schemeClr val="tx1">
                     <a:tint val="75000"/>
@@ -1074,7 +3159,7 @@
             </a:lvl4pPr>
             <a:lvl5pPr marL="1828800" indent="0">
               <a:buNone/>
-              <a:defRPr sz="1600">
+              <a:defRPr sz="1400">
                 <a:solidFill>
                   <a:schemeClr val="tx1">
                     <a:tint val="75000"/>
@@ -1084,7 +3169,7 @@
             </a:lvl5pPr>
             <a:lvl6pPr marL="2286000" indent="0">
               <a:buNone/>
-              <a:defRPr sz="1600">
+              <a:defRPr sz="1400">
                 <a:solidFill>
                   <a:schemeClr val="tx1">
                     <a:tint val="75000"/>
@@ -1094,7 +3179,7 @@
             </a:lvl6pPr>
             <a:lvl7pPr marL="2743200" indent="0">
               <a:buNone/>
-              <a:defRPr sz="1600">
+              <a:defRPr sz="1400">
                 <a:solidFill>
                   <a:schemeClr val="tx1">
                     <a:tint val="75000"/>
@@ -1104,7 +3189,7 @@
             </a:lvl7pPr>
             <a:lvl8pPr marL="3200400" indent="0">
               <a:buNone/>
-              <a:defRPr sz="1600">
+              <a:defRPr sz="1400">
                 <a:solidFill>
                   <a:schemeClr val="tx1">
                     <a:tint val="75000"/>
@@ -1114,7 +3199,7 @@
             </a:lvl8pPr>
             <a:lvl9pPr marL="3657600" indent="0">
               <a:buNone/>
-              <a:defRPr sz="1600">
+              <a:defRPr sz="1400">
                 <a:solidFill>
                   <a:schemeClr val="tx1">
                     <a:tint val="75000"/>
@@ -1134,13 +3219,7 @@
       </p:sp>
       <p:sp>
         <p:nvSpPr>
-          <p:cNvPr id="4" name="Date Placeholder 3">
-            <a:extLst>
-              <a:ext uri="{FF2B5EF4-FFF2-40B4-BE49-F238E27FC236}">
-                <a16:creationId xmlns:a16="http://schemas.microsoft.com/office/drawing/2014/main" id="{91AD0C15-A36A-857D-10FE-0CC0724D3982}"/>
-              </a:ext>
-            </a:extLst>
-          </p:cNvPr>
+          <p:cNvPr id="4" name="Date Placeholder 3"/>
           <p:cNvSpPr>
             <a:spLocks noGrp="1"/>
           </p:cNvSpPr>
@@ -1155,7 +3234,7 @@
           <a:p>
             <a:fld id="{48CF19BC-7402-4398-B54F-F264A784A0DE}" type="datetimeFigureOut">
               <a:rPr lang="en-IN" smtClean="0"/>
-              <a:t>29-04-2024</a:t>
+              <a:t>01-05-2024</a:t>
             </a:fld>
             <a:endParaRPr lang="en-IN"/>
           </a:p>
@@ -1163,13 +3242,7 @@
       </p:sp>
       <p:sp>
         <p:nvSpPr>
-          <p:cNvPr id="5" name="Footer Placeholder 4">
-            <a:extLst>
-              <a:ext uri="{FF2B5EF4-FFF2-40B4-BE49-F238E27FC236}">
-                <a16:creationId xmlns:a16="http://schemas.microsoft.com/office/drawing/2014/main" id="{F582096A-B840-F0F8-FB49-E7521652A978}"/>
-              </a:ext>
-            </a:extLst>
-          </p:cNvPr>
+          <p:cNvPr id="5" name="Footer Placeholder 4"/>
           <p:cNvSpPr>
             <a:spLocks noGrp="1"/>
           </p:cNvSpPr>
@@ -1188,13 +3261,7 @@
       </p:sp>
       <p:sp>
         <p:nvSpPr>
-          <p:cNvPr id="6" name="Slide Number Placeholder 5">
-            <a:extLst>
-              <a:ext uri="{FF2B5EF4-FFF2-40B4-BE49-F238E27FC236}">
-                <a16:creationId xmlns:a16="http://schemas.microsoft.com/office/drawing/2014/main" id="{FE828A59-03C9-152F-3DAD-E4FFDADB3281}"/>
-              </a:ext>
-            </a:extLst>
-          </p:cNvPr>
+          <p:cNvPr id="6" name="Slide Number Placeholder 5"/>
           <p:cNvSpPr>
             <a:spLocks noGrp="1"/>
           </p:cNvSpPr>
@@ -1218,7 +3285,7 @@
     </p:spTree>
     <p:extLst>
       <p:ext uri="{BB962C8B-B14F-4D97-AF65-F5344CB8AC3E}">
-        <p14:creationId xmlns:p14="http://schemas.microsoft.com/office/powerpoint/2010/main" val="3425289725"/>
+        <p14:creationId xmlns:p14="http://schemas.microsoft.com/office/powerpoint/2010/main" val="1316543083"/>
       </p:ext>
     </p:extLst>
   </p:cSld>
@@ -1247,13 +3314,7 @@
       </p:grpSpPr>
       <p:sp>
         <p:nvSpPr>
-          <p:cNvPr id="2" name="Title 1">
-            <a:extLst>
-              <a:ext uri="{FF2B5EF4-FFF2-40B4-BE49-F238E27FC236}">
-                <a16:creationId xmlns:a16="http://schemas.microsoft.com/office/drawing/2014/main" id="{6B4E3404-1E4D-7A84-692D-A96311453420}"/>
-              </a:ext>
-            </a:extLst>
-          </p:cNvPr>
+          <p:cNvPr id="2" name="Title 1"/>
           <p:cNvSpPr>
             <a:spLocks noGrp="1"/>
           </p:cNvSpPr>
@@ -1270,19 +3331,13 @@
               <a:rPr lang="en-US"/>
               <a:t>Click to edit Master title style</a:t>
             </a:r>
-            <a:endParaRPr lang="en-IN"/>
-          </a:p>
-        </p:txBody>
-      </p:sp>
-      <p:sp>
-        <p:nvSpPr>
-          <p:cNvPr id="3" name="Content Placeholder 2">
-            <a:extLst>
-              <a:ext uri="{FF2B5EF4-FFF2-40B4-BE49-F238E27FC236}">
-                <a16:creationId xmlns:a16="http://schemas.microsoft.com/office/drawing/2014/main" id="{8699611D-6888-B782-39E3-98CFC0587BE5}"/>
-              </a:ext>
-            </a:extLst>
-          </p:cNvPr>
+            <a:endParaRPr lang="en-US" dirty="0"/>
+          </a:p>
+        </p:txBody>
+      </p:sp>
+      <p:sp>
+        <p:nvSpPr>
+          <p:cNvPr id="3" name="Content Placeholder 2"/>
           <p:cNvSpPr>
             <a:spLocks noGrp="1"/>
           </p:cNvSpPr>
@@ -1292,8 +3347,8 @@
         </p:nvSpPr>
         <p:spPr>
           <a:xfrm>
-            <a:off x="838200" y="1825625"/>
-            <a:ext cx="5181600" cy="4351338"/>
+            <a:off x="677334" y="2160589"/>
+            <a:ext cx="4184035" cy="3880772"/>
           </a:xfrm>
         </p:spPr>
         <p:txBody>
@@ -1333,19 +3388,13 @@
               <a:rPr lang="en-US"/>
               <a:t>Fifth level</a:t>
             </a:r>
-            <a:endParaRPr lang="en-IN"/>
-          </a:p>
-        </p:txBody>
-      </p:sp>
-      <p:sp>
-        <p:nvSpPr>
-          <p:cNvPr id="4" name="Content Placeholder 3">
-            <a:extLst>
-              <a:ext uri="{FF2B5EF4-FFF2-40B4-BE49-F238E27FC236}">
-                <a16:creationId xmlns:a16="http://schemas.microsoft.com/office/drawing/2014/main" id="{5DD4D5DB-6551-70AC-2213-AF50CB5FFD5A}"/>
-              </a:ext>
-            </a:extLst>
-          </p:cNvPr>
+            <a:endParaRPr lang="en-US" dirty="0"/>
+          </a:p>
+        </p:txBody>
+      </p:sp>
+      <p:sp>
+        <p:nvSpPr>
+          <p:cNvPr id="4" name="Content Placeholder 3"/>
           <p:cNvSpPr>
             <a:spLocks noGrp="1"/>
           </p:cNvSpPr>
@@ -1355,8 +3404,8 @@
         </p:nvSpPr>
         <p:spPr>
           <a:xfrm>
-            <a:off x="6172200" y="1825625"/>
-            <a:ext cx="5181600" cy="4351338"/>
+            <a:off x="5089970" y="2160589"/>
+            <a:ext cx="4184034" cy="3880773"/>
           </a:xfrm>
         </p:spPr>
         <p:txBody>
@@ -1396,19 +3445,13 @@
               <a:rPr lang="en-US"/>
               <a:t>Fifth level</a:t>
             </a:r>
-            <a:endParaRPr lang="en-IN"/>
-          </a:p>
-        </p:txBody>
-      </p:sp>
-      <p:sp>
-        <p:nvSpPr>
-          <p:cNvPr id="5" name="Date Placeholder 4">
-            <a:extLst>
-              <a:ext uri="{FF2B5EF4-FFF2-40B4-BE49-F238E27FC236}">
-                <a16:creationId xmlns:a16="http://schemas.microsoft.com/office/drawing/2014/main" id="{478204B6-E9D0-02E9-A3EF-71901D066F6A}"/>
-              </a:ext>
-            </a:extLst>
-          </p:cNvPr>
+            <a:endParaRPr lang="en-US" dirty="0"/>
+          </a:p>
+        </p:txBody>
+      </p:sp>
+      <p:sp>
+        <p:nvSpPr>
+          <p:cNvPr id="5" name="Date Placeholder 4"/>
           <p:cNvSpPr>
             <a:spLocks noGrp="1"/>
           </p:cNvSpPr>
@@ -1423,7 +3466,7 @@
           <a:p>
             <a:fld id="{48CF19BC-7402-4398-B54F-F264A784A0DE}" type="datetimeFigureOut">
               <a:rPr lang="en-IN" smtClean="0"/>
-              <a:t>29-04-2024</a:t>
+              <a:t>01-05-2024</a:t>
             </a:fld>
             <a:endParaRPr lang="en-IN"/>
           </a:p>
@@ -1431,13 +3474,7 @@
       </p:sp>
       <p:sp>
         <p:nvSpPr>
-          <p:cNvPr id="6" name="Footer Placeholder 5">
-            <a:extLst>
-              <a:ext uri="{FF2B5EF4-FFF2-40B4-BE49-F238E27FC236}">
-                <a16:creationId xmlns:a16="http://schemas.microsoft.com/office/drawing/2014/main" id="{57D41F48-A225-B6C8-BDE8-5AFD76CADE57}"/>
-              </a:ext>
-            </a:extLst>
-          </p:cNvPr>
+          <p:cNvPr id="6" name="Footer Placeholder 5"/>
           <p:cNvSpPr>
             <a:spLocks noGrp="1"/>
           </p:cNvSpPr>
@@ -1456,13 +3493,7 @@
       </p:sp>
       <p:sp>
         <p:nvSpPr>
-          <p:cNvPr id="7" name="Slide Number Placeholder 6">
-            <a:extLst>
-              <a:ext uri="{FF2B5EF4-FFF2-40B4-BE49-F238E27FC236}">
-                <a16:creationId xmlns:a16="http://schemas.microsoft.com/office/drawing/2014/main" id="{F1839F48-0AAF-4547-517B-DDE638C3472C}"/>
-              </a:ext>
-            </a:extLst>
-          </p:cNvPr>
+          <p:cNvPr id="7" name="Slide Number Placeholder 6"/>
           <p:cNvSpPr>
             <a:spLocks noGrp="1"/>
           </p:cNvSpPr>
@@ -1486,7 +3517,7 @@
     </p:spTree>
     <p:extLst>
       <p:ext uri="{BB962C8B-B14F-4D97-AF65-F5344CB8AC3E}">
-        <p14:creationId xmlns:p14="http://schemas.microsoft.com/office/powerpoint/2010/main" val="713491933"/>
+        <p14:creationId xmlns:p14="http://schemas.microsoft.com/office/powerpoint/2010/main" val="4084481238"/>
       </p:ext>
     </p:extLst>
   </p:cSld>
@@ -1515,66 +3546,55 @@
       </p:grpSpPr>
       <p:sp>
         <p:nvSpPr>
-          <p:cNvPr id="2" name="Title 1">
-            <a:extLst>
-              <a:ext uri="{FF2B5EF4-FFF2-40B4-BE49-F238E27FC236}">
-                <a16:creationId xmlns:a16="http://schemas.microsoft.com/office/drawing/2014/main" id="{69A47B87-59C0-042A-9E6C-3D4089757B3C}"/>
-              </a:ext>
-            </a:extLst>
-          </p:cNvPr>
+          <p:cNvPr id="2" name="Title 1"/>
           <p:cNvSpPr>
             <a:spLocks noGrp="1"/>
           </p:cNvSpPr>
           <p:nvPr>
             <p:ph type="title"/>
+          </p:nvPr>
+        </p:nvSpPr>
+        <p:spPr/>
+        <p:txBody>
+          <a:bodyPr/>
+          <a:lstStyle>
+            <a:lvl1pPr>
+              <a:defRPr/>
+            </a:lvl1pPr>
+          </a:lstStyle>
+          <a:p>
+            <a:r>
+              <a:rPr lang="en-US"/>
+              <a:t>Click to edit Master title style</a:t>
+            </a:r>
+            <a:endParaRPr lang="en-US" dirty="0"/>
+          </a:p>
+        </p:txBody>
+      </p:sp>
+      <p:sp>
+        <p:nvSpPr>
+          <p:cNvPr id="3" name="Text Placeholder 2"/>
+          <p:cNvSpPr>
+            <a:spLocks noGrp="1"/>
+          </p:cNvSpPr>
+          <p:nvPr>
+            <p:ph type="body" idx="1"/>
           </p:nvPr>
         </p:nvSpPr>
         <p:spPr>
           <a:xfrm>
-            <a:off x="839788" y="365125"/>
-            <a:ext cx="10515600" cy="1325563"/>
+            <a:off x="675745" y="2160983"/>
+            <a:ext cx="4185623" cy="576262"/>
           </a:xfrm>
         </p:spPr>
         <p:txBody>
-          <a:bodyPr/>
-          <a:lstStyle/>
-          <a:p>
-            <a:r>
-              <a:rPr lang="en-US"/>
-              <a:t>Click to edit Master title style</a:t>
-            </a:r>
-            <a:endParaRPr lang="en-IN"/>
-          </a:p>
-        </p:txBody>
-      </p:sp>
-      <p:sp>
-        <p:nvSpPr>
-          <p:cNvPr id="3" name="Text Placeholder 2">
-            <a:extLst>
-              <a:ext uri="{FF2B5EF4-FFF2-40B4-BE49-F238E27FC236}">
-                <a16:creationId xmlns:a16="http://schemas.microsoft.com/office/drawing/2014/main" id="{1D823F34-1D56-DBD3-68F2-FC1D652BD538}"/>
-              </a:ext>
-            </a:extLst>
-          </p:cNvPr>
-          <p:cNvSpPr>
-            <a:spLocks noGrp="1"/>
-          </p:cNvSpPr>
-          <p:nvPr>
-            <p:ph type="body" idx="1"/>
-          </p:nvPr>
-        </p:nvSpPr>
-        <p:spPr>
-          <a:xfrm>
-            <a:off x="839788" y="1681163"/>
-            <a:ext cx="5157787" cy="823912"/>
-          </a:xfrm>
-        </p:spPr>
-        <p:txBody>
-          <a:bodyPr anchor="b"/>
+          <a:bodyPr anchor="b">
+            <a:noAutofit/>
+          </a:bodyPr>
           <a:lstStyle>
             <a:lvl1pPr marL="0" indent="0">
               <a:buNone/>
-              <a:defRPr sz="2400" b="1"/>
+              <a:defRPr sz="2400" b="0"/>
             </a:lvl1pPr>
             <a:lvl2pPr marL="457200" indent="0">
               <a:buNone/>
@@ -1620,13 +3640,7 @@
       </p:sp>
       <p:sp>
         <p:nvSpPr>
-          <p:cNvPr id="4" name="Content Placeholder 3">
-            <a:extLst>
-              <a:ext uri="{FF2B5EF4-FFF2-40B4-BE49-F238E27FC236}">
-                <a16:creationId xmlns:a16="http://schemas.microsoft.com/office/drawing/2014/main" id="{34F49870-F7AB-2680-5C2F-685A4FC74D01}"/>
-              </a:ext>
-            </a:extLst>
-          </p:cNvPr>
+          <p:cNvPr id="4" name="Content Placeholder 3"/>
           <p:cNvSpPr>
             <a:spLocks noGrp="1"/>
           </p:cNvSpPr>
@@ -1636,12 +3650,14 @@
         </p:nvSpPr>
         <p:spPr>
           <a:xfrm>
-            <a:off x="839788" y="2505075"/>
-            <a:ext cx="5157787" cy="3684588"/>
+            <a:off x="675745" y="2737245"/>
+            <a:ext cx="4185623" cy="3304117"/>
           </a:xfrm>
         </p:spPr>
         <p:txBody>
-          <a:bodyPr/>
+          <a:bodyPr>
+            <a:normAutofit/>
+          </a:bodyPr>
           <a:lstStyle/>
           <a:p>
             <a:pPr lvl="0"/>
@@ -1677,19 +3693,13 @@
               <a:rPr lang="en-US"/>
               <a:t>Fifth level</a:t>
             </a:r>
-            <a:endParaRPr lang="en-IN"/>
-          </a:p>
-        </p:txBody>
-      </p:sp>
-      <p:sp>
-        <p:nvSpPr>
-          <p:cNvPr id="5" name="Text Placeholder 4">
-            <a:extLst>
-              <a:ext uri="{FF2B5EF4-FFF2-40B4-BE49-F238E27FC236}">
-                <a16:creationId xmlns:a16="http://schemas.microsoft.com/office/drawing/2014/main" id="{3A33F2D4-1F65-4CAD-057E-BA0559ABACBD}"/>
-              </a:ext>
-            </a:extLst>
-          </p:cNvPr>
+            <a:endParaRPr lang="en-US" dirty="0"/>
+          </a:p>
+        </p:txBody>
+      </p:sp>
+      <p:sp>
+        <p:nvSpPr>
+          <p:cNvPr id="5" name="Text Placeholder 4"/>
           <p:cNvSpPr>
             <a:spLocks noGrp="1"/>
           </p:cNvSpPr>
@@ -1699,16 +3709,18 @@
         </p:nvSpPr>
         <p:spPr>
           <a:xfrm>
-            <a:off x="6172200" y="1681163"/>
-            <a:ext cx="5183188" cy="823912"/>
+            <a:off x="5088383" y="2160983"/>
+            <a:ext cx="4185618" cy="576262"/>
           </a:xfrm>
         </p:spPr>
         <p:txBody>
-          <a:bodyPr anchor="b"/>
+          <a:bodyPr anchor="b">
+            <a:noAutofit/>
+          </a:bodyPr>
           <a:lstStyle>
             <a:lvl1pPr marL="0" indent="0">
               <a:buNone/>
-              <a:defRPr sz="2400" b="1"/>
+              <a:defRPr sz="2400" b="0"/>
             </a:lvl1pPr>
             <a:lvl2pPr marL="457200" indent="0">
               <a:buNone/>
@@ -1754,13 +3766,7 @@
       </p:sp>
       <p:sp>
         <p:nvSpPr>
-          <p:cNvPr id="6" name="Content Placeholder 5">
-            <a:extLst>
-              <a:ext uri="{FF2B5EF4-FFF2-40B4-BE49-F238E27FC236}">
-                <a16:creationId xmlns:a16="http://schemas.microsoft.com/office/drawing/2014/main" id="{9D163A48-480B-8EC4-6A88-6805A932B84F}"/>
-              </a:ext>
-            </a:extLst>
-          </p:cNvPr>
+          <p:cNvPr id="6" name="Content Placeholder 5"/>
           <p:cNvSpPr>
             <a:spLocks noGrp="1"/>
           </p:cNvSpPr>
@@ -1770,12 +3776,14 @@
         </p:nvSpPr>
         <p:spPr>
           <a:xfrm>
-            <a:off x="6172200" y="2505075"/>
-            <a:ext cx="5183188" cy="3684588"/>
+            <a:off x="5088384" y="2737245"/>
+            <a:ext cx="4185617" cy="3304117"/>
           </a:xfrm>
         </p:spPr>
         <p:txBody>
-          <a:bodyPr/>
+          <a:bodyPr>
+            <a:normAutofit/>
+          </a:bodyPr>
           <a:lstStyle/>
           <a:p>
             <a:pPr lvl="0"/>
@@ -1811,19 +3819,13 @@
               <a:rPr lang="en-US"/>
               <a:t>Fifth level</a:t>
             </a:r>
-            <a:endParaRPr lang="en-IN"/>
-          </a:p>
-        </p:txBody>
-      </p:sp>
-      <p:sp>
-        <p:nvSpPr>
-          <p:cNvPr id="7" name="Date Placeholder 6">
-            <a:extLst>
-              <a:ext uri="{FF2B5EF4-FFF2-40B4-BE49-F238E27FC236}">
-                <a16:creationId xmlns:a16="http://schemas.microsoft.com/office/drawing/2014/main" id="{E4AF190D-FF07-8F87-7606-FDE5D9E5534D}"/>
-              </a:ext>
-            </a:extLst>
-          </p:cNvPr>
+            <a:endParaRPr lang="en-US" dirty="0"/>
+          </a:p>
+        </p:txBody>
+      </p:sp>
+      <p:sp>
+        <p:nvSpPr>
+          <p:cNvPr id="7" name="Date Placeholder 6"/>
           <p:cNvSpPr>
             <a:spLocks noGrp="1"/>
           </p:cNvSpPr>
@@ -1838,7 +3840,7 @@
           <a:p>
             <a:fld id="{48CF19BC-7402-4398-B54F-F264A784A0DE}" type="datetimeFigureOut">
               <a:rPr lang="en-IN" smtClean="0"/>
-              <a:t>29-04-2024</a:t>
+              <a:t>01-05-2024</a:t>
             </a:fld>
             <a:endParaRPr lang="en-IN"/>
           </a:p>
@@ -1846,13 +3848,7 @@
       </p:sp>
       <p:sp>
         <p:nvSpPr>
-          <p:cNvPr id="8" name="Footer Placeholder 7">
-            <a:extLst>
-              <a:ext uri="{FF2B5EF4-FFF2-40B4-BE49-F238E27FC236}">
-                <a16:creationId xmlns:a16="http://schemas.microsoft.com/office/drawing/2014/main" id="{5333FC12-8D22-1271-61C9-0381F6389A58}"/>
-              </a:ext>
-            </a:extLst>
-          </p:cNvPr>
+          <p:cNvPr id="8" name="Footer Placeholder 7"/>
           <p:cNvSpPr>
             <a:spLocks noGrp="1"/>
           </p:cNvSpPr>
@@ -1871,13 +3867,7 @@
       </p:sp>
       <p:sp>
         <p:nvSpPr>
-          <p:cNvPr id="9" name="Slide Number Placeholder 8">
-            <a:extLst>
-              <a:ext uri="{FF2B5EF4-FFF2-40B4-BE49-F238E27FC236}">
-                <a16:creationId xmlns:a16="http://schemas.microsoft.com/office/drawing/2014/main" id="{D3F861A3-3672-FC6A-CC79-B1E66776F2B9}"/>
-              </a:ext>
-            </a:extLst>
-          </p:cNvPr>
+          <p:cNvPr id="9" name="Slide Number Placeholder 8"/>
           <p:cNvSpPr>
             <a:spLocks noGrp="1"/>
           </p:cNvSpPr>
@@ -1901,7 +3891,7 @@
     </p:spTree>
     <p:extLst>
       <p:ext uri="{BB962C8B-B14F-4D97-AF65-F5344CB8AC3E}">
-        <p14:creationId xmlns:p14="http://schemas.microsoft.com/office/powerpoint/2010/main" val="2313504235"/>
+        <p14:creationId xmlns:p14="http://schemas.microsoft.com/office/powerpoint/2010/main" val="1306610591"/>
       </p:ext>
     </p:extLst>
   </p:cSld>
@@ -1930,13 +3920,7 @@
       </p:grpSpPr>
       <p:sp>
         <p:nvSpPr>
-          <p:cNvPr id="2" name="Title 1">
-            <a:extLst>
-              <a:ext uri="{FF2B5EF4-FFF2-40B4-BE49-F238E27FC236}">
-                <a16:creationId xmlns:a16="http://schemas.microsoft.com/office/drawing/2014/main" id="{FE4E5979-498A-713C-D6DA-222FB7379A52}"/>
-              </a:ext>
-            </a:extLst>
-          </p:cNvPr>
+          <p:cNvPr id="2" name="Title 1"/>
           <p:cNvSpPr>
             <a:spLocks noGrp="1"/>
           </p:cNvSpPr>
@@ -1944,7 +3928,12 @@
             <p:ph type="title"/>
           </p:nvPr>
         </p:nvSpPr>
-        <p:spPr/>
+        <p:spPr>
+          <a:xfrm>
+            <a:off x="677334" y="609600"/>
+            <a:ext cx="8596668" cy="1320800"/>
+          </a:xfrm>
+        </p:spPr>
         <p:txBody>
           <a:bodyPr/>
           <a:lstStyle/>
@@ -1953,19 +3942,13 @@
               <a:rPr lang="en-US"/>
               <a:t>Click to edit Master title style</a:t>
             </a:r>
-            <a:endParaRPr lang="en-IN"/>
-          </a:p>
-        </p:txBody>
-      </p:sp>
-      <p:sp>
-        <p:nvSpPr>
-          <p:cNvPr id="3" name="Date Placeholder 2">
-            <a:extLst>
-              <a:ext uri="{FF2B5EF4-FFF2-40B4-BE49-F238E27FC236}">
-                <a16:creationId xmlns:a16="http://schemas.microsoft.com/office/drawing/2014/main" id="{277FE0FE-66B0-C1EF-414F-F1E2FE0EB9C6}"/>
-              </a:ext>
-            </a:extLst>
-          </p:cNvPr>
+            <a:endParaRPr lang="en-US" dirty="0"/>
+          </a:p>
+        </p:txBody>
+      </p:sp>
+      <p:sp>
+        <p:nvSpPr>
+          <p:cNvPr id="3" name="Date Placeholder 2"/>
           <p:cNvSpPr>
             <a:spLocks noGrp="1"/>
           </p:cNvSpPr>
@@ -1980,7 +3963,7 @@
           <a:p>
             <a:fld id="{48CF19BC-7402-4398-B54F-F264A784A0DE}" type="datetimeFigureOut">
               <a:rPr lang="en-IN" smtClean="0"/>
-              <a:t>29-04-2024</a:t>
+              <a:t>01-05-2024</a:t>
             </a:fld>
             <a:endParaRPr lang="en-IN"/>
           </a:p>
@@ -1988,13 +3971,7 @@
       </p:sp>
       <p:sp>
         <p:nvSpPr>
-          <p:cNvPr id="4" name="Footer Placeholder 3">
-            <a:extLst>
-              <a:ext uri="{FF2B5EF4-FFF2-40B4-BE49-F238E27FC236}">
-                <a16:creationId xmlns:a16="http://schemas.microsoft.com/office/drawing/2014/main" id="{0579F762-2EF2-EB6C-426A-469F38C17147}"/>
-              </a:ext>
-            </a:extLst>
-          </p:cNvPr>
+          <p:cNvPr id="4" name="Footer Placeholder 3"/>
           <p:cNvSpPr>
             <a:spLocks noGrp="1"/>
           </p:cNvSpPr>
@@ -2013,13 +3990,7 @@
       </p:sp>
       <p:sp>
         <p:nvSpPr>
-          <p:cNvPr id="5" name="Slide Number Placeholder 4">
-            <a:extLst>
-              <a:ext uri="{FF2B5EF4-FFF2-40B4-BE49-F238E27FC236}">
-                <a16:creationId xmlns:a16="http://schemas.microsoft.com/office/drawing/2014/main" id="{850D3C45-6882-2E62-B3D2-BB5692BC1E18}"/>
-              </a:ext>
-            </a:extLst>
-          </p:cNvPr>
+          <p:cNvPr id="5" name="Slide Number Placeholder 4"/>
           <p:cNvSpPr>
             <a:spLocks noGrp="1"/>
           </p:cNvSpPr>
@@ -2043,7 +4014,7 @@
     </p:spTree>
     <p:extLst>
       <p:ext uri="{BB962C8B-B14F-4D97-AF65-F5344CB8AC3E}">
-        <p14:creationId xmlns:p14="http://schemas.microsoft.com/office/powerpoint/2010/main" val="18195706"/>
+        <p14:creationId xmlns:p14="http://schemas.microsoft.com/office/powerpoint/2010/main" val="2029644341"/>
       </p:ext>
     </p:extLst>
   </p:cSld>
@@ -2072,13 +4043,7 @@
       </p:grpSpPr>
       <p:sp>
         <p:nvSpPr>
-          <p:cNvPr id="2" name="Date Placeholder 1">
-            <a:extLst>
-              <a:ext uri="{FF2B5EF4-FFF2-40B4-BE49-F238E27FC236}">
-                <a16:creationId xmlns:a16="http://schemas.microsoft.com/office/drawing/2014/main" id="{D30441E8-B6EF-B743-97D2-F7A5860D803B}"/>
-              </a:ext>
-            </a:extLst>
-          </p:cNvPr>
+          <p:cNvPr id="2" name="Date Placeholder 1"/>
           <p:cNvSpPr>
             <a:spLocks noGrp="1"/>
           </p:cNvSpPr>
@@ -2093,7 +4058,7 @@
           <a:p>
             <a:fld id="{48CF19BC-7402-4398-B54F-F264A784A0DE}" type="datetimeFigureOut">
               <a:rPr lang="en-IN" smtClean="0"/>
-              <a:t>29-04-2024</a:t>
+              <a:t>01-05-2024</a:t>
             </a:fld>
             <a:endParaRPr lang="en-IN"/>
           </a:p>
@@ -2101,13 +4066,7 @@
       </p:sp>
       <p:sp>
         <p:nvSpPr>
-          <p:cNvPr id="3" name="Footer Placeholder 2">
-            <a:extLst>
-              <a:ext uri="{FF2B5EF4-FFF2-40B4-BE49-F238E27FC236}">
-                <a16:creationId xmlns:a16="http://schemas.microsoft.com/office/drawing/2014/main" id="{529EB507-0BF9-94F9-0256-1F7C1A566592}"/>
-              </a:ext>
-            </a:extLst>
-          </p:cNvPr>
+          <p:cNvPr id="3" name="Footer Placeholder 2"/>
           <p:cNvSpPr>
             <a:spLocks noGrp="1"/>
           </p:cNvSpPr>
@@ -2126,13 +4085,7 @@
       </p:sp>
       <p:sp>
         <p:nvSpPr>
-          <p:cNvPr id="4" name="Slide Number Placeholder 3">
-            <a:extLst>
-              <a:ext uri="{FF2B5EF4-FFF2-40B4-BE49-F238E27FC236}">
-                <a16:creationId xmlns:a16="http://schemas.microsoft.com/office/drawing/2014/main" id="{2B0D2361-07F8-F5F9-B9AE-EDDAB04CFB4B}"/>
-              </a:ext>
-            </a:extLst>
-          </p:cNvPr>
+          <p:cNvPr id="4" name="Slide Number Placeholder 3"/>
           <p:cNvSpPr>
             <a:spLocks noGrp="1"/>
           </p:cNvSpPr>
@@ -2156,7 +4109,7 @@
     </p:spTree>
     <p:extLst>
       <p:ext uri="{BB962C8B-B14F-4D97-AF65-F5344CB8AC3E}">
-        <p14:creationId xmlns:p14="http://schemas.microsoft.com/office/powerpoint/2010/main" val="2656758315"/>
+        <p14:creationId xmlns:p14="http://schemas.microsoft.com/office/powerpoint/2010/main" val="3220338412"/>
       </p:ext>
     </p:extLst>
   </p:cSld>
@@ -2185,13 +4138,7 @@
       </p:grpSpPr>
       <p:sp>
         <p:nvSpPr>
-          <p:cNvPr id="2" name="Title 1">
-            <a:extLst>
-              <a:ext uri="{FF2B5EF4-FFF2-40B4-BE49-F238E27FC236}">
-                <a16:creationId xmlns:a16="http://schemas.microsoft.com/office/drawing/2014/main" id="{4EAE1CCC-8785-0437-B10F-A6D8289E2081}"/>
-              </a:ext>
-            </a:extLst>
-          </p:cNvPr>
+          <p:cNvPr id="2" name="Title 1"/>
           <p:cNvSpPr>
             <a:spLocks noGrp="1"/>
           </p:cNvSpPr>
@@ -2201,15 +4148,17 @@
         </p:nvSpPr>
         <p:spPr>
           <a:xfrm>
-            <a:off x="839788" y="457200"/>
-            <a:ext cx="3932237" cy="1600200"/>
+            <a:off x="677334" y="1498604"/>
+            <a:ext cx="3854528" cy="1278466"/>
           </a:xfrm>
         </p:spPr>
         <p:txBody>
-          <a:bodyPr anchor="b"/>
+          <a:bodyPr anchor="b">
+            <a:normAutofit/>
+          </a:bodyPr>
           <a:lstStyle>
             <a:lvl1pPr>
-              <a:defRPr sz="3200"/>
+              <a:defRPr sz="2000"/>
             </a:lvl1pPr>
           </a:lstStyle>
           <a:p>
@@ -2217,19 +4166,13 @@
               <a:rPr lang="en-US"/>
               <a:t>Click to edit Master title style</a:t>
             </a:r>
-            <a:endParaRPr lang="en-IN"/>
-          </a:p>
-        </p:txBody>
-      </p:sp>
-      <p:sp>
-        <p:nvSpPr>
-          <p:cNvPr id="3" name="Content Placeholder 2">
-            <a:extLst>
-              <a:ext uri="{FF2B5EF4-FFF2-40B4-BE49-F238E27FC236}">
-                <a16:creationId xmlns:a16="http://schemas.microsoft.com/office/drawing/2014/main" id="{6617464D-01EE-3317-1192-68F0729FB147}"/>
-              </a:ext>
-            </a:extLst>
-          </p:cNvPr>
+            <a:endParaRPr lang="en-US" dirty="0"/>
+          </a:p>
+        </p:txBody>
+      </p:sp>
+      <p:sp>
+        <p:nvSpPr>
+          <p:cNvPr id="3" name="Content Placeholder 2"/>
           <p:cNvSpPr>
             <a:spLocks noGrp="1"/>
           </p:cNvSpPr>
@@ -2239,41 +4182,15 @@
         </p:nvSpPr>
         <p:spPr>
           <a:xfrm>
-            <a:off x="5183188" y="987425"/>
-            <a:ext cx="6172200" cy="4873625"/>
+            <a:off x="4760461" y="514924"/>
+            <a:ext cx="4513541" cy="5526437"/>
           </a:xfrm>
         </p:spPr>
         <p:txBody>
-          <a:bodyPr/>
-          <a:lstStyle>
-            <a:lvl1pPr>
-              <a:defRPr sz="3200"/>
-            </a:lvl1pPr>
-            <a:lvl2pPr>
-              <a:defRPr sz="2800"/>
-            </a:lvl2pPr>
-            <a:lvl3pPr>
-              <a:defRPr sz="2400"/>
-            </a:lvl3pPr>
-            <a:lvl4pPr>
-              <a:defRPr sz="2000"/>
-            </a:lvl4pPr>
-            <a:lvl5pPr>
-              <a:defRPr sz="2000"/>
-            </a:lvl5pPr>
-            <a:lvl6pPr>
-              <a:defRPr sz="2000"/>
-            </a:lvl6pPr>
-            <a:lvl7pPr>
-              <a:defRPr sz="2000"/>
-            </a:lvl7pPr>
-            <a:lvl8pPr>
-              <a:defRPr sz="2000"/>
-            </a:lvl8pPr>
-            <a:lvl9pPr>
-              <a:defRPr sz="2000"/>
-            </a:lvl9pPr>
-          </a:lstStyle>
+          <a:bodyPr>
+            <a:normAutofit/>
+          </a:bodyPr>
+          <a:lstStyle/>
           <a:p>
             <a:pPr lvl="0"/>
             <a:r>
@@ -2308,19 +4225,13 @@
               <a:rPr lang="en-US"/>
               <a:t>Fifth level</a:t>
             </a:r>
-            <a:endParaRPr lang="en-IN"/>
-          </a:p>
-        </p:txBody>
-      </p:sp>
-      <p:sp>
-        <p:nvSpPr>
-          <p:cNvPr id="4" name="Text Placeholder 3">
-            <a:extLst>
-              <a:ext uri="{FF2B5EF4-FFF2-40B4-BE49-F238E27FC236}">
-                <a16:creationId xmlns:a16="http://schemas.microsoft.com/office/drawing/2014/main" id="{61F0D576-2C64-5FFF-75BA-36EB1FAEEA51}"/>
-              </a:ext>
-            </a:extLst>
-          </p:cNvPr>
+            <a:endParaRPr lang="en-US" dirty="0"/>
+          </a:p>
+        </p:txBody>
+      </p:sp>
+      <p:sp>
+        <p:nvSpPr>
+          <p:cNvPr id="4" name="Text Placeholder 3"/>
           <p:cNvSpPr>
             <a:spLocks noGrp="1"/>
           </p:cNvSpPr>
@@ -2330,46 +4241,48 @@
         </p:nvSpPr>
         <p:spPr>
           <a:xfrm>
-            <a:off x="839788" y="2057400"/>
-            <a:ext cx="3932237" cy="3811588"/>
+            <a:off x="677334" y="2777069"/>
+            <a:ext cx="3854528" cy="2584449"/>
           </a:xfrm>
         </p:spPr>
         <p:txBody>
-          <a:bodyPr/>
+          <a:bodyPr>
+            <a:normAutofit/>
+          </a:bodyPr>
           <a:lstStyle>
             <a:lvl1pPr marL="0" indent="0">
               <a:buNone/>
-              <a:defRPr sz="1600"/>
+              <a:defRPr sz="1400"/>
             </a:lvl1pPr>
-            <a:lvl2pPr marL="457200" indent="0">
+            <a:lvl2pPr marL="457063" indent="0">
               <a:buNone/>
               <a:defRPr sz="1400"/>
             </a:lvl2pPr>
-            <a:lvl3pPr marL="914400" indent="0">
+            <a:lvl3pPr marL="914126" indent="0">
               <a:buNone/>
               <a:defRPr sz="1200"/>
             </a:lvl3pPr>
-            <a:lvl4pPr marL="1371600" indent="0">
+            <a:lvl4pPr marL="1371189" indent="0">
               <a:buNone/>
               <a:defRPr sz="1000"/>
             </a:lvl4pPr>
-            <a:lvl5pPr marL="1828800" indent="0">
+            <a:lvl5pPr marL="1828251" indent="0">
               <a:buNone/>
               <a:defRPr sz="1000"/>
             </a:lvl5pPr>
-            <a:lvl6pPr marL="2286000" indent="0">
+            <a:lvl6pPr marL="2285314" indent="0">
               <a:buNone/>
               <a:defRPr sz="1000"/>
             </a:lvl6pPr>
-            <a:lvl7pPr marL="2743200" indent="0">
+            <a:lvl7pPr marL="2742377" indent="0">
               <a:buNone/>
               <a:defRPr sz="1000"/>
             </a:lvl7pPr>
-            <a:lvl8pPr marL="3200400" indent="0">
+            <a:lvl8pPr marL="3199440" indent="0">
               <a:buNone/>
               <a:defRPr sz="1000"/>
             </a:lvl8pPr>
-            <a:lvl9pPr marL="3657600" indent="0">
+            <a:lvl9pPr marL="3656503" indent="0">
               <a:buNone/>
               <a:defRPr sz="1000"/>
             </a:lvl9pPr>
@@ -2385,13 +4298,7 @@
       </p:sp>
       <p:sp>
         <p:nvSpPr>
-          <p:cNvPr id="5" name="Date Placeholder 4">
-            <a:extLst>
-              <a:ext uri="{FF2B5EF4-FFF2-40B4-BE49-F238E27FC236}">
-                <a16:creationId xmlns:a16="http://schemas.microsoft.com/office/drawing/2014/main" id="{7F20FD4C-700B-9274-15CF-B4B1196E7680}"/>
-              </a:ext>
-            </a:extLst>
-          </p:cNvPr>
+          <p:cNvPr id="5" name="Date Placeholder 4"/>
           <p:cNvSpPr>
             <a:spLocks noGrp="1"/>
           </p:cNvSpPr>
@@ -2406,7 +4313,7 @@
           <a:p>
             <a:fld id="{48CF19BC-7402-4398-B54F-F264A784A0DE}" type="datetimeFigureOut">
               <a:rPr lang="en-IN" smtClean="0"/>
-              <a:t>29-04-2024</a:t>
+              <a:t>01-05-2024</a:t>
             </a:fld>
             <a:endParaRPr lang="en-IN"/>
           </a:p>
@@ -2414,13 +4321,7 @@
       </p:sp>
       <p:sp>
         <p:nvSpPr>
-          <p:cNvPr id="6" name="Footer Placeholder 5">
-            <a:extLst>
-              <a:ext uri="{FF2B5EF4-FFF2-40B4-BE49-F238E27FC236}">
-                <a16:creationId xmlns:a16="http://schemas.microsoft.com/office/drawing/2014/main" id="{07FC9418-B604-9B58-73FD-B88C542E3DBC}"/>
-              </a:ext>
-            </a:extLst>
-          </p:cNvPr>
+          <p:cNvPr id="6" name="Footer Placeholder 5"/>
           <p:cNvSpPr>
             <a:spLocks noGrp="1"/>
           </p:cNvSpPr>
@@ -2439,13 +4340,7 @@
       </p:sp>
       <p:sp>
         <p:nvSpPr>
-          <p:cNvPr id="7" name="Slide Number Placeholder 6">
-            <a:extLst>
-              <a:ext uri="{FF2B5EF4-FFF2-40B4-BE49-F238E27FC236}">
-                <a16:creationId xmlns:a16="http://schemas.microsoft.com/office/drawing/2014/main" id="{DCC32721-7B0A-9372-30E5-11459C48A4C5}"/>
-              </a:ext>
-            </a:extLst>
-          </p:cNvPr>
+          <p:cNvPr id="7" name="Slide Number Placeholder 6"/>
           <p:cNvSpPr>
             <a:spLocks noGrp="1"/>
           </p:cNvSpPr>
@@ -2469,7 +4364,7 @@
     </p:spTree>
     <p:extLst>
       <p:ext uri="{BB962C8B-B14F-4D97-AF65-F5344CB8AC3E}">
-        <p14:creationId xmlns:p14="http://schemas.microsoft.com/office/powerpoint/2010/main" val="368310678"/>
+        <p14:creationId xmlns:p14="http://schemas.microsoft.com/office/powerpoint/2010/main" val="878615382"/>
       </p:ext>
     </p:extLst>
   </p:cSld>
@@ -2498,13 +4393,7 @@
       </p:grpSpPr>
       <p:sp>
         <p:nvSpPr>
-          <p:cNvPr id="2" name="Title 1">
-            <a:extLst>
-              <a:ext uri="{FF2B5EF4-FFF2-40B4-BE49-F238E27FC236}">
-                <a16:creationId xmlns:a16="http://schemas.microsoft.com/office/drawing/2014/main" id="{1C3A559D-93CE-DAD1-3EDC-DA46A4B5FC7B}"/>
-              </a:ext>
-            </a:extLst>
-          </p:cNvPr>
+          <p:cNvPr id="2" name="Title 1"/>
           <p:cNvSpPr>
             <a:spLocks noGrp="1"/>
           </p:cNvSpPr>
@@ -2514,15 +4403,17 @@
         </p:nvSpPr>
         <p:spPr>
           <a:xfrm>
-            <a:off x="839788" y="457200"/>
-            <a:ext cx="3932237" cy="1600200"/>
+            <a:off x="677334" y="4800600"/>
+            <a:ext cx="8596667" cy="566738"/>
           </a:xfrm>
         </p:spPr>
         <p:txBody>
-          <a:bodyPr anchor="b"/>
+          <a:bodyPr anchor="b">
+            <a:normAutofit/>
+          </a:bodyPr>
           <a:lstStyle>
-            <a:lvl1pPr>
-              <a:defRPr sz="3200"/>
+            <a:lvl1pPr algn="l">
+              <a:defRPr sz="2400" b="0"/>
             </a:lvl1pPr>
           </a:lstStyle>
           <a:p>
@@ -2530,21 +4421,15 @@
               <a:rPr lang="en-US"/>
               <a:t>Click to edit Master title style</a:t>
             </a:r>
-            <a:endParaRPr lang="en-IN"/>
-          </a:p>
-        </p:txBody>
-      </p:sp>
-      <p:sp>
-        <p:nvSpPr>
-          <p:cNvPr id="3" name="Picture Placeholder 2">
-            <a:extLst>
-              <a:ext uri="{FF2B5EF4-FFF2-40B4-BE49-F238E27FC236}">
-                <a16:creationId xmlns:a16="http://schemas.microsoft.com/office/drawing/2014/main" id="{FFB0C80B-BBAC-EFA6-C3AA-5E89BC227775}"/>
-              </a:ext>
-            </a:extLst>
-          </p:cNvPr>
-          <p:cNvSpPr>
-            <a:spLocks noGrp="1"/>
+            <a:endParaRPr lang="en-US" dirty="0"/>
+          </a:p>
+        </p:txBody>
+      </p:sp>
+      <p:sp>
+        <p:nvSpPr>
+          <p:cNvPr id="3" name="Picture Placeholder 2"/>
+          <p:cNvSpPr>
+            <a:spLocks noGrp="1" noChangeAspect="1"/>
           </p:cNvSpPr>
           <p:nvPr>
             <p:ph type="pic" idx="1"/>
@@ -2552,118 +4437,120 @@
         </p:nvSpPr>
         <p:spPr>
           <a:xfrm>
-            <a:off x="5183188" y="987425"/>
-            <a:ext cx="6172200" cy="4873625"/>
+            <a:off x="677334" y="609600"/>
+            <a:ext cx="8596668" cy="3845718"/>
           </a:xfrm>
         </p:spPr>
         <p:txBody>
-          <a:bodyPr/>
+          <a:bodyPr anchor="t">
+            <a:normAutofit/>
+          </a:bodyPr>
           <a:lstStyle>
-            <a:lvl1pPr marL="0" indent="0">
-              <a:buNone/>
-              <a:defRPr sz="3200"/>
-            </a:lvl1pPr>
-            <a:lvl2pPr marL="457200" indent="0">
-              <a:buNone/>
-              <a:defRPr sz="2800"/>
-            </a:lvl2pPr>
-            <a:lvl3pPr marL="914400" indent="0">
-              <a:buNone/>
-              <a:defRPr sz="2400"/>
-            </a:lvl3pPr>
-            <a:lvl4pPr marL="1371600" indent="0">
-              <a:buNone/>
-              <a:defRPr sz="2000"/>
-            </a:lvl4pPr>
-            <a:lvl5pPr marL="1828800" indent="0">
-              <a:buNone/>
-              <a:defRPr sz="2000"/>
-            </a:lvl5pPr>
-            <a:lvl6pPr marL="2286000" indent="0">
-              <a:buNone/>
-              <a:defRPr sz="2000"/>
-            </a:lvl6pPr>
-            <a:lvl7pPr marL="2743200" indent="0">
-              <a:buNone/>
-              <a:defRPr sz="2000"/>
-            </a:lvl7pPr>
-            <a:lvl8pPr marL="3200400" indent="0">
-              <a:buNone/>
-              <a:defRPr sz="2000"/>
-            </a:lvl8pPr>
-            <a:lvl9pPr marL="3657600" indent="0">
-              <a:buNone/>
-              <a:defRPr sz="2000"/>
-            </a:lvl9pPr>
-          </a:lstStyle>
-          <a:p>
-            <a:endParaRPr lang="en-IN"/>
-          </a:p>
-        </p:txBody>
-      </p:sp>
-      <p:sp>
-        <p:nvSpPr>
-          <p:cNvPr id="4" name="Text Placeholder 3">
-            <a:extLst>
-              <a:ext uri="{FF2B5EF4-FFF2-40B4-BE49-F238E27FC236}">
-                <a16:creationId xmlns:a16="http://schemas.microsoft.com/office/drawing/2014/main" id="{56A0FC59-B2CC-A81D-F9EC-B00486B42956}"/>
-              </a:ext>
-            </a:extLst>
-          </p:cNvPr>
-          <p:cNvSpPr>
-            <a:spLocks noGrp="1"/>
-          </p:cNvSpPr>
-          <p:nvPr>
-            <p:ph type="body" sz="half" idx="2"/>
-          </p:nvPr>
-        </p:nvSpPr>
-        <p:spPr>
-          <a:xfrm>
-            <a:off x="839788" y="2057400"/>
-            <a:ext cx="3932237" cy="3811588"/>
-          </a:xfrm>
-        </p:spPr>
-        <p:txBody>
-          <a:bodyPr/>
-          <a:lstStyle>
-            <a:lvl1pPr marL="0" indent="0">
+            <a:lvl1pPr marL="0" indent="0" algn="ctr">
               <a:buNone/>
               <a:defRPr sz="1600"/>
             </a:lvl1pPr>
             <a:lvl2pPr marL="457200" indent="0">
               <a:buNone/>
-              <a:defRPr sz="1400"/>
+              <a:defRPr sz="1600"/>
             </a:lvl2pPr>
             <a:lvl3pPr marL="914400" indent="0">
               <a:buNone/>
-              <a:defRPr sz="1200"/>
+              <a:defRPr sz="1600"/>
             </a:lvl3pPr>
             <a:lvl4pPr marL="1371600" indent="0">
               <a:buNone/>
-              <a:defRPr sz="1000"/>
+              <a:defRPr sz="1600"/>
             </a:lvl4pPr>
             <a:lvl5pPr marL="1828800" indent="0">
               <a:buNone/>
-              <a:defRPr sz="1000"/>
+              <a:defRPr sz="1600"/>
             </a:lvl5pPr>
             <a:lvl6pPr marL="2286000" indent="0">
               <a:buNone/>
-              <a:defRPr sz="1000"/>
+              <a:defRPr sz="1600"/>
             </a:lvl6pPr>
             <a:lvl7pPr marL="2743200" indent="0">
               <a:buNone/>
-              <a:defRPr sz="1000"/>
+              <a:defRPr sz="1600"/>
             </a:lvl7pPr>
             <a:lvl8pPr marL="3200400" indent="0">
               <a:buNone/>
-              <a:defRPr sz="1000"/>
+              <a:defRPr sz="1600"/>
             </a:lvl8pPr>
             <a:lvl9pPr marL="3657600" indent="0">
               <a:buNone/>
-              <a:defRPr sz="1000"/>
+              <a:defRPr sz="1600"/>
             </a:lvl9pPr>
           </a:lstStyle>
           <a:p>
+            <a:r>
+              <a:rPr lang="en-US"/>
+              <a:t>Click icon to add picture</a:t>
+            </a:r>
+            <a:endParaRPr lang="en-US" dirty="0"/>
+          </a:p>
+        </p:txBody>
+      </p:sp>
+      <p:sp>
+        <p:nvSpPr>
+          <p:cNvPr id="4" name="Text Placeholder 3"/>
+          <p:cNvSpPr>
+            <a:spLocks noGrp="1"/>
+          </p:cNvSpPr>
+          <p:nvPr>
+            <p:ph type="body" sz="half" idx="2"/>
+          </p:nvPr>
+        </p:nvSpPr>
+        <p:spPr>
+          <a:xfrm>
+            <a:off x="677334" y="5367338"/>
+            <a:ext cx="8596667" cy="674024"/>
+          </a:xfrm>
+        </p:spPr>
+        <p:txBody>
+          <a:bodyPr>
+            <a:normAutofit/>
+          </a:bodyPr>
+          <a:lstStyle>
+            <a:lvl1pPr marL="0" indent="0">
+              <a:buNone/>
+              <a:defRPr sz="1200"/>
+            </a:lvl1pPr>
+            <a:lvl2pPr marL="457200" indent="0">
+              <a:buNone/>
+              <a:defRPr sz="1200"/>
+            </a:lvl2pPr>
+            <a:lvl3pPr marL="914400" indent="0">
+              <a:buNone/>
+              <a:defRPr sz="1000"/>
+            </a:lvl3pPr>
+            <a:lvl4pPr marL="1371600" indent="0">
+              <a:buNone/>
+              <a:defRPr sz="900"/>
+            </a:lvl4pPr>
+            <a:lvl5pPr marL="1828800" indent="0">
+              <a:buNone/>
+              <a:defRPr sz="900"/>
+            </a:lvl5pPr>
+            <a:lvl6pPr marL="2286000" indent="0">
+              <a:buNone/>
+              <a:defRPr sz="900"/>
+            </a:lvl6pPr>
+            <a:lvl7pPr marL="2743200" indent="0">
+              <a:buNone/>
+              <a:defRPr sz="900"/>
+            </a:lvl7pPr>
+            <a:lvl8pPr marL="3200400" indent="0">
+              <a:buNone/>
+              <a:defRPr sz="900"/>
+            </a:lvl8pPr>
+            <a:lvl9pPr marL="3657600" indent="0">
+              <a:buNone/>
+              <a:defRPr sz="900"/>
+            </a:lvl9pPr>
+          </a:lstStyle>
+          <a:p>
             <a:pPr lvl="0"/>
             <a:r>
               <a:rPr lang="en-US"/>
@@ -2674,13 +4561,7 @@
       </p:sp>
       <p:sp>
         <p:nvSpPr>
-          <p:cNvPr id="5" name="Date Placeholder 4">
-            <a:extLst>
-              <a:ext uri="{FF2B5EF4-FFF2-40B4-BE49-F238E27FC236}">
-                <a16:creationId xmlns:a16="http://schemas.microsoft.com/office/drawing/2014/main" id="{36CE0648-5ED9-A7ED-8063-457E8FE575D5}"/>
-              </a:ext>
-            </a:extLst>
-          </p:cNvPr>
+          <p:cNvPr id="5" name="Date Placeholder 4"/>
           <p:cNvSpPr>
             <a:spLocks noGrp="1"/>
           </p:cNvSpPr>
@@ -2695,7 +4576,7 @@
           <a:p>
             <a:fld id="{48CF19BC-7402-4398-B54F-F264A784A0DE}" type="datetimeFigureOut">
               <a:rPr lang="en-IN" smtClean="0"/>
-              <a:t>29-04-2024</a:t>
+              <a:t>01-05-2024</a:t>
             </a:fld>
             <a:endParaRPr lang="en-IN"/>
           </a:p>
@@ -2703,13 +4584,7 @@
       </p:sp>
       <p:sp>
         <p:nvSpPr>
-          <p:cNvPr id="6" name="Footer Placeholder 5">
-            <a:extLst>
-              <a:ext uri="{FF2B5EF4-FFF2-40B4-BE49-F238E27FC236}">
-                <a16:creationId xmlns:a16="http://schemas.microsoft.com/office/drawing/2014/main" id="{0FE7FC40-A5E9-37B1-5C03-2C72B428B7B1}"/>
-              </a:ext>
-            </a:extLst>
-          </p:cNvPr>
+          <p:cNvPr id="6" name="Footer Placeholder 5"/>
           <p:cNvSpPr>
             <a:spLocks noGrp="1"/>
           </p:cNvSpPr>
@@ -2728,13 +4603,7 @@
       </p:sp>
       <p:sp>
         <p:nvSpPr>
-          <p:cNvPr id="7" name="Slide Number Placeholder 6">
-            <a:extLst>
-              <a:ext uri="{FF2B5EF4-FFF2-40B4-BE49-F238E27FC236}">
-                <a16:creationId xmlns:a16="http://schemas.microsoft.com/office/drawing/2014/main" id="{ADE46755-5F2E-3342-2D36-959E879BBCB3}"/>
-              </a:ext>
-            </a:extLst>
-          </p:cNvPr>
+          <p:cNvPr id="7" name="Slide Number Placeholder 6"/>
           <p:cNvSpPr>
             <a:spLocks noGrp="1"/>
           </p:cNvSpPr>
@@ -2758,7 +4627,7 @@
     </p:spTree>
     <p:extLst>
       <p:ext uri="{BB962C8B-B14F-4D97-AF65-F5344CB8AC3E}">
-        <p14:creationId xmlns:p14="http://schemas.microsoft.com/office/powerpoint/2010/main" val="3076449801"/>
+        <p14:creationId xmlns:p14="http://schemas.microsoft.com/office/powerpoint/2010/main" val="3795033033"/>
       </p:ext>
     </p:extLst>
   </p:cSld>
@@ -2790,15 +4659,539 @@
           <a:chExt cx="0" cy="0"/>
         </a:xfrm>
       </p:grpSpPr>
-      <p:sp>
-        <p:nvSpPr>
-          <p:cNvPr id="2" name="Title Placeholder 1">
-            <a:extLst>
-              <a:ext uri="{FF2B5EF4-FFF2-40B4-BE49-F238E27FC236}">
-                <a16:creationId xmlns:a16="http://schemas.microsoft.com/office/drawing/2014/main" id="{5BD2713C-9780-B836-632F-F5FA4D186160}"/>
-              </a:ext>
-            </a:extLst>
-          </p:cNvPr>
+      <p:grpSp>
+        <p:nvGrpSpPr>
+          <p:cNvPr id="7" name="Group 6"/>
+          <p:cNvGrpSpPr/>
+          <p:nvPr/>
+        </p:nvGrpSpPr>
+        <p:grpSpPr>
+          <a:xfrm>
+            <a:off x="0" y="-8467"/>
+            <a:ext cx="12192000" cy="6866467"/>
+            <a:chOff x="0" y="-8467"/>
+            <a:chExt cx="12192000" cy="6866467"/>
+          </a:xfrm>
+        </p:grpSpPr>
+        <p:cxnSp>
+          <p:nvCxnSpPr>
+            <p:cNvPr id="20" name="Straight Connector 19"/>
+            <p:cNvCxnSpPr/>
+            <p:nvPr/>
+          </p:nvCxnSpPr>
+          <p:spPr>
+            <a:xfrm>
+              <a:off x="9371012" y="0"/>
+              <a:ext cx="1219200" cy="6858000"/>
+            </a:xfrm>
+            <a:prstGeom prst="line">
+              <a:avLst/>
+            </a:prstGeom>
+            <a:ln w="9525">
+              <a:solidFill>
+                <a:schemeClr val="bg1">
+                  <a:lumMod val="75000"/>
+                </a:schemeClr>
+              </a:solidFill>
+            </a:ln>
+          </p:spPr>
+          <p:style>
+            <a:lnRef idx="2">
+              <a:schemeClr val="accent1"/>
+            </a:lnRef>
+            <a:fillRef idx="0">
+              <a:schemeClr val="accent1"/>
+            </a:fillRef>
+            <a:effectRef idx="1">
+              <a:schemeClr val="accent1"/>
+            </a:effectRef>
+            <a:fontRef idx="minor">
+              <a:schemeClr val="tx1"/>
+            </a:fontRef>
+          </p:style>
+        </p:cxnSp>
+        <p:cxnSp>
+          <p:nvCxnSpPr>
+            <p:cNvPr id="21" name="Straight Connector 20"/>
+            <p:cNvCxnSpPr/>
+            <p:nvPr/>
+          </p:nvCxnSpPr>
+          <p:spPr>
+            <a:xfrm flipH="1">
+              <a:off x="7425267" y="3681413"/>
+              <a:ext cx="4763558" cy="3176587"/>
+            </a:xfrm>
+            <a:prstGeom prst="line">
+              <a:avLst/>
+            </a:prstGeom>
+            <a:ln w="9525">
+              <a:solidFill>
+                <a:schemeClr val="bg1">
+                  <a:lumMod val="85000"/>
+                </a:schemeClr>
+              </a:solidFill>
+            </a:ln>
+          </p:spPr>
+          <p:style>
+            <a:lnRef idx="2">
+              <a:schemeClr val="accent1"/>
+            </a:lnRef>
+            <a:fillRef idx="0">
+              <a:schemeClr val="accent1"/>
+            </a:fillRef>
+            <a:effectRef idx="1">
+              <a:schemeClr val="accent1"/>
+            </a:effectRef>
+            <a:fontRef idx="minor">
+              <a:schemeClr val="tx1"/>
+            </a:fontRef>
+          </p:style>
+        </p:cxnSp>
+        <p:sp>
+          <p:nvSpPr>
+            <p:cNvPr id="22" name="Rectangle 23"/>
+            <p:cNvSpPr/>
+            <p:nvPr/>
+          </p:nvSpPr>
+          <p:spPr>
+            <a:xfrm>
+              <a:off x="9181476" y="-8467"/>
+              <a:ext cx="3007349" cy="6866467"/>
+            </a:xfrm>
+            <a:custGeom>
+              <a:avLst/>
+              <a:gdLst/>
+              <a:ahLst/>
+              <a:cxnLst/>
+              <a:rect l="l" t="t" r="r" b="b"/>
+              <a:pathLst>
+                <a:path w="3007349" h="6866467">
+                  <a:moveTo>
+                    <a:pt x="2045532" y="0"/>
+                  </a:moveTo>
+                  <a:lnTo>
+                    <a:pt x="3007349" y="0"/>
+                  </a:lnTo>
+                  <a:lnTo>
+                    <a:pt x="3007349" y="6866467"/>
+                  </a:lnTo>
+                  <a:lnTo>
+                    <a:pt x="0" y="6866467"/>
+                  </a:lnTo>
+                  <a:lnTo>
+                    <a:pt x="2045532" y="0"/>
+                  </a:lnTo>
+                  <a:close/>
+                </a:path>
+              </a:pathLst>
+            </a:custGeom>
+            <a:solidFill>
+              <a:schemeClr val="accent1">
+                <a:alpha val="30000"/>
+              </a:schemeClr>
+            </a:solidFill>
+            <a:ln>
+              <a:noFill/>
+            </a:ln>
+            <a:effectLst/>
+          </p:spPr>
+          <p:style>
+            <a:lnRef idx="1">
+              <a:schemeClr val="accent1"/>
+            </a:lnRef>
+            <a:fillRef idx="3">
+              <a:schemeClr val="accent1"/>
+            </a:fillRef>
+            <a:effectRef idx="2">
+              <a:schemeClr val="accent1"/>
+            </a:effectRef>
+            <a:fontRef idx="minor">
+              <a:schemeClr val="lt1"/>
+            </a:fontRef>
+          </p:style>
+        </p:sp>
+        <p:sp>
+          <p:nvSpPr>
+            <p:cNvPr id="23" name="Rectangle 25"/>
+            <p:cNvSpPr/>
+            <p:nvPr/>
+          </p:nvSpPr>
+          <p:spPr>
+            <a:xfrm>
+              <a:off x="9603442" y="-8467"/>
+              <a:ext cx="2588558" cy="6866467"/>
+            </a:xfrm>
+            <a:custGeom>
+              <a:avLst/>
+              <a:gdLst/>
+              <a:ahLst/>
+              <a:cxnLst/>
+              <a:rect l="l" t="t" r="r" b="b"/>
+              <a:pathLst>
+                <a:path w="2573311" h="6866467">
+                  <a:moveTo>
+                    <a:pt x="0" y="0"/>
+                  </a:moveTo>
+                  <a:lnTo>
+                    <a:pt x="2573311" y="0"/>
+                  </a:lnTo>
+                  <a:lnTo>
+                    <a:pt x="2573311" y="6866467"/>
+                  </a:lnTo>
+                  <a:lnTo>
+                    <a:pt x="1202336" y="6866467"/>
+                  </a:lnTo>
+                  <a:lnTo>
+                    <a:pt x="0" y="0"/>
+                  </a:lnTo>
+                  <a:close/>
+                </a:path>
+              </a:pathLst>
+            </a:custGeom>
+            <a:solidFill>
+              <a:schemeClr val="accent1">
+                <a:alpha val="20000"/>
+              </a:schemeClr>
+            </a:solidFill>
+            <a:ln>
+              <a:noFill/>
+            </a:ln>
+            <a:effectLst/>
+          </p:spPr>
+          <p:style>
+            <a:lnRef idx="1">
+              <a:schemeClr val="accent1"/>
+            </a:lnRef>
+            <a:fillRef idx="3">
+              <a:schemeClr val="accent1"/>
+            </a:fillRef>
+            <a:effectRef idx="2">
+              <a:schemeClr val="accent1"/>
+            </a:effectRef>
+            <a:fontRef idx="minor">
+              <a:schemeClr val="lt1"/>
+            </a:fontRef>
+          </p:style>
+        </p:sp>
+        <p:sp>
+          <p:nvSpPr>
+            <p:cNvPr id="24" name="Isosceles Triangle 23"/>
+            <p:cNvSpPr/>
+            <p:nvPr/>
+          </p:nvSpPr>
+          <p:spPr>
+            <a:xfrm>
+              <a:off x="8932333" y="3048000"/>
+              <a:ext cx="3259667" cy="3810000"/>
+            </a:xfrm>
+            <a:prstGeom prst="triangle">
+              <a:avLst>
+                <a:gd name="adj" fmla="val 100000"/>
+              </a:avLst>
+            </a:prstGeom>
+            <a:solidFill>
+              <a:schemeClr val="accent2">
+                <a:alpha val="72000"/>
+              </a:schemeClr>
+            </a:solidFill>
+            <a:ln>
+              <a:noFill/>
+            </a:ln>
+            <a:effectLst/>
+          </p:spPr>
+          <p:style>
+            <a:lnRef idx="1">
+              <a:schemeClr val="accent1"/>
+            </a:lnRef>
+            <a:fillRef idx="3">
+              <a:schemeClr val="accent1"/>
+            </a:fillRef>
+            <a:effectRef idx="2">
+              <a:schemeClr val="accent1"/>
+            </a:effectRef>
+            <a:fontRef idx="minor">
+              <a:schemeClr val="lt1"/>
+            </a:fontRef>
+          </p:style>
+        </p:sp>
+        <p:sp>
+          <p:nvSpPr>
+            <p:cNvPr id="25" name="Rectangle 27"/>
+            <p:cNvSpPr/>
+            <p:nvPr/>
+          </p:nvSpPr>
+          <p:spPr>
+            <a:xfrm>
+              <a:off x="9334500" y="-8467"/>
+              <a:ext cx="2854326" cy="6866467"/>
+            </a:xfrm>
+            <a:custGeom>
+              <a:avLst/>
+              <a:gdLst/>
+              <a:ahLst/>
+              <a:cxnLst/>
+              <a:rect l="l" t="t" r="r" b="b"/>
+              <a:pathLst>
+                <a:path w="2858013" h="6866467">
+                  <a:moveTo>
+                    <a:pt x="0" y="0"/>
+                  </a:moveTo>
+                  <a:lnTo>
+                    <a:pt x="2858013" y="0"/>
+                  </a:lnTo>
+                  <a:lnTo>
+                    <a:pt x="2858013" y="6866467"/>
+                  </a:lnTo>
+                  <a:lnTo>
+                    <a:pt x="2473942" y="6866467"/>
+                  </a:lnTo>
+                  <a:lnTo>
+                    <a:pt x="0" y="0"/>
+                  </a:lnTo>
+                  <a:close/>
+                </a:path>
+              </a:pathLst>
+            </a:custGeom>
+            <a:solidFill>
+              <a:schemeClr val="accent2">
+                <a:lumMod val="75000"/>
+                <a:alpha val="70000"/>
+              </a:schemeClr>
+            </a:solidFill>
+            <a:ln>
+              <a:noFill/>
+            </a:ln>
+            <a:effectLst/>
+          </p:spPr>
+          <p:style>
+            <a:lnRef idx="1">
+              <a:schemeClr val="accent1"/>
+            </a:lnRef>
+            <a:fillRef idx="3">
+              <a:schemeClr val="accent1"/>
+            </a:fillRef>
+            <a:effectRef idx="2">
+              <a:schemeClr val="accent1"/>
+            </a:effectRef>
+            <a:fontRef idx="minor">
+              <a:schemeClr val="lt1"/>
+            </a:fontRef>
+          </p:style>
+        </p:sp>
+        <p:sp>
+          <p:nvSpPr>
+            <p:cNvPr id="26" name="Rectangle 28"/>
+            <p:cNvSpPr/>
+            <p:nvPr/>
+          </p:nvSpPr>
+          <p:spPr>
+            <a:xfrm>
+              <a:off x="10898730" y="-8467"/>
+              <a:ext cx="1290094" cy="6866467"/>
+            </a:xfrm>
+            <a:custGeom>
+              <a:avLst/>
+              <a:gdLst/>
+              <a:ahLst/>
+              <a:cxnLst/>
+              <a:rect l="l" t="t" r="r" b="b"/>
+              <a:pathLst>
+                <a:path w="1290094" h="6858000">
+                  <a:moveTo>
+                    <a:pt x="1019735" y="0"/>
+                  </a:moveTo>
+                  <a:lnTo>
+                    <a:pt x="1290094" y="0"/>
+                  </a:lnTo>
+                  <a:lnTo>
+                    <a:pt x="1290094" y="6858000"/>
+                  </a:lnTo>
+                  <a:lnTo>
+                    <a:pt x="0" y="6858000"/>
+                  </a:lnTo>
+                  <a:lnTo>
+                    <a:pt x="1019735" y="0"/>
+                  </a:lnTo>
+                  <a:close/>
+                </a:path>
+              </a:pathLst>
+            </a:custGeom>
+            <a:solidFill>
+              <a:schemeClr val="accent1">
+                <a:lumMod val="60000"/>
+                <a:lumOff val="40000"/>
+                <a:alpha val="70000"/>
+              </a:schemeClr>
+            </a:solidFill>
+            <a:ln>
+              <a:noFill/>
+            </a:ln>
+            <a:effectLst/>
+          </p:spPr>
+          <p:style>
+            <a:lnRef idx="1">
+              <a:schemeClr val="accent1"/>
+            </a:lnRef>
+            <a:fillRef idx="3">
+              <a:schemeClr val="accent1"/>
+            </a:fillRef>
+            <a:effectRef idx="2">
+              <a:schemeClr val="accent1"/>
+            </a:effectRef>
+            <a:fontRef idx="minor">
+              <a:schemeClr val="lt1"/>
+            </a:fontRef>
+          </p:style>
+        </p:sp>
+        <p:sp>
+          <p:nvSpPr>
+            <p:cNvPr id="27" name="Rectangle 29"/>
+            <p:cNvSpPr/>
+            <p:nvPr/>
+          </p:nvSpPr>
+          <p:spPr>
+            <a:xfrm>
+              <a:off x="10938999" y="-8467"/>
+              <a:ext cx="1249825" cy="6866467"/>
+            </a:xfrm>
+            <a:custGeom>
+              <a:avLst/>
+              <a:gdLst/>
+              <a:ahLst/>
+              <a:cxnLst/>
+              <a:rect l="l" t="t" r="r" b="b"/>
+              <a:pathLst>
+                <a:path w="1249825" h="6858000">
+                  <a:moveTo>
+                    <a:pt x="0" y="0"/>
+                  </a:moveTo>
+                  <a:lnTo>
+                    <a:pt x="1249825" y="0"/>
+                  </a:lnTo>
+                  <a:lnTo>
+                    <a:pt x="1249825" y="6858000"/>
+                  </a:lnTo>
+                  <a:lnTo>
+                    <a:pt x="1109382" y="6858000"/>
+                  </a:lnTo>
+                  <a:lnTo>
+                    <a:pt x="0" y="0"/>
+                  </a:lnTo>
+                  <a:close/>
+                </a:path>
+              </a:pathLst>
+            </a:custGeom>
+            <a:solidFill>
+              <a:schemeClr val="accent1">
+                <a:alpha val="65000"/>
+              </a:schemeClr>
+            </a:solidFill>
+            <a:ln>
+              <a:noFill/>
+            </a:ln>
+            <a:effectLst/>
+          </p:spPr>
+          <p:style>
+            <a:lnRef idx="1">
+              <a:schemeClr val="accent1"/>
+            </a:lnRef>
+            <a:fillRef idx="3">
+              <a:schemeClr val="accent1"/>
+            </a:fillRef>
+            <a:effectRef idx="2">
+              <a:schemeClr val="accent1"/>
+            </a:effectRef>
+            <a:fontRef idx="minor">
+              <a:schemeClr val="lt1"/>
+            </a:fontRef>
+          </p:style>
+        </p:sp>
+        <p:sp>
+          <p:nvSpPr>
+            <p:cNvPr id="28" name="Isosceles Triangle 27"/>
+            <p:cNvSpPr/>
+            <p:nvPr/>
+          </p:nvSpPr>
+          <p:spPr>
+            <a:xfrm>
+              <a:off x="10371666" y="3589867"/>
+              <a:ext cx="1817159" cy="3268133"/>
+            </a:xfrm>
+            <a:prstGeom prst="triangle">
+              <a:avLst>
+                <a:gd name="adj" fmla="val 100000"/>
+              </a:avLst>
+            </a:prstGeom>
+            <a:solidFill>
+              <a:schemeClr val="accent1">
+                <a:alpha val="80000"/>
+              </a:schemeClr>
+            </a:solidFill>
+            <a:ln>
+              <a:noFill/>
+            </a:ln>
+            <a:effectLst/>
+          </p:spPr>
+          <p:style>
+            <a:lnRef idx="1">
+              <a:schemeClr val="accent1"/>
+            </a:lnRef>
+            <a:fillRef idx="3">
+              <a:schemeClr val="accent1"/>
+            </a:fillRef>
+            <a:effectRef idx="2">
+              <a:schemeClr val="accent1"/>
+            </a:effectRef>
+            <a:fontRef idx="minor">
+              <a:schemeClr val="lt1"/>
+            </a:fontRef>
+          </p:style>
+        </p:sp>
+        <p:sp>
+          <p:nvSpPr>
+            <p:cNvPr id="29" name="Isosceles Triangle 28"/>
+            <p:cNvSpPr/>
+            <p:nvPr/>
+          </p:nvSpPr>
+          <p:spPr>
+            <a:xfrm>
+              <a:off x="0" y="4013200"/>
+              <a:ext cx="448733" cy="2844800"/>
+            </a:xfrm>
+            <a:prstGeom prst="triangle">
+              <a:avLst>
+                <a:gd name="adj" fmla="val 0"/>
+              </a:avLst>
+            </a:prstGeom>
+            <a:solidFill>
+              <a:schemeClr val="accent1">
+                <a:alpha val="85000"/>
+              </a:schemeClr>
+            </a:solidFill>
+            <a:ln>
+              <a:noFill/>
+            </a:ln>
+            <a:effectLst/>
+          </p:spPr>
+          <p:style>
+            <a:lnRef idx="1">
+              <a:schemeClr val="accent1"/>
+            </a:lnRef>
+            <a:fillRef idx="3">
+              <a:schemeClr val="accent1"/>
+            </a:fillRef>
+            <a:effectRef idx="2">
+              <a:schemeClr val="accent1"/>
+            </a:effectRef>
+            <a:fontRef idx="minor">
+              <a:schemeClr val="lt1"/>
+            </a:fontRef>
+          </p:style>
+        </p:sp>
+      </p:grpSp>
+      <p:sp>
+        <p:nvSpPr>
+          <p:cNvPr id="2" name="Title Placeholder 1"/>
           <p:cNvSpPr>
             <a:spLocks noGrp="1"/>
           </p:cNvSpPr>
@@ -2808,15 +5201,15 @@
         </p:nvSpPr>
         <p:spPr>
           <a:xfrm>
-            <a:off x="838200" y="365125"/>
-            <a:ext cx="10515600" cy="1325563"/>
+            <a:off x="677334" y="609600"/>
+            <a:ext cx="8596668" cy="1320800"/>
           </a:xfrm>
           <a:prstGeom prst="rect">
             <a:avLst/>
           </a:prstGeom>
         </p:spPr>
         <p:txBody>
-          <a:bodyPr vert="horz" lIns="91440" tIns="45720" rIns="91440" bIns="45720" rtlCol="0" anchor="ctr">
+          <a:bodyPr vert="horz" lIns="91440" tIns="45720" rIns="91440" bIns="45720" rtlCol="0" anchor="t">
             <a:normAutofit/>
           </a:bodyPr>
           <a:lstStyle/>
@@ -2825,19 +5218,13 @@
               <a:rPr lang="en-US"/>
               <a:t>Click to edit Master title style</a:t>
             </a:r>
-            <a:endParaRPr lang="en-IN"/>
-          </a:p>
-        </p:txBody>
-      </p:sp>
-      <p:sp>
-        <p:nvSpPr>
-          <p:cNvPr id="3" name="Text Placeholder 2">
-            <a:extLst>
-              <a:ext uri="{FF2B5EF4-FFF2-40B4-BE49-F238E27FC236}">
-                <a16:creationId xmlns:a16="http://schemas.microsoft.com/office/drawing/2014/main" id="{4BEBBC67-F86D-78BA-CBC6-5A657CE09424}"/>
-              </a:ext>
-            </a:extLst>
-          </p:cNvPr>
+            <a:endParaRPr lang="en-US" dirty="0"/>
+          </a:p>
+        </p:txBody>
+      </p:sp>
+      <p:sp>
+        <p:nvSpPr>
+          <p:cNvPr id="3" name="Text Placeholder 2"/>
           <p:cNvSpPr>
             <a:spLocks noGrp="1"/>
           </p:cNvSpPr>
@@ -2847,8 +5234,8 @@
         </p:nvSpPr>
         <p:spPr>
           <a:xfrm>
-            <a:off x="838200" y="1825625"/>
-            <a:ext cx="10515600" cy="4351338"/>
+            <a:off x="677334" y="2160589"/>
+            <a:ext cx="8596668" cy="3880773"/>
           </a:xfrm>
           <a:prstGeom prst="rect">
             <a:avLst/>
@@ -2893,19 +5280,13 @@
               <a:rPr lang="en-US"/>
               <a:t>Fifth level</a:t>
             </a:r>
-            <a:endParaRPr lang="en-IN"/>
-          </a:p>
-        </p:txBody>
-      </p:sp>
-      <p:sp>
-        <p:nvSpPr>
-          <p:cNvPr id="4" name="Date Placeholder 3">
-            <a:extLst>
-              <a:ext uri="{FF2B5EF4-FFF2-40B4-BE49-F238E27FC236}">
-                <a16:creationId xmlns:a16="http://schemas.microsoft.com/office/drawing/2014/main" id="{232481A0-84BC-8A42-D46B-2DD5CC5A09DF}"/>
-              </a:ext>
-            </a:extLst>
-          </p:cNvPr>
+            <a:endParaRPr lang="en-US" dirty="0"/>
+          </a:p>
+        </p:txBody>
+      </p:sp>
+      <p:sp>
+        <p:nvSpPr>
+          <p:cNvPr id="4" name="Date Placeholder 3"/>
           <p:cNvSpPr>
             <a:spLocks noGrp="1"/>
           </p:cNvSpPr>
@@ -2915,8 +5296,8 @@
         </p:nvSpPr>
         <p:spPr>
           <a:xfrm>
-            <a:off x="838200" y="6356350"/>
-            <a:ext cx="2743200" cy="365125"/>
+            <a:off x="7205133" y="6041362"/>
+            <a:ext cx="911939" cy="365125"/>
           </a:xfrm>
           <a:prstGeom prst="rect">
             <a:avLst/>
@@ -2925,8 +5306,8 @@
         <p:txBody>
           <a:bodyPr vert="horz" lIns="91440" tIns="45720" rIns="91440" bIns="45720" rtlCol="0" anchor="ctr"/>
           <a:lstStyle>
-            <a:lvl1pPr algn="l">
-              <a:defRPr sz="1200">
+            <a:lvl1pPr algn="r">
+              <a:defRPr sz="900">
                 <a:solidFill>
                   <a:schemeClr val="tx1">
                     <a:tint val="75000"/>
@@ -2938,7 +5319,7 @@
           <a:p>
             <a:fld id="{48CF19BC-7402-4398-B54F-F264A784A0DE}" type="datetimeFigureOut">
               <a:rPr lang="en-IN" smtClean="0"/>
-              <a:t>29-04-2024</a:t>
+              <a:t>01-05-2024</a:t>
             </a:fld>
             <a:endParaRPr lang="en-IN"/>
           </a:p>
@@ -2946,13 +5327,7 @@
       </p:sp>
       <p:sp>
         <p:nvSpPr>
-          <p:cNvPr id="5" name="Footer Placeholder 4">
-            <a:extLst>
-              <a:ext uri="{FF2B5EF4-FFF2-40B4-BE49-F238E27FC236}">
-                <a16:creationId xmlns:a16="http://schemas.microsoft.com/office/drawing/2014/main" id="{3075A7E3-EA55-3829-3F7F-FAA27474CD8C}"/>
-              </a:ext>
-            </a:extLst>
-          </p:cNvPr>
+          <p:cNvPr id="5" name="Footer Placeholder 4"/>
           <p:cNvSpPr>
             <a:spLocks noGrp="1"/>
           </p:cNvSpPr>
@@ -2962,8 +5337,8 @@
         </p:nvSpPr>
         <p:spPr>
           <a:xfrm>
-            <a:off x="4038600" y="6356350"/>
-            <a:ext cx="4114800" cy="365125"/>
+            <a:off x="677334" y="6041362"/>
+            <a:ext cx="6297612" cy="365125"/>
           </a:xfrm>
           <a:prstGeom prst="rect">
             <a:avLst/>
@@ -2972,8 +5347,8 @@
         <p:txBody>
           <a:bodyPr vert="horz" lIns="91440" tIns="45720" rIns="91440" bIns="45720" rtlCol="0" anchor="ctr"/>
           <a:lstStyle>
-            <a:lvl1pPr algn="ctr">
-              <a:defRPr sz="1200">
+            <a:lvl1pPr algn="l">
+              <a:defRPr sz="900">
                 <a:solidFill>
                   <a:schemeClr val="tx1">
                     <a:tint val="75000"/>
@@ -2989,13 +5364,7 @@
       </p:sp>
       <p:sp>
         <p:nvSpPr>
-          <p:cNvPr id="6" name="Slide Number Placeholder 5">
-            <a:extLst>
-              <a:ext uri="{FF2B5EF4-FFF2-40B4-BE49-F238E27FC236}">
-                <a16:creationId xmlns:a16="http://schemas.microsoft.com/office/drawing/2014/main" id="{824F4027-2DC4-78C1-26E0-3ED1EED4E4E4}"/>
-              </a:ext>
-            </a:extLst>
-          </p:cNvPr>
+          <p:cNvPr id="6" name="Slide Number Placeholder 5"/>
           <p:cNvSpPr>
             <a:spLocks noGrp="1"/>
           </p:cNvSpPr>
@@ -3005,8 +5374,8 @@
         </p:nvSpPr>
         <p:spPr>
           <a:xfrm>
-            <a:off x="8610600" y="6356350"/>
-            <a:ext cx="2743200" cy="365125"/>
+            <a:off x="8590663" y="6041362"/>
+            <a:ext cx="683339" cy="365125"/>
           </a:xfrm>
           <a:prstGeom prst="rect">
             <a:avLst/>
@@ -3016,11 +5385,9 @@
           <a:bodyPr vert="horz" lIns="91440" tIns="45720" rIns="91440" bIns="45720" rtlCol="0" anchor="ctr"/>
           <a:lstStyle>
             <a:lvl1pPr algn="r">
-              <a:defRPr sz="1200">
+              <a:defRPr sz="900">
                 <a:solidFill>
-                  <a:schemeClr val="tx1">
-                    <a:tint val="75000"/>
-                  </a:schemeClr>
+                  <a:schemeClr val="accent1"/>
                 </a:solidFill>
               </a:defRPr>
             </a:lvl1pPr>
@@ -3037,201 +5404,322 @@
     </p:spTree>
     <p:extLst>
       <p:ext uri="{BB962C8B-B14F-4D97-AF65-F5344CB8AC3E}">
-        <p14:creationId xmlns:p14="http://schemas.microsoft.com/office/powerpoint/2010/main" val="160422526"/>
+        <p14:creationId xmlns:p14="http://schemas.microsoft.com/office/powerpoint/2010/main" val="2350507435"/>
       </p:ext>
     </p:extLst>
   </p:cSld>
   <p:clrMap bg1="lt1" tx1="dk1" bg2="lt2" tx2="dk2" accent1="accent1" accent2="accent2" accent3="accent3" accent4="accent4" accent5="accent5" accent6="accent6" hlink="hlink" folHlink="folHlink"/>
   <p:sldLayoutIdLst>
-    <p:sldLayoutId id="2147483649" r:id="rId1"/>
-    <p:sldLayoutId id="2147483650" r:id="rId2"/>
-    <p:sldLayoutId id="2147483651" r:id="rId3"/>
-    <p:sldLayoutId id="2147483652" r:id="rId4"/>
-    <p:sldLayoutId id="2147483653" r:id="rId5"/>
-    <p:sldLayoutId id="2147483654" r:id="rId6"/>
-    <p:sldLayoutId id="2147483655" r:id="rId7"/>
-    <p:sldLayoutId id="2147483656" r:id="rId8"/>
-    <p:sldLayoutId id="2147483657" r:id="rId9"/>
-    <p:sldLayoutId id="2147483658" r:id="rId10"/>
-    <p:sldLayoutId id="2147483659" r:id="rId11"/>
+    <p:sldLayoutId id="2147483661" r:id="rId1"/>
+    <p:sldLayoutId id="2147483662" r:id="rId2"/>
+    <p:sldLayoutId id="2147483663" r:id="rId3"/>
+    <p:sldLayoutId id="2147483664" r:id="rId4"/>
+    <p:sldLayoutId id="2147483665" r:id="rId5"/>
+    <p:sldLayoutId id="2147483666" r:id="rId6"/>
+    <p:sldLayoutId id="2147483667" r:id="rId7"/>
+    <p:sldLayoutId id="2147483668" r:id="rId8"/>
+    <p:sldLayoutId id="2147483669" r:id="rId9"/>
+    <p:sldLayoutId id="2147483670" r:id="rId10"/>
+    <p:sldLayoutId id="2147483671" r:id="rId11"/>
+    <p:sldLayoutId id="2147483672" r:id="rId12"/>
+    <p:sldLayoutId id="2147483673" r:id="rId13"/>
+    <p:sldLayoutId id="2147483674" r:id="rId14"/>
+    <p:sldLayoutId id="2147483675" r:id="rId15"/>
+    <p:sldLayoutId id="2147483676" r:id="rId16"/>
   </p:sldLayoutIdLst>
   <p:txStyles>
     <p:titleStyle>
-      <a:lvl1pPr algn="l" defTabSz="914400" rtl="0" eaLnBrk="1" latinLnBrk="0" hangingPunct="1">
-        <a:lnSpc>
-          <a:spcPct val="90000"/>
-        </a:lnSpc>
+      <a:lvl1pPr algn="l" defTabSz="457200" rtl="0" eaLnBrk="1" latinLnBrk="0" hangingPunct="1">
         <a:spcBef>
           <a:spcPct val="0"/>
         </a:spcBef>
         <a:buNone/>
-        <a:defRPr sz="4400" kern="1200">
+        <a:defRPr sz="3600" kern="1200">
           <a:solidFill>
-            <a:schemeClr val="tx1"/>
+            <a:schemeClr val="accent1"/>
           </a:solidFill>
           <a:latin typeface="+mj-lt"/>
           <a:ea typeface="+mj-ea"/>
           <a:cs typeface="+mj-cs"/>
         </a:defRPr>
       </a:lvl1pPr>
+      <a:lvl2pPr eaLnBrk="1" hangingPunct="1">
+        <a:defRPr>
+          <a:solidFill>
+            <a:schemeClr val="tx2"/>
+          </a:solidFill>
+        </a:defRPr>
+      </a:lvl2pPr>
+      <a:lvl3pPr eaLnBrk="1" hangingPunct="1">
+        <a:defRPr>
+          <a:solidFill>
+            <a:schemeClr val="tx2"/>
+          </a:solidFill>
+        </a:defRPr>
+      </a:lvl3pPr>
+      <a:lvl4pPr eaLnBrk="1" hangingPunct="1">
+        <a:defRPr>
+          <a:solidFill>
+            <a:schemeClr val="tx2"/>
+          </a:solidFill>
+        </a:defRPr>
+      </a:lvl4pPr>
+      <a:lvl5pPr eaLnBrk="1" hangingPunct="1">
+        <a:defRPr>
+          <a:solidFill>
+            <a:schemeClr val="tx2"/>
+          </a:solidFill>
+        </a:defRPr>
+      </a:lvl5pPr>
+      <a:lvl6pPr eaLnBrk="1" hangingPunct="1">
+        <a:defRPr>
+          <a:solidFill>
+            <a:schemeClr val="tx2"/>
+          </a:solidFill>
+        </a:defRPr>
+      </a:lvl6pPr>
+      <a:lvl7pPr eaLnBrk="1" hangingPunct="1">
+        <a:defRPr>
+          <a:solidFill>
+            <a:schemeClr val="tx2"/>
+          </a:solidFill>
+        </a:defRPr>
+      </a:lvl7pPr>
+      <a:lvl8pPr eaLnBrk="1" hangingPunct="1">
+        <a:defRPr>
+          <a:solidFill>
+            <a:schemeClr val="tx2"/>
+          </a:solidFill>
+        </a:defRPr>
+      </a:lvl8pPr>
+      <a:lvl9pPr eaLnBrk="1" hangingPunct="1">
+        <a:defRPr>
+          <a:solidFill>
+            <a:schemeClr val="tx2"/>
+          </a:solidFill>
+        </a:defRPr>
+      </a:lvl9pPr>
     </p:titleStyle>
     <p:bodyStyle>
-      <a:lvl1pPr marL="228600" indent="-228600" algn="l" defTabSz="914400" rtl="0" eaLnBrk="1" latinLnBrk="0" hangingPunct="1">
-        <a:lnSpc>
-          <a:spcPct val="90000"/>
-        </a:lnSpc>
+      <a:lvl1pPr marL="342900" indent="-342900" algn="l" defTabSz="457200" rtl="0" eaLnBrk="1" latinLnBrk="0" hangingPunct="1">
         <a:spcBef>
           <a:spcPts val="1000"/>
         </a:spcBef>
-        <a:buFont typeface="Arial" panose="020B0604020202020204" pitchFamily="34" charset="0"/>
-        <a:buChar char="•"/>
-        <a:defRPr sz="2800" kern="1200">
+        <a:spcAft>
+          <a:spcPts val="0"/>
+        </a:spcAft>
+        <a:buClr>
+          <a:schemeClr val="accent1"/>
+        </a:buClr>
+        <a:buSzPct val="80000"/>
+        <a:buFont typeface="Wingdings 3" charset="2"/>
+        <a:buChar char=""/>
+        <a:defRPr sz="1800" kern="1200">
           <a:solidFill>
-            <a:schemeClr val="tx1"/>
+            <a:schemeClr val="tx1">
+              <a:lumMod val="75000"/>
+              <a:lumOff val="25000"/>
+            </a:schemeClr>
           </a:solidFill>
           <a:latin typeface="+mn-lt"/>
           <a:ea typeface="+mn-ea"/>
           <a:cs typeface="+mn-cs"/>
         </a:defRPr>
       </a:lvl1pPr>
-      <a:lvl2pPr marL="685800" indent="-228600" algn="l" defTabSz="914400" rtl="0" eaLnBrk="1" latinLnBrk="0" hangingPunct="1">
-        <a:lnSpc>
-          <a:spcPct val="90000"/>
-        </a:lnSpc>
+      <a:lvl2pPr marL="742950" indent="-285750" algn="l" defTabSz="457200" rtl="0" eaLnBrk="1" latinLnBrk="0" hangingPunct="1">
         <a:spcBef>
-          <a:spcPts val="500"/>
+          <a:spcPts val="1000"/>
         </a:spcBef>
-        <a:buFont typeface="Arial" panose="020B0604020202020204" pitchFamily="34" charset="0"/>
-        <a:buChar char="•"/>
-        <a:defRPr sz="2400" kern="1200">
+        <a:spcAft>
+          <a:spcPts val="0"/>
+        </a:spcAft>
+        <a:buClr>
+          <a:schemeClr val="accent1"/>
+        </a:buClr>
+        <a:buSzPct val="80000"/>
+        <a:buFont typeface="Wingdings 3" charset="2"/>
+        <a:buChar char=""/>
+        <a:defRPr sz="1600" kern="1200">
           <a:solidFill>
-            <a:schemeClr val="tx1"/>
+            <a:schemeClr val="tx1">
+              <a:lumMod val="75000"/>
+              <a:lumOff val="25000"/>
+            </a:schemeClr>
           </a:solidFill>
           <a:latin typeface="+mn-lt"/>
           <a:ea typeface="+mn-ea"/>
           <a:cs typeface="+mn-cs"/>
         </a:defRPr>
       </a:lvl2pPr>
-      <a:lvl3pPr marL="1143000" indent="-228600" algn="l" defTabSz="914400" rtl="0" eaLnBrk="1" latinLnBrk="0" hangingPunct="1">
-        <a:lnSpc>
-          <a:spcPct val="90000"/>
-        </a:lnSpc>
+      <a:lvl3pPr marL="1143000" indent="-228600" algn="l" defTabSz="457200" rtl="0" eaLnBrk="1" latinLnBrk="0" hangingPunct="1">
         <a:spcBef>
-          <a:spcPts val="500"/>
+          <a:spcPts val="1000"/>
         </a:spcBef>
-        <a:buFont typeface="Arial" panose="020B0604020202020204" pitchFamily="34" charset="0"/>
-        <a:buChar char="•"/>
-        <a:defRPr sz="2000" kern="1200">
+        <a:spcAft>
+          <a:spcPts val="0"/>
+        </a:spcAft>
+        <a:buClr>
+          <a:schemeClr val="accent1"/>
+        </a:buClr>
+        <a:buSzPct val="80000"/>
+        <a:buFont typeface="Wingdings 3" charset="2"/>
+        <a:buChar char=""/>
+        <a:defRPr sz="1400" kern="1200">
           <a:solidFill>
-            <a:schemeClr val="tx1"/>
+            <a:schemeClr val="tx1">
+              <a:lumMod val="75000"/>
+              <a:lumOff val="25000"/>
+            </a:schemeClr>
           </a:solidFill>
           <a:latin typeface="+mn-lt"/>
           <a:ea typeface="+mn-ea"/>
           <a:cs typeface="+mn-cs"/>
         </a:defRPr>
       </a:lvl3pPr>
-      <a:lvl4pPr marL="1600200" indent="-228600" algn="l" defTabSz="914400" rtl="0" eaLnBrk="1" latinLnBrk="0" hangingPunct="1">
-        <a:lnSpc>
-          <a:spcPct val="90000"/>
-        </a:lnSpc>
+      <a:lvl4pPr marL="1600200" indent="-228600" algn="l" defTabSz="457200" rtl="0" eaLnBrk="1" latinLnBrk="0" hangingPunct="1">
         <a:spcBef>
-          <a:spcPts val="500"/>
+          <a:spcPts val="1000"/>
         </a:spcBef>
-        <a:buFont typeface="Arial" panose="020B0604020202020204" pitchFamily="34" charset="0"/>
-        <a:buChar char="•"/>
-        <a:defRPr sz="1800" kern="1200">
+        <a:spcAft>
+          <a:spcPts val="0"/>
+        </a:spcAft>
+        <a:buClr>
+          <a:schemeClr val="accent1"/>
+        </a:buClr>
+        <a:buSzPct val="80000"/>
+        <a:buFont typeface="Wingdings 3" charset="2"/>
+        <a:buChar char=""/>
+        <a:defRPr sz="1200" kern="1200">
           <a:solidFill>
-            <a:schemeClr val="tx1"/>
+            <a:schemeClr val="tx1">
+              <a:lumMod val="75000"/>
+              <a:lumOff val="25000"/>
+            </a:schemeClr>
           </a:solidFill>
           <a:latin typeface="+mn-lt"/>
           <a:ea typeface="+mn-ea"/>
           <a:cs typeface="+mn-cs"/>
         </a:defRPr>
       </a:lvl4pPr>
-      <a:lvl5pPr marL="2057400" indent="-228600" algn="l" defTabSz="914400" rtl="0" eaLnBrk="1" latinLnBrk="0" hangingPunct="1">
-        <a:lnSpc>
-          <a:spcPct val="90000"/>
-        </a:lnSpc>
+      <a:lvl5pPr marL="2057400" indent="-228600" algn="l" defTabSz="457200" rtl="0" eaLnBrk="1" latinLnBrk="0" hangingPunct="1">
         <a:spcBef>
-          <a:spcPts val="500"/>
+          <a:spcPts val="1000"/>
         </a:spcBef>
-        <a:buFont typeface="Arial" panose="020B0604020202020204" pitchFamily="34" charset="0"/>
-        <a:buChar char="•"/>
-        <a:defRPr sz="1800" kern="1200">
+        <a:spcAft>
+          <a:spcPts val="0"/>
+        </a:spcAft>
+        <a:buClr>
+          <a:schemeClr val="accent1"/>
+        </a:buClr>
+        <a:buSzPct val="80000"/>
+        <a:buFont typeface="Wingdings 3" charset="2"/>
+        <a:buChar char=""/>
+        <a:defRPr sz="1200" kern="1200">
           <a:solidFill>
-            <a:schemeClr val="tx1"/>
+            <a:schemeClr val="tx1">
+              <a:lumMod val="75000"/>
+              <a:lumOff val="25000"/>
+            </a:schemeClr>
           </a:solidFill>
           <a:latin typeface="+mn-lt"/>
           <a:ea typeface="+mn-ea"/>
           <a:cs typeface="+mn-cs"/>
         </a:defRPr>
       </a:lvl5pPr>
-      <a:lvl6pPr marL="2514600" indent="-228600" algn="l" defTabSz="914400" rtl="0" eaLnBrk="1" latinLnBrk="0" hangingPunct="1">
-        <a:lnSpc>
-          <a:spcPct val="90000"/>
-        </a:lnSpc>
+      <a:lvl6pPr marL="2514600" indent="-228600" algn="l" defTabSz="457200" rtl="0" eaLnBrk="1" latinLnBrk="0" hangingPunct="1">
         <a:spcBef>
-          <a:spcPts val="500"/>
+          <a:spcPts val="1000"/>
         </a:spcBef>
-        <a:buFont typeface="Arial" panose="020B0604020202020204" pitchFamily="34" charset="0"/>
-        <a:buChar char="•"/>
-        <a:defRPr sz="1800" kern="1200">
+        <a:spcAft>
+          <a:spcPts val="0"/>
+        </a:spcAft>
+        <a:buClr>
+          <a:schemeClr val="accent1"/>
+        </a:buClr>
+        <a:buSzPct val="80000"/>
+        <a:buFont typeface="Wingdings 3" charset="2"/>
+        <a:buChar char=""/>
+        <a:defRPr sz="1200" kern="1200">
           <a:solidFill>
-            <a:schemeClr val="tx1"/>
+            <a:schemeClr val="tx1">
+              <a:lumMod val="75000"/>
+              <a:lumOff val="25000"/>
+            </a:schemeClr>
           </a:solidFill>
           <a:latin typeface="+mn-lt"/>
           <a:ea typeface="+mn-ea"/>
           <a:cs typeface="+mn-cs"/>
         </a:defRPr>
       </a:lvl6pPr>
-      <a:lvl7pPr marL="2971800" indent="-228600" algn="l" defTabSz="914400" rtl="0" eaLnBrk="1" latinLnBrk="0" hangingPunct="1">
-        <a:lnSpc>
-          <a:spcPct val="90000"/>
-        </a:lnSpc>
+      <a:lvl7pPr marL="2971800" indent="-228600" algn="l" defTabSz="457200" rtl="0" eaLnBrk="1" latinLnBrk="0" hangingPunct="1">
         <a:spcBef>
-          <a:spcPts val="500"/>
+          <a:spcPts val="1000"/>
         </a:spcBef>
-        <a:buFont typeface="Arial" panose="020B0604020202020204" pitchFamily="34" charset="0"/>
-        <a:buChar char="•"/>
-        <a:defRPr sz="1800" kern="1200">
+        <a:spcAft>
+          <a:spcPts val="0"/>
+        </a:spcAft>
+        <a:buClr>
+          <a:schemeClr val="accent1"/>
+        </a:buClr>
+        <a:buSzPct val="80000"/>
+        <a:buFont typeface="Wingdings 3" charset="2"/>
+        <a:buChar char=""/>
+        <a:defRPr sz="1200" kern="1200">
           <a:solidFill>
-            <a:schemeClr val="tx1"/>
+            <a:schemeClr val="tx1">
+              <a:lumMod val="75000"/>
+              <a:lumOff val="25000"/>
+            </a:schemeClr>
           </a:solidFill>
           <a:latin typeface="+mn-lt"/>
           <a:ea typeface="+mn-ea"/>
           <a:cs typeface="+mn-cs"/>
         </a:defRPr>
       </a:lvl7pPr>
-      <a:lvl8pPr marL="3429000" indent="-228600" algn="l" defTabSz="914400" rtl="0" eaLnBrk="1" latinLnBrk="0" hangingPunct="1">
-        <a:lnSpc>
-          <a:spcPct val="90000"/>
-        </a:lnSpc>
+      <a:lvl8pPr marL="3429000" indent="-228600" algn="l" defTabSz="457200" rtl="0" eaLnBrk="1" latinLnBrk="0" hangingPunct="1">
         <a:spcBef>
-          <a:spcPts val="500"/>
+          <a:spcPts val="1000"/>
         </a:spcBef>
-        <a:buFont typeface="Arial" panose="020B0604020202020204" pitchFamily="34" charset="0"/>
-        <a:buChar char="•"/>
-        <a:defRPr sz="1800" kern="1200">
+        <a:spcAft>
+          <a:spcPts val="0"/>
+        </a:spcAft>
+        <a:buClr>
+          <a:schemeClr val="accent1"/>
+        </a:buClr>
+        <a:buSzPct val="80000"/>
+        <a:buFont typeface="Wingdings 3" charset="2"/>
+        <a:buChar char=""/>
+        <a:defRPr sz="1200" kern="1200">
           <a:solidFill>
-            <a:schemeClr val="tx1"/>
+            <a:schemeClr val="tx1">
+              <a:lumMod val="75000"/>
+              <a:lumOff val="25000"/>
+            </a:schemeClr>
           </a:solidFill>
           <a:latin typeface="+mn-lt"/>
           <a:ea typeface="+mn-ea"/>
           <a:cs typeface="+mn-cs"/>
         </a:defRPr>
       </a:lvl8pPr>
-      <a:lvl9pPr marL="3886200" indent="-228600" algn="l" defTabSz="914400" rtl="0" eaLnBrk="1" latinLnBrk="0" hangingPunct="1">
-        <a:lnSpc>
-          <a:spcPct val="90000"/>
-        </a:lnSpc>
+      <a:lvl9pPr marL="3886200" indent="-228600" algn="l" defTabSz="457200" rtl="0" eaLnBrk="1" latinLnBrk="0" hangingPunct="1">
         <a:spcBef>
-          <a:spcPts val="500"/>
+          <a:spcPts val="1000"/>
         </a:spcBef>
-        <a:buFont typeface="Arial" panose="020B0604020202020204" pitchFamily="34" charset="0"/>
-        <a:buChar char="•"/>
-        <a:defRPr sz="1800" kern="1200">
+        <a:spcAft>
+          <a:spcPts val="0"/>
+        </a:spcAft>
+        <a:buClr>
+          <a:schemeClr val="accent1"/>
+        </a:buClr>
+        <a:buSzPct val="80000"/>
+        <a:buFont typeface="Wingdings 3" charset="2"/>
+        <a:buChar char=""/>
+        <a:defRPr sz="1200" kern="1200">
           <a:solidFill>
-            <a:schemeClr val="tx1"/>
+            <a:schemeClr val="tx1">
+              <a:lumMod val="75000"/>
+              <a:lumOff val="25000"/>
+            </a:schemeClr>
           </a:solidFill>
           <a:latin typeface="+mn-lt"/>
           <a:ea typeface="+mn-ea"/>
@@ -3243,7 +5731,7 @@
       <a:defPPr>
         <a:defRPr lang="en-US"/>
       </a:defPPr>
-      <a:lvl1pPr marL="0" algn="l" defTabSz="914400" rtl="0" eaLnBrk="1" latinLnBrk="0" hangingPunct="1">
+      <a:lvl1pPr marL="0" algn="l" defTabSz="457200" rtl="0" eaLnBrk="1" latinLnBrk="0" hangingPunct="1">
         <a:defRPr sz="1800" kern="1200">
           <a:solidFill>
             <a:schemeClr val="tx1"/>
@@ -3253,7 +5741,7 @@
           <a:cs typeface="+mn-cs"/>
         </a:defRPr>
       </a:lvl1pPr>
-      <a:lvl2pPr marL="457200" algn="l" defTabSz="914400" rtl="0" eaLnBrk="1" latinLnBrk="0" hangingPunct="1">
+      <a:lvl2pPr marL="457200" algn="l" defTabSz="457200" rtl="0" eaLnBrk="1" latinLnBrk="0" hangingPunct="1">
         <a:defRPr sz="1800" kern="1200">
           <a:solidFill>
             <a:schemeClr val="tx1"/>
@@ -3263,7 +5751,7 @@
           <a:cs typeface="+mn-cs"/>
         </a:defRPr>
       </a:lvl2pPr>
-      <a:lvl3pPr marL="914400" algn="l" defTabSz="914400" rtl="0" eaLnBrk="1" latinLnBrk="0" hangingPunct="1">
+      <a:lvl3pPr marL="914400" algn="l" defTabSz="457200" rtl="0" eaLnBrk="1" latinLnBrk="0" hangingPunct="1">
         <a:defRPr sz="1800" kern="1200">
           <a:solidFill>
             <a:schemeClr val="tx1"/>
@@ -3273,7 +5761,7 @@
           <a:cs typeface="+mn-cs"/>
         </a:defRPr>
       </a:lvl3pPr>
-      <a:lvl4pPr marL="1371600" algn="l" defTabSz="914400" rtl="0" eaLnBrk="1" latinLnBrk="0" hangingPunct="1">
+      <a:lvl4pPr marL="1371600" algn="l" defTabSz="457200" rtl="0" eaLnBrk="1" latinLnBrk="0" hangingPunct="1">
         <a:defRPr sz="1800" kern="1200">
           <a:solidFill>
             <a:schemeClr val="tx1"/>
@@ -3283,7 +5771,7 @@
           <a:cs typeface="+mn-cs"/>
         </a:defRPr>
       </a:lvl4pPr>
-      <a:lvl5pPr marL="1828800" algn="l" defTabSz="914400" rtl="0" eaLnBrk="1" latinLnBrk="0" hangingPunct="1">
+      <a:lvl5pPr marL="1828800" algn="l" defTabSz="457200" rtl="0" eaLnBrk="1" latinLnBrk="0" hangingPunct="1">
         <a:defRPr sz="1800" kern="1200">
           <a:solidFill>
             <a:schemeClr val="tx1"/>
@@ -3293,7 +5781,7 @@
           <a:cs typeface="+mn-cs"/>
         </a:defRPr>
       </a:lvl5pPr>
-      <a:lvl6pPr marL="2286000" algn="l" defTabSz="914400" rtl="0" eaLnBrk="1" latinLnBrk="0" hangingPunct="1">
+      <a:lvl6pPr marL="2286000" algn="l" defTabSz="457200" rtl="0" eaLnBrk="1" latinLnBrk="0" hangingPunct="1">
         <a:defRPr sz="1800" kern="1200">
           <a:solidFill>
             <a:schemeClr val="tx1"/>
@@ -3303,7 +5791,7 @@
           <a:cs typeface="+mn-cs"/>
         </a:defRPr>
       </a:lvl6pPr>
-      <a:lvl7pPr marL="2743200" algn="l" defTabSz="914400" rtl="0" eaLnBrk="1" latinLnBrk="0" hangingPunct="1">
+      <a:lvl7pPr marL="2743200" algn="l" defTabSz="457200" rtl="0" eaLnBrk="1" latinLnBrk="0" hangingPunct="1">
         <a:defRPr sz="1800" kern="1200">
           <a:solidFill>
             <a:schemeClr val="tx1"/>
@@ -3313,7 +5801,7 @@
           <a:cs typeface="+mn-cs"/>
         </a:defRPr>
       </a:lvl7pPr>
-      <a:lvl8pPr marL="3200400" algn="l" defTabSz="914400" rtl="0" eaLnBrk="1" latinLnBrk="0" hangingPunct="1">
+      <a:lvl8pPr marL="3200400" algn="l" defTabSz="457200" rtl="0" eaLnBrk="1" latinLnBrk="0" hangingPunct="1">
         <a:defRPr sz="1800" kern="1200">
           <a:solidFill>
             <a:schemeClr val="tx1"/>
@@ -3323,7 +5811,7 @@
           <a:cs typeface="+mn-cs"/>
         </a:defRPr>
       </a:lvl8pPr>
-      <a:lvl9pPr marL="3657600" algn="l" defTabSz="914400" rtl="0" eaLnBrk="1" latinLnBrk="0" hangingPunct="1">
+      <a:lvl9pPr marL="3657600" algn="l" defTabSz="457200" rtl="0" eaLnBrk="1" latinLnBrk="0" hangingPunct="1">
         <a:defRPr sz="1800" kern="1200">
           <a:solidFill>
             <a:schemeClr val="tx1"/>
@@ -3374,7 +5862,7 @@
         <p:spPr/>
         <p:txBody>
           <a:bodyPr>
-            <a:normAutofit/>
+            <a:normAutofit fontScale="90000"/>
           </a:bodyPr>
           <a:lstStyle/>
           <a:p>
@@ -3403,7 +5891,9 @@
         </p:nvSpPr>
         <p:spPr/>
         <p:txBody>
-          <a:bodyPr/>
+          <a:bodyPr>
+            <a:normAutofit lnSpcReduction="10000"/>
+          </a:bodyPr>
           <a:lstStyle/>
           <a:p>
             <a:r>
@@ -3445,6 +5935,951 @@
     <p:extLst>
       <p:ext uri="{BB962C8B-B14F-4D97-AF65-F5344CB8AC3E}">
         <p14:creationId xmlns:p14="http://schemas.microsoft.com/office/powerpoint/2010/main" val="2665465158"/>
+      </p:ext>
+    </p:extLst>
+  </p:cSld>
+  <p:clrMapOvr>
+    <a:masterClrMapping/>
+  </p:clrMapOvr>
+</p:sld>
+</file>
+
+<file path=ppt/slides/slide10.xml><?xml version="1.0" encoding="utf-8"?>
+<p:sld xmlns:a="http://schemas.openxmlformats.org/drawingml/2006/main" xmlns:r="http://schemas.openxmlformats.org/officeDocument/2006/relationships" xmlns:p="http://schemas.openxmlformats.org/presentationml/2006/main">
+  <p:cSld>
+    <p:spTree>
+      <p:nvGrpSpPr>
+        <p:cNvPr id="1" name=""/>
+        <p:cNvGrpSpPr/>
+        <p:nvPr/>
+      </p:nvGrpSpPr>
+      <p:grpSpPr>
+        <a:xfrm>
+          <a:off x="0" y="0"/>
+          <a:ext cx="0" cy="0"/>
+          <a:chOff x="0" y="0"/>
+          <a:chExt cx="0" cy="0"/>
+        </a:xfrm>
+      </p:grpSpPr>
+      <p:sp>
+        <p:nvSpPr>
+          <p:cNvPr id="2" name="Title 1">
+            <a:extLst>
+              <a:ext uri="{FF2B5EF4-FFF2-40B4-BE49-F238E27FC236}">
+                <a16:creationId xmlns:a16="http://schemas.microsoft.com/office/drawing/2014/main" id="{97D17C85-208C-7FFA-5E36-DFD5867B4CA4}"/>
+              </a:ext>
+            </a:extLst>
+          </p:cNvPr>
+          <p:cNvSpPr>
+            <a:spLocks noGrp="1"/>
+          </p:cNvSpPr>
+          <p:nvPr>
+            <p:ph type="title"/>
+          </p:nvPr>
+        </p:nvSpPr>
+        <p:spPr/>
+        <p:txBody>
+          <a:bodyPr/>
+          <a:lstStyle/>
+          <a:p>
+            <a:r>
+              <a:rPr lang="en-US" dirty="0"/>
+              <a:t>Recommendations</a:t>
+            </a:r>
+            <a:endParaRPr lang="en-IN" dirty="0"/>
+          </a:p>
+        </p:txBody>
+      </p:sp>
+      <p:sp>
+        <p:nvSpPr>
+          <p:cNvPr id="3" name="Content Placeholder 2">
+            <a:extLst>
+              <a:ext uri="{FF2B5EF4-FFF2-40B4-BE49-F238E27FC236}">
+                <a16:creationId xmlns:a16="http://schemas.microsoft.com/office/drawing/2014/main" id="{66A77BCF-D7E8-2808-D5B4-00803FB316B1}"/>
+              </a:ext>
+            </a:extLst>
+          </p:cNvPr>
+          <p:cNvSpPr>
+            <a:spLocks noGrp="1"/>
+          </p:cNvSpPr>
+          <p:nvPr>
+            <p:ph idx="1"/>
+          </p:nvPr>
+        </p:nvSpPr>
+        <p:spPr/>
+        <p:txBody>
+          <a:bodyPr>
+            <a:normAutofit/>
+          </a:bodyPr>
+          <a:lstStyle/>
+          <a:p>
+            <a:pPr>
+              <a:lnSpc>
+                <a:spcPct val="100000"/>
+              </a:lnSpc>
+            </a:pPr>
+            <a:r>
+              <a:rPr lang="en-US" sz="1600" dirty="0"/>
+              <a:t>Debt consolidation loans amount to 47% of all loans given and have a significant default rate at 15.41%. This needs to be diversified to more safer purposes such as car, credit card and home improvement, wedding, major purchase which have lower default rates.</a:t>
+            </a:r>
+          </a:p>
+        </p:txBody>
+      </p:sp>
+      <p:pic>
+        <p:nvPicPr>
+          <p:cNvPr id="5" name="Picture 4">
+            <a:extLst>
+              <a:ext uri="{FF2B5EF4-FFF2-40B4-BE49-F238E27FC236}">
+                <a16:creationId xmlns:a16="http://schemas.microsoft.com/office/drawing/2014/main" id="{2BD902A7-802A-ECFF-624F-E73B98BFA300}"/>
+              </a:ext>
+            </a:extLst>
+          </p:cNvPr>
+          <p:cNvPicPr>
+            <a:picLocks noChangeAspect="1"/>
+          </p:cNvPicPr>
+          <p:nvPr/>
+        </p:nvPicPr>
+        <p:blipFill>
+          <a:blip r:embed="rId2"/>
+          <a:stretch>
+            <a:fillRect/>
+          </a:stretch>
+        </p:blipFill>
+        <p:spPr>
+          <a:xfrm>
+            <a:off x="254524" y="2568160"/>
+            <a:ext cx="9819414" cy="4157503"/>
+          </a:xfrm>
+          <a:prstGeom prst="rect">
+            <a:avLst/>
+          </a:prstGeom>
+        </p:spPr>
+      </p:pic>
+      <p:pic>
+        <p:nvPicPr>
+          <p:cNvPr id="6" name="Picture 5">
+            <a:extLst>
+              <a:ext uri="{FF2B5EF4-FFF2-40B4-BE49-F238E27FC236}">
+                <a16:creationId xmlns:a16="http://schemas.microsoft.com/office/drawing/2014/main" id="{03BC3058-F5DB-9266-AE48-3E403FA080E0}"/>
+              </a:ext>
+            </a:extLst>
+          </p:cNvPr>
+          <p:cNvPicPr>
+            <a:picLocks noChangeAspect="1"/>
+          </p:cNvPicPr>
+          <p:nvPr/>
+        </p:nvPicPr>
+        <p:blipFill>
+          <a:blip r:embed="rId3"/>
+          <a:stretch>
+            <a:fillRect/>
+          </a:stretch>
+        </p:blipFill>
+        <p:spPr>
+          <a:xfrm>
+            <a:off x="4609706" y="2565717"/>
+            <a:ext cx="7582293" cy="4011111"/>
+          </a:xfrm>
+          <a:prstGeom prst="rect">
+            <a:avLst/>
+          </a:prstGeom>
+        </p:spPr>
+      </p:pic>
+    </p:spTree>
+    <p:extLst>
+      <p:ext uri="{BB962C8B-B14F-4D97-AF65-F5344CB8AC3E}">
+        <p14:creationId xmlns:p14="http://schemas.microsoft.com/office/powerpoint/2010/main" val="3440983064"/>
+      </p:ext>
+    </p:extLst>
+  </p:cSld>
+  <p:clrMapOvr>
+    <a:masterClrMapping/>
+  </p:clrMapOvr>
+</p:sld>
+</file>
+
+<file path=ppt/slides/slide11.xml><?xml version="1.0" encoding="utf-8"?>
+<p:sld xmlns:a="http://schemas.openxmlformats.org/drawingml/2006/main" xmlns:r="http://schemas.openxmlformats.org/officeDocument/2006/relationships" xmlns:p="http://schemas.openxmlformats.org/presentationml/2006/main">
+  <p:cSld>
+    <p:spTree>
+      <p:nvGrpSpPr>
+        <p:cNvPr id="1" name=""/>
+        <p:cNvGrpSpPr/>
+        <p:nvPr/>
+      </p:nvGrpSpPr>
+      <p:grpSpPr>
+        <a:xfrm>
+          <a:off x="0" y="0"/>
+          <a:ext cx="0" cy="0"/>
+          <a:chOff x="0" y="0"/>
+          <a:chExt cx="0" cy="0"/>
+        </a:xfrm>
+      </p:grpSpPr>
+      <p:sp>
+        <p:nvSpPr>
+          <p:cNvPr id="2" name="Title 1">
+            <a:extLst>
+              <a:ext uri="{FF2B5EF4-FFF2-40B4-BE49-F238E27FC236}">
+                <a16:creationId xmlns:a16="http://schemas.microsoft.com/office/drawing/2014/main" id="{97D17C85-208C-7FFA-5E36-DFD5867B4CA4}"/>
+              </a:ext>
+            </a:extLst>
+          </p:cNvPr>
+          <p:cNvSpPr>
+            <a:spLocks noGrp="1"/>
+          </p:cNvSpPr>
+          <p:nvPr>
+            <p:ph type="title"/>
+          </p:nvPr>
+        </p:nvSpPr>
+        <p:spPr/>
+        <p:txBody>
+          <a:bodyPr/>
+          <a:lstStyle/>
+          <a:p>
+            <a:r>
+              <a:rPr lang="en-US" dirty="0"/>
+              <a:t>Recommendations</a:t>
+            </a:r>
+            <a:endParaRPr lang="en-IN" dirty="0"/>
+          </a:p>
+        </p:txBody>
+      </p:sp>
+      <p:sp>
+        <p:nvSpPr>
+          <p:cNvPr id="3" name="Content Placeholder 2">
+            <a:extLst>
+              <a:ext uri="{FF2B5EF4-FFF2-40B4-BE49-F238E27FC236}">
+                <a16:creationId xmlns:a16="http://schemas.microsoft.com/office/drawing/2014/main" id="{66A77BCF-D7E8-2808-D5B4-00803FB316B1}"/>
+              </a:ext>
+            </a:extLst>
+          </p:cNvPr>
+          <p:cNvSpPr>
+            <a:spLocks noGrp="1"/>
+          </p:cNvSpPr>
+          <p:nvPr>
+            <p:ph idx="1"/>
+          </p:nvPr>
+        </p:nvSpPr>
+        <p:spPr/>
+        <p:txBody>
+          <a:bodyPr>
+            <a:normAutofit/>
+          </a:bodyPr>
+          <a:lstStyle/>
+          <a:p>
+            <a:pPr>
+              <a:lnSpc>
+                <a:spcPct val="100000"/>
+              </a:lnSpc>
+            </a:pPr>
+            <a:r>
+              <a:rPr lang="en-US" sz="1600" dirty="0"/>
+              <a:t>Default rate is higher for verified borrowers compared to unverified borrower. This suggests verification process needs to be strengthened. The annual incomes may be suspect based on which higher loans at higher interest rates are being given.</a:t>
+            </a:r>
+          </a:p>
+        </p:txBody>
+      </p:sp>
+      <p:pic>
+        <p:nvPicPr>
+          <p:cNvPr id="5" name="Picture 4">
+            <a:extLst>
+              <a:ext uri="{FF2B5EF4-FFF2-40B4-BE49-F238E27FC236}">
+                <a16:creationId xmlns:a16="http://schemas.microsoft.com/office/drawing/2014/main" id="{F2D49D4A-5849-75A8-7176-DD8E14821EAC}"/>
+              </a:ext>
+            </a:extLst>
+          </p:cNvPr>
+          <p:cNvPicPr>
+            <a:picLocks noChangeAspect="1"/>
+          </p:cNvPicPr>
+          <p:nvPr/>
+        </p:nvPicPr>
+        <p:blipFill>
+          <a:blip r:embed="rId2"/>
+          <a:stretch>
+            <a:fillRect/>
+          </a:stretch>
+        </p:blipFill>
+        <p:spPr>
+          <a:xfrm>
+            <a:off x="904973" y="2521954"/>
+            <a:ext cx="4937166" cy="3892240"/>
+          </a:xfrm>
+          <a:prstGeom prst="rect">
+            <a:avLst/>
+          </a:prstGeom>
+        </p:spPr>
+      </p:pic>
+      <p:pic>
+        <p:nvPicPr>
+          <p:cNvPr id="6" name="Picture 5">
+            <a:extLst>
+              <a:ext uri="{FF2B5EF4-FFF2-40B4-BE49-F238E27FC236}">
+                <a16:creationId xmlns:a16="http://schemas.microsoft.com/office/drawing/2014/main" id="{82B61AA5-E1D3-D5F8-19CA-A015EAE2C0F9}"/>
+              </a:ext>
+            </a:extLst>
+          </p:cNvPr>
+          <p:cNvPicPr>
+            <a:picLocks noChangeAspect="1"/>
+          </p:cNvPicPr>
+          <p:nvPr/>
+        </p:nvPicPr>
+        <p:blipFill>
+          <a:blip r:embed="rId3"/>
+          <a:stretch>
+            <a:fillRect/>
+          </a:stretch>
+        </p:blipFill>
+        <p:spPr>
+          <a:xfrm>
+            <a:off x="6213196" y="2521954"/>
+            <a:ext cx="5372131" cy="3892240"/>
+          </a:xfrm>
+          <a:prstGeom prst="rect">
+            <a:avLst/>
+          </a:prstGeom>
+        </p:spPr>
+      </p:pic>
+    </p:spTree>
+    <p:extLst>
+      <p:ext uri="{BB962C8B-B14F-4D97-AF65-F5344CB8AC3E}">
+        <p14:creationId xmlns:p14="http://schemas.microsoft.com/office/powerpoint/2010/main" val="2351875636"/>
+      </p:ext>
+    </p:extLst>
+  </p:cSld>
+  <p:clrMapOvr>
+    <a:masterClrMapping/>
+  </p:clrMapOvr>
+</p:sld>
+</file>
+
+<file path=ppt/slides/slide12.xml><?xml version="1.0" encoding="utf-8"?>
+<p:sld xmlns:a="http://schemas.openxmlformats.org/drawingml/2006/main" xmlns:r="http://schemas.openxmlformats.org/officeDocument/2006/relationships" xmlns:p="http://schemas.openxmlformats.org/presentationml/2006/main">
+  <p:cSld>
+    <p:spTree>
+      <p:nvGrpSpPr>
+        <p:cNvPr id="1" name=""/>
+        <p:cNvGrpSpPr/>
+        <p:nvPr/>
+      </p:nvGrpSpPr>
+      <p:grpSpPr>
+        <a:xfrm>
+          <a:off x="0" y="0"/>
+          <a:ext cx="0" cy="0"/>
+          <a:chOff x="0" y="0"/>
+          <a:chExt cx="0" cy="0"/>
+        </a:xfrm>
+      </p:grpSpPr>
+      <p:sp>
+        <p:nvSpPr>
+          <p:cNvPr id="2" name="Title 1">
+            <a:extLst>
+              <a:ext uri="{FF2B5EF4-FFF2-40B4-BE49-F238E27FC236}">
+                <a16:creationId xmlns:a16="http://schemas.microsoft.com/office/drawing/2014/main" id="{97D17C85-208C-7FFA-5E36-DFD5867B4CA4}"/>
+              </a:ext>
+            </a:extLst>
+          </p:cNvPr>
+          <p:cNvSpPr>
+            <a:spLocks noGrp="1"/>
+          </p:cNvSpPr>
+          <p:nvPr>
+            <p:ph type="title"/>
+          </p:nvPr>
+        </p:nvSpPr>
+        <p:spPr/>
+        <p:txBody>
+          <a:bodyPr/>
+          <a:lstStyle/>
+          <a:p>
+            <a:r>
+              <a:rPr lang="en-US"/>
+              <a:t>Recommendations</a:t>
+            </a:r>
+            <a:endParaRPr lang="en-IN" dirty="0"/>
+          </a:p>
+        </p:txBody>
+      </p:sp>
+      <p:sp>
+        <p:nvSpPr>
+          <p:cNvPr id="3" name="Content Placeholder 2">
+            <a:extLst>
+              <a:ext uri="{FF2B5EF4-FFF2-40B4-BE49-F238E27FC236}">
+                <a16:creationId xmlns:a16="http://schemas.microsoft.com/office/drawing/2014/main" id="{66A77BCF-D7E8-2808-D5B4-00803FB316B1}"/>
+              </a:ext>
+            </a:extLst>
+          </p:cNvPr>
+          <p:cNvSpPr>
+            <a:spLocks noGrp="1"/>
+          </p:cNvSpPr>
+          <p:nvPr>
+            <p:ph idx="1"/>
+          </p:nvPr>
+        </p:nvSpPr>
+        <p:spPr/>
+        <p:txBody>
+          <a:bodyPr>
+            <a:normAutofit/>
+          </a:bodyPr>
+          <a:lstStyle/>
+          <a:p>
+            <a:pPr>
+              <a:lnSpc>
+                <a:spcPct val="100000"/>
+              </a:lnSpc>
+            </a:pPr>
+            <a:r>
+              <a:rPr lang="en-US" sz="1600" dirty="0"/>
+              <a:t>The default rate tends to rise with borrowers having 30+ days past due incidences (delinquencies), derogatory public records or public bankruptcy records. </a:t>
+            </a:r>
+          </a:p>
+        </p:txBody>
+      </p:sp>
+      <p:pic>
+        <p:nvPicPr>
+          <p:cNvPr id="12" name="Picture 11">
+            <a:extLst>
+              <a:ext uri="{FF2B5EF4-FFF2-40B4-BE49-F238E27FC236}">
+                <a16:creationId xmlns:a16="http://schemas.microsoft.com/office/drawing/2014/main" id="{14B9E4CD-074E-51DA-B3E7-A3C8B03A292B}"/>
+              </a:ext>
+            </a:extLst>
+          </p:cNvPr>
+          <p:cNvPicPr>
+            <a:picLocks noChangeAspect="1"/>
+          </p:cNvPicPr>
+          <p:nvPr/>
+        </p:nvPicPr>
+        <p:blipFill>
+          <a:blip r:embed="rId2"/>
+          <a:stretch>
+            <a:fillRect/>
+          </a:stretch>
+        </p:blipFill>
+        <p:spPr>
+          <a:xfrm>
+            <a:off x="8314442" y="3813103"/>
+            <a:ext cx="3538980" cy="2783467"/>
+          </a:xfrm>
+          <a:prstGeom prst="rect">
+            <a:avLst/>
+          </a:prstGeom>
+        </p:spPr>
+      </p:pic>
+      <p:pic>
+        <p:nvPicPr>
+          <p:cNvPr id="14" name="Picture 13">
+            <a:extLst>
+              <a:ext uri="{FF2B5EF4-FFF2-40B4-BE49-F238E27FC236}">
+                <a16:creationId xmlns:a16="http://schemas.microsoft.com/office/drawing/2014/main" id="{C885D6F8-C860-9AD4-8716-CB79AF200205}"/>
+              </a:ext>
+            </a:extLst>
+          </p:cNvPr>
+          <p:cNvPicPr>
+            <a:picLocks noChangeAspect="1"/>
+          </p:cNvPicPr>
+          <p:nvPr/>
+        </p:nvPicPr>
+        <p:blipFill>
+          <a:blip r:embed="rId3"/>
+          <a:stretch>
+            <a:fillRect/>
+          </a:stretch>
+        </p:blipFill>
+        <p:spPr>
+          <a:xfrm>
+            <a:off x="5448693" y="2416046"/>
+            <a:ext cx="3015084" cy="2324425"/>
+          </a:xfrm>
+          <a:prstGeom prst="rect">
+            <a:avLst/>
+          </a:prstGeom>
+        </p:spPr>
+      </p:pic>
+      <p:pic>
+        <p:nvPicPr>
+          <p:cNvPr id="16" name="Picture 15">
+            <a:extLst>
+              <a:ext uri="{FF2B5EF4-FFF2-40B4-BE49-F238E27FC236}">
+                <a16:creationId xmlns:a16="http://schemas.microsoft.com/office/drawing/2014/main" id="{8F170889-452D-FAF6-BBB8-9D8213240A17}"/>
+              </a:ext>
+            </a:extLst>
+          </p:cNvPr>
+          <p:cNvPicPr>
+            <a:picLocks noChangeAspect="1"/>
+          </p:cNvPicPr>
+          <p:nvPr/>
+        </p:nvPicPr>
+        <p:blipFill>
+          <a:blip r:embed="rId4"/>
+          <a:stretch>
+            <a:fillRect/>
+          </a:stretch>
+        </p:blipFill>
+        <p:spPr>
+          <a:xfrm>
+            <a:off x="0" y="2416046"/>
+            <a:ext cx="5448693" cy="4251565"/>
+          </a:xfrm>
+          <a:prstGeom prst="rect">
+            <a:avLst/>
+          </a:prstGeom>
+        </p:spPr>
+      </p:pic>
+    </p:spTree>
+    <p:extLst>
+      <p:ext uri="{BB962C8B-B14F-4D97-AF65-F5344CB8AC3E}">
+        <p14:creationId xmlns:p14="http://schemas.microsoft.com/office/powerpoint/2010/main" val="1205120553"/>
+      </p:ext>
+    </p:extLst>
+  </p:cSld>
+  <p:clrMapOvr>
+    <a:masterClrMapping/>
+  </p:clrMapOvr>
+</p:sld>
+</file>
+
+<file path=ppt/slides/slide13.xml><?xml version="1.0" encoding="utf-8"?>
+<p:sld xmlns:a="http://schemas.openxmlformats.org/drawingml/2006/main" xmlns:r="http://schemas.openxmlformats.org/officeDocument/2006/relationships" xmlns:p="http://schemas.openxmlformats.org/presentationml/2006/main">
+  <p:cSld>
+    <p:spTree>
+      <p:nvGrpSpPr>
+        <p:cNvPr id="1" name=""/>
+        <p:cNvGrpSpPr/>
+        <p:nvPr/>
+      </p:nvGrpSpPr>
+      <p:grpSpPr>
+        <a:xfrm>
+          <a:off x="0" y="0"/>
+          <a:ext cx="0" cy="0"/>
+          <a:chOff x="0" y="0"/>
+          <a:chExt cx="0" cy="0"/>
+        </a:xfrm>
+      </p:grpSpPr>
+      <p:sp>
+        <p:nvSpPr>
+          <p:cNvPr id="2" name="Title 1">
+            <a:extLst>
+              <a:ext uri="{FF2B5EF4-FFF2-40B4-BE49-F238E27FC236}">
+                <a16:creationId xmlns:a16="http://schemas.microsoft.com/office/drawing/2014/main" id="{97D17C85-208C-7FFA-5E36-DFD5867B4CA4}"/>
+              </a:ext>
+            </a:extLst>
+          </p:cNvPr>
+          <p:cNvSpPr>
+            <a:spLocks noGrp="1"/>
+          </p:cNvSpPr>
+          <p:nvPr>
+            <p:ph type="title"/>
+          </p:nvPr>
+        </p:nvSpPr>
+        <p:spPr/>
+        <p:txBody>
+          <a:bodyPr/>
+          <a:lstStyle/>
+          <a:p>
+            <a:r>
+              <a:rPr lang="en-US"/>
+              <a:t>Recommendations</a:t>
+            </a:r>
+            <a:endParaRPr lang="en-IN" dirty="0"/>
+          </a:p>
+        </p:txBody>
+      </p:sp>
+      <p:sp>
+        <p:nvSpPr>
+          <p:cNvPr id="3" name="Content Placeholder 2">
+            <a:extLst>
+              <a:ext uri="{FF2B5EF4-FFF2-40B4-BE49-F238E27FC236}">
+                <a16:creationId xmlns:a16="http://schemas.microsoft.com/office/drawing/2014/main" id="{66A77BCF-D7E8-2808-D5B4-00803FB316B1}"/>
+              </a:ext>
+            </a:extLst>
+          </p:cNvPr>
+          <p:cNvSpPr>
+            <a:spLocks noGrp="1"/>
+          </p:cNvSpPr>
+          <p:nvPr>
+            <p:ph idx="1"/>
+          </p:nvPr>
+        </p:nvSpPr>
+        <p:spPr/>
+        <p:txBody>
+          <a:bodyPr>
+            <a:normAutofit/>
+          </a:bodyPr>
+          <a:lstStyle/>
+          <a:p>
+            <a:pPr>
+              <a:lnSpc>
+                <a:spcPct val="100000"/>
+              </a:lnSpc>
+            </a:pPr>
+            <a:r>
+              <a:rPr lang="en-US" sz="1600" dirty="0"/>
+              <a:t>Default rate increases with revolving utilization rate. Above 30% utilization rate the chances of default increase significantly.</a:t>
+            </a:r>
+          </a:p>
+          <a:p>
+            <a:pPr>
+              <a:lnSpc>
+                <a:spcPct val="100000"/>
+              </a:lnSpc>
+            </a:pPr>
+            <a:r>
+              <a:rPr lang="en-US" sz="1600" dirty="0"/>
+              <a:t>Default rate increases with DTI, anything above 8 has significantly higher default rate.</a:t>
+            </a:r>
+          </a:p>
+          <a:p>
+            <a:pPr>
+              <a:lnSpc>
+                <a:spcPct val="100000"/>
+              </a:lnSpc>
+            </a:pPr>
+            <a:endParaRPr lang="en-US" sz="1600" dirty="0"/>
+          </a:p>
+          <a:p>
+            <a:pPr>
+              <a:lnSpc>
+                <a:spcPct val="100000"/>
+              </a:lnSpc>
+            </a:pPr>
+            <a:endParaRPr lang="en-US" sz="1600" dirty="0"/>
+          </a:p>
+        </p:txBody>
+      </p:sp>
+      <p:pic>
+        <p:nvPicPr>
+          <p:cNvPr id="5" name="Picture 4">
+            <a:extLst>
+              <a:ext uri="{FF2B5EF4-FFF2-40B4-BE49-F238E27FC236}">
+                <a16:creationId xmlns:a16="http://schemas.microsoft.com/office/drawing/2014/main" id="{4A12C968-77AE-6F4F-A2CE-7B9D41D5E255}"/>
+              </a:ext>
+            </a:extLst>
+          </p:cNvPr>
+          <p:cNvPicPr>
+            <a:picLocks noChangeAspect="1"/>
+          </p:cNvPicPr>
+          <p:nvPr/>
+        </p:nvPicPr>
+        <p:blipFill>
+          <a:blip r:embed="rId2"/>
+          <a:stretch>
+            <a:fillRect/>
+          </a:stretch>
+        </p:blipFill>
+        <p:spPr>
+          <a:xfrm>
+            <a:off x="0" y="2753244"/>
+            <a:ext cx="6050675" cy="3926301"/>
+          </a:xfrm>
+          <a:prstGeom prst="rect">
+            <a:avLst/>
+          </a:prstGeom>
+        </p:spPr>
+      </p:pic>
+      <p:pic>
+        <p:nvPicPr>
+          <p:cNvPr id="7" name="Picture 6">
+            <a:extLst>
+              <a:ext uri="{FF2B5EF4-FFF2-40B4-BE49-F238E27FC236}">
+                <a16:creationId xmlns:a16="http://schemas.microsoft.com/office/drawing/2014/main" id="{FAA8A031-F69F-1FAC-527D-1B6294BA7156}"/>
+              </a:ext>
+            </a:extLst>
+          </p:cNvPr>
+          <p:cNvPicPr>
+            <a:picLocks noChangeAspect="1"/>
+          </p:cNvPicPr>
+          <p:nvPr/>
+        </p:nvPicPr>
+        <p:blipFill>
+          <a:blip r:embed="rId3"/>
+          <a:stretch>
+            <a:fillRect/>
+          </a:stretch>
+        </p:blipFill>
+        <p:spPr>
+          <a:xfrm>
+            <a:off x="6095999" y="2753244"/>
+            <a:ext cx="6102629" cy="3926300"/>
+          </a:xfrm>
+          <a:prstGeom prst="rect">
+            <a:avLst/>
+          </a:prstGeom>
+        </p:spPr>
+      </p:pic>
+    </p:spTree>
+    <p:extLst>
+      <p:ext uri="{BB962C8B-B14F-4D97-AF65-F5344CB8AC3E}">
+        <p14:creationId xmlns:p14="http://schemas.microsoft.com/office/powerpoint/2010/main" val="609941805"/>
+      </p:ext>
+    </p:extLst>
+  </p:cSld>
+  <p:clrMapOvr>
+    <a:masterClrMapping/>
+  </p:clrMapOvr>
+</p:sld>
+</file>
+
+<file path=ppt/slides/slide14.xml><?xml version="1.0" encoding="utf-8"?>
+<p:sld xmlns:a="http://schemas.openxmlformats.org/drawingml/2006/main" xmlns:r="http://schemas.openxmlformats.org/officeDocument/2006/relationships" xmlns:p="http://schemas.openxmlformats.org/presentationml/2006/main">
+  <p:cSld>
+    <p:spTree>
+      <p:nvGrpSpPr>
+        <p:cNvPr id="1" name=""/>
+        <p:cNvGrpSpPr/>
+        <p:nvPr/>
+      </p:nvGrpSpPr>
+      <p:grpSpPr>
+        <a:xfrm>
+          <a:off x="0" y="0"/>
+          <a:ext cx="0" cy="0"/>
+          <a:chOff x="0" y="0"/>
+          <a:chExt cx="0" cy="0"/>
+        </a:xfrm>
+      </p:grpSpPr>
+      <p:sp>
+        <p:nvSpPr>
+          <p:cNvPr id="2" name="Title 1">
+            <a:extLst>
+              <a:ext uri="{FF2B5EF4-FFF2-40B4-BE49-F238E27FC236}">
+                <a16:creationId xmlns:a16="http://schemas.microsoft.com/office/drawing/2014/main" id="{97D17C85-208C-7FFA-5E36-DFD5867B4CA4}"/>
+              </a:ext>
+            </a:extLst>
+          </p:cNvPr>
+          <p:cNvSpPr>
+            <a:spLocks noGrp="1"/>
+          </p:cNvSpPr>
+          <p:nvPr>
+            <p:ph type="title"/>
+          </p:nvPr>
+        </p:nvSpPr>
+        <p:spPr/>
+        <p:txBody>
+          <a:bodyPr/>
+          <a:lstStyle/>
+          <a:p>
+            <a:r>
+              <a:rPr lang="en-US" dirty="0"/>
+              <a:t>Recommendations</a:t>
+            </a:r>
+            <a:endParaRPr lang="en-IN" dirty="0"/>
+          </a:p>
+        </p:txBody>
+      </p:sp>
+      <p:sp>
+        <p:nvSpPr>
+          <p:cNvPr id="3" name="Content Placeholder 2">
+            <a:extLst>
+              <a:ext uri="{FF2B5EF4-FFF2-40B4-BE49-F238E27FC236}">
+                <a16:creationId xmlns:a16="http://schemas.microsoft.com/office/drawing/2014/main" id="{66A77BCF-D7E8-2808-D5B4-00803FB316B1}"/>
+              </a:ext>
+            </a:extLst>
+          </p:cNvPr>
+          <p:cNvSpPr>
+            <a:spLocks noGrp="1"/>
+          </p:cNvSpPr>
+          <p:nvPr>
+            <p:ph idx="1"/>
+          </p:nvPr>
+        </p:nvSpPr>
+        <p:spPr/>
+        <p:txBody>
+          <a:bodyPr>
+            <a:normAutofit/>
+          </a:bodyPr>
+          <a:lstStyle/>
+          <a:p>
+            <a:pPr>
+              <a:lnSpc>
+                <a:spcPct val="100000"/>
+              </a:lnSpc>
+            </a:pPr>
+            <a:r>
+              <a:rPr lang="en-US" sz="1600" dirty="0"/>
+              <a:t>Default rate increases with number of inquiries in last 6 months in general. </a:t>
+            </a:r>
+          </a:p>
+          <a:p>
+            <a:pPr>
+              <a:lnSpc>
+                <a:spcPct val="100000"/>
+              </a:lnSpc>
+            </a:pPr>
+            <a:r>
+              <a:rPr lang="en-US" sz="1600" dirty="0"/>
+              <a:t>Recovery fees paid by borrower is a lead indicator of loan default. </a:t>
+            </a:r>
+          </a:p>
+        </p:txBody>
+      </p:sp>
+      <p:pic>
+        <p:nvPicPr>
+          <p:cNvPr id="5" name="Picture 4">
+            <a:extLst>
+              <a:ext uri="{FF2B5EF4-FFF2-40B4-BE49-F238E27FC236}">
+                <a16:creationId xmlns:a16="http://schemas.microsoft.com/office/drawing/2014/main" id="{73E448F6-2DBC-E87F-0708-3A8E69858144}"/>
+              </a:ext>
+            </a:extLst>
+          </p:cNvPr>
+          <p:cNvPicPr>
+            <a:picLocks noChangeAspect="1"/>
+          </p:cNvPicPr>
+          <p:nvPr/>
+        </p:nvPicPr>
+        <p:blipFill>
+          <a:blip r:embed="rId2"/>
+          <a:stretch>
+            <a:fillRect/>
+          </a:stretch>
+        </p:blipFill>
+        <p:spPr>
+          <a:xfrm>
+            <a:off x="35647" y="2860316"/>
+            <a:ext cx="6060353" cy="3907249"/>
+          </a:xfrm>
+          <a:prstGeom prst="rect">
+            <a:avLst/>
+          </a:prstGeom>
+        </p:spPr>
+      </p:pic>
+      <p:pic>
+        <p:nvPicPr>
+          <p:cNvPr id="7" name="Picture 6">
+            <a:extLst>
+              <a:ext uri="{FF2B5EF4-FFF2-40B4-BE49-F238E27FC236}">
+                <a16:creationId xmlns:a16="http://schemas.microsoft.com/office/drawing/2014/main" id="{EDFC94FB-7756-4164-CD4D-7C426BAE4B09}"/>
+              </a:ext>
+            </a:extLst>
+          </p:cNvPr>
+          <p:cNvPicPr>
+            <a:picLocks noChangeAspect="1"/>
+          </p:cNvPicPr>
+          <p:nvPr/>
+        </p:nvPicPr>
+        <p:blipFill>
+          <a:blip r:embed="rId3"/>
+          <a:stretch>
+            <a:fillRect/>
+          </a:stretch>
+        </p:blipFill>
+        <p:spPr>
+          <a:xfrm>
+            <a:off x="6096000" y="2889362"/>
+            <a:ext cx="5819480" cy="3883686"/>
+          </a:xfrm>
+          <a:prstGeom prst="rect">
+            <a:avLst/>
+          </a:prstGeom>
+        </p:spPr>
+      </p:pic>
+    </p:spTree>
+    <p:extLst>
+      <p:ext uri="{BB962C8B-B14F-4D97-AF65-F5344CB8AC3E}">
+        <p14:creationId xmlns:p14="http://schemas.microsoft.com/office/powerpoint/2010/main" val="3715845161"/>
+      </p:ext>
+    </p:extLst>
+  </p:cSld>
+  <p:clrMapOvr>
+    <a:masterClrMapping/>
+  </p:clrMapOvr>
+</p:sld>
+</file>
+
+<file path=ppt/slides/slide15.xml><?xml version="1.0" encoding="utf-8"?>
+<p:sld xmlns:a="http://schemas.openxmlformats.org/drawingml/2006/main" xmlns:r="http://schemas.openxmlformats.org/officeDocument/2006/relationships" xmlns:p="http://schemas.openxmlformats.org/presentationml/2006/main">
+  <p:cSld>
+    <p:spTree>
+      <p:nvGrpSpPr>
+        <p:cNvPr id="1" name=""/>
+        <p:cNvGrpSpPr/>
+        <p:nvPr/>
+      </p:nvGrpSpPr>
+      <p:grpSpPr>
+        <a:xfrm>
+          <a:off x="0" y="0"/>
+          <a:ext cx="0" cy="0"/>
+          <a:chOff x="0" y="0"/>
+          <a:chExt cx="0" cy="0"/>
+        </a:xfrm>
+      </p:grpSpPr>
+      <p:sp>
+        <p:nvSpPr>
+          <p:cNvPr id="2" name="Title 1">
+            <a:extLst>
+              <a:ext uri="{FF2B5EF4-FFF2-40B4-BE49-F238E27FC236}">
+                <a16:creationId xmlns:a16="http://schemas.microsoft.com/office/drawing/2014/main" id="{D4DA043E-E538-AAD9-0FF9-EDC10C306B63}"/>
+              </a:ext>
+            </a:extLst>
+          </p:cNvPr>
+          <p:cNvSpPr>
+            <a:spLocks noGrp="1"/>
+          </p:cNvSpPr>
+          <p:nvPr>
+            <p:ph type="title"/>
+          </p:nvPr>
+        </p:nvSpPr>
+        <p:spPr/>
+        <p:txBody>
+          <a:bodyPr/>
+          <a:lstStyle/>
+          <a:p>
+            <a:r>
+              <a:rPr lang="en-US" dirty="0"/>
+              <a:t>Conclusion</a:t>
+            </a:r>
+            <a:endParaRPr lang="en-IN" dirty="0"/>
+          </a:p>
+        </p:txBody>
+      </p:sp>
+      <p:sp>
+        <p:nvSpPr>
+          <p:cNvPr id="3" name="Content Placeholder 2">
+            <a:extLst>
+              <a:ext uri="{FF2B5EF4-FFF2-40B4-BE49-F238E27FC236}">
+                <a16:creationId xmlns:a16="http://schemas.microsoft.com/office/drawing/2014/main" id="{50C5EEC0-8843-5CD4-BEA1-2F85D7E9D6A0}"/>
+              </a:ext>
+            </a:extLst>
+          </p:cNvPr>
+          <p:cNvSpPr>
+            <a:spLocks noGrp="1"/>
+          </p:cNvSpPr>
+          <p:nvPr>
+            <p:ph idx="1"/>
+          </p:nvPr>
+        </p:nvSpPr>
+        <p:spPr/>
+        <p:txBody>
+          <a:bodyPr>
+            <a:normAutofit/>
+          </a:bodyPr>
+          <a:lstStyle/>
+          <a:p>
+            <a:pPr>
+              <a:lnSpc>
+                <a:spcPct val="100000"/>
+              </a:lnSpc>
+            </a:pPr>
+            <a:r>
+              <a:rPr lang="en-US" sz="1600" dirty="0"/>
+              <a:t>For future loans extended to borrowers satisfying above conditions, it's advisable to mitigate risk by offering smaller loan amounts and higher interest rates.</a:t>
+            </a:r>
+            <a:endParaRPr lang="en-IN" sz="1600" dirty="0"/>
+          </a:p>
+          <a:p>
+            <a:pPr>
+              <a:lnSpc>
+                <a:spcPct val="100000"/>
+              </a:lnSpc>
+            </a:pPr>
+            <a:r>
+              <a:rPr lang="en-US" sz="1600" dirty="0"/>
+              <a:t>By leveraging insights from EDA, the consumer finance company can make informed decisions to mitigate default risk, improve lending practices, and ultimately minimize credit loss.</a:t>
+            </a:r>
+            <a:endParaRPr lang="en-IN" sz="1600" dirty="0"/>
+          </a:p>
+        </p:txBody>
+      </p:sp>
+    </p:spTree>
+    <p:extLst>
+      <p:ext uri="{BB962C8B-B14F-4D97-AF65-F5344CB8AC3E}">
+        <p14:creationId xmlns:p14="http://schemas.microsoft.com/office/powerpoint/2010/main" val="1644712259"/>
       </p:ext>
     </p:extLst>
   </p:cSld>
@@ -3523,70 +6958,115 @@
           </a:bodyPr>
           <a:lstStyle/>
           <a:p>
-            <a:r>
-              <a:rPr lang="en-US" dirty="0"/>
+            <a:pPr>
+              <a:lnSpc>
+                <a:spcPct val="100000"/>
+              </a:lnSpc>
+            </a:pPr>
+            <a:r>
+              <a:rPr lang="en-US" sz="1600" dirty="0"/>
               <a:t>Data Understanding: Load and inspect the loan dataset.</a:t>
             </a:r>
           </a:p>
           <a:p>
-            <a:r>
-              <a:rPr lang="en-US" dirty="0"/>
+            <a:pPr>
+              <a:lnSpc>
+                <a:spcPct val="100000"/>
+              </a:lnSpc>
+            </a:pPr>
+            <a:r>
+              <a:rPr lang="en-US" sz="1600" dirty="0"/>
               <a:t>Data Cleaning: Handle missing values and drop irrelevant columns.</a:t>
             </a:r>
           </a:p>
           <a:p>
-            <a:pPr lvl="1"/>
-            <a:r>
-              <a:rPr lang="en-US" dirty="0"/>
+            <a:pPr lvl="1">
+              <a:lnSpc>
+                <a:spcPct val="100000"/>
+              </a:lnSpc>
+            </a:pPr>
+            <a:r>
+              <a:rPr lang="en-US" sz="1600" dirty="0"/>
               <a:t>Drop columns having more than 35% null values</a:t>
             </a:r>
           </a:p>
           <a:p>
-            <a:pPr lvl="1"/>
-            <a:r>
-              <a:rPr lang="en-US" dirty="0"/>
+            <a:pPr lvl="1">
+              <a:lnSpc>
+                <a:spcPct val="100000"/>
+              </a:lnSpc>
+            </a:pPr>
+            <a:r>
+              <a:rPr lang="en-US" sz="1600" dirty="0"/>
               <a:t>Drop columns having 100% duplicate values</a:t>
             </a:r>
           </a:p>
           <a:p>
-            <a:pPr lvl="1"/>
-            <a:r>
-              <a:rPr lang="en-US" dirty="0"/>
+            <a:pPr lvl="1">
+              <a:lnSpc>
+                <a:spcPct val="100000"/>
+              </a:lnSpc>
+            </a:pPr>
+            <a:r>
+              <a:rPr lang="en-US" sz="1600" dirty="0"/>
               <a:t>Fill null values with median or mode</a:t>
             </a:r>
           </a:p>
           <a:p>
-            <a:pPr lvl="1"/>
-            <a:r>
-              <a:rPr lang="en-US" dirty="0"/>
+            <a:pPr lvl="1">
+              <a:lnSpc>
+                <a:spcPct val="100000"/>
+              </a:lnSpc>
+            </a:pPr>
+            <a:r>
+              <a:rPr lang="en-US" sz="1600" dirty="0"/>
               <a:t>Do not consider rows with outlier values such as annual income &gt; 0.2 million</a:t>
             </a:r>
           </a:p>
           <a:p>
-            <a:pPr lvl="1"/>
-            <a:r>
-              <a:rPr lang="en-US" dirty="0"/>
+            <a:pPr lvl="1">
+              <a:lnSpc>
+                <a:spcPct val="100000"/>
+              </a:lnSpc>
+            </a:pPr>
+            <a:r>
+              <a:rPr lang="en-US" sz="1600" dirty="0"/>
               <a:t>Remove text from numeric columns such as percent sign</a:t>
             </a:r>
           </a:p>
           <a:p>
-            <a:r>
-              <a:rPr lang="en-US" dirty="0"/>
+            <a:pPr>
+              <a:lnSpc>
+                <a:spcPct val="100000"/>
+              </a:lnSpc>
+            </a:pPr>
+            <a:r>
+              <a:rPr lang="en-US" sz="1600" dirty="0"/>
               <a:t>Univariate Analysis: Explore the distribution of each attribute after cleaning up such as loan amounts and interest rates, etc.</a:t>
             </a:r>
           </a:p>
           <a:p>
-            <a:r>
-              <a:rPr lang="en-US" dirty="0"/>
+            <a:pPr>
+              <a:lnSpc>
+                <a:spcPct val="100000"/>
+              </a:lnSpc>
+            </a:pPr>
+            <a:r>
+              <a:rPr lang="en-US" sz="1600" dirty="0"/>
               <a:t>Bivariate Analysis: Investigate the relationship between columns such as loan amount and loan status.</a:t>
             </a:r>
           </a:p>
           <a:p>
-            <a:r>
-              <a:rPr lang="en-US" dirty="0"/>
+            <a:pPr>
+              <a:lnSpc>
+                <a:spcPct val="100000"/>
+              </a:lnSpc>
+            </a:pPr>
+            <a:r>
+              <a:rPr lang="en-US" sz="1600" dirty="0"/>
               <a:t>Insights &amp; Recommendations: Draw insights and provide recommendations for mitigating default risk.</a:t>
             </a:r>
-            <a:endParaRPr lang="en-IN" dirty="0"/>
+            <a:endParaRPr lang="en-IN" sz="1600" dirty="0"/>
           </a:p>
         </p:txBody>
       </p:sp>
@@ -3668,62 +7148,96 @@
         <p:spPr/>
         <p:txBody>
           <a:bodyPr>
-            <a:normAutofit fontScale="92500" lnSpcReduction="10000"/>
+            <a:normAutofit/>
           </a:bodyPr>
           <a:lstStyle/>
           <a:p>
-            <a:r>
-              <a:rPr lang="en-US" dirty="0"/>
+            <a:pPr>
+              <a:lnSpc>
+                <a:spcPct val="100000"/>
+              </a:lnSpc>
+            </a:pPr>
+            <a:r>
+              <a:rPr lang="en-US" sz="1700" dirty="0"/>
               <a:t>For univariate analysis we have 2 terms</a:t>
             </a:r>
           </a:p>
           <a:p>
-            <a:pPr lvl="1"/>
-            <a:r>
-              <a:rPr lang="en-US" dirty="0"/>
+            <a:pPr lvl="1">
+              <a:lnSpc>
+                <a:spcPct val="100000"/>
+              </a:lnSpc>
+            </a:pPr>
+            <a:r>
+              <a:rPr lang="en-US" sz="1700" dirty="0"/>
               <a:t>Most number of or mostly range between</a:t>
             </a:r>
           </a:p>
           <a:p>
             <a:pPr marL="457200" lvl="1" indent="0">
+              <a:lnSpc>
+                <a:spcPct val="100000"/>
+              </a:lnSpc>
               <a:buNone/>
             </a:pPr>
             <a:r>
-              <a:rPr lang="en-US" dirty="0"/>
+              <a:rPr lang="en-US" sz="1700" dirty="0"/>
               <a:t>	Inter Quartile Range (IQR) or range between Q1 and Q3 of box plot for that column</a:t>
             </a:r>
           </a:p>
           <a:p>
-            <a:pPr lvl="1"/>
-            <a:r>
-              <a:rPr lang="en-US" dirty="0"/>
+            <a:pPr lvl="1">
+              <a:lnSpc>
+                <a:spcPct val="100000"/>
+              </a:lnSpc>
+            </a:pPr>
+            <a:r>
+              <a:rPr lang="en-US" sz="1700" dirty="0"/>
               <a:t>Average</a:t>
             </a:r>
           </a:p>
           <a:p>
             <a:pPr marL="914400" lvl="2" indent="0">
+              <a:lnSpc>
+                <a:spcPct val="100000"/>
+              </a:lnSpc>
               <a:buNone/>
             </a:pPr>
             <a:r>
-              <a:rPr lang="en-US" dirty="0"/>
+              <a:rPr lang="en-US" sz="1700" dirty="0"/>
               <a:t>Median value of the column</a:t>
             </a:r>
           </a:p>
           <a:p>
-            <a:r>
-              <a:rPr lang="en-US" dirty="0"/>
+            <a:pPr>
+              <a:lnSpc>
+                <a:spcPct val="100000"/>
+              </a:lnSpc>
+            </a:pPr>
+            <a:r>
+              <a:rPr lang="en-US" sz="1700" dirty="0"/>
               <a:t>Grade A is lowest, and F is highest. A is lower than B which is lower than C and so on</a:t>
             </a:r>
           </a:p>
           <a:p>
-            <a:r>
-              <a:rPr lang="en-US" dirty="0"/>
+            <a:pPr>
+              <a:lnSpc>
+                <a:spcPct val="100000"/>
+              </a:lnSpc>
+            </a:pPr>
+            <a:r>
+              <a:rPr lang="en-US" sz="1700" dirty="0"/>
               <a:t>~ symbol represents around that number. For example ~25 means around 25</a:t>
             </a:r>
           </a:p>
           <a:p>
-            <a:r>
-              <a:rPr lang="en-US" dirty="0"/>
+            <a:pPr>
+              <a:lnSpc>
+                <a:spcPct val="100000"/>
+              </a:lnSpc>
+            </a:pPr>
+            <a:r>
+              <a:rPr lang="en-US" sz="1700" dirty="0"/>
               <a:t>Most of the numbers and percentages are rounded off to nearest integer for easy reading</a:t>
             </a:r>
           </a:p>
@@ -3813,68 +7327,85 @@
         <p:spPr/>
         <p:txBody>
           <a:bodyPr>
-            <a:normAutofit fontScale="70000" lnSpcReduction="20000"/>
+            <a:normAutofit fontScale="92500"/>
           </a:bodyPr>
           <a:lstStyle/>
           <a:p>
-            <a:r>
-              <a:rPr lang="en-US" dirty="0"/>
+            <a:pPr>
+              <a:lnSpc>
+                <a:spcPct val="100000"/>
+              </a:lnSpc>
+            </a:pPr>
+            <a:r>
+              <a:rPr lang="en-US" sz="1600" dirty="0"/>
               <a:t>Charged off loans stand at 14.66% and this needs to be brought down.</a:t>
             </a:r>
           </a:p>
           <a:p>
-            <a:r>
-              <a:rPr lang="en-US" dirty="0"/>
-              <a:t>The Consumer Finance Company has been giving loans mostly in the range of 5 to 15k with a spike at every 5k. Average loan amount is $9600</a:t>
-            </a:r>
-          </a:p>
-          <a:p>
-            <a:r>
-              <a:rPr lang="en-US" dirty="0"/>
+            <a:pPr>
+              <a:lnSpc>
+                <a:spcPct val="100000"/>
+              </a:lnSpc>
+            </a:pPr>
+            <a:r>
+              <a:rPr lang="en-US" sz="1600" dirty="0"/>
+              <a:t>The Consumer Finance Company has been giving loans mostly in the range of $5 to $15k with a spike at every 5k. Average loan amount is $9600</a:t>
+            </a:r>
+          </a:p>
+          <a:p>
+            <a:pPr>
+              <a:lnSpc>
+                <a:spcPct val="100000"/>
+              </a:lnSpc>
+            </a:pPr>
+            <a:r>
+              <a:rPr lang="en-US" sz="1600" dirty="0"/>
               <a:t>Interest rates mostly range between ~9% to 14%. Average interest rate is around 12%</a:t>
             </a:r>
           </a:p>
           <a:p>
-            <a:r>
-              <a:rPr lang="en-US" dirty="0"/>
+            <a:pPr>
+              <a:lnSpc>
+                <a:spcPct val="100000"/>
+              </a:lnSpc>
+            </a:pPr>
+            <a:r>
+              <a:rPr lang="en-US" sz="1600" dirty="0"/>
               <a:t>Most of the Installment amounts range between $165 to $420. Average installment is ~$275</a:t>
             </a:r>
           </a:p>
           <a:p>
-            <a:r>
-              <a:rPr lang="en-US" dirty="0"/>
+            <a:pPr>
+              <a:lnSpc>
+                <a:spcPct val="100000"/>
+              </a:lnSpc>
+            </a:pPr>
+            <a:r>
+              <a:rPr lang="en-US" sz="1600" dirty="0"/>
               <a:t>Loans are typically extended to borrower’s whose annual income ranges from $40,000 to $80,000, with an average annual income of $58,000.</a:t>
             </a:r>
           </a:p>
           <a:p>
-            <a:r>
-              <a:rPr lang="en-US" dirty="0"/>
+            <a:pPr>
+              <a:lnSpc>
+                <a:spcPct val="100000"/>
+              </a:lnSpc>
+            </a:pPr>
+            <a:r>
+              <a:rPr lang="en-US" sz="1600" dirty="0"/>
               <a:t>The number of loans granted with a 36-month tenure at ~75% is nearly three times the number granted with a 60-month tenure (~25%).</a:t>
             </a:r>
           </a:p>
           <a:p>
-            <a:r>
-              <a:rPr lang="en-US" dirty="0"/>
-              <a:t>85% of the borrowers have paid their loans in full, while about 15% loans were charged off.</a:t>
-            </a:r>
-          </a:p>
-          <a:p>
-            <a:r>
-              <a:rPr lang="en-US" dirty="0"/>
+            <a:pPr>
+              <a:lnSpc>
+                <a:spcPct val="100000"/>
+              </a:lnSpc>
+            </a:pPr>
+            <a:r>
+              <a:rPr lang="en-US" sz="1600" dirty="0"/>
               <a:t>Most number of loans are taken for the purpose of debt consolidation (47%), followed by credit card debt (13%). Small business, debt consolidation, house, credit card purposes got big loan amounts, at higher interest rates and installment amounts. Home improvement, small biz, renewable energy and wedding borrowers have higher annual incomes.</a:t>
             </a:r>
-          </a:p>
-          <a:p>
-            <a:endParaRPr lang="en-US" dirty="0"/>
-          </a:p>
-          <a:p>
-            <a:endParaRPr lang="en-US" dirty="0"/>
-          </a:p>
-          <a:p>
-            <a:endParaRPr lang="en-US" dirty="0"/>
-          </a:p>
-          <a:p>
-            <a:endParaRPr lang="en-IN" dirty="0"/>
           </a:p>
         </p:txBody>
       </p:sp>
@@ -3913,7 +7444,7 @@
           <p:cNvPr id="2" name="Title 1">
             <a:extLst>
               <a:ext uri="{FF2B5EF4-FFF2-40B4-BE49-F238E27FC236}">
-                <a16:creationId xmlns:a16="http://schemas.microsoft.com/office/drawing/2014/main" id="{75133338-CB55-D688-2DDF-226B1BD4DB9D}"/>
+                <a16:creationId xmlns:a16="http://schemas.microsoft.com/office/drawing/2014/main" id="{527274C3-AD77-41D4-AD53-688CCBFADC50}"/>
               </a:ext>
             </a:extLst>
           </p:cNvPr>
@@ -3924,97 +7455,267 @@
             <p:ph type="title"/>
           </p:nvPr>
         </p:nvSpPr>
-        <p:spPr/>
+        <p:spPr>
+          <a:xfrm>
+            <a:off x="838200" y="18255"/>
+            <a:ext cx="10515600" cy="1325563"/>
+          </a:xfrm>
+        </p:spPr>
         <p:txBody>
           <a:bodyPr/>
           <a:lstStyle/>
           <a:p>
             <a:r>
               <a:rPr lang="en-IN" dirty="0"/>
-              <a:t>Consumer Attribute Analysis</a:t>
-            </a:r>
-          </a:p>
-        </p:txBody>
-      </p:sp>
-      <p:sp>
-        <p:nvSpPr>
-          <p:cNvPr id="3" name="Content Placeholder 2">
+              <a:t>Loan Attribute Analysis</a:t>
+            </a:r>
+          </a:p>
+        </p:txBody>
+      </p:sp>
+      <p:pic>
+        <p:nvPicPr>
+          <p:cNvPr id="4" name="Content Placeholder 4" descr="A graph of a number of people&#10;&#10;Description automatically generated with medium confidence">
             <a:extLst>
               <a:ext uri="{FF2B5EF4-FFF2-40B4-BE49-F238E27FC236}">
-                <a16:creationId xmlns:a16="http://schemas.microsoft.com/office/drawing/2014/main" id="{6C44C1E8-F2C3-CBD5-7012-57672AD852AE}"/>
+                <a16:creationId xmlns:a16="http://schemas.microsoft.com/office/drawing/2014/main" id="{6F28C8BD-5E65-93B6-30E3-F2DD4E772814}"/>
               </a:ext>
             </a:extLst>
           </p:cNvPr>
-          <p:cNvSpPr>
-            <a:spLocks noGrp="1"/>
-          </p:cNvSpPr>
-          <p:nvPr>
-            <p:ph idx="1"/>
-          </p:nvPr>
-        </p:nvSpPr>
-        <p:spPr/>
-        <p:txBody>
-          <a:bodyPr>
-            <a:normAutofit fontScale="85000" lnSpcReduction="20000"/>
-          </a:bodyPr>
-          <a:lstStyle/>
-          <a:p>
-            <a:r>
-              <a:rPr lang="en-US" dirty="0"/>
-              <a:t>Borrower Debt To Income ratio mostly ranges between ~8 to 18. Average is 13.47</a:t>
-            </a:r>
-          </a:p>
-          <a:p>
-            <a:r>
-              <a:rPr lang="en-US" dirty="0"/>
-              <a:t>Most borrowers are rated as B grade (30%), followed by A (26%), C (20%), D (13%), E (7%), F (3%), and G (1%).</a:t>
-            </a:r>
-          </a:p>
-          <a:p>
-            <a:r>
-              <a:rPr lang="en-US" dirty="0"/>
-              <a:t>The majority of loans are allocated to borrowers who either pay rent (48%) or a mortgage (44%), with homeowners comprising the remaining 8%.</a:t>
-            </a:r>
-          </a:p>
-          <a:p>
-            <a:r>
-              <a:rPr lang="en-US" dirty="0"/>
-              <a:t>Most loans are extended to </a:t>
-            </a:r>
-            <a:r>
-              <a:rPr lang="en-US" i="1" dirty="0"/>
-              <a:t>unverified borrowers (43%), </a:t>
-            </a:r>
-            <a:r>
-              <a:rPr lang="en-US" dirty="0"/>
-              <a:t>followed by verified borrowers (32%), and source verified borrowers (25%).</a:t>
-            </a:r>
-            <a:endParaRPr lang="en-US" i="1" dirty="0"/>
-          </a:p>
-          <a:p>
-            <a:r>
-              <a:rPr lang="en-US" dirty="0"/>
-              <a:t>95% of borrowers have 0 public records, while 5% have 1. Additionally, 96% have 0 public bankruptcy records, with 4% having 1.</a:t>
-            </a:r>
-          </a:p>
-          <a:p>
-            <a:r>
-              <a:rPr lang="en-US" dirty="0"/>
-              <a:t>89% of borrowers do not have 30+ days past due incidences in last 2 years. 8% have had one such incident, 2% have had two, and 1% have had three.</a:t>
-            </a:r>
-          </a:p>
-          <a:p>
-            <a:r>
-              <a:rPr lang="en-US" dirty="0"/>
-              <a:t>Over the last 6 months, 49% of borrowers did not make any inquiries, while 28% made one, 15% made two, and 8% made three inquiries.</a:t>
-            </a:r>
-          </a:p>
-        </p:txBody>
-      </p:sp>
+          <p:cNvPicPr>
+            <a:picLocks noChangeAspect="1"/>
+          </p:cNvPicPr>
+          <p:nvPr/>
+        </p:nvPicPr>
+        <p:blipFill>
+          <a:blip r:embed="rId2">
+            <a:extLst>
+              <a:ext uri="{28A0092B-C50C-407E-A947-70E740481C1C}">
+                <a14:useLocalDpi xmlns:a14="http://schemas.microsoft.com/office/drawing/2010/main" val="0"/>
+              </a:ext>
+            </a:extLst>
+          </a:blip>
+          <a:stretch>
+            <a:fillRect/>
+          </a:stretch>
+        </p:blipFill>
+        <p:spPr>
+          <a:xfrm>
+            <a:off x="0" y="961705"/>
+            <a:ext cx="3072047" cy="2252835"/>
+          </a:xfrm>
+          <a:prstGeom prst="rect">
+            <a:avLst/>
+          </a:prstGeom>
+        </p:spPr>
+      </p:pic>
+      <p:pic>
+        <p:nvPicPr>
+          <p:cNvPr id="5" name="Picture 4" descr="A graph with numbers and a blue rectangle&#10;&#10;Description automatically generated">
+            <a:extLst>
+              <a:ext uri="{FF2B5EF4-FFF2-40B4-BE49-F238E27FC236}">
+                <a16:creationId xmlns:a16="http://schemas.microsoft.com/office/drawing/2014/main" id="{010C4E4B-24BE-BB57-C4E9-FAB10FA6CFB1}"/>
+              </a:ext>
+            </a:extLst>
+          </p:cNvPr>
+          <p:cNvPicPr>
+            <a:picLocks noChangeAspect="1"/>
+          </p:cNvPicPr>
+          <p:nvPr/>
+        </p:nvPicPr>
+        <p:blipFill>
+          <a:blip r:embed="rId3">
+            <a:extLst>
+              <a:ext uri="{28A0092B-C50C-407E-A947-70E740481C1C}">
+                <a14:useLocalDpi xmlns:a14="http://schemas.microsoft.com/office/drawing/2010/main" val="0"/>
+              </a:ext>
+            </a:extLst>
+          </a:blip>
+          <a:stretch>
+            <a:fillRect/>
+          </a:stretch>
+        </p:blipFill>
+        <p:spPr>
+          <a:xfrm>
+            <a:off x="0" y="4045347"/>
+            <a:ext cx="3078637" cy="2812653"/>
+          </a:xfrm>
+          <a:prstGeom prst="rect">
+            <a:avLst/>
+          </a:prstGeom>
+        </p:spPr>
+      </p:pic>
+      <p:pic>
+        <p:nvPicPr>
+          <p:cNvPr id="6" name="Picture 5" descr="A graph with a blue rectangle&#10;&#10;Description automatically generated">
+            <a:extLst>
+              <a:ext uri="{FF2B5EF4-FFF2-40B4-BE49-F238E27FC236}">
+                <a16:creationId xmlns:a16="http://schemas.microsoft.com/office/drawing/2014/main" id="{322F1DB1-72A1-B8A0-FAA7-0660389589C0}"/>
+              </a:ext>
+            </a:extLst>
+          </p:cNvPr>
+          <p:cNvPicPr>
+            <a:picLocks noChangeAspect="1"/>
+          </p:cNvPicPr>
+          <p:nvPr/>
+        </p:nvPicPr>
+        <p:blipFill>
+          <a:blip r:embed="rId4">
+            <a:extLst>
+              <a:ext uri="{28A0092B-C50C-407E-A947-70E740481C1C}">
+                <a14:useLocalDpi xmlns:a14="http://schemas.microsoft.com/office/drawing/2010/main" val="0"/>
+              </a:ext>
+            </a:extLst>
+          </a:blip>
+          <a:stretch>
+            <a:fillRect/>
+          </a:stretch>
+        </p:blipFill>
+        <p:spPr>
+          <a:xfrm>
+            <a:off x="3062758" y="4045347"/>
+            <a:ext cx="3159341" cy="2812653"/>
+          </a:xfrm>
+          <a:prstGeom prst="rect">
+            <a:avLst/>
+          </a:prstGeom>
+        </p:spPr>
+      </p:pic>
+      <p:pic>
+        <p:nvPicPr>
+          <p:cNvPr id="7" name="Picture 6" descr="A graph with a blue rectangle and black lines">
+            <a:extLst>
+              <a:ext uri="{FF2B5EF4-FFF2-40B4-BE49-F238E27FC236}">
+                <a16:creationId xmlns:a16="http://schemas.microsoft.com/office/drawing/2014/main" id="{F473D980-6BB6-D404-D8D8-C6964558B343}"/>
+              </a:ext>
+            </a:extLst>
+          </p:cNvPr>
+          <p:cNvPicPr>
+            <a:picLocks noChangeAspect="1"/>
+          </p:cNvPicPr>
+          <p:nvPr/>
+        </p:nvPicPr>
+        <p:blipFill>
+          <a:blip r:embed="rId5">
+            <a:extLst>
+              <a:ext uri="{28A0092B-C50C-407E-A947-70E740481C1C}">
+                <a14:useLocalDpi xmlns:a14="http://schemas.microsoft.com/office/drawing/2010/main" val="0"/>
+              </a:ext>
+            </a:extLst>
+          </a:blip>
+          <a:stretch>
+            <a:fillRect/>
+          </a:stretch>
+        </p:blipFill>
+        <p:spPr>
+          <a:xfrm>
+            <a:off x="6141395" y="4045347"/>
+            <a:ext cx="3088944" cy="2812652"/>
+          </a:xfrm>
+          <a:prstGeom prst="rect">
+            <a:avLst/>
+          </a:prstGeom>
+        </p:spPr>
+      </p:pic>
+      <p:pic>
+        <p:nvPicPr>
+          <p:cNvPr id="8" name="Picture 7" descr="A graph with numbers and lines&#10;&#10;Description automatically generated">
+            <a:extLst>
+              <a:ext uri="{FF2B5EF4-FFF2-40B4-BE49-F238E27FC236}">
+                <a16:creationId xmlns:a16="http://schemas.microsoft.com/office/drawing/2014/main" id="{34E41CE7-F48F-86BD-C8EC-8CE63E225B1B}"/>
+              </a:ext>
+            </a:extLst>
+          </p:cNvPr>
+          <p:cNvPicPr>
+            <a:picLocks noChangeAspect="1"/>
+          </p:cNvPicPr>
+          <p:nvPr/>
+        </p:nvPicPr>
+        <p:blipFill>
+          <a:blip r:embed="rId6">
+            <a:extLst>
+              <a:ext uri="{28A0092B-C50C-407E-A947-70E740481C1C}">
+                <a14:useLocalDpi xmlns:a14="http://schemas.microsoft.com/office/drawing/2010/main" val="0"/>
+              </a:ext>
+            </a:extLst>
+          </a:blip>
+          <a:stretch>
+            <a:fillRect/>
+          </a:stretch>
+        </p:blipFill>
+        <p:spPr>
+          <a:xfrm>
+            <a:off x="9165515" y="4045347"/>
+            <a:ext cx="3127582" cy="2812652"/>
+          </a:xfrm>
+          <a:prstGeom prst="rect">
+            <a:avLst/>
+          </a:prstGeom>
+        </p:spPr>
+      </p:pic>
+      <p:pic>
+        <p:nvPicPr>
+          <p:cNvPr id="9" name="Picture 8">
+            <a:extLst>
+              <a:ext uri="{FF2B5EF4-FFF2-40B4-BE49-F238E27FC236}">
+                <a16:creationId xmlns:a16="http://schemas.microsoft.com/office/drawing/2014/main" id="{85BA427C-C461-7558-ED63-AFB27D8B9120}"/>
+              </a:ext>
+            </a:extLst>
+          </p:cNvPr>
+          <p:cNvPicPr>
+            <a:picLocks noChangeAspect="1"/>
+          </p:cNvPicPr>
+          <p:nvPr/>
+        </p:nvPicPr>
+        <p:blipFill>
+          <a:blip r:embed="rId7"/>
+          <a:stretch>
+            <a:fillRect/>
+          </a:stretch>
+        </p:blipFill>
+        <p:spPr>
+          <a:xfrm>
+            <a:off x="5898812" y="1055973"/>
+            <a:ext cx="5696157" cy="3013326"/>
+          </a:xfrm>
+          <a:prstGeom prst="rect">
+            <a:avLst/>
+          </a:prstGeom>
+        </p:spPr>
+      </p:pic>
+      <p:pic>
+        <p:nvPicPr>
+          <p:cNvPr id="10" name="Picture 9">
+            <a:extLst>
+              <a:ext uri="{FF2B5EF4-FFF2-40B4-BE49-F238E27FC236}">
+                <a16:creationId xmlns:a16="http://schemas.microsoft.com/office/drawing/2014/main" id="{D92F8CAF-F095-3C25-480D-5B5C19D64B79}"/>
+              </a:ext>
+            </a:extLst>
+          </p:cNvPr>
+          <p:cNvPicPr>
+            <a:picLocks noChangeAspect="1"/>
+          </p:cNvPicPr>
+          <p:nvPr/>
+        </p:nvPicPr>
+        <p:blipFill>
+          <a:blip r:embed="rId8"/>
+          <a:stretch>
+            <a:fillRect/>
+          </a:stretch>
+        </p:blipFill>
+        <p:spPr>
+          <a:xfrm>
+            <a:off x="3017698" y="961705"/>
+            <a:ext cx="3078302" cy="2252835"/>
+          </a:xfrm>
+          <a:prstGeom prst="rect">
+            <a:avLst/>
+          </a:prstGeom>
+        </p:spPr>
+      </p:pic>
     </p:spTree>
     <p:extLst>
       <p:ext uri="{BB962C8B-B14F-4D97-AF65-F5344CB8AC3E}">
-        <p14:creationId xmlns:p14="http://schemas.microsoft.com/office/powerpoint/2010/main" val="1288410527"/>
+        <p14:creationId xmlns:p14="http://schemas.microsoft.com/office/powerpoint/2010/main" val="4015507341"/>
       </p:ext>
     </p:extLst>
   </p:cSld>
@@ -4046,7 +7747,7 @@
           <p:cNvPr id="2" name="Title 1">
             <a:extLst>
               <a:ext uri="{FF2B5EF4-FFF2-40B4-BE49-F238E27FC236}">
-                <a16:creationId xmlns:a16="http://schemas.microsoft.com/office/drawing/2014/main" id="{97D17C85-208C-7FFA-5E36-DFD5867B4CA4}"/>
+                <a16:creationId xmlns:a16="http://schemas.microsoft.com/office/drawing/2014/main" id="{75133338-CB55-D688-2DDF-226B1BD4DB9D}"/>
               </a:ext>
             </a:extLst>
           </p:cNvPr>
@@ -4063,10 +7764,9 @@
           <a:lstStyle/>
           <a:p>
             <a:r>
-              <a:rPr lang="en-US" dirty="0"/>
-              <a:t>Recommendations</a:t>
-            </a:r>
-            <a:endParaRPr lang="en-IN" dirty="0"/>
+              <a:rPr lang="en-IN" dirty="0"/>
+              <a:t>Consumer Attribute Analysis</a:t>
+            </a:r>
           </a:p>
         </p:txBody>
       </p:sp>
@@ -4075,7 +7775,7 @@
           <p:cNvPr id="3" name="Content Placeholder 2">
             <a:extLst>
               <a:ext uri="{FF2B5EF4-FFF2-40B4-BE49-F238E27FC236}">
-                <a16:creationId xmlns:a16="http://schemas.microsoft.com/office/drawing/2014/main" id="{66A77BCF-D7E8-2808-D5B4-00803FB316B1}"/>
+                <a16:creationId xmlns:a16="http://schemas.microsoft.com/office/drawing/2014/main" id="{6C44C1E8-F2C3-CBD5-7012-57672AD852AE}"/>
               </a:ext>
             </a:extLst>
           </p:cNvPr>
@@ -4089,38 +7789,101 @@
         <p:spPr/>
         <p:txBody>
           <a:bodyPr>
-            <a:normAutofit/>
+            <a:normAutofit lnSpcReduction="10000"/>
           </a:bodyPr>
           <a:lstStyle/>
           <a:p>
-            <a:r>
-              <a:rPr lang="en-US" dirty="0"/>
-              <a:t>The primary objective of this analysis is</a:t>
-            </a:r>
-          </a:p>
-          <a:p>
-            <a:pPr lvl="1"/>
-            <a:r>
-              <a:rPr lang="en-US" dirty="0"/>
-              <a:t>Not to attack the main revenue generator for the company</a:t>
-            </a:r>
-          </a:p>
-          <a:p>
-            <a:pPr lvl="1"/>
-            <a:r>
-              <a:rPr lang="en-US" dirty="0"/>
-              <a:t>Keep the recommendations few so company can implement them</a:t>
-            </a:r>
-          </a:p>
-          <a:p>
-            <a:endParaRPr lang="en-IN" dirty="0"/>
+            <a:pPr>
+              <a:lnSpc>
+                <a:spcPct val="100000"/>
+              </a:lnSpc>
+            </a:pPr>
+            <a:r>
+              <a:rPr lang="en-US" sz="1600" dirty="0"/>
+              <a:t>Borrower Debt To Income ratio mostly ranges between ~8 to 18. Average is 13.47</a:t>
+            </a:r>
+          </a:p>
+          <a:p>
+            <a:pPr>
+              <a:lnSpc>
+                <a:spcPct val="100000"/>
+              </a:lnSpc>
+            </a:pPr>
+            <a:r>
+              <a:rPr lang="en-US" sz="1600" dirty="0"/>
+              <a:t>Most borrowers are rated as B grade (30%), followed by A (26%), C (20%), D (13%), E (7%), F (3%), and G (1%).</a:t>
+            </a:r>
+          </a:p>
+          <a:p>
+            <a:pPr>
+              <a:lnSpc>
+                <a:spcPct val="100000"/>
+              </a:lnSpc>
+            </a:pPr>
+            <a:r>
+              <a:rPr lang="en-US" sz="1600" dirty="0"/>
+              <a:t>The majority of loans are allocated to borrowers who either pay rent (48%) or a mortgage (44%), with homeowners comprising the remaining 8%.</a:t>
+            </a:r>
+          </a:p>
+          <a:p>
+            <a:pPr>
+              <a:lnSpc>
+                <a:spcPct val="100000"/>
+              </a:lnSpc>
+            </a:pPr>
+            <a:r>
+              <a:rPr lang="en-US" sz="1600" dirty="0"/>
+              <a:t>Most loans are extended to </a:t>
+            </a:r>
+            <a:r>
+              <a:rPr lang="en-US" sz="1600" i="1" dirty="0"/>
+              <a:t>unverified borrowers (43%), </a:t>
+            </a:r>
+            <a:r>
+              <a:rPr lang="en-US" sz="1600" dirty="0"/>
+              <a:t>followed by verified borrowers (32%), and source verified borrowers (25%).</a:t>
+            </a:r>
+            <a:endParaRPr lang="en-US" sz="1600" i="1" dirty="0"/>
+          </a:p>
+          <a:p>
+            <a:pPr>
+              <a:lnSpc>
+                <a:spcPct val="100000"/>
+              </a:lnSpc>
+            </a:pPr>
+            <a:r>
+              <a:rPr lang="en-US" sz="1600" dirty="0"/>
+              <a:t>95% of borrowers have 0 public records, while 5% have 1. Additionally, 96% have 0 public bankruptcy records, with 4% having 1.</a:t>
+            </a:r>
+          </a:p>
+          <a:p>
+            <a:pPr>
+              <a:lnSpc>
+                <a:spcPct val="100000"/>
+              </a:lnSpc>
+            </a:pPr>
+            <a:r>
+              <a:rPr lang="en-US" sz="1600" dirty="0"/>
+              <a:t>89% of borrowers do not have 30+ days past due incidences in last 2 years. 8% have had one such incident, 2% have had two, and 1% have had three.</a:t>
+            </a:r>
+          </a:p>
+          <a:p>
+            <a:pPr>
+              <a:lnSpc>
+                <a:spcPct val="100000"/>
+              </a:lnSpc>
+            </a:pPr>
+            <a:r>
+              <a:rPr lang="en-US" sz="1600" dirty="0"/>
+              <a:t>Over the last 6 months, 49% of borrowers did not make any inquiries, while 28% made one, 15% made two, and 8% made three inquiries.</a:t>
+            </a:r>
           </a:p>
         </p:txBody>
       </p:sp>
     </p:spTree>
     <p:extLst>
       <p:ext uri="{BB962C8B-B14F-4D97-AF65-F5344CB8AC3E}">
-        <p14:creationId xmlns:p14="http://schemas.microsoft.com/office/powerpoint/2010/main" val="78636890"/>
+        <p14:creationId xmlns:p14="http://schemas.microsoft.com/office/powerpoint/2010/main" val="1288410527"/>
       </p:ext>
     </p:extLst>
   </p:cSld>
@@ -4152,7 +7915,7 @@
           <p:cNvPr id="2" name="Title 1">
             <a:extLst>
               <a:ext uri="{FF2B5EF4-FFF2-40B4-BE49-F238E27FC236}">
-                <a16:creationId xmlns:a16="http://schemas.microsoft.com/office/drawing/2014/main" id="{97D17C85-208C-7FFA-5E36-DFD5867B4CA4}"/>
+                <a16:creationId xmlns:a16="http://schemas.microsoft.com/office/drawing/2014/main" id="{E822D91E-8C30-EAFA-DD52-78975D904EE5}"/>
               </a:ext>
             </a:extLst>
           </p:cNvPr>
@@ -4163,65 +7926,266 @@
             <p:ph type="title"/>
           </p:nvPr>
         </p:nvSpPr>
-        <p:spPr/>
+        <p:spPr>
+          <a:xfrm>
+            <a:off x="838200" y="0"/>
+            <a:ext cx="10515600" cy="1325563"/>
+          </a:xfrm>
+        </p:spPr>
         <p:txBody>
           <a:bodyPr/>
           <a:lstStyle/>
           <a:p>
             <a:r>
-              <a:rPr lang="en-US" dirty="0"/>
-              <a:t>Recommendations</a:t>
-            </a:r>
-            <a:endParaRPr lang="en-IN" dirty="0"/>
-          </a:p>
-        </p:txBody>
-      </p:sp>
-      <p:sp>
-        <p:nvSpPr>
-          <p:cNvPr id="3" name="Content Placeholder 2">
+              <a:rPr lang="en-IN" dirty="0"/>
+              <a:t>Consumer Attribute Analysis</a:t>
+            </a:r>
+          </a:p>
+        </p:txBody>
+      </p:sp>
+      <p:pic>
+        <p:nvPicPr>
+          <p:cNvPr id="5" name="Content Placeholder 4">
             <a:extLst>
               <a:ext uri="{FF2B5EF4-FFF2-40B4-BE49-F238E27FC236}">
-                <a16:creationId xmlns:a16="http://schemas.microsoft.com/office/drawing/2014/main" id="{66A77BCF-D7E8-2808-D5B4-00803FB316B1}"/>
+                <a16:creationId xmlns:a16="http://schemas.microsoft.com/office/drawing/2014/main" id="{B72768D5-81C6-92FB-C579-0C8AD7C62890}"/>
               </a:ext>
             </a:extLst>
           </p:cNvPr>
-          <p:cNvSpPr>
-            <a:spLocks noGrp="1"/>
-          </p:cNvSpPr>
+          <p:cNvPicPr>
+            <a:picLocks noGrp="1" noChangeAspect="1"/>
+          </p:cNvPicPr>
           <p:nvPr>
             <p:ph idx="1"/>
           </p:nvPr>
-        </p:nvSpPr>
-        <p:spPr/>
-        <p:txBody>
-          <a:bodyPr>
-            <a:normAutofit fontScale="85000" lnSpcReduction="20000"/>
-          </a:bodyPr>
-          <a:lstStyle/>
-          <a:p>
-            <a:r>
-              <a:rPr lang="en-US" dirty="0"/>
-              <a:t>C, D, E, F, and G grade borrowers exhibit a higher default rate compared to A and B grade borrowers. Despite having annual incomes comparable to those of A and B grade borrowers, these higher-grade borrowers were extended larger loan amounts at interest rates of 12% and above. In contrast, A and B grade borrowers received loans with interest rates not exceeding 13%. Default rate steadily increases with interest rate. Care need to be taken when interest rate goes beyond 12%.</a:t>
-            </a:r>
-          </a:p>
-          <a:p>
-            <a:r>
-              <a:rPr lang="en-US" dirty="0"/>
-              <a:t>Debt consolidation loans amount to 47% of all loans given and have a significant default rate at 15.41%. This needs to be diversified to more safer purposes such as car, credit card and home improvement, wedding, major purchase which have lower default rates.</a:t>
-            </a:r>
-          </a:p>
-          <a:p>
-            <a:r>
-              <a:rPr lang="en-US" dirty="0"/>
-              <a:t>Default rate is higher for verified borrowers compared to unverified borrower. This suggests verification process needs to be strengthened. The annual incomes may be suspect based on which higher loans at higher interest rates are being given.</a:t>
-            </a:r>
-          </a:p>
-        </p:txBody>
-      </p:sp>
+        </p:nvPicPr>
+        <p:blipFill>
+          <a:blip r:embed="rId2"/>
+          <a:stretch>
+            <a:fillRect/>
+          </a:stretch>
+        </p:blipFill>
+        <p:spPr>
+          <a:xfrm>
+            <a:off x="9103575" y="3715299"/>
+            <a:ext cx="3006942" cy="2742062"/>
+          </a:xfrm>
+        </p:spPr>
+      </p:pic>
+      <p:pic>
+        <p:nvPicPr>
+          <p:cNvPr id="8" name="Picture 7">
+            <a:extLst>
+              <a:ext uri="{FF2B5EF4-FFF2-40B4-BE49-F238E27FC236}">
+                <a16:creationId xmlns:a16="http://schemas.microsoft.com/office/drawing/2014/main" id="{6D91ED96-4C64-F014-C17F-06FFAD36FC46}"/>
+              </a:ext>
+            </a:extLst>
+          </p:cNvPr>
+          <p:cNvPicPr>
+            <a:picLocks noChangeAspect="1"/>
+          </p:cNvPicPr>
+          <p:nvPr/>
+        </p:nvPicPr>
+        <p:blipFill>
+          <a:blip r:embed="rId3"/>
+          <a:stretch>
+            <a:fillRect/>
+          </a:stretch>
+        </p:blipFill>
+        <p:spPr>
+          <a:xfrm>
+            <a:off x="117094" y="1086572"/>
+            <a:ext cx="2995562" cy="2188294"/>
+          </a:xfrm>
+          <a:prstGeom prst="rect">
+            <a:avLst/>
+          </a:prstGeom>
+        </p:spPr>
+      </p:pic>
+      <p:pic>
+        <p:nvPicPr>
+          <p:cNvPr id="11" name="Picture 10">
+            <a:extLst>
+              <a:ext uri="{FF2B5EF4-FFF2-40B4-BE49-F238E27FC236}">
+                <a16:creationId xmlns:a16="http://schemas.microsoft.com/office/drawing/2014/main" id="{ADE08BF5-FD44-8324-DF23-02F676464FE7}"/>
+              </a:ext>
+            </a:extLst>
+          </p:cNvPr>
+          <p:cNvPicPr>
+            <a:picLocks noChangeAspect="1"/>
+          </p:cNvPicPr>
+          <p:nvPr/>
+        </p:nvPicPr>
+        <p:blipFill>
+          <a:blip r:embed="rId4"/>
+          <a:stretch>
+            <a:fillRect/>
+          </a:stretch>
+        </p:blipFill>
+        <p:spPr>
+          <a:xfrm>
+            <a:off x="3023753" y="1086572"/>
+            <a:ext cx="3030466" cy="2188294"/>
+          </a:xfrm>
+          <a:prstGeom prst="rect">
+            <a:avLst/>
+          </a:prstGeom>
+        </p:spPr>
+      </p:pic>
+      <p:pic>
+        <p:nvPicPr>
+          <p:cNvPr id="13" name="Picture 12">
+            <a:extLst>
+              <a:ext uri="{FF2B5EF4-FFF2-40B4-BE49-F238E27FC236}">
+                <a16:creationId xmlns:a16="http://schemas.microsoft.com/office/drawing/2014/main" id="{7BF5E092-D18B-3616-1909-5884DD3DFE9C}"/>
+              </a:ext>
+            </a:extLst>
+          </p:cNvPr>
+          <p:cNvPicPr>
+            <a:picLocks noChangeAspect="1"/>
+          </p:cNvPicPr>
+          <p:nvPr/>
+        </p:nvPicPr>
+        <p:blipFill>
+          <a:blip r:embed="rId5"/>
+          <a:stretch>
+            <a:fillRect/>
+          </a:stretch>
+        </p:blipFill>
+        <p:spPr>
+          <a:xfrm>
+            <a:off x="6137783" y="1086572"/>
+            <a:ext cx="3020318" cy="2188294"/>
+          </a:xfrm>
+          <a:prstGeom prst="rect">
+            <a:avLst/>
+          </a:prstGeom>
+        </p:spPr>
+      </p:pic>
+      <p:pic>
+        <p:nvPicPr>
+          <p:cNvPr id="15" name="Picture 14">
+            <a:extLst>
+              <a:ext uri="{FF2B5EF4-FFF2-40B4-BE49-F238E27FC236}">
+                <a16:creationId xmlns:a16="http://schemas.microsoft.com/office/drawing/2014/main" id="{88EC73A9-DB34-FE21-1835-1582EB17857B}"/>
+              </a:ext>
+            </a:extLst>
+          </p:cNvPr>
+          <p:cNvPicPr>
+            <a:picLocks noChangeAspect="1"/>
+          </p:cNvPicPr>
+          <p:nvPr/>
+        </p:nvPicPr>
+        <p:blipFill>
+          <a:blip r:embed="rId6"/>
+          <a:stretch>
+            <a:fillRect/>
+          </a:stretch>
+        </p:blipFill>
+        <p:spPr>
+          <a:xfrm>
+            <a:off x="36195" y="3715299"/>
+            <a:ext cx="2987558" cy="2166985"/>
+          </a:xfrm>
+          <a:prstGeom prst="rect">
+            <a:avLst/>
+          </a:prstGeom>
+        </p:spPr>
+      </p:pic>
+      <p:pic>
+        <p:nvPicPr>
+          <p:cNvPr id="17" name="Picture 16">
+            <a:extLst>
+              <a:ext uri="{FF2B5EF4-FFF2-40B4-BE49-F238E27FC236}">
+                <a16:creationId xmlns:a16="http://schemas.microsoft.com/office/drawing/2014/main" id="{0EA28992-ECE5-406D-3F06-DA48093C503A}"/>
+              </a:ext>
+            </a:extLst>
+          </p:cNvPr>
+          <p:cNvPicPr>
+            <a:picLocks noChangeAspect="1"/>
+          </p:cNvPicPr>
+          <p:nvPr/>
+        </p:nvPicPr>
+        <p:blipFill>
+          <a:blip r:embed="rId7"/>
+          <a:stretch>
+            <a:fillRect/>
+          </a:stretch>
+        </p:blipFill>
+        <p:spPr>
+          <a:xfrm>
+            <a:off x="3112656" y="3715300"/>
+            <a:ext cx="2983344" cy="2182852"/>
+          </a:xfrm>
+          <a:prstGeom prst="rect">
+            <a:avLst/>
+          </a:prstGeom>
+        </p:spPr>
+      </p:pic>
+      <p:pic>
+        <p:nvPicPr>
+          <p:cNvPr id="19" name="Picture 18">
+            <a:extLst>
+              <a:ext uri="{FF2B5EF4-FFF2-40B4-BE49-F238E27FC236}">
+                <a16:creationId xmlns:a16="http://schemas.microsoft.com/office/drawing/2014/main" id="{9E152C51-8251-0116-3F3A-DEE8B9E50E67}"/>
+              </a:ext>
+            </a:extLst>
+          </p:cNvPr>
+          <p:cNvPicPr>
+            <a:picLocks noChangeAspect="1"/>
+          </p:cNvPicPr>
+          <p:nvPr/>
+        </p:nvPicPr>
+        <p:blipFill>
+          <a:blip r:embed="rId8"/>
+          <a:stretch>
+            <a:fillRect/>
+          </a:stretch>
+        </p:blipFill>
+        <p:spPr>
+          <a:xfrm>
+            <a:off x="6039440" y="3715299"/>
+            <a:ext cx="2971756" cy="2188294"/>
+          </a:xfrm>
+          <a:prstGeom prst="rect">
+            <a:avLst/>
+          </a:prstGeom>
+        </p:spPr>
+      </p:pic>
+      <p:pic>
+        <p:nvPicPr>
+          <p:cNvPr id="23" name="Picture 22">
+            <a:extLst>
+              <a:ext uri="{FF2B5EF4-FFF2-40B4-BE49-F238E27FC236}">
+                <a16:creationId xmlns:a16="http://schemas.microsoft.com/office/drawing/2014/main" id="{975D67E7-2033-DF84-8FDF-15414DDDF9B0}"/>
+              </a:ext>
+            </a:extLst>
+          </p:cNvPr>
+          <p:cNvPicPr>
+            <a:picLocks noChangeAspect="1"/>
+          </p:cNvPicPr>
+          <p:nvPr/>
+        </p:nvPicPr>
+        <p:blipFill>
+          <a:blip r:embed="rId9"/>
+          <a:stretch>
+            <a:fillRect/>
+          </a:stretch>
+        </p:blipFill>
+        <p:spPr>
+          <a:xfrm>
+            <a:off x="9126480" y="1086572"/>
+            <a:ext cx="2984037" cy="2188294"/>
+          </a:xfrm>
+          <a:prstGeom prst="rect">
+            <a:avLst/>
+          </a:prstGeom>
+        </p:spPr>
+      </p:pic>
     </p:spTree>
     <p:extLst>
       <p:ext uri="{BB962C8B-B14F-4D97-AF65-F5344CB8AC3E}">
-        <p14:creationId xmlns:p14="http://schemas.microsoft.com/office/powerpoint/2010/main" val="2151947758"/>
+        <p14:creationId xmlns:p14="http://schemas.microsoft.com/office/powerpoint/2010/main" val="3161973719"/>
       </p:ext>
     </p:extLst>
   </p:cSld>
@@ -4270,7 +8234,7 @@
           <a:lstStyle/>
           <a:p>
             <a:r>
-              <a:rPr lang="en-US"/>
+              <a:rPr lang="en-US" dirty="0"/>
               <a:t>Recommendations</a:t>
             </a:r>
             <a:endParaRPr lang="en-IN" dirty="0"/>
@@ -4296,67 +8260,48 @@
         <p:spPr/>
         <p:txBody>
           <a:bodyPr>
-            <a:normAutofit fontScale="92500" lnSpcReduction="20000"/>
+            <a:normAutofit/>
           </a:bodyPr>
           <a:lstStyle/>
           <a:p>
-            <a:r>
-              <a:rPr lang="en-US" dirty="0"/>
-              <a:t>The default rate tends to rise with borrowers having 30+ days past due incidences (delinquencies), derogatory public records or public bankruptcy records. </a:t>
-            </a:r>
-          </a:p>
-          <a:p>
-            <a:r>
-              <a:rPr lang="en-US" dirty="0"/>
-              <a:t>Default rate increases with revolving utilization rate. Above 30% utilization rate the chances of default increase significantly.</a:t>
-            </a:r>
-          </a:p>
-          <a:p>
-            <a:r>
-              <a:rPr lang="en-US" dirty="0"/>
-              <a:t>Default rate increases with DTI, anything above 8 has significantly higher default rate.</a:t>
-            </a:r>
-          </a:p>
-          <a:p>
-            <a:r>
-              <a:rPr lang="en-US" dirty="0"/>
-              <a:t>Default rate increases with number of inquiries in last 6 months in general. </a:t>
-            </a:r>
-          </a:p>
-          <a:p>
-            <a:r>
-              <a:rPr lang="en-US" dirty="0"/>
-              <a:t>Recovery fees paid by borrower is a lead indicator of loan default. </a:t>
-            </a:r>
-          </a:p>
-          <a:p>
-            <a:r>
-              <a:rPr lang="en-US" dirty="0"/>
-              <a:t>For future loans extended to borrowers satisfying above conditions, it's advisable to mitigate risk by offering smaller loan amounts and higher interest rates.</a:t>
-            </a:r>
-            <a:endParaRPr lang="en-IN" dirty="0"/>
-          </a:p>
-          <a:p>
-            <a:endParaRPr lang="en-US" dirty="0"/>
-          </a:p>
-          <a:p>
-            <a:endParaRPr lang="en-US" dirty="0"/>
-          </a:p>
-          <a:p>
-            <a:endParaRPr lang="en-US" dirty="0"/>
-          </a:p>
-          <a:p>
-            <a:endParaRPr lang="en-US" dirty="0"/>
-          </a:p>
-          <a:p>
-            <a:endParaRPr lang="en-IN" dirty="0"/>
+            <a:pPr>
+              <a:lnSpc>
+                <a:spcPct val="100000"/>
+              </a:lnSpc>
+            </a:pPr>
+            <a:r>
+              <a:rPr lang="en-US" sz="1600" dirty="0"/>
+              <a:t>The primary objective of this analysis is</a:t>
+            </a:r>
+          </a:p>
+          <a:p>
+            <a:pPr lvl="1">
+              <a:lnSpc>
+                <a:spcPct val="100000"/>
+              </a:lnSpc>
+            </a:pPr>
+            <a:r>
+              <a:rPr lang="en-US" sz="1600" dirty="0"/>
+              <a:t>Not to attack the main revenue generator for the company</a:t>
+            </a:r>
+          </a:p>
+          <a:p>
+            <a:pPr lvl="1">
+              <a:lnSpc>
+                <a:spcPct val="100000"/>
+              </a:lnSpc>
+            </a:pPr>
+            <a:r>
+              <a:rPr lang="en-US" sz="1600" dirty="0"/>
+              <a:t>Keep the recommendations few so company can implement them</a:t>
+            </a:r>
           </a:p>
         </p:txBody>
       </p:sp>
     </p:spTree>
     <p:extLst>
       <p:ext uri="{BB962C8B-B14F-4D97-AF65-F5344CB8AC3E}">
-        <p14:creationId xmlns:p14="http://schemas.microsoft.com/office/powerpoint/2010/main" val="1205120553"/>
+        <p14:creationId xmlns:p14="http://schemas.microsoft.com/office/powerpoint/2010/main" val="78636890"/>
       </p:ext>
     </p:extLst>
   </p:cSld>
@@ -4388,7 +8333,7 @@
           <p:cNvPr id="2" name="Title 1">
             <a:extLst>
               <a:ext uri="{FF2B5EF4-FFF2-40B4-BE49-F238E27FC236}">
-                <a16:creationId xmlns:a16="http://schemas.microsoft.com/office/drawing/2014/main" id="{D4DA043E-E538-AAD9-0FF9-EDC10C306B63}"/>
+                <a16:creationId xmlns:a16="http://schemas.microsoft.com/office/drawing/2014/main" id="{97D17C85-208C-7FFA-5E36-DFD5867B4CA4}"/>
               </a:ext>
             </a:extLst>
           </p:cNvPr>
@@ -4406,7 +8351,7 @@
           <a:p>
             <a:r>
               <a:rPr lang="en-US" dirty="0"/>
-              <a:t>Conclusion</a:t>
+              <a:t>Recommendations</a:t>
             </a:r>
             <a:endParaRPr lang="en-IN" dirty="0"/>
           </a:p>
@@ -4417,7 +8362,7 @@
           <p:cNvPr id="3" name="Content Placeholder 2">
             <a:extLst>
               <a:ext uri="{FF2B5EF4-FFF2-40B4-BE49-F238E27FC236}">
-                <a16:creationId xmlns:a16="http://schemas.microsoft.com/office/drawing/2014/main" id="{50C5EEC0-8843-5CD4-BEA1-2F85D7E9D6A0}"/>
+                <a16:creationId xmlns:a16="http://schemas.microsoft.com/office/drawing/2014/main" id="{66A77BCF-D7E8-2808-D5B4-00803FB316B1}"/>
               </a:ext>
             </a:extLst>
           </p:cNvPr>
@@ -4430,21 +8375,87 @@
         </p:nvSpPr>
         <p:spPr/>
         <p:txBody>
-          <a:bodyPr/>
-          <a:lstStyle/>
-          <a:p>
-            <a:r>
-              <a:rPr lang="en-US" dirty="0"/>
-              <a:t>By leveraging insights from EDA, the consumer finance company can make informed decisions to mitigate default risk, improve lending practices, and ultimately minimize credit loss.</a:t>
-            </a:r>
-            <a:endParaRPr lang="en-IN" dirty="0"/>
-          </a:p>
-        </p:txBody>
-      </p:sp>
+          <a:bodyPr>
+            <a:normAutofit/>
+          </a:bodyPr>
+          <a:lstStyle/>
+          <a:p>
+            <a:pPr>
+              <a:lnSpc>
+                <a:spcPct val="100000"/>
+              </a:lnSpc>
+            </a:pPr>
+            <a:r>
+              <a:rPr lang="en-US" sz="1600" dirty="0"/>
+              <a:t>C, D, E, F, and G grade borrowers exhibit a higher default rate compared to A and B grade borrowers. Despite having annual incomes comparable to those of A and B grade borrowers, these higher-grade borrowers were extended larger loan amounts at interest rates above 12%. In contrast, A and B grade borrowers received loans with interest rates not exceeding 12% for most part. Default rate steadily increases with interest rate. Care need to be taken when interest rate goes beyond 12%.</a:t>
+            </a:r>
+          </a:p>
+        </p:txBody>
+      </p:sp>
+      <p:pic>
+        <p:nvPicPr>
+          <p:cNvPr id="4" name="Content Placeholder 4">
+            <a:extLst>
+              <a:ext uri="{FF2B5EF4-FFF2-40B4-BE49-F238E27FC236}">
+                <a16:creationId xmlns:a16="http://schemas.microsoft.com/office/drawing/2014/main" id="{F1541ACC-DFDC-985B-24A3-2873B4787121}"/>
+              </a:ext>
+            </a:extLst>
+          </p:cNvPr>
+          <p:cNvPicPr>
+            <a:picLocks noChangeAspect="1"/>
+          </p:cNvPicPr>
+          <p:nvPr/>
+        </p:nvPicPr>
+        <p:blipFill>
+          <a:blip r:embed="rId2"/>
+          <a:stretch>
+            <a:fillRect/>
+          </a:stretch>
+        </p:blipFill>
+        <p:spPr>
+          <a:xfrm>
+            <a:off x="6213420" y="3146646"/>
+            <a:ext cx="5829211" cy="3126814"/>
+          </a:xfrm>
+          <a:prstGeom prst="rect">
+            <a:avLst/>
+          </a:prstGeom>
+        </p:spPr>
+      </p:pic>
+      <p:pic>
+        <p:nvPicPr>
+          <p:cNvPr id="5" name="Picture 4">
+            <a:extLst>
+              <a:ext uri="{FF2B5EF4-FFF2-40B4-BE49-F238E27FC236}">
+                <a16:creationId xmlns:a16="http://schemas.microsoft.com/office/drawing/2014/main" id="{C5AB16F8-B016-15FD-8328-CB1B05DA7AED}"/>
+              </a:ext>
+            </a:extLst>
+          </p:cNvPr>
+          <p:cNvPicPr>
+            <a:picLocks noChangeAspect="1"/>
+          </p:cNvPicPr>
+          <p:nvPr/>
+        </p:nvPicPr>
+        <p:blipFill>
+          <a:blip r:embed="rId3"/>
+          <a:stretch>
+            <a:fillRect/>
+          </a:stretch>
+        </p:blipFill>
+        <p:spPr>
+          <a:xfrm>
+            <a:off x="0" y="3146646"/>
+            <a:ext cx="6026387" cy="3126814"/>
+          </a:xfrm>
+          <a:prstGeom prst="rect">
+            <a:avLst/>
+          </a:prstGeom>
+        </p:spPr>
+      </p:pic>
     </p:spTree>
     <p:extLst>
       <p:ext uri="{BB962C8B-B14F-4D97-AF65-F5344CB8AC3E}">
-        <p14:creationId xmlns:p14="http://schemas.microsoft.com/office/powerpoint/2010/main" val="1644712259"/>
+        <p14:creationId xmlns:p14="http://schemas.microsoft.com/office/powerpoint/2010/main" val="2151947758"/>
       </p:ext>
     </p:extLst>
   </p:cSld>
@@ -4455,9 +8466,9 @@
 </file>
 
 <file path=ppt/theme/theme1.xml><?xml version="1.0" encoding="utf-8"?>
-<a:theme xmlns:a="http://schemas.openxmlformats.org/drawingml/2006/main" name="Office Theme">
+<a:theme xmlns:a="http://schemas.openxmlformats.org/drawingml/2006/main" name="Facet">
   <a:themeElements>
-    <a:clrScheme name="Office">
+    <a:clrScheme name="Facet">
       <a:dk1>
         <a:sysClr val="windowText" lastClr="000000"/>
       </a:dk1>
@@ -4465,52 +8476,52 @@
         <a:sysClr val="window" lastClr="FFFFFF"/>
       </a:lt1>
       <a:dk2>
-        <a:srgbClr val="44546A"/>
+        <a:srgbClr val="2C3C43"/>
       </a:dk2>
       <a:lt2>
-        <a:srgbClr val="E7E6E6"/>
+        <a:srgbClr val="EBEBEB"/>
       </a:lt2>
       <a:accent1>
-        <a:srgbClr val="4472C4"/>
+        <a:srgbClr val="90C226"/>
       </a:accent1>
       <a:accent2>
-        <a:srgbClr val="ED7D31"/>
+        <a:srgbClr val="54A021"/>
       </a:accent2>
       <a:accent3>
-        <a:srgbClr val="A5A5A5"/>
+        <a:srgbClr val="E6B91E"/>
       </a:accent3>
       <a:accent4>
-        <a:srgbClr val="FFC000"/>
+        <a:srgbClr val="E76618"/>
       </a:accent4>
       <a:accent5>
-        <a:srgbClr val="5B9BD5"/>
+        <a:srgbClr val="C42F1A"/>
       </a:accent5>
       <a:accent6>
-        <a:srgbClr val="70AD47"/>
+        <a:srgbClr val="918655"/>
       </a:accent6>
       <a:hlink>
-        <a:srgbClr val="0563C1"/>
+        <a:srgbClr val="99CA3C"/>
       </a:hlink>
       <a:folHlink>
-        <a:srgbClr val="954F72"/>
+        <a:srgbClr val="B9D181"/>
       </a:folHlink>
     </a:clrScheme>
-    <a:fontScheme name="Office">
+    <a:fontScheme name="Facet">
       <a:majorFont>
-        <a:latin typeface="Calibri Light" panose="020F0302020204030204"/>
+        <a:latin typeface="Trebuchet MS" panose="020B0603020202020204"/>
         <a:ea typeface=""/>
         <a:cs typeface=""/>
-        <a:font script="Jpan" typeface="游ゴシック Light"/>
+        <a:font script="Jpan" typeface="メイリオ"/>
         <a:font script="Hang" typeface="맑은 고딕"/>
-        <a:font script="Hans" typeface="等线 Light"/>
-        <a:font script="Hant" typeface="新細明體"/>
-        <a:font script="Arab" typeface="Times New Roman"/>
-        <a:font script="Hebr" typeface="Times New Roman"/>
-        <a:font script="Thai" typeface="Angsana New"/>
+        <a:font script="Hans" typeface="方正姚体"/>
+        <a:font script="Hant" typeface="微軟正黑體"/>
+        <a:font script="Arab" typeface="Tahoma"/>
+        <a:font script="Hebr" typeface="Arial"/>
+        <a:font script="Thai" typeface="Cordia New"/>
         <a:font script="Ethi" typeface="Nyala"/>
         <a:font script="Beng" typeface="Vrinda"/>
         <a:font script="Gujr" typeface="Shruti"/>
-        <a:font script="Khmr" typeface="MoolBoran"/>
+        <a:font script="Khmr" typeface="DaunPenh"/>
         <a:font script="Knda" typeface="Tunga"/>
         <a:font script="Guru" typeface="Raavi"/>
         <a:font script="Cans" typeface="Euphemia"/>
@@ -4527,38 +8538,21 @@
         <a:font script="Laoo" typeface="DokChampa"/>
         <a:font script="Sinh" typeface="Iskoola Pota"/>
         <a:font script="Mong" typeface="Mongolian Baiti"/>
-        <a:font script="Viet" typeface="Times New Roman"/>
+        <a:font script="Viet" typeface="Tahoma"/>
         <a:font script="Uigh" typeface="Microsoft Uighur"/>
         <a:font script="Geor" typeface="Sylfaen"/>
-        <a:font script="Armn" typeface="Arial"/>
-        <a:font script="Bugi" typeface="Leelawadee UI"/>
-        <a:font script="Bopo" typeface="Microsoft JhengHei"/>
-        <a:font script="Java" typeface="Javanese Text"/>
-        <a:font script="Lisu" typeface="Segoe UI"/>
-        <a:font script="Mymr" typeface="Myanmar Text"/>
-        <a:font script="Nkoo" typeface="Ebrima"/>
-        <a:font script="Olck" typeface="Nirmala UI"/>
-        <a:font script="Osma" typeface="Ebrima"/>
-        <a:font script="Phag" typeface="Phagspa"/>
-        <a:font script="Syrn" typeface="Estrangelo Edessa"/>
-        <a:font script="Syrj" typeface="Estrangelo Edessa"/>
-        <a:font script="Syre" typeface="Estrangelo Edessa"/>
-        <a:font script="Sora" typeface="Nirmala UI"/>
-        <a:font script="Tale" typeface="Microsoft Tai Le"/>
-        <a:font script="Talu" typeface="Microsoft New Tai Lue"/>
-        <a:font script="Tfng" typeface="Ebrima"/>
       </a:majorFont>
       <a:minorFont>
-        <a:latin typeface="Calibri" panose="020F0502020204030204"/>
+        <a:latin typeface="Trebuchet MS" panose="020B0603020202020204"/>
         <a:ea typeface=""/>
         <a:cs typeface=""/>
-        <a:font script="Jpan" typeface="游ゴシック"/>
-        <a:font script="Hang" typeface="맑은 고딕"/>
-        <a:font script="Hans" typeface="等线"/>
-        <a:font script="Hant" typeface="新細明體"/>
-        <a:font script="Arab" typeface="Arial"/>
-        <a:font script="Hebr" typeface="Arial"/>
-        <a:font script="Thai" typeface="Cordia New"/>
+        <a:font script="Jpan" typeface="メイリオ"/>
+        <a:font script="Hang" typeface="HY그래픽M"/>
+        <a:font script="Hans" typeface="华文新魏"/>
+        <a:font script="Hant" typeface="微軟正黑體"/>
+        <a:font script="Arab" typeface="Tahoma"/>
+        <a:font script="Hebr" typeface="Gisha"/>
+        <a:font script="Thai" typeface="IrisUPC"/>
         <a:font script="Ethi" typeface="Nyala"/>
         <a:font script="Beng" typeface="Vrinda"/>
         <a:font script="Gujr" typeface="Shruti"/>
@@ -4582,26 +8576,9 @@
         <a:font script="Viet" typeface="Arial"/>
         <a:font script="Uigh" typeface="Microsoft Uighur"/>
         <a:font script="Geor" typeface="Sylfaen"/>
-        <a:font script="Armn" typeface="Arial"/>
-        <a:font script="Bugi" typeface="Leelawadee UI"/>
-        <a:font script="Bopo" typeface="Microsoft JhengHei"/>
-        <a:font script="Java" typeface="Javanese Text"/>
-        <a:font script="Lisu" typeface="Segoe UI"/>
-        <a:font script="Mymr" typeface="Myanmar Text"/>
-        <a:font script="Nkoo" typeface="Ebrima"/>
-        <a:font script="Olck" typeface="Nirmala UI"/>
-        <a:font script="Osma" typeface="Ebrima"/>
-        <a:font script="Phag" typeface="Phagspa"/>
-        <a:font script="Syrn" typeface="Estrangelo Edessa"/>
-        <a:font script="Syrj" typeface="Estrangelo Edessa"/>
-        <a:font script="Syre" typeface="Estrangelo Edessa"/>
-        <a:font script="Sora" typeface="Nirmala UI"/>
-        <a:font script="Tale" typeface="Microsoft Tai Le"/>
-        <a:font script="Talu" typeface="Microsoft New Tai Lue"/>
-        <a:font script="Tfng" typeface="Ebrima"/>
       </a:minorFont>
     </a:fontScheme>
-    <a:fmtScheme name="Office">
+    <a:fmtScheme name="Facet">
       <a:fillStyleLst>
         <a:solidFill>
           <a:schemeClr val="phClr"/>
@@ -4610,23 +8587,13 @@
           <a:gsLst>
             <a:gs pos="0">
               <a:schemeClr val="phClr">
+                <a:tint val="65000"/>
                 <a:lumMod val="110000"/>
-                <a:satMod val="105000"/>
-                <a:tint val="67000"/>
               </a:schemeClr>
             </a:gs>
-            <a:gs pos="50000">
+            <a:gs pos="88000">
               <a:schemeClr val="phClr">
-                <a:lumMod val="105000"/>
-                <a:satMod val="103000"/>
-                <a:tint val="73000"/>
-              </a:schemeClr>
-            </a:gs>
-            <a:gs pos="100000">
-              <a:schemeClr val="phClr">
-                <a:lumMod val="105000"/>
-                <a:satMod val="109000"/>
-                <a:tint val="81000"/>
+                <a:tint val="90000"/>
               </a:schemeClr>
             </a:gs>
           </a:gsLst>
@@ -4636,23 +8603,14 @@
           <a:gsLst>
             <a:gs pos="0">
               <a:schemeClr val="phClr">
-                <a:satMod val="103000"/>
-                <a:lumMod val="102000"/>
-                <a:tint val="94000"/>
+                <a:tint val="96000"/>
+                <a:lumMod val="100000"/>
               </a:schemeClr>
             </a:gs>
-            <a:gs pos="50000">
+            <a:gs pos="78000">
               <a:schemeClr val="phClr">
-                <a:satMod val="110000"/>
-                <a:lumMod val="100000"/>
-                <a:shade val="100000"/>
-              </a:schemeClr>
-            </a:gs>
-            <a:gs pos="100000">
-              <a:schemeClr val="phClr">
-                <a:lumMod val="99000"/>
-                <a:satMod val="120000"/>
-                <a:shade val="78000"/>
+                <a:shade val="94000"/>
+                <a:lumMod val="94000"/>
               </a:schemeClr>
             </a:gs>
           </a:gsLst>
@@ -4660,26 +8618,23 @@
         </a:gradFill>
       </a:fillStyleLst>
       <a:lnStyleLst>
-        <a:ln w="6350" cap="flat" cmpd="sng" algn="ctr">
+        <a:ln w="12700" cap="rnd" cmpd="sng" algn="ctr">
           <a:solidFill>
             <a:schemeClr val="phClr"/>
           </a:solidFill>
           <a:prstDash val="solid"/>
-          <a:miter lim="800000"/>
         </a:ln>
-        <a:ln w="12700" cap="flat" cmpd="sng" algn="ctr">
+        <a:ln w="19050" cap="rnd" cmpd="sng" algn="ctr">
           <a:solidFill>
             <a:schemeClr val="phClr"/>
           </a:solidFill>
           <a:prstDash val="solid"/>
-          <a:miter lim="800000"/>
         </a:ln>
-        <a:ln w="19050" cap="flat" cmpd="sng" algn="ctr">
+        <a:ln w="25400" cap="rnd" cmpd="sng" algn="ctr">
           <a:solidFill>
             <a:schemeClr val="phClr"/>
           </a:solidFill>
           <a:prstDash val="solid"/>
-          <a:miter lim="800000"/>
         </a:ln>
       </a:lnStyleLst>
       <a:effectStyleLst>
@@ -4687,54 +8642,72 @@
           <a:effectLst/>
         </a:effectStyle>
         <a:effectStyle>
-          <a:effectLst/>
+          <a:effectLst>
+            <a:outerShdw blurRad="38100" dist="25400" dir="5400000" rotWithShape="0">
+              <a:srgbClr val="000000">
+                <a:alpha val="35000"/>
+              </a:srgbClr>
+            </a:outerShdw>
+          </a:effectLst>
         </a:effectStyle>
         <a:effectStyle>
           <a:effectLst>
-            <a:outerShdw blurRad="57150" dist="19050" dir="5400000" algn="ctr" rotWithShape="0">
+            <a:outerShdw blurRad="50800" dist="38100" dir="5400000" rotWithShape="0">
               <a:srgbClr val="000000">
-                <a:alpha val="63000"/>
+                <a:alpha val="35000"/>
               </a:srgbClr>
             </a:outerShdw>
           </a:effectLst>
+          <a:scene3d>
+            <a:camera prst="orthographicFront">
+              <a:rot lat="0" lon="0" rev="0"/>
+            </a:camera>
+            <a:lightRig rig="threePt" dir="tl"/>
+          </a:scene3d>
+          <a:sp3d prstMaterial="plastic">
+            <a:bevelT w="0" h="0"/>
+          </a:sp3d>
         </a:effectStyle>
       </a:effectStyleLst>
       <a:bgFillStyleLst>
         <a:solidFill>
           <a:schemeClr val="phClr"/>
         </a:solidFill>
-        <a:solidFill>
-          <a:schemeClr val="phClr">
-            <a:tint val="95000"/>
-            <a:satMod val="170000"/>
-          </a:schemeClr>
-        </a:solidFill>
         <a:gradFill rotWithShape="1">
           <a:gsLst>
             <a:gs pos="0">
               <a:schemeClr val="phClr">
-                <a:tint val="93000"/>
-                <a:satMod val="150000"/>
-                <a:shade val="98000"/>
-                <a:lumMod val="102000"/>
+                <a:tint val="90000"/>
+                <a:lumMod val="104000"/>
               </a:schemeClr>
             </a:gs>
-            <a:gs pos="50000">
+            <a:gs pos="94000">
               <a:schemeClr val="phClr">
-                <a:tint val="98000"/>
-                <a:satMod val="130000"/>
-                <a:shade val="90000"/>
-                <a:lumMod val="103000"/>
+                <a:shade val="96000"/>
+                <a:lumMod val="82000"/>
+              </a:schemeClr>
+            </a:gs>
+          </a:gsLst>
+          <a:lin ang="5400000" scaled="0"/>
+        </a:gradFill>
+        <a:gradFill rotWithShape="1">
+          <a:gsLst>
+            <a:gs pos="0">
+              <a:schemeClr val="phClr">
+                <a:tint val="90000"/>
+                <a:lumMod val="110000"/>
               </a:schemeClr>
             </a:gs>
             <a:gs pos="100000">
               <a:schemeClr val="phClr">
-                <a:shade val="63000"/>
-                <a:satMod val="120000"/>
+                <a:shade val="94000"/>
+                <a:lumMod val="96000"/>
               </a:schemeClr>
             </a:gs>
           </a:gsLst>
-          <a:lin ang="5400000" scaled="0"/>
+          <a:path path="circle">
+            <a:fillToRect l="50000" t="50000" r="100000" b="100000"/>
+          </a:path>
         </a:gradFill>
       </a:bgFillStyleLst>
     </a:fmtScheme>
@@ -4743,7 +8716,7 @@
   <a:extraClrSchemeLst/>
   <a:extLst>
     <a:ext uri="{05A4C25C-085E-4340-85A3-A5531E510DB2}">
-      <thm15:themeFamily xmlns:thm15="http://schemas.microsoft.com/office/thememl/2012/main" name="Office Theme" id="{62F939B6-93AF-4DB8-9C6B-D6C7DFDC589F}" vid="{4A3C46E8-61CC-4603-A589-7422A47A8E4A}"/>
+      <thm15:themeFamily xmlns:thm15="http://schemas.microsoft.com/office/thememl/2012/main" name="Facet" id="{C0C680CD-088A-49FC-A102-D699147F32B2}" vid="{CFBC31BA-B70F-4F30-BCAA-4F3011E16C4D}"/>
     </a:ext>
   </a:extLst>
 </a:theme>

--- a/Lending_Club_Case_Study.pptx
+++ b/Lending_Club_Case_Study.pptx
@@ -848,7 +848,7 @@
           <a:p>
             <a:fld id="{48CF19BC-7402-4398-B54F-F264A784A0DE}" type="datetimeFigureOut">
               <a:rPr lang="en-IN" smtClean="0"/>
-              <a:t>01-05-2024</a:t>
+              <a:t>02-05-2024</a:t>
             </a:fld>
             <a:endParaRPr lang="en-IN"/>
           </a:p>
@@ -1099,7 +1099,7 @@
           <a:p>
             <a:fld id="{48CF19BC-7402-4398-B54F-F264A784A0DE}" type="datetimeFigureOut">
               <a:rPr lang="en-IN" smtClean="0"/>
-              <a:t>01-05-2024</a:t>
+              <a:t>02-05-2024</a:t>
             </a:fld>
             <a:endParaRPr lang="en-IN"/>
           </a:p>
@@ -1413,7 +1413,7 @@
           <a:p>
             <a:fld id="{48CF19BC-7402-4398-B54F-F264A784A0DE}" type="datetimeFigureOut">
               <a:rPr lang="en-IN" smtClean="0"/>
-              <a:t>01-05-2024</a:t>
+              <a:t>02-05-2024</a:t>
             </a:fld>
             <a:endParaRPr lang="en-IN"/>
           </a:p>
@@ -1754,7 +1754,7 @@
           <a:p>
             <a:fld id="{48CF19BC-7402-4398-B54F-F264A784A0DE}" type="datetimeFigureOut">
               <a:rPr lang="en-IN" smtClean="0"/>
-              <a:t>01-05-2024</a:t>
+              <a:t>02-05-2024</a:t>
             </a:fld>
             <a:endParaRPr lang="en-IN"/>
           </a:p>
@@ -2068,7 +2068,7 @@
           <a:p>
             <a:fld id="{48CF19BC-7402-4398-B54F-F264A784A0DE}" type="datetimeFigureOut">
               <a:rPr lang="en-IN" smtClean="0"/>
-              <a:t>01-05-2024</a:t>
+              <a:t>02-05-2024</a:t>
             </a:fld>
             <a:endParaRPr lang="en-IN"/>
           </a:p>
@@ -2461,7 +2461,7 @@
           <a:p>
             <a:fld id="{48CF19BC-7402-4398-B54F-F264A784A0DE}" type="datetimeFigureOut">
               <a:rPr lang="en-IN" smtClean="0"/>
-              <a:t>01-05-2024</a:t>
+              <a:t>02-05-2024</a:t>
             </a:fld>
             <a:endParaRPr lang="en-IN"/>
           </a:p>
@@ -2631,7 +2631,7 @@
           <a:p>
             <a:fld id="{48CF19BC-7402-4398-B54F-F264A784A0DE}" type="datetimeFigureOut">
               <a:rPr lang="en-IN" smtClean="0"/>
-              <a:t>01-05-2024</a:t>
+              <a:t>02-05-2024</a:t>
             </a:fld>
             <a:endParaRPr lang="en-IN"/>
           </a:p>
@@ -2811,7 +2811,7 @@
           <a:p>
             <a:fld id="{48CF19BC-7402-4398-B54F-F264A784A0DE}" type="datetimeFigureOut">
               <a:rPr lang="en-IN" smtClean="0"/>
-              <a:t>01-05-2024</a:t>
+              <a:t>02-05-2024</a:t>
             </a:fld>
             <a:endParaRPr lang="en-IN"/>
           </a:p>
@@ -2987,7 +2987,7 @@
           <a:p>
             <a:fld id="{48CF19BC-7402-4398-B54F-F264A784A0DE}" type="datetimeFigureOut">
               <a:rPr lang="en-IN" smtClean="0"/>
-              <a:t>01-05-2024</a:t>
+              <a:t>02-05-2024</a:t>
             </a:fld>
             <a:endParaRPr lang="en-IN"/>
           </a:p>
@@ -3234,7 +3234,7 @@
           <a:p>
             <a:fld id="{48CF19BC-7402-4398-B54F-F264A784A0DE}" type="datetimeFigureOut">
               <a:rPr lang="en-IN" smtClean="0"/>
-              <a:t>01-05-2024</a:t>
+              <a:t>02-05-2024</a:t>
             </a:fld>
             <a:endParaRPr lang="en-IN"/>
           </a:p>
@@ -3466,7 +3466,7 @@
           <a:p>
             <a:fld id="{48CF19BC-7402-4398-B54F-F264A784A0DE}" type="datetimeFigureOut">
               <a:rPr lang="en-IN" smtClean="0"/>
-              <a:t>01-05-2024</a:t>
+              <a:t>02-05-2024</a:t>
             </a:fld>
             <a:endParaRPr lang="en-IN"/>
           </a:p>
@@ -3840,7 +3840,7 @@
           <a:p>
             <a:fld id="{48CF19BC-7402-4398-B54F-F264A784A0DE}" type="datetimeFigureOut">
               <a:rPr lang="en-IN" smtClean="0"/>
-              <a:t>01-05-2024</a:t>
+              <a:t>02-05-2024</a:t>
             </a:fld>
             <a:endParaRPr lang="en-IN"/>
           </a:p>
@@ -3963,7 +3963,7 @@
           <a:p>
             <a:fld id="{48CF19BC-7402-4398-B54F-F264A784A0DE}" type="datetimeFigureOut">
               <a:rPr lang="en-IN" smtClean="0"/>
-              <a:t>01-05-2024</a:t>
+              <a:t>02-05-2024</a:t>
             </a:fld>
             <a:endParaRPr lang="en-IN"/>
           </a:p>
@@ -4058,7 +4058,7 @@
           <a:p>
             <a:fld id="{48CF19BC-7402-4398-B54F-F264A784A0DE}" type="datetimeFigureOut">
               <a:rPr lang="en-IN" smtClean="0"/>
-              <a:t>01-05-2024</a:t>
+              <a:t>02-05-2024</a:t>
             </a:fld>
             <a:endParaRPr lang="en-IN"/>
           </a:p>
@@ -4313,7 +4313,7 @@
           <a:p>
             <a:fld id="{48CF19BC-7402-4398-B54F-F264A784A0DE}" type="datetimeFigureOut">
               <a:rPr lang="en-IN" smtClean="0"/>
-              <a:t>01-05-2024</a:t>
+              <a:t>02-05-2024</a:t>
             </a:fld>
             <a:endParaRPr lang="en-IN"/>
           </a:p>
@@ -4576,7 +4576,7 @@
           <a:p>
             <a:fld id="{48CF19BC-7402-4398-B54F-F264A784A0DE}" type="datetimeFigureOut">
               <a:rPr lang="en-IN" smtClean="0"/>
-              <a:t>01-05-2024</a:t>
+              <a:t>02-05-2024</a:t>
             </a:fld>
             <a:endParaRPr lang="en-IN"/>
           </a:p>
@@ -5319,7 +5319,7 @@
           <a:p>
             <a:fld id="{48CF19BC-7402-4398-B54F-F264A784A0DE}" type="datetimeFigureOut">
               <a:rPr lang="en-IN" smtClean="0"/>
-              <a:t>01-05-2024</a:t>
+              <a:t>02-05-2024</a:t>
             </a:fld>
             <a:endParaRPr lang="en-IN"/>
           </a:p>
@@ -5903,28 +5903,15 @@
           </a:p>
           <a:p>
             <a:r>
-              <a:rPr lang="en-IN" dirty="0" err="1"/>
-              <a:t>upGrad</a:t>
-            </a:r>
-            <a:r>
               <a:rPr lang="en-IN" dirty="0"/>
-              <a:t> – IIITB ML and AI Program - Feb 24 batch</a:t>
+              <a:t>upGrad – IIITB ML and AI Program - Feb 24 batch</a:t>
             </a:r>
           </a:p>
           <a:p>
             <a:r>
               <a:rPr lang="en-IN" dirty="0"/>
-              <a:t>Siva Vaddadi &amp; </a:t>
-            </a:r>
-            <a:r>
-              <a:rPr lang="en-IN" dirty="0" err="1"/>
-              <a:t>Yukta</a:t>
-            </a:r>
-            <a:r>
-              <a:rPr lang="en-IN"/>
-              <a:t> Bajaj</a:t>
-            </a:r>
-            <a:endParaRPr lang="en-IN" dirty="0"/>
+              <a:t>Siva Vaddadi &amp; Yukta Bajaj</a:t>
+            </a:r>
           </a:p>
           <a:p>
             <a:endParaRPr lang="en-IN" dirty="0"/>
@@ -6006,7 +5993,12 @@
             <p:ph idx="1"/>
           </p:nvPr>
         </p:nvSpPr>
-        <p:spPr/>
+        <p:spPr>
+          <a:xfrm>
+            <a:off x="677334" y="1488613"/>
+            <a:ext cx="8596668" cy="3880773"/>
+          </a:xfrm>
+        </p:spPr>
         <p:txBody>
           <a:bodyPr>
             <a:normAutofit/>
@@ -6019,7 +6011,7 @@
               </a:lnSpc>
             </a:pPr>
             <a:r>
-              <a:rPr lang="en-US" sz="1600" dirty="0"/>
+              <a:rPr lang="en-US" sz="1500" dirty="0"/>
               <a:t>Debt consolidation loans amount to 47% of all loans given and have a significant default rate at 15.41%. This needs to be diversified to more safer purposes such as car, credit card and home improvement, wedding, major purchase which have lower default rates.</a:t>
             </a:r>
           </a:p>
@@ -6160,7 +6152,12 @@
             <p:ph idx="1"/>
           </p:nvPr>
         </p:nvSpPr>
-        <p:spPr/>
+        <p:spPr>
+          <a:xfrm>
+            <a:off x="677334" y="1488613"/>
+            <a:ext cx="8596668" cy="3880773"/>
+          </a:xfrm>
+        </p:spPr>
         <p:txBody>
           <a:bodyPr>
             <a:normAutofit/>
@@ -6173,7 +6170,7 @@
               </a:lnSpc>
             </a:pPr>
             <a:r>
-              <a:rPr lang="en-US" sz="1600" dirty="0"/>
+              <a:rPr lang="en-US" sz="1500" dirty="0"/>
               <a:t>Default rate is higher for verified borrowers compared to unverified borrower. This suggests verification process needs to be strengthened. The annual incomes may be suspect based on which higher loans at higher interest rates are being given.</a:t>
             </a:r>
           </a:p>
@@ -6314,7 +6311,12 @@
             <p:ph idx="1"/>
           </p:nvPr>
         </p:nvSpPr>
-        <p:spPr/>
+        <p:spPr>
+          <a:xfrm>
+            <a:off x="677334" y="1488613"/>
+            <a:ext cx="8596668" cy="3880773"/>
+          </a:xfrm>
+        </p:spPr>
         <p:txBody>
           <a:bodyPr>
             <a:normAutofit/>
@@ -6327,7 +6329,7 @@
               </a:lnSpc>
             </a:pPr>
             <a:r>
-              <a:rPr lang="en-US" sz="1600" dirty="0"/>
+              <a:rPr lang="en-US" sz="1500" dirty="0"/>
               <a:t>The default rate tends to rise with borrowers having 30+ days past due incidences (delinquencies), derogatory public records or public bankruptcy records. </a:t>
             </a:r>
           </a:p>
@@ -6475,7 +6477,7 @@
           <a:lstStyle/>
           <a:p>
             <a:r>
-              <a:rPr lang="en-US"/>
+              <a:rPr lang="en-US" dirty="0"/>
               <a:t>Recommendations</a:t>
             </a:r>
             <a:endParaRPr lang="en-IN" dirty="0"/>
@@ -6498,7 +6500,12 @@
             <p:ph idx="1"/>
           </p:nvPr>
         </p:nvSpPr>
-        <p:spPr/>
+        <p:spPr>
+          <a:xfrm>
+            <a:off x="677334" y="1488613"/>
+            <a:ext cx="8596668" cy="3880773"/>
+          </a:xfrm>
+        </p:spPr>
         <p:txBody>
           <a:bodyPr>
             <a:normAutofit/>
@@ -6511,7 +6518,7 @@
               </a:lnSpc>
             </a:pPr>
             <a:r>
-              <a:rPr lang="en-US" sz="1600" dirty="0"/>
+              <a:rPr lang="en-US" sz="1500" dirty="0"/>
               <a:t>Default rate increases with revolving utilization rate. Above 30% utilization rate the chances of default increase significantly.</a:t>
             </a:r>
           </a:p>
@@ -6522,25 +6529,9 @@
               </a:lnSpc>
             </a:pPr>
             <a:r>
-              <a:rPr lang="en-US" sz="1600" dirty="0"/>
+              <a:rPr lang="en-US" sz="1500" dirty="0"/>
               <a:t>Default rate increases with DTI, anything above 8 has significantly higher default rate.</a:t>
             </a:r>
-          </a:p>
-          <a:p>
-            <a:pPr>
-              <a:lnSpc>
-                <a:spcPct val="100000"/>
-              </a:lnSpc>
-            </a:pPr>
-            <a:endParaRPr lang="en-US" sz="1600" dirty="0"/>
-          </a:p>
-          <a:p>
-            <a:pPr>
-              <a:lnSpc>
-                <a:spcPct val="100000"/>
-              </a:lnSpc>
-            </a:pPr>
-            <a:endParaRPr lang="en-US" sz="1600" dirty="0"/>
           </a:p>
         </p:txBody>
       </p:sp>
@@ -6679,7 +6670,12 @@
             <p:ph idx="1"/>
           </p:nvPr>
         </p:nvSpPr>
-        <p:spPr/>
+        <p:spPr>
+          <a:xfrm>
+            <a:off x="677334" y="1488613"/>
+            <a:ext cx="8596668" cy="3880773"/>
+          </a:xfrm>
+        </p:spPr>
         <p:txBody>
           <a:bodyPr>
             <a:normAutofit/>
@@ -6692,7 +6688,7 @@
               </a:lnSpc>
             </a:pPr>
             <a:r>
-              <a:rPr lang="en-US" sz="1600" dirty="0"/>
+              <a:rPr lang="en-US" sz="1500" dirty="0"/>
               <a:t>Default rate increases with number of inquiries in last 6 months in general. </a:t>
             </a:r>
           </a:p>
@@ -6703,7 +6699,7 @@
               </a:lnSpc>
             </a:pPr>
             <a:r>
-              <a:rPr lang="en-US" sz="1600" dirty="0"/>
+              <a:rPr lang="en-US" sz="1500" dirty="0"/>
               <a:t>Recovery fees paid by borrower is a lead indicator of loan default. </a:t>
             </a:r>
           </a:p>
@@ -6844,7 +6840,12 @@
             <p:ph idx="1"/>
           </p:nvPr>
         </p:nvSpPr>
-        <p:spPr/>
+        <p:spPr>
+          <a:xfrm>
+            <a:off x="677334" y="1488613"/>
+            <a:ext cx="8596668" cy="3880773"/>
+          </a:xfrm>
+        </p:spPr>
         <p:txBody>
           <a:bodyPr>
             <a:normAutofit/>
@@ -6857,10 +6858,10 @@
               </a:lnSpc>
             </a:pPr>
             <a:r>
-              <a:rPr lang="en-US" sz="1600" dirty="0"/>
-              <a:t>For future loans extended to borrowers satisfying above conditions, it's advisable to mitigate risk by offering smaller loan amounts and higher interest rates.</a:t>
-            </a:r>
-            <a:endParaRPr lang="en-IN" sz="1600" dirty="0"/>
+              <a:rPr lang="en-US" sz="1500" dirty="0"/>
+              <a:t>For future loans extended to borrowers satisfying conditions mentioned in the “Recommendations” slides, it is advisable to mitigate risk by offering smaller loan amounts and/or higher interest rates.</a:t>
+            </a:r>
+            <a:endParaRPr lang="en-IN" sz="1500" dirty="0"/>
           </a:p>
           <a:p>
             <a:pPr>
@@ -6869,10 +6870,10 @@
               </a:lnSpc>
             </a:pPr>
             <a:r>
-              <a:rPr lang="en-US" sz="1600" dirty="0"/>
+              <a:rPr lang="en-US" sz="1500" dirty="0"/>
               <a:t>By leveraging insights from EDA, the consumer finance company can make informed decisions to mitigate default risk, improve lending practices, and ultimately minimize credit loss.</a:t>
             </a:r>
-            <a:endParaRPr lang="en-IN" sz="1600" dirty="0"/>
+            <a:endParaRPr lang="en-IN" sz="1500" dirty="0"/>
           </a:p>
         </p:txBody>
       </p:sp>
@@ -6951,7 +6952,12 @@
             <p:ph idx="1"/>
           </p:nvPr>
         </p:nvSpPr>
-        <p:spPr/>
+        <p:spPr>
+          <a:xfrm>
+            <a:off x="677334" y="1488613"/>
+            <a:ext cx="8596668" cy="3880773"/>
+          </a:xfrm>
+        </p:spPr>
         <p:txBody>
           <a:bodyPr>
             <a:normAutofit fontScale="92500" lnSpcReduction="20000"/>
@@ -7145,7 +7151,12 @@
             <p:ph idx="1"/>
           </p:nvPr>
         </p:nvSpPr>
-        <p:spPr/>
+        <p:spPr>
+          <a:xfrm>
+            <a:off x="677334" y="1488613"/>
+            <a:ext cx="8596668" cy="3880773"/>
+          </a:xfrm>
+        </p:spPr>
         <p:txBody>
           <a:bodyPr>
             <a:normAutofit/>
@@ -7158,7 +7169,7 @@
               </a:lnSpc>
             </a:pPr>
             <a:r>
-              <a:rPr lang="en-US" sz="1700" dirty="0"/>
+              <a:rPr lang="en-US" sz="1500" dirty="0"/>
               <a:t>For univariate analysis we have 2 terms</a:t>
             </a:r>
           </a:p>
@@ -7169,7 +7180,7 @@
               </a:lnSpc>
             </a:pPr>
             <a:r>
-              <a:rPr lang="en-US" sz="1700" dirty="0"/>
+              <a:rPr lang="en-US" sz="1500" dirty="0"/>
               <a:t>Most number of or mostly range between</a:t>
             </a:r>
           </a:p>
@@ -7181,7 +7192,7 @@
               <a:buNone/>
             </a:pPr>
             <a:r>
-              <a:rPr lang="en-US" sz="1700" dirty="0"/>
+              <a:rPr lang="en-US" sz="1500" dirty="0"/>
               <a:t>	Inter Quartile Range (IQR) or range between Q1 and Q3 of box plot for that column</a:t>
             </a:r>
           </a:p>
@@ -7192,7 +7203,7 @@
               </a:lnSpc>
             </a:pPr>
             <a:r>
-              <a:rPr lang="en-US" sz="1700" dirty="0"/>
+              <a:rPr lang="en-US" sz="1500" dirty="0"/>
               <a:t>Average</a:t>
             </a:r>
           </a:p>
@@ -7204,7 +7215,7 @@
               <a:buNone/>
             </a:pPr>
             <a:r>
-              <a:rPr lang="en-US" sz="1700" dirty="0"/>
+              <a:rPr lang="en-US" sz="1500" dirty="0"/>
               <a:t>Median value of the column</a:t>
             </a:r>
           </a:p>
@@ -7215,7 +7226,7 @@
               </a:lnSpc>
             </a:pPr>
             <a:r>
-              <a:rPr lang="en-US" sz="1700" dirty="0"/>
+              <a:rPr lang="en-US" sz="1500" dirty="0"/>
               <a:t>Grade A is lowest, and F is highest. A is lower than B which is lower than C and so on</a:t>
             </a:r>
           </a:p>
@@ -7226,7 +7237,7 @@
               </a:lnSpc>
             </a:pPr>
             <a:r>
-              <a:rPr lang="en-US" sz="1700" dirty="0"/>
+              <a:rPr lang="en-US" sz="1500" dirty="0"/>
               <a:t>~ symbol represents around that number. For example ~25 means around 25</a:t>
             </a:r>
           </a:p>
@@ -7237,16 +7248,9 @@
               </a:lnSpc>
             </a:pPr>
             <a:r>
-              <a:rPr lang="en-US" sz="1700" dirty="0"/>
+              <a:rPr lang="en-US" sz="1500" dirty="0"/>
               <a:t>Most of the numbers and percentages are rounded off to nearest integer for easy reading</a:t>
             </a:r>
-          </a:p>
-          <a:p>
-            <a:pPr lvl="1"/>
-            <a:endParaRPr lang="en-US" dirty="0"/>
-          </a:p>
-          <a:p>
-            <a:endParaRPr lang="en-IN" dirty="0"/>
           </a:p>
         </p:txBody>
       </p:sp>
@@ -7324,7 +7328,12 @@
             <p:ph idx="1"/>
           </p:nvPr>
         </p:nvSpPr>
-        <p:spPr/>
+        <p:spPr>
+          <a:xfrm>
+            <a:off x="677334" y="1488613"/>
+            <a:ext cx="8596668" cy="3880773"/>
+          </a:xfrm>
+        </p:spPr>
         <p:txBody>
           <a:bodyPr>
             <a:normAutofit fontScale="92500"/>
@@ -7457,7 +7466,7 @@
         </p:nvSpPr>
         <p:spPr>
           <a:xfrm>
-            <a:off x="838200" y="18255"/>
+            <a:off x="597031" y="346058"/>
             <a:ext cx="10515600" cy="1325563"/>
           </a:xfrm>
         </p:spPr>
@@ -7786,10 +7795,15 @@
             <p:ph idx="1"/>
           </p:nvPr>
         </p:nvSpPr>
-        <p:spPr/>
+        <p:spPr>
+          <a:xfrm>
+            <a:off x="677334" y="1488613"/>
+            <a:ext cx="8596668" cy="3880773"/>
+          </a:xfrm>
+        </p:spPr>
         <p:txBody>
           <a:bodyPr>
-            <a:normAutofit lnSpcReduction="10000"/>
+            <a:normAutofit/>
           </a:bodyPr>
           <a:lstStyle/>
           <a:p>
@@ -7799,7 +7813,7 @@
               </a:lnSpc>
             </a:pPr>
             <a:r>
-              <a:rPr lang="en-US" sz="1600" dirty="0"/>
+              <a:rPr lang="en-US" sz="1500" dirty="0"/>
               <a:t>Borrower Debt To Income ratio mostly ranges between ~8 to 18. Average is 13.47</a:t>
             </a:r>
           </a:p>
@@ -7810,7 +7824,7 @@
               </a:lnSpc>
             </a:pPr>
             <a:r>
-              <a:rPr lang="en-US" sz="1600" dirty="0"/>
+              <a:rPr lang="en-US" sz="1500" dirty="0"/>
               <a:t>Most borrowers are rated as B grade (30%), followed by A (26%), C (20%), D (13%), E (7%), F (3%), and G (1%).</a:t>
             </a:r>
           </a:p>
@@ -7821,7 +7835,7 @@
               </a:lnSpc>
             </a:pPr>
             <a:r>
-              <a:rPr lang="en-US" sz="1600" dirty="0"/>
+              <a:rPr lang="en-US" sz="1500" dirty="0"/>
               <a:t>The majority of loans are allocated to borrowers who either pay rent (48%) or a mortgage (44%), with homeowners comprising the remaining 8%.</a:t>
             </a:r>
           </a:p>
@@ -7832,18 +7846,18 @@
               </a:lnSpc>
             </a:pPr>
             <a:r>
-              <a:rPr lang="en-US" sz="1600" dirty="0"/>
+              <a:rPr lang="en-US" sz="1500" dirty="0"/>
               <a:t>Most loans are extended to </a:t>
             </a:r>
             <a:r>
-              <a:rPr lang="en-US" sz="1600" i="1" dirty="0"/>
+              <a:rPr lang="en-US" sz="1500" i="1" dirty="0"/>
               <a:t>unverified borrowers (43%), </a:t>
             </a:r>
             <a:r>
-              <a:rPr lang="en-US" sz="1600" dirty="0"/>
+              <a:rPr lang="en-US" sz="1500" dirty="0"/>
               <a:t>followed by verified borrowers (32%), and source verified borrowers (25%).</a:t>
             </a:r>
-            <a:endParaRPr lang="en-US" sz="1600" i="1" dirty="0"/>
+            <a:endParaRPr lang="en-US" sz="1500" i="1" dirty="0"/>
           </a:p>
           <a:p>
             <a:pPr>
@@ -7852,7 +7866,7 @@
               </a:lnSpc>
             </a:pPr>
             <a:r>
-              <a:rPr lang="en-US" sz="1600" dirty="0"/>
+              <a:rPr lang="en-US" sz="1500" dirty="0"/>
               <a:t>95% of borrowers have 0 public records, while 5% have 1. Additionally, 96% have 0 public bankruptcy records, with 4% having 1.</a:t>
             </a:r>
           </a:p>
@@ -7863,7 +7877,7 @@
               </a:lnSpc>
             </a:pPr>
             <a:r>
-              <a:rPr lang="en-US" sz="1600" dirty="0"/>
+              <a:rPr lang="en-US" sz="1500" dirty="0"/>
               <a:t>89% of borrowers do not have 30+ days past due incidences in last 2 years. 8% have had one such incident, 2% have had two, and 1% have had three.</a:t>
             </a:r>
           </a:p>
@@ -7874,7 +7888,7 @@
               </a:lnSpc>
             </a:pPr>
             <a:r>
-              <a:rPr lang="en-US" sz="1600" dirty="0"/>
+              <a:rPr lang="en-US" sz="1500" dirty="0"/>
               <a:t>Over the last 6 months, 49% of borrowers did not make any inquiries, while 28% made one, 15% made two, and 8% made three inquiries.</a:t>
             </a:r>
           </a:p>
@@ -7928,7 +7942,7 @@
         </p:nvSpPr>
         <p:spPr>
           <a:xfrm>
-            <a:off x="838200" y="0"/>
+            <a:off x="521676" y="423790"/>
             <a:ext cx="10515600" cy="1325563"/>
           </a:xfrm>
         </p:spPr>
@@ -8257,7 +8271,12 @@
             <p:ph idx="1"/>
           </p:nvPr>
         </p:nvSpPr>
-        <p:spPr/>
+        <p:spPr>
+          <a:xfrm>
+            <a:off x="677334" y="1488613"/>
+            <a:ext cx="8596668" cy="3880773"/>
+          </a:xfrm>
+        </p:spPr>
         <p:txBody>
           <a:bodyPr>
             <a:normAutofit/>
@@ -8270,7 +8289,7 @@
               </a:lnSpc>
             </a:pPr>
             <a:r>
-              <a:rPr lang="en-US" sz="1600" dirty="0"/>
+              <a:rPr lang="en-US" sz="1500" dirty="0"/>
               <a:t>The primary objective of this analysis is</a:t>
             </a:r>
           </a:p>
@@ -8281,7 +8300,7 @@
               </a:lnSpc>
             </a:pPr>
             <a:r>
-              <a:rPr lang="en-US" sz="1600" dirty="0"/>
+              <a:rPr lang="en-US" sz="1500" dirty="0"/>
               <a:t>Not to attack the main revenue generator for the company</a:t>
             </a:r>
           </a:p>
@@ -8292,7 +8311,7 @@
               </a:lnSpc>
             </a:pPr>
             <a:r>
-              <a:rPr lang="en-US" sz="1600" dirty="0"/>
+              <a:rPr lang="en-US" sz="1500" dirty="0"/>
               <a:t>Keep the recommendations few so company can implement them</a:t>
             </a:r>
           </a:p>
@@ -8373,7 +8392,12 @@
             <p:ph idx="1"/>
           </p:nvPr>
         </p:nvSpPr>
-        <p:spPr/>
+        <p:spPr>
+          <a:xfrm>
+            <a:off x="677334" y="1488613"/>
+            <a:ext cx="8596668" cy="3880773"/>
+          </a:xfrm>
+        </p:spPr>
         <p:txBody>
           <a:bodyPr>
             <a:normAutofit/>
@@ -8386,7 +8410,7 @@
               </a:lnSpc>
             </a:pPr>
             <a:r>
-              <a:rPr lang="en-US" sz="1600" dirty="0"/>
+              <a:rPr lang="en-US" sz="1500" dirty="0"/>
               <a:t>C, D, E, F, and G grade borrowers exhibit a higher default rate compared to A and B grade borrowers. Despite having annual incomes comparable to those of A and B grade borrowers, these higher-grade borrowers were extended larger loan amounts at interest rates above 12%. In contrast, A and B grade borrowers received loans with interest rates not exceeding 12% for most part. Default rate steadily increases with interest rate. Care need to be taken when interest rate goes beyond 12%.</a:t>
             </a:r>
           </a:p>

--- a/Lending_Club_Case_Study.pptx
+++ b/Lending_Club_Case_Study.pptx
@@ -12,14 +12,14 @@
     <p:sldId id="269" r:id="rId6"/>
     <p:sldId id="260" r:id="rId7"/>
     <p:sldId id="270" r:id="rId8"/>
-    <p:sldId id="263" r:id="rId9"/>
-    <p:sldId id="267" r:id="rId10"/>
-    <p:sldId id="272" r:id="rId11"/>
-    <p:sldId id="273" r:id="rId12"/>
-    <p:sldId id="266" r:id="rId13"/>
-    <p:sldId id="274" r:id="rId14"/>
-    <p:sldId id="275" r:id="rId15"/>
-    <p:sldId id="264" r:id="rId16"/>
+    <p:sldId id="267" r:id="rId9"/>
+    <p:sldId id="272" r:id="rId10"/>
+    <p:sldId id="266" r:id="rId11"/>
+    <p:sldId id="274" r:id="rId12"/>
+    <p:sldId id="275" r:id="rId13"/>
+    <p:sldId id="263" r:id="rId14"/>
+    <p:sldId id="264" r:id="rId15"/>
+    <p:sldId id="276" r:id="rId16"/>
   </p:sldIdLst>
   <p:sldSz cx="12192000" cy="6858000"/>
   <p:notesSz cx="6858000" cy="9144000"/>
@@ -5971,325 +5971,7 @@
           <a:p>
             <a:r>
               <a:rPr lang="en-US" dirty="0"/>
-              <a:t>Recommendations</a:t>
-            </a:r>
-            <a:endParaRPr lang="en-IN" dirty="0"/>
-          </a:p>
-        </p:txBody>
-      </p:sp>
-      <p:sp>
-        <p:nvSpPr>
-          <p:cNvPr id="3" name="Content Placeholder 2">
-            <a:extLst>
-              <a:ext uri="{FF2B5EF4-FFF2-40B4-BE49-F238E27FC236}">
-                <a16:creationId xmlns:a16="http://schemas.microsoft.com/office/drawing/2014/main" id="{66A77BCF-D7E8-2808-D5B4-00803FB316B1}"/>
-              </a:ext>
-            </a:extLst>
-          </p:cNvPr>
-          <p:cNvSpPr>
-            <a:spLocks noGrp="1"/>
-          </p:cNvSpPr>
-          <p:nvPr>
-            <p:ph idx="1"/>
-          </p:nvPr>
-        </p:nvSpPr>
-        <p:spPr>
-          <a:xfrm>
-            <a:off x="677334" y="1488613"/>
-            <a:ext cx="8596668" cy="3880773"/>
-          </a:xfrm>
-        </p:spPr>
-        <p:txBody>
-          <a:bodyPr>
-            <a:normAutofit/>
-          </a:bodyPr>
-          <a:lstStyle/>
-          <a:p>
-            <a:pPr>
-              <a:lnSpc>
-                <a:spcPct val="100000"/>
-              </a:lnSpc>
-            </a:pPr>
-            <a:r>
-              <a:rPr lang="en-US" sz="1500" dirty="0"/>
-              <a:t>Debt consolidation loans amount to 47% of all loans given and have a significant default rate at 15.41%. This needs to be diversified to more safer purposes such as car, credit card and home improvement, wedding, major purchase which have lower default rates.</a:t>
-            </a:r>
-          </a:p>
-        </p:txBody>
-      </p:sp>
-      <p:pic>
-        <p:nvPicPr>
-          <p:cNvPr id="5" name="Picture 4">
-            <a:extLst>
-              <a:ext uri="{FF2B5EF4-FFF2-40B4-BE49-F238E27FC236}">
-                <a16:creationId xmlns:a16="http://schemas.microsoft.com/office/drawing/2014/main" id="{2BD902A7-802A-ECFF-624F-E73B98BFA300}"/>
-              </a:ext>
-            </a:extLst>
-          </p:cNvPr>
-          <p:cNvPicPr>
-            <a:picLocks noChangeAspect="1"/>
-          </p:cNvPicPr>
-          <p:nvPr/>
-        </p:nvPicPr>
-        <p:blipFill>
-          <a:blip r:embed="rId2"/>
-          <a:stretch>
-            <a:fillRect/>
-          </a:stretch>
-        </p:blipFill>
-        <p:spPr>
-          <a:xfrm>
-            <a:off x="254524" y="2568160"/>
-            <a:ext cx="9819414" cy="4157503"/>
-          </a:xfrm>
-          <a:prstGeom prst="rect">
-            <a:avLst/>
-          </a:prstGeom>
-        </p:spPr>
-      </p:pic>
-      <p:pic>
-        <p:nvPicPr>
-          <p:cNvPr id="6" name="Picture 5">
-            <a:extLst>
-              <a:ext uri="{FF2B5EF4-FFF2-40B4-BE49-F238E27FC236}">
-                <a16:creationId xmlns:a16="http://schemas.microsoft.com/office/drawing/2014/main" id="{03BC3058-F5DB-9266-AE48-3E403FA080E0}"/>
-              </a:ext>
-            </a:extLst>
-          </p:cNvPr>
-          <p:cNvPicPr>
-            <a:picLocks noChangeAspect="1"/>
-          </p:cNvPicPr>
-          <p:nvPr/>
-        </p:nvPicPr>
-        <p:blipFill>
-          <a:blip r:embed="rId3"/>
-          <a:stretch>
-            <a:fillRect/>
-          </a:stretch>
-        </p:blipFill>
-        <p:spPr>
-          <a:xfrm>
-            <a:off x="4609706" y="2565717"/>
-            <a:ext cx="7582293" cy="4011111"/>
-          </a:xfrm>
-          <a:prstGeom prst="rect">
-            <a:avLst/>
-          </a:prstGeom>
-        </p:spPr>
-      </p:pic>
-    </p:spTree>
-    <p:extLst>
-      <p:ext uri="{BB962C8B-B14F-4D97-AF65-F5344CB8AC3E}">
-        <p14:creationId xmlns:p14="http://schemas.microsoft.com/office/powerpoint/2010/main" val="3440983064"/>
-      </p:ext>
-    </p:extLst>
-  </p:cSld>
-  <p:clrMapOvr>
-    <a:masterClrMapping/>
-  </p:clrMapOvr>
-</p:sld>
-</file>
-
-<file path=ppt/slides/slide11.xml><?xml version="1.0" encoding="utf-8"?>
-<p:sld xmlns:a="http://schemas.openxmlformats.org/drawingml/2006/main" xmlns:r="http://schemas.openxmlformats.org/officeDocument/2006/relationships" xmlns:p="http://schemas.openxmlformats.org/presentationml/2006/main">
-  <p:cSld>
-    <p:spTree>
-      <p:nvGrpSpPr>
-        <p:cNvPr id="1" name=""/>
-        <p:cNvGrpSpPr/>
-        <p:nvPr/>
-      </p:nvGrpSpPr>
-      <p:grpSpPr>
-        <a:xfrm>
-          <a:off x="0" y="0"/>
-          <a:ext cx="0" cy="0"/>
-          <a:chOff x="0" y="0"/>
-          <a:chExt cx="0" cy="0"/>
-        </a:xfrm>
-      </p:grpSpPr>
-      <p:sp>
-        <p:nvSpPr>
-          <p:cNvPr id="2" name="Title 1">
-            <a:extLst>
-              <a:ext uri="{FF2B5EF4-FFF2-40B4-BE49-F238E27FC236}">
-                <a16:creationId xmlns:a16="http://schemas.microsoft.com/office/drawing/2014/main" id="{97D17C85-208C-7FFA-5E36-DFD5867B4CA4}"/>
-              </a:ext>
-            </a:extLst>
-          </p:cNvPr>
-          <p:cNvSpPr>
-            <a:spLocks noGrp="1"/>
-          </p:cNvSpPr>
-          <p:nvPr>
-            <p:ph type="title"/>
-          </p:nvPr>
-        </p:nvSpPr>
-        <p:spPr/>
-        <p:txBody>
-          <a:bodyPr/>
-          <a:lstStyle/>
-          <a:p>
-            <a:r>
-              <a:rPr lang="en-US" dirty="0"/>
-              <a:t>Recommendations</a:t>
-            </a:r>
-            <a:endParaRPr lang="en-IN" dirty="0"/>
-          </a:p>
-        </p:txBody>
-      </p:sp>
-      <p:sp>
-        <p:nvSpPr>
-          <p:cNvPr id="3" name="Content Placeholder 2">
-            <a:extLst>
-              <a:ext uri="{FF2B5EF4-FFF2-40B4-BE49-F238E27FC236}">
-                <a16:creationId xmlns:a16="http://schemas.microsoft.com/office/drawing/2014/main" id="{66A77BCF-D7E8-2808-D5B4-00803FB316B1}"/>
-              </a:ext>
-            </a:extLst>
-          </p:cNvPr>
-          <p:cNvSpPr>
-            <a:spLocks noGrp="1"/>
-          </p:cNvSpPr>
-          <p:nvPr>
-            <p:ph idx="1"/>
-          </p:nvPr>
-        </p:nvSpPr>
-        <p:spPr>
-          <a:xfrm>
-            <a:off x="677334" y="1488613"/>
-            <a:ext cx="8596668" cy="3880773"/>
-          </a:xfrm>
-        </p:spPr>
-        <p:txBody>
-          <a:bodyPr>
-            <a:normAutofit/>
-          </a:bodyPr>
-          <a:lstStyle/>
-          <a:p>
-            <a:pPr>
-              <a:lnSpc>
-                <a:spcPct val="100000"/>
-              </a:lnSpc>
-            </a:pPr>
-            <a:r>
-              <a:rPr lang="en-US" sz="1500" dirty="0"/>
-              <a:t>Default rate is higher for verified borrowers compared to unverified borrower. This suggests verification process needs to be strengthened. The annual incomes may be suspect based on which higher loans at higher interest rates are being given.</a:t>
-            </a:r>
-          </a:p>
-        </p:txBody>
-      </p:sp>
-      <p:pic>
-        <p:nvPicPr>
-          <p:cNvPr id="5" name="Picture 4">
-            <a:extLst>
-              <a:ext uri="{FF2B5EF4-FFF2-40B4-BE49-F238E27FC236}">
-                <a16:creationId xmlns:a16="http://schemas.microsoft.com/office/drawing/2014/main" id="{F2D49D4A-5849-75A8-7176-DD8E14821EAC}"/>
-              </a:ext>
-            </a:extLst>
-          </p:cNvPr>
-          <p:cNvPicPr>
-            <a:picLocks noChangeAspect="1"/>
-          </p:cNvPicPr>
-          <p:nvPr/>
-        </p:nvPicPr>
-        <p:blipFill>
-          <a:blip r:embed="rId2"/>
-          <a:stretch>
-            <a:fillRect/>
-          </a:stretch>
-        </p:blipFill>
-        <p:spPr>
-          <a:xfrm>
-            <a:off x="904973" y="2521954"/>
-            <a:ext cx="4937166" cy="3892240"/>
-          </a:xfrm>
-          <a:prstGeom prst="rect">
-            <a:avLst/>
-          </a:prstGeom>
-        </p:spPr>
-      </p:pic>
-      <p:pic>
-        <p:nvPicPr>
-          <p:cNvPr id="6" name="Picture 5">
-            <a:extLst>
-              <a:ext uri="{FF2B5EF4-FFF2-40B4-BE49-F238E27FC236}">
-                <a16:creationId xmlns:a16="http://schemas.microsoft.com/office/drawing/2014/main" id="{82B61AA5-E1D3-D5F8-19CA-A015EAE2C0F9}"/>
-              </a:ext>
-            </a:extLst>
-          </p:cNvPr>
-          <p:cNvPicPr>
-            <a:picLocks noChangeAspect="1"/>
-          </p:cNvPicPr>
-          <p:nvPr/>
-        </p:nvPicPr>
-        <p:blipFill>
-          <a:blip r:embed="rId3"/>
-          <a:stretch>
-            <a:fillRect/>
-          </a:stretch>
-        </p:blipFill>
-        <p:spPr>
-          <a:xfrm>
-            <a:off x="6213196" y="2521954"/>
-            <a:ext cx="5372131" cy="3892240"/>
-          </a:xfrm>
-          <a:prstGeom prst="rect">
-            <a:avLst/>
-          </a:prstGeom>
-        </p:spPr>
-      </p:pic>
-    </p:spTree>
-    <p:extLst>
-      <p:ext uri="{BB962C8B-B14F-4D97-AF65-F5344CB8AC3E}">
-        <p14:creationId xmlns:p14="http://schemas.microsoft.com/office/powerpoint/2010/main" val="2351875636"/>
-      </p:ext>
-    </p:extLst>
-  </p:cSld>
-  <p:clrMapOvr>
-    <a:masterClrMapping/>
-  </p:clrMapOvr>
-</p:sld>
-</file>
-
-<file path=ppt/slides/slide12.xml><?xml version="1.0" encoding="utf-8"?>
-<p:sld xmlns:a="http://schemas.openxmlformats.org/drawingml/2006/main" xmlns:r="http://schemas.openxmlformats.org/officeDocument/2006/relationships" xmlns:p="http://schemas.openxmlformats.org/presentationml/2006/main">
-  <p:cSld>
-    <p:spTree>
-      <p:nvGrpSpPr>
-        <p:cNvPr id="1" name=""/>
-        <p:cNvGrpSpPr/>
-        <p:nvPr/>
-      </p:nvGrpSpPr>
-      <p:grpSpPr>
-        <a:xfrm>
-          <a:off x="0" y="0"/>
-          <a:ext cx="0" cy="0"/>
-          <a:chOff x="0" y="0"/>
-          <a:chExt cx="0" cy="0"/>
-        </a:xfrm>
-      </p:grpSpPr>
-      <p:sp>
-        <p:nvSpPr>
-          <p:cNvPr id="2" name="Title 1">
-            <a:extLst>
-              <a:ext uri="{FF2B5EF4-FFF2-40B4-BE49-F238E27FC236}">
-                <a16:creationId xmlns:a16="http://schemas.microsoft.com/office/drawing/2014/main" id="{97D17C85-208C-7FFA-5E36-DFD5867B4CA4}"/>
-              </a:ext>
-            </a:extLst>
-          </p:cNvPr>
-          <p:cNvSpPr>
-            <a:spLocks noGrp="1"/>
-          </p:cNvSpPr>
-          <p:nvPr>
-            <p:ph type="title"/>
-          </p:nvPr>
-        </p:nvSpPr>
-        <p:spPr/>
-        <p:txBody>
-          <a:bodyPr/>
-          <a:lstStyle/>
-          <a:p>
-            <a:r>
-              <a:rPr lang="en-US"/>
-              <a:t>Recommendations</a:t>
+              <a:t>Conclusions</a:t>
             </a:r>
             <a:endParaRPr lang="en-IN" dirty="0"/>
           </a:p>
@@ -6438,7 +6120,7 @@
 </p:sld>
 </file>
 
-<file path=ppt/slides/slide13.xml><?xml version="1.0" encoding="utf-8"?>
+<file path=ppt/slides/slide11.xml><?xml version="1.0" encoding="utf-8"?>
 <p:sld xmlns:a="http://schemas.openxmlformats.org/drawingml/2006/main" xmlns:r="http://schemas.openxmlformats.org/officeDocument/2006/relationships" xmlns:p="http://schemas.openxmlformats.org/presentationml/2006/main">
   <p:cSld>
     <p:spTree>
@@ -6478,7 +6160,7 @@
           <a:p>
             <a:r>
               <a:rPr lang="en-US" dirty="0"/>
-              <a:t>Recommendations</a:t>
+              <a:t>Conclusions</a:t>
             </a:r>
             <a:endParaRPr lang="en-IN" dirty="0"/>
           </a:p>
@@ -6608,7 +6290,7 @@
 </p:sld>
 </file>
 
-<file path=ppt/slides/slide14.xml><?xml version="1.0" encoding="utf-8"?>
+<file path=ppt/slides/slide12.xml><?xml version="1.0" encoding="utf-8"?>
 <p:sld xmlns:a="http://schemas.openxmlformats.org/drawingml/2006/main" xmlns:r="http://schemas.openxmlformats.org/officeDocument/2006/relationships" xmlns:p="http://schemas.openxmlformats.org/presentationml/2006/main">
   <p:cSld>
     <p:spTree>
@@ -6648,7 +6330,7 @@
           <a:p>
             <a:r>
               <a:rPr lang="en-US" dirty="0"/>
-              <a:t>Recommendations</a:t>
+              <a:t>Conclusions</a:t>
             </a:r>
             <a:endParaRPr lang="en-IN" dirty="0"/>
           </a:p>
@@ -6778,7 +6460,7 @@
 </p:sld>
 </file>
 
-<file path=ppt/slides/slide15.xml><?xml version="1.0" encoding="utf-8"?>
+<file path=ppt/slides/slide13.xml><?xml version="1.0" encoding="utf-8"?>
 <p:sld xmlns:a="http://schemas.openxmlformats.org/drawingml/2006/main" xmlns:r="http://schemas.openxmlformats.org/officeDocument/2006/relationships" xmlns:p="http://schemas.openxmlformats.org/presentationml/2006/main">
   <p:cSld>
     <p:spTree>
@@ -6800,6 +6482,127 @@
           <p:cNvPr id="2" name="Title 1">
             <a:extLst>
               <a:ext uri="{FF2B5EF4-FFF2-40B4-BE49-F238E27FC236}">
+                <a16:creationId xmlns:a16="http://schemas.microsoft.com/office/drawing/2014/main" id="{97D17C85-208C-7FFA-5E36-DFD5867B4CA4}"/>
+              </a:ext>
+            </a:extLst>
+          </p:cNvPr>
+          <p:cNvSpPr>
+            <a:spLocks noGrp="1"/>
+          </p:cNvSpPr>
+          <p:nvPr>
+            <p:ph type="title"/>
+          </p:nvPr>
+        </p:nvSpPr>
+        <p:spPr/>
+        <p:txBody>
+          <a:bodyPr/>
+          <a:lstStyle/>
+          <a:p>
+            <a:r>
+              <a:rPr lang="en-US" dirty="0"/>
+              <a:t>Recommendations</a:t>
+            </a:r>
+            <a:endParaRPr lang="en-IN" dirty="0"/>
+          </a:p>
+        </p:txBody>
+      </p:sp>
+      <p:sp>
+        <p:nvSpPr>
+          <p:cNvPr id="3" name="Content Placeholder 2">
+            <a:extLst>
+              <a:ext uri="{FF2B5EF4-FFF2-40B4-BE49-F238E27FC236}">
+                <a16:creationId xmlns:a16="http://schemas.microsoft.com/office/drawing/2014/main" id="{66A77BCF-D7E8-2808-D5B4-00803FB316B1}"/>
+              </a:ext>
+            </a:extLst>
+          </p:cNvPr>
+          <p:cNvSpPr>
+            <a:spLocks noGrp="1"/>
+          </p:cNvSpPr>
+          <p:nvPr>
+            <p:ph idx="1"/>
+          </p:nvPr>
+        </p:nvSpPr>
+        <p:spPr>
+          <a:xfrm>
+            <a:off x="677334" y="1488613"/>
+            <a:ext cx="8596668" cy="3880773"/>
+          </a:xfrm>
+        </p:spPr>
+        <p:txBody>
+          <a:bodyPr>
+            <a:normAutofit/>
+          </a:bodyPr>
+          <a:lstStyle/>
+          <a:p>
+            <a:pPr>
+              <a:lnSpc>
+                <a:spcPct val="100000"/>
+              </a:lnSpc>
+            </a:pPr>
+            <a:r>
+              <a:rPr lang="en-US" sz="1500" dirty="0"/>
+              <a:t>The primary objective of this analysis is</a:t>
+            </a:r>
+          </a:p>
+          <a:p>
+            <a:pPr lvl="1">
+              <a:lnSpc>
+                <a:spcPct val="100000"/>
+              </a:lnSpc>
+            </a:pPr>
+            <a:r>
+              <a:rPr lang="en-US" sz="1500" dirty="0"/>
+              <a:t>Not to attack the main revenue generator for the company</a:t>
+            </a:r>
+          </a:p>
+          <a:p>
+            <a:pPr lvl="1">
+              <a:lnSpc>
+                <a:spcPct val="100000"/>
+              </a:lnSpc>
+            </a:pPr>
+            <a:r>
+              <a:rPr lang="en-US" sz="1500" dirty="0"/>
+              <a:t>Keep the recommendations few so company can implement them</a:t>
+            </a:r>
+          </a:p>
+        </p:txBody>
+      </p:sp>
+    </p:spTree>
+    <p:extLst>
+      <p:ext uri="{BB962C8B-B14F-4D97-AF65-F5344CB8AC3E}">
+        <p14:creationId xmlns:p14="http://schemas.microsoft.com/office/powerpoint/2010/main" val="78636890"/>
+      </p:ext>
+    </p:extLst>
+  </p:cSld>
+  <p:clrMapOvr>
+    <a:masterClrMapping/>
+  </p:clrMapOvr>
+</p:sld>
+</file>
+
+<file path=ppt/slides/slide14.xml><?xml version="1.0" encoding="utf-8"?>
+<p:sld xmlns:a="http://schemas.openxmlformats.org/drawingml/2006/main" xmlns:r="http://schemas.openxmlformats.org/officeDocument/2006/relationships" xmlns:p="http://schemas.openxmlformats.org/presentationml/2006/main">
+  <p:cSld>
+    <p:spTree>
+      <p:nvGrpSpPr>
+        <p:cNvPr id="1" name=""/>
+        <p:cNvGrpSpPr/>
+        <p:nvPr/>
+      </p:nvGrpSpPr>
+      <p:grpSpPr>
+        <a:xfrm>
+          <a:off x="0" y="0"/>
+          <a:ext cx="0" cy="0"/>
+          <a:chOff x="0" y="0"/>
+          <a:chExt cx="0" cy="0"/>
+        </a:xfrm>
+      </p:grpSpPr>
+      <p:sp>
+        <p:nvSpPr>
+          <p:cNvPr id="2" name="Title 1">
+            <a:extLst>
+              <a:ext uri="{FF2B5EF4-FFF2-40B4-BE49-F238E27FC236}">
                 <a16:creationId xmlns:a16="http://schemas.microsoft.com/office/drawing/2014/main" id="{D4DA043E-E538-AAD9-0FF9-EDC10C306B63}"/>
               </a:ext>
             </a:extLst>
@@ -6818,7 +6621,7 @@
           <a:p>
             <a:r>
               <a:rPr lang="en-US" dirty="0"/>
-              <a:t>Conclusion</a:t>
+              <a:t>Recommendations</a:t>
             </a:r>
             <a:endParaRPr lang="en-IN" dirty="0"/>
           </a:p>
@@ -6842,13 +6645,13 @@
         </p:nvSpPr>
         <p:spPr>
           <a:xfrm>
-            <a:off x="677334" y="1488613"/>
-            <a:ext cx="8596668" cy="3880773"/>
+            <a:off x="677334" y="1488612"/>
+            <a:ext cx="9275558" cy="4982525"/>
           </a:xfrm>
         </p:spPr>
         <p:txBody>
           <a:bodyPr>
-            <a:normAutofit/>
+            <a:noAutofit/>
           </a:bodyPr>
           <a:lstStyle/>
           <a:p>
@@ -6859,9 +6662,8 @@
             </a:pPr>
             <a:r>
               <a:rPr lang="en-US" sz="1500" dirty="0"/>
-              <a:t>For future loans extended to borrowers satisfying conditions mentioned in the “Recommendations” slides, it is advisable to mitigate risk by offering smaller loan amounts and/or higher interest rates.</a:t>
-            </a:r>
-            <a:endParaRPr lang="en-IN" sz="1500" dirty="0"/>
+              <a:t>To mitigate default risk, aim to keep the interest rate below 12%.</a:t>
+            </a:r>
           </a:p>
           <a:p>
             <a:pPr>
@@ -6871,7 +6673,57 @@
             </a:pPr>
             <a:r>
               <a:rPr lang="en-US" sz="1500" dirty="0"/>
-              <a:t>By leveraging insights from EDA, the consumer finance company can make informed decisions to mitigate default risk, improve lending practices, and ultimately minimize credit loss.</a:t>
+              <a:t>The company should contemplate diversifying loan purposes by decreasing the overall percentage of loans earmarked for debt consolidation. Instead, it should increase loan allocations toward categories such as car purchases, credit card payments, home improvements, weddings, and major purchases. These categories were found to have lower default rates, thereby are good options to mitigate default risk.</a:t>
+            </a:r>
+          </a:p>
+          <a:p>
+            <a:r>
+              <a:rPr lang="en-US" sz="1500" dirty="0"/>
+              <a:t>Borrowers falling into the following categories are at a heightened risk of default:</a:t>
+            </a:r>
+          </a:p>
+          <a:p>
+            <a:pPr lvl="1"/>
+            <a:r>
+              <a:rPr lang="en-US" sz="1500" dirty="0"/>
+              <a:t>Individuals with a history of 30+ days past due incidences (delinquencies), derogatory public records, or public bankruptcy records.</a:t>
+            </a:r>
+          </a:p>
+          <a:p>
+            <a:pPr lvl="1"/>
+            <a:r>
+              <a:rPr lang="en-US" sz="1500" dirty="0"/>
+              <a:t>Those with a loan revolving utilization rate exceeding 30%.</a:t>
+            </a:r>
+          </a:p>
+          <a:p>
+            <a:pPr lvl="1"/>
+            <a:r>
+              <a:rPr lang="en-US" sz="1500" dirty="0"/>
+              <a:t>Borrowers with a debt-to-income ratio (DTI) surpassing 8.</a:t>
+            </a:r>
+          </a:p>
+          <a:p>
+            <a:pPr lvl="1"/>
+            <a:r>
+              <a:rPr lang="en-US" sz="1500" dirty="0"/>
+              <a:t>Individuals who have made more than one loan inquiry in the last 6 months.</a:t>
+            </a:r>
+          </a:p>
+          <a:p>
+            <a:pPr lvl="1"/>
+            <a:r>
+              <a:rPr lang="en-US" sz="1500" dirty="0"/>
+              <a:t>Borrowers with a record of paying recovery fees.</a:t>
+            </a:r>
+          </a:p>
+          <a:p>
+            <a:pPr marL="0" indent="0">
+              <a:buNone/>
+            </a:pPr>
+            <a:r>
+              <a:rPr lang="en-US" sz="1500" dirty="0"/>
+              <a:t>     For future loans extended to borrowers meeting the aforementioned conditions, it is advisable to mitigate loan default risk by considering strategies such as offering smaller loan amounts and/or higher interest rates. These measures can help offset the increased default risk associated with these borrower profiles.</a:t>
             </a:r>
             <a:endParaRPr lang="en-IN" sz="1500" dirty="0"/>
           </a:p>
@@ -6881,6 +6733,826 @@
     <p:extLst>
       <p:ext uri="{BB962C8B-B14F-4D97-AF65-F5344CB8AC3E}">
         <p14:creationId xmlns:p14="http://schemas.microsoft.com/office/powerpoint/2010/main" val="1644712259"/>
+      </p:ext>
+    </p:extLst>
+  </p:cSld>
+  <p:clrMapOvr>
+    <a:masterClrMapping/>
+  </p:clrMapOvr>
+</p:sld>
+</file>
+
+<file path=ppt/slides/slide15.xml><?xml version="1.0" encoding="utf-8"?>
+<p:sld xmlns:a="http://schemas.openxmlformats.org/drawingml/2006/main" xmlns:r="http://schemas.openxmlformats.org/officeDocument/2006/relationships" xmlns:p="http://schemas.openxmlformats.org/presentationml/2006/main">
+  <p:cSld>
+    <p:bg>
+      <p:bgPr>
+        <a:solidFill>
+          <a:schemeClr val="bg1"/>
+        </a:solidFill>
+        <a:effectLst/>
+      </p:bgPr>
+    </p:bg>
+    <p:spTree>
+      <p:nvGrpSpPr>
+        <p:cNvPr id="1" name=""/>
+        <p:cNvGrpSpPr/>
+        <p:nvPr/>
+      </p:nvGrpSpPr>
+      <p:grpSpPr>
+        <a:xfrm>
+          <a:off x="0" y="0"/>
+          <a:ext cx="0" cy="0"/>
+          <a:chOff x="0" y="0"/>
+          <a:chExt cx="0" cy="0"/>
+        </a:xfrm>
+      </p:grpSpPr>
+      <p:grpSp>
+        <p:nvGrpSpPr>
+          <p:cNvPr id="8" name="Group 7">
+            <a:extLst>
+              <a:ext uri="{FF2B5EF4-FFF2-40B4-BE49-F238E27FC236}">
+                <a16:creationId xmlns:a16="http://schemas.microsoft.com/office/drawing/2014/main" id="{09EA7EA7-74F5-4EE2-8E3D-1A10308259D7}"/>
+              </a:ext>
+              <a:ext uri="{C183D7F6-B498-43B3-948B-1728B52AA6E4}">
+                <adec:decorative xmlns:adec="http://schemas.microsoft.com/office/drawing/2017/decorative" val="1"/>
+              </a:ext>
+            </a:extLst>
+          </p:cNvPr>
+          <p:cNvGrpSpPr>
+            <a:grpSpLocks noGrp="1" noUngrp="1" noRot="1" noChangeAspect="1" noMove="1" noResize="1"/>
+          </p:cNvGrpSpPr>
+          <p:nvPr>
+            <p:extLst>
+              <p:ext uri="{386F3935-93C4-4BCD-93E2-E3B085C9AB24}">
+                <p16:designElem xmlns:p16="http://schemas.microsoft.com/office/powerpoint/2015/main" val="1"/>
+              </p:ext>
+            </p:extLst>
+          </p:nvPr>
+        </p:nvGrpSpPr>
+        <p:grpSpPr>
+          <a:xfrm>
+            <a:off x="0" y="-8467"/>
+            <a:ext cx="12192000" cy="6866467"/>
+            <a:chOff x="0" y="-8467"/>
+            <a:chExt cx="12192000" cy="6866467"/>
+          </a:xfrm>
+        </p:grpSpPr>
+        <p:cxnSp>
+          <p:nvCxnSpPr>
+            <p:cNvPr id="9" name="Straight Connector 8">
+              <a:extLst>
+                <a:ext uri="{FF2B5EF4-FFF2-40B4-BE49-F238E27FC236}">
+                  <a16:creationId xmlns:a16="http://schemas.microsoft.com/office/drawing/2014/main" id="{A5CE79B5-7EE4-424D-AD14-5DEFB61B85C8}"/>
+                </a:ext>
+                <a:ext uri="{C183D7F6-B498-43B3-948B-1728B52AA6E4}">
+                  <adec:decorative xmlns:adec="http://schemas.microsoft.com/office/drawing/2017/decorative" val="1"/>
+                </a:ext>
+              </a:extLst>
+            </p:cNvPr>
+            <p:cNvCxnSpPr/>
+            <p:nvPr>
+              <p:extLst>
+                <p:ext uri="{386F3935-93C4-4BCD-93E2-E3B085C9AB24}">
+                  <p16:designElem xmlns:p16="http://schemas.microsoft.com/office/powerpoint/2015/main" val="1"/>
+                </p:ext>
+              </p:extLst>
+            </p:nvPr>
+          </p:nvCxnSpPr>
+          <p:spPr>
+            <a:xfrm>
+              <a:off x="9371012" y="0"/>
+              <a:ext cx="1219200" cy="6858000"/>
+            </a:xfrm>
+            <a:prstGeom prst="line">
+              <a:avLst/>
+            </a:prstGeom>
+            <a:ln w="9525">
+              <a:solidFill>
+                <a:schemeClr val="bg1">
+                  <a:lumMod val="75000"/>
+                </a:schemeClr>
+              </a:solidFill>
+            </a:ln>
+          </p:spPr>
+          <p:style>
+            <a:lnRef idx="2">
+              <a:schemeClr val="accent1"/>
+            </a:lnRef>
+            <a:fillRef idx="0">
+              <a:schemeClr val="accent1"/>
+            </a:fillRef>
+            <a:effectRef idx="1">
+              <a:schemeClr val="accent1"/>
+            </a:effectRef>
+            <a:fontRef idx="minor">
+              <a:schemeClr val="tx1"/>
+            </a:fontRef>
+          </p:style>
+        </p:cxnSp>
+        <p:cxnSp>
+          <p:nvCxnSpPr>
+            <p:cNvPr id="10" name="Straight Connector 9">
+              <a:extLst>
+                <a:ext uri="{FF2B5EF4-FFF2-40B4-BE49-F238E27FC236}">
+                  <a16:creationId xmlns:a16="http://schemas.microsoft.com/office/drawing/2014/main" id="{696C926F-F999-44BA-8D86-9EAB51D65010}"/>
+                </a:ext>
+                <a:ext uri="{C183D7F6-B498-43B3-948B-1728B52AA6E4}">
+                  <adec:decorative xmlns:adec="http://schemas.microsoft.com/office/drawing/2017/decorative" val="1"/>
+                </a:ext>
+              </a:extLst>
+            </p:cNvPr>
+            <p:cNvCxnSpPr/>
+            <p:nvPr>
+              <p:extLst>
+                <p:ext uri="{386F3935-93C4-4BCD-93E2-E3B085C9AB24}">
+                  <p16:designElem xmlns:p16="http://schemas.microsoft.com/office/powerpoint/2015/main" val="1"/>
+                </p:ext>
+              </p:extLst>
+            </p:nvPr>
+          </p:nvCxnSpPr>
+          <p:spPr>
+            <a:xfrm flipH="1">
+              <a:off x="7425267" y="3681413"/>
+              <a:ext cx="4763558" cy="3176587"/>
+            </a:xfrm>
+            <a:prstGeom prst="line">
+              <a:avLst/>
+            </a:prstGeom>
+            <a:ln w="9525">
+              <a:solidFill>
+                <a:schemeClr val="bg1">
+                  <a:lumMod val="85000"/>
+                </a:schemeClr>
+              </a:solidFill>
+            </a:ln>
+          </p:spPr>
+          <p:style>
+            <a:lnRef idx="2">
+              <a:schemeClr val="accent1"/>
+            </a:lnRef>
+            <a:fillRef idx="0">
+              <a:schemeClr val="accent1"/>
+            </a:fillRef>
+            <a:effectRef idx="1">
+              <a:schemeClr val="accent1"/>
+            </a:effectRef>
+            <a:fontRef idx="minor">
+              <a:schemeClr val="tx1"/>
+            </a:fontRef>
+          </p:style>
+        </p:cxnSp>
+        <p:sp>
+          <p:nvSpPr>
+            <p:cNvPr id="11" name="Rectangle 23">
+              <a:extLst>
+                <a:ext uri="{FF2B5EF4-FFF2-40B4-BE49-F238E27FC236}">
+                  <a16:creationId xmlns:a16="http://schemas.microsoft.com/office/drawing/2014/main" id="{248745E7-0AF0-48F9-8E58-2673FC5F4FDE}"/>
+                </a:ext>
+                <a:ext uri="{C183D7F6-B498-43B3-948B-1728B52AA6E4}">
+                  <adec:decorative xmlns:adec="http://schemas.microsoft.com/office/drawing/2017/decorative" val="1"/>
+                </a:ext>
+              </a:extLst>
+            </p:cNvPr>
+            <p:cNvSpPr/>
+            <p:nvPr>
+              <p:extLst>
+                <p:ext uri="{386F3935-93C4-4BCD-93E2-E3B085C9AB24}">
+                  <p16:designElem xmlns:p16="http://schemas.microsoft.com/office/powerpoint/2015/main" val="1"/>
+                </p:ext>
+              </p:extLst>
+            </p:nvPr>
+          </p:nvSpPr>
+          <p:spPr>
+            <a:xfrm>
+              <a:off x="9181476" y="-8467"/>
+              <a:ext cx="3007349" cy="6866467"/>
+            </a:xfrm>
+            <a:custGeom>
+              <a:avLst/>
+              <a:gdLst/>
+              <a:ahLst/>
+              <a:cxnLst/>
+              <a:rect l="l" t="t" r="r" b="b"/>
+              <a:pathLst>
+                <a:path w="3007349" h="6866467">
+                  <a:moveTo>
+                    <a:pt x="2045532" y="0"/>
+                  </a:moveTo>
+                  <a:lnTo>
+                    <a:pt x="3007349" y="0"/>
+                  </a:lnTo>
+                  <a:lnTo>
+                    <a:pt x="3007349" y="6866467"/>
+                  </a:lnTo>
+                  <a:lnTo>
+                    <a:pt x="0" y="6866467"/>
+                  </a:lnTo>
+                  <a:lnTo>
+                    <a:pt x="2045532" y="0"/>
+                  </a:lnTo>
+                  <a:close/>
+                </a:path>
+              </a:pathLst>
+            </a:custGeom>
+            <a:solidFill>
+              <a:schemeClr val="accent1">
+                <a:alpha val="30000"/>
+              </a:schemeClr>
+            </a:solidFill>
+            <a:ln>
+              <a:noFill/>
+            </a:ln>
+            <a:effectLst/>
+          </p:spPr>
+          <p:style>
+            <a:lnRef idx="1">
+              <a:schemeClr val="accent1"/>
+            </a:lnRef>
+            <a:fillRef idx="3">
+              <a:schemeClr val="accent1"/>
+            </a:fillRef>
+            <a:effectRef idx="2">
+              <a:schemeClr val="accent1"/>
+            </a:effectRef>
+            <a:fontRef idx="minor">
+              <a:schemeClr val="lt1"/>
+            </a:fontRef>
+          </p:style>
+        </p:sp>
+        <p:sp>
+          <p:nvSpPr>
+            <p:cNvPr id="12" name="Rectangle 25">
+              <a:extLst>
+                <a:ext uri="{FF2B5EF4-FFF2-40B4-BE49-F238E27FC236}">
+                  <a16:creationId xmlns:a16="http://schemas.microsoft.com/office/drawing/2014/main" id="{9715E81A-D2E0-4431-9370-4E4A9ECA7F9C}"/>
+                </a:ext>
+                <a:ext uri="{C183D7F6-B498-43B3-948B-1728B52AA6E4}">
+                  <adec:decorative xmlns:adec="http://schemas.microsoft.com/office/drawing/2017/decorative" val="1"/>
+                </a:ext>
+              </a:extLst>
+            </p:cNvPr>
+            <p:cNvSpPr/>
+            <p:nvPr>
+              <p:extLst>
+                <p:ext uri="{386F3935-93C4-4BCD-93E2-E3B085C9AB24}">
+                  <p16:designElem xmlns:p16="http://schemas.microsoft.com/office/powerpoint/2015/main" val="1"/>
+                </p:ext>
+              </p:extLst>
+            </p:nvPr>
+          </p:nvSpPr>
+          <p:spPr>
+            <a:xfrm>
+              <a:off x="9603442" y="-8467"/>
+              <a:ext cx="2588558" cy="6866467"/>
+            </a:xfrm>
+            <a:custGeom>
+              <a:avLst/>
+              <a:gdLst/>
+              <a:ahLst/>
+              <a:cxnLst/>
+              <a:rect l="l" t="t" r="r" b="b"/>
+              <a:pathLst>
+                <a:path w="2573311" h="6866467">
+                  <a:moveTo>
+                    <a:pt x="0" y="0"/>
+                  </a:moveTo>
+                  <a:lnTo>
+                    <a:pt x="2573311" y="0"/>
+                  </a:lnTo>
+                  <a:lnTo>
+                    <a:pt x="2573311" y="6866467"/>
+                  </a:lnTo>
+                  <a:lnTo>
+                    <a:pt x="1202336" y="6866467"/>
+                  </a:lnTo>
+                  <a:lnTo>
+                    <a:pt x="0" y="0"/>
+                  </a:lnTo>
+                  <a:close/>
+                </a:path>
+              </a:pathLst>
+            </a:custGeom>
+            <a:solidFill>
+              <a:schemeClr val="accent1">
+                <a:alpha val="20000"/>
+              </a:schemeClr>
+            </a:solidFill>
+            <a:ln>
+              <a:noFill/>
+            </a:ln>
+            <a:effectLst/>
+          </p:spPr>
+          <p:style>
+            <a:lnRef idx="1">
+              <a:schemeClr val="accent1"/>
+            </a:lnRef>
+            <a:fillRef idx="3">
+              <a:schemeClr val="accent1"/>
+            </a:fillRef>
+            <a:effectRef idx="2">
+              <a:schemeClr val="accent1"/>
+            </a:effectRef>
+            <a:fontRef idx="minor">
+              <a:schemeClr val="lt1"/>
+            </a:fontRef>
+          </p:style>
+        </p:sp>
+        <p:sp>
+          <p:nvSpPr>
+            <p:cNvPr id="13" name="Isosceles Triangle 12">
+              <a:extLst>
+                <a:ext uri="{FF2B5EF4-FFF2-40B4-BE49-F238E27FC236}">
+                  <a16:creationId xmlns:a16="http://schemas.microsoft.com/office/drawing/2014/main" id="{CEDB37A9-282D-4DDB-85AD-B2090A82531F}"/>
+                </a:ext>
+                <a:ext uri="{C183D7F6-B498-43B3-948B-1728B52AA6E4}">
+                  <adec:decorative xmlns:adec="http://schemas.microsoft.com/office/drawing/2017/decorative" val="1"/>
+                </a:ext>
+              </a:extLst>
+            </p:cNvPr>
+            <p:cNvSpPr/>
+            <p:nvPr>
+              <p:extLst>
+                <p:ext uri="{386F3935-93C4-4BCD-93E2-E3B085C9AB24}">
+                  <p16:designElem xmlns:p16="http://schemas.microsoft.com/office/powerpoint/2015/main" val="1"/>
+                </p:ext>
+              </p:extLst>
+            </p:nvPr>
+          </p:nvSpPr>
+          <p:spPr>
+            <a:xfrm>
+              <a:off x="8932333" y="3048000"/>
+              <a:ext cx="3259667" cy="3810000"/>
+            </a:xfrm>
+            <a:prstGeom prst="triangle">
+              <a:avLst>
+                <a:gd name="adj" fmla="val 100000"/>
+              </a:avLst>
+            </a:prstGeom>
+            <a:solidFill>
+              <a:schemeClr val="accent2">
+                <a:alpha val="72000"/>
+              </a:schemeClr>
+            </a:solidFill>
+            <a:ln>
+              <a:noFill/>
+            </a:ln>
+            <a:effectLst/>
+          </p:spPr>
+          <p:style>
+            <a:lnRef idx="1">
+              <a:schemeClr val="accent1"/>
+            </a:lnRef>
+            <a:fillRef idx="3">
+              <a:schemeClr val="accent1"/>
+            </a:fillRef>
+            <a:effectRef idx="2">
+              <a:schemeClr val="accent1"/>
+            </a:effectRef>
+            <a:fontRef idx="minor">
+              <a:schemeClr val="lt1"/>
+            </a:fontRef>
+          </p:style>
+        </p:sp>
+        <p:sp>
+          <p:nvSpPr>
+            <p:cNvPr id="14" name="Rectangle 27">
+              <a:extLst>
+                <a:ext uri="{FF2B5EF4-FFF2-40B4-BE49-F238E27FC236}">
+                  <a16:creationId xmlns:a16="http://schemas.microsoft.com/office/drawing/2014/main" id="{533D5933-7F91-4F5E-BC31-42FD0E2D8DEF}"/>
+                </a:ext>
+                <a:ext uri="{C183D7F6-B498-43B3-948B-1728B52AA6E4}">
+                  <adec:decorative xmlns:adec="http://schemas.microsoft.com/office/drawing/2017/decorative" val="1"/>
+                </a:ext>
+              </a:extLst>
+            </p:cNvPr>
+            <p:cNvSpPr/>
+            <p:nvPr>
+              <p:extLst>
+                <p:ext uri="{386F3935-93C4-4BCD-93E2-E3B085C9AB24}">
+                  <p16:designElem xmlns:p16="http://schemas.microsoft.com/office/powerpoint/2015/main" val="1"/>
+                </p:ext>
+              </p:extLst>
+            </p:nvPr>
+          </p:nvSpPr>
+          <p:spPr>
+            <a:xfrm>
+              <a:off x="9334500" y="-8467"/>
+              <a:ext cx="2854326" cy="6866467"/>
+            </a:xfrm>
+            <a:custGeom>
+              <a:avLst/>
+              <a:gdLst/>
+              <a:ahLst/>
+              <a:cxnLst/>
+              <a:rect l="l" t="t" r="r" b="b"/>
+              <a:pathLst>
+                <a:path w="2858013" h="6866467">
+                  <a:moveTo>
+                    <a:pt x="0" y="0"/>
+                  </a:moveTo>
+                  <a:lnTo>
+                    <a:pt x="2858013" y="0"/>
+                  </a:lnTo>
+                  <a:lnTo>
+                    <a:pt x="2858013" y="6866467"/>
+                  </a:lnTo>
+                  <a:lnTo>
+                    <a:pt x="2473942" y="6866467"/>
+                  </a:lnTo>
+                  <a:lnTo>
+                    <a:pt x="0" y="0"/>
+                  </a:lnTo>
+                  <a:close/>
+                </a:path>
+              </a:pathLst>
+            </a:custGeom>
+            <a:solidFill>
+              <a:schemeClr val="accent2">
+                <a:lumMod val="75000"/>
+                <a:alpha val="70000"/>
+              </a:schemeClr>
+            </a:solidFill>
+            <a:ln>
+              <a:noFill/>
+            </a:ln>
+            <a:effectLst/>
+          </p:spPr>
+          <p:style>
+            <a:lnRef idx="1">
+              <a:schemeClr val="accent1"/>
+            </a:lnRef>
+            <a:fillRef idx="3">
+              <a:schemeClr val="accent1"/>
+            </a:fillRef>
+            <a:effectRef idx="2">
+              <a:schemeClr val="accent1"/>
+            </a:effectRef>
+            <a:fontRef idx="minor">
+              <a:schemeClr val="lt1"/>
+            </a:fontRef>
+          </p:style>
+        </p:sp>
+        <p:sp>
+          <p:nvSpPr>
+            <p:cNvPr id="15" name="Rectangle 28">
+              <a:extLst>
+                <a:ext uri="{FF2B5EF4-FFF2-40B4-BE49-F238E27FC236}">
+                  <a16:creationId xmlns:a16="http://schemas.microsoft.com/office/drawing/2014/main" id="{37ADDF68-C9BE-46EA-83DE-2C07DD83960F}"/>
+                </a:ext>
+                <a:ext uri="{C183D7F6-B498-43B3-948B-1728B52AA6E4}">
+                  <adec:decorative xmlns:adec="http://schemas.microsoft.com/office/drawing/2017/decorative" val="1"/>
+                </a:ext>
+              </a:extLst>
+            </p:cNvPr>
+            <p:cNvSpPr/>
+            <p:nvPr>
+              <p:extLst>
+                <p:ext uri="{386F3935-93C4-4BCD-93E2-E3B085C9AB24}">
+                  <p16:designElem xmlns:p16="http://schemas.microsoft.com/office/powerpoint/2015/main" val="1"/>
+                </p:ext>
+              </p:extLst>
+            </p:nvPr>
+          </p:nvSpPr>
+          <p:spPr>
+            <a:xfrm>
+              <a:off x="10898730" y="-8467"/>
+              <a:ext cx="1290094" cy="6866467"/>
+            </a:xfrm>
+            <a:custGeom>
+              <a:avLst/>
+              <a:gdLst/>
+              <a:ahLst/>
+              <a:cxnLst/>
+              <a:rect l="l" t="t" r="r" b="b"/>
+              <a:pathLst>
+                <a:path w="1290094" h="6858000">
+                  <a:moveTo>
+                    <a:pt x="1019735" y="0"/>
+                  </a:moveTo>
+                  <a:lnTo>
+                    <a:pt x="1290094" y="0"/>
+                  </a:lnTo>
+                  <a:lnTo>
+                    <a:pt x="1290094" y="6858000"/>
+                  </a:lnTo>
+                  <a:lnTo>
+                    <a:pt x="0" y="6858000"/>
+                  </a:lnTo>
+                  <a:lnTo>
+                    <a:pt x="1019735" y="0"/>
+                  </a:lnTo>
+                  <a:close/>
+                </a:path>
+              </a:pathLst>
+            </a:custGeom>
+            <a:solidFill>
+              <a:schemeClr val="accent1">
+                <a:lumMod val="60000"/>
+                <a:lumOff val="40000"/>
+                <a:alpha val="70000"/>
+              </a:schemeClr>
+            </a:solidFill>
+            <a:ln>
+              <a:noFill/>
+            </a:ln>
+            <a:effectLst/>
+          </p:spPr>
+          <p:style>
+            <a:lnRef idx="1">
+              <a:schemeClr val="accent1"/>
+            </a:lnRef>
+            <a:fillRef idx="3">
+              <a:schemeClr val="accent1"/>
+            </a:fillRef>
+            <a:effectRef idx="2">
+              <a:schemeClr val="accent1"/>
+            </a:effectRef>
+            <a:fontRef idx="minor">
+              <a:schemeClr val="lt1"/>
+            </a:fontRef>
+          </p:style>
+        </p:sp>
+        <p:sp>
+          <p:nvSpPr>
+            <p:cNvPr id="16" name="Rectangle 29">
+              <a:extLst>
+                <a:ext uri="{FF2B5EF4-FFF2-40B4-BE49-F238E27FC236}">
+                  <a16:creationId xmlns:a16="http://schemas.microsoft.com/office/drawing/2014/main" id="{10D67396-BABD-48A8-A892-CCB5095FA427}"/>
+                </a:ext>
+                <a:ext uri="{C183D7F6-B498-43B3-948B-1728B52AA6E4}">
+                  <adec:decorative xmlns:adec="http://schemas.microsoft.com/office/drawing/2017/decorative" val="1"/>
+                </a:ext>
+              </a:extLst>
+            </p:cNvPr>
+            <p:cNvSpPr/>
+            <p:nvPr>
+              <p:extLst>
+                <p:ext uri="{386F3935-93C4-4BCD-93E2-E3B085C9AB24}">
+                  <p16:designElem xmlns:p16="http://schemas.microsoft.com/office/powerpoint/2015/main" val="1"/>
+                </p:ext>
+              </p:extLst>
+            </p:nvPr>
+          </p:nvSpPr>
+          <p:spPr>
+            <a:xfrm>
+              <a:off x="10938999" y="-8467"/>
+              <a:ext cx="1249825" cy="6866467"/>
+            </a:xfrm>
+            <a:custGeom>
+              <a:avLst/>
+              <a:gdLst/>
+              <a:ahLst/>
+              <a:cxnLst/>
+              <a:rect l="l" t="t" r="r" b="b"/>
+              <a:pathLst>
+                <a:path w="1249825" h="6858000">
+                  <a:moveTo>
+                    <a:pt x="0" y="0"/>
+                  </a:moveTo>
+                  <a:lnTo>
+                    <a:pt x="1249825" y="0"/>
+                  </a:lnTo>
+                  <a:lnTo>
+                    <a:pt x="1249825" y="6858000"/>
+                  </a:lnTo>
+                  <a:lnTo>
+                    <a:pt x="1109382" y="6858000"/>
+                  </a:lnTo>
+                  <a:lnTo>
+                    <a:pt x="0" y="0"/>
+                  </a:lnTo>
+                  <a:close/>
+                </a:path>
+              </a:pathLst>
+            </a:custGeom>
+            <a:solidFill>
+              <a:schemeClr val="accent1">
+                <a:alpha val="65000"/>
+              </a:schemeClr>
+            </a:solidFill>
+            <a:ln>
+              <a:noFill/>
+            </a:ln>
+            <a:effectLst/>
+          </p:spPr>
+          <p:style>
+            <a:lnRef idx="1">
+              <a:schemeClr val="accent1"/>
+            </a:lnRef>
+            <a:fillRef idx="3">
+              <a:schemeClr val="accent1"/>
+            </a:fillRef>
+            <a:effectRef idx="2">
+              <a:schemeClr val="accent1"/>
+            </a:effectRef>
+            <a:fontRef idx="minor">
+              <a:schemeClr val="lt1"/>
+            </a:fontRef>
+          </p:style>
+        </p:sp>
+        <p:sp>
+          <p:nvSpPr>
+            <p:cNvPr id="17" name="Isosceles Triangle 16">
+              <a:extLst>
+                <a:ext uri="{FF2B5EF4-FFF2-40B4-BE49-F238E27FC236}">
+                  <a16:creationId xmlns:a16="http://schemas.microsoft.com/office/drawing/2014/main" id="{626DA82A-72C2-4DF6-9CF0-0D1F6B96B529}"/>
+                </a:ext>
+                <a:ext uri="{C183D7F6-B498-43B3-948B-1728B52AA6E4}">
+                  <adec:decorative xmlns:adec="http://schemas.microsoft.com/office/drawing/2017/decorative" val="1"/>
+                </a:ext>
+              </a:extLst>
+            </p:cNvPr>
+            <p:cNvSpPr/>
+            <p:nvPr>
+              <p:extLst>
+                <p:ext uri="{386F3935-93C4-4BCD-93E2-E3B085C9AB24}">
+                  <p16:designElem xmlns:p16="http://schemas.microsoft.com/office/powerpoint/2015/main" val="1"/>
+                </p:ext>
+              </p:extLst>
+            </p:nvPr>
+          </p:nvSpPr>
+          <p:spPr>
+            <a:xfrm>
+              <a:off x="10371666" y="3589867"/>
+              <a:ext cx="1817159" cy="3268133"/>
+            </a:xfrm>
+            <a:prstGeom prst="triangle">
+              <a:avLst>
+                <a:gd name="adj" fmla="val 100000"/>
+              </a:avLst>
+            </a:prstGeom>
+            <a:solidFill>
+              <a:schemeClr val="accent1">
+                <a:alpha val="80000"/>
+              </a:schemeClr>
+            </a:solidFill>
+            <a:ln>
+              <a:noFill/>
+            </a:ln>
+            <a:effectLst/>
+          </p:spPr>
+          <p:style>
+            <a:lnRef idx="1">
+              <a:schemeClr val="accent1"/>
+            </a:lnRef>
+            <a:fillRef idx="3">
+              <a:schemeClr val="accent1"/>
+            </a:fillRef>
+            <a:effectRef idx="2">
+              <a:schemeClr val="accent1"/>
+            </a:effectRef>
+            <a:fontRef idx="minor">
+              <a:schemeClr val="lt1"/>
+            </a:fontRef>
+          </p:style>
+        </p:sp>
+        <p:sp>
+          <p:nvSpPr>
+            <p:cNvPr id="18" name="Isosceles Triangle 17">
+              <a:extLst>
+                <a:ext uri="{FF2B5EF4-FFF2-40B4-BE49-F238E27FC236}">
+                  <a16:creationId xmlns:a16="http://schemas.microsoft.com/office/drawing/2014/main" id="{8EE6DC63-4380-4BE0-A68A-8F01162BD192}"/>
+                </a:ext>
+                <a:ext uri="{C183D7F6-B498-43B3-948B-1728B52AA6E4}">
+                  <adec:decorative xmlns:adec="http://schemas.microsoft.com/office/drawing/2017/decorative" val="1"/>
+                </a:ext>
+              </a:extLst>
+            </p:cNvPr>
+            <p:cNvSpPr/>
+            <p:nvPr>
+              <p:extLst>
+                <p:ext uri="{386F3935-93C4-4BCD-93E2-E3B085C9AB24}">
+                  <p16:designElem xmlns:p16="http://schemas.microsoft.com/office/powerpoint/2015/main" val="1"/>
+                </p:ext>
+              </p:extLst>
+            </p:nvPr>
+          </p:nvSpPr>
+          <p:spPr>
+            <a:xfrm>
+              <a:off x="0" y="4013200"/>
+              <a:ext cx="448733" cy="2844800"/>
+            </a:xfrm>
+            <a:prstGeom prst="triangle">
+              <a:avLst>
+                <a:gd name="adj" fmla="val 0"/>
+              </a:avLst>
+            </a:prstGeom>
+            <a:solidFill>
+              <a:schemeClr val="accent1">
+                <a:alpha val="85000"/>
+              </a:schemeClr>
+            </a:solidFill>
+            <a:ln>
+              <a:noFill/>
+            </a:ln>
+            <a:effectLst/>
+          </p:spPr>
+          <p:style>
+            <a:lnRef idx="1">
+              <a:schemeClr val="accent1"/>
+            </a:lnRef>
+            <a:fillRef idx="3">
+              <a:schemeClr val="accent1"/>
+            </a:fillRef>
+            <a:effectRef idx="2">
+              <a:schemeClr val="accent1"/>
+            </a:effectRef>
+            <a:fontRef idx="minor">
+              <a:schemeClr val="lt1"/>
+            </a:fontRef>
+          </p:style>
+        </p:sp>
+      </p:grpSp>
+      <p:cxnSp>
+        <p:nvCxnSpPr>
+          <p:cNvPr id="20" name="Straight Connector 19">
+            <a:extLst>
+              <a:ext uri="{FF2B5EF4-FFF2-40B4-BE49-F238E27FC236}">
+                <a16:creationId xmlns:a16="http://schemas.microsoft.com/office/drawing/2014/main" id="{0B5F7E3B-C5F1-40E0-A491-558BAFBC1127}"/>
+              </a:ext>
+              <a:ext uri="{C183D7F6-B498-43B3-948B-1728B52AA6E4}">
+                <adec:decorative xmlns:adec="http://schemas.microsoft.com/office/drawing/2017/decorative" val="1"/>
+              </a:ext>
+            </a:extLst>
+          </p:cNvPr>
+          <p:cNvCxnSpPr>
+            <a:cxnSpLocks noGrp="1" noRot="1" noChangeAspect="1" noMove="1" noResize="1" noEditPoints="1" noAdjustHandles="1" noChangeArrowheads="1" noChangeShapeType="1"/>
+          </p:cNvCxnSpPr>
+          <p:nvPr>
+            <p:extLst>
+              <p:ext uri="{386F3935-93C4-4BCD-93E2-E3B085C9AB24}">
+                <p16:designElem xmlns:p16="http://schemas.microsoft.com/office/powerpoint/2015/main" val="1"/>
+              </p:ext>
+            </p:extLst>
+          </p:nvPr>
+        </p:nvCxnSpPr>
+        <p:spPr>
+          <a:xfrm>
+            <a:off x="4241804" y="1460500"/>
+            <a:ext cx="0" cy="3937000"/>
+          </a:xfrm>
+          <a:prstGeom prst="line">
+            <a:avLst/>
+          </a:prstGeom>
+        </p:spPr>
+        <p:style>
+          <a:lnRef idx="1">
+            <a:schemeClr val="accent1"/>
+          </a:lnRef>
+          <a:fillRef idx="0">
+            <a:schemeClr val="accent1"/>
+          </a:fillRef>
+          <a:effectRef idx="0">
+            <a:schemeClr val="accent1"/>
+          </a:effectRef>
+          <a:fontRef idx="minor">
+            <a:schemeClr val="tx1"/>
+          </a:fontRef>
+        </p:style>
+      </p:cxnSp>
+      <p:sp>
+        <p:nvSpPr>
+          <p:cNvPr id="3" name="Content Placeholder 2">
+            <a:extLst>
+              <a:ext uri="{FF2B5EF4-FFF2-40B4-BE49-F238E27FC236}">
+                <a16:creationId xmlns:a16="http://schemas.microsoft.com/office/drawing/2014/main" id="{3AD0BD6A-4DA9-8839-F8FF-2AAF7E6D05B5}"/>
+              </a:ext>
+            </a:extLst>
+          </p:cNvPr>
+          <p:cNvSpPr>
+            <a:spLocks noGrp="1"/>
+          </p:cNvSpPr>
+          <p:nvPr>
+            <p:ph idx="4294967295"/>
+          </p:nvPr>
+        </p:nvSpPr>
+        <p:spPr>
+          <a:xfrm>
+            <a:off x="4654295" y="816638"/>
+            <a:ext cx="4619706" cy="5224724"/>
+          </a:xfrm>
+        </p:spPr>
+        <p:txBody>
+          <a:bodyPr vert="horz" lIns="91440" tIns="45720" rIns="91440" bIns="45720" rtlCol="0" anchor="ctr">
+            <a:normAutofit/>
+          </a:bodyPr>
+          <a:lstStyle/>
+          <a:p>
+            <a:pPr marL="0" indent="0">
+              <a:buNone/>
+            </a:pPr>
+            <a:r>
+              <a:rPr lang="en-US" sz="4400" dirty="0"/>
+              <a:t>Thank you</a:t>
+            </a:r>
+          </a:p>
+        </p:txBody>
+      </p:sp>
+    </p:spTree>
+    <p:extLst>
+      <p:ext uri="{BB962C8B-B14F-4D97-AF65-F5344CB8AC3E}">
+        <p14:creationId xmlns:p14="http://schemas.microsoft.com/office/powerpoint/2010/main" val="3009407456"/>
       </p:ext>
     </p:extLst>
   </p:cSld>
@@ -8249,7 +8921,7 @@
           <a:p>
             <a:r>
               <a:rPr lang="en-US" dirty="0"/>
-              <a:t>Recommendations</a:t>
+              <a:t>Conclusions</a:t>
             </a:r>
             <a:endParaRPr lang="en-IN" dirty="0"/>
           </a:p>
@@ -8290,128 +8962,7 @@
             </a:pPr>
             <a:r>
               <a:rPr lang="en-US" sz="1500" dirty="0"/>
-              <a:t>The primary objective of this analysis is</a:t>
-            </a:r>
-          </a:p>
-          <a:p>
-            <a:pPr lvl="1">
-              <a:lnSpc>
-                <a:spcPct val="100000"/>
-              </a:lnSpc>
-            </a:pPr>
-            <a:r>
-              <a:rPr lang="en-US" sz="1500" dirty="0"/>
-              <a:t>Not to attack the main revenue generator for the company</a:t>
-            </a:r>
-          </a:p>
-          <a:p>
-            <a:pPr lvl="1">
-              <a:lnSpc>
-                <a:spcPct val="100000"/>
-              </a:lnSpc>
-            </a:pPr>
-            <a:r>
-              <a:rPr lang="en-US" sz="1500" dirty="0"/>
-              <a:t>Keep the recommendations few so company can implement them</a:t>
-            </a:r>
-          </a:p>
-        </p:txBody>
-      </p:sp>
-    </p:spTree>
-    <p:extLst>
-      <p:ext uri="{BB962C8B-B14F-4D97-AF65-F5344CB8AC3E}">
-        <p14:creationId xmlns:p14="http://schemas.microsoft.com/office/powerpoint/2010/main" val="78636890"/>
-      </p:ext>
-    </p:extLst>
-  </p:cSld>
-  <p:clrMapOvr>
-    <a:masterClrMapping/>
-  </p:clrMapOvr>
-</p:sld>
-</file>
-
-<file path=ppt/slides/slide9.xml><?xml version="1.0" encoding="utf-8"?>
-<p:sld xmlns:a="http://schemas.openxmlformats.org/drawingml/2006/main" xmlns:r="http://schemas.openxmlformats.org/officeDocument/2006/relationships" xmlns:p="http://schemas.openxmlformats.org/presentationml/2006/main">
-  <p:cSld>
-    <p:spTree>
-      <p:nvGrpSpPr>
-        <p:cNvPr id="1" name=""/>
-        <p:cNvGrpSpPr/>
-        <p:nvPr/>
-      </p:nvGrpSpPr>
-      <p:grpSpPr>
-        <a:xfrm>
-          <a:off x="0" y="0"/>
-          <a:ext cx="0" cy="0"/>
-          <a:chOff x="0" y="0"/>
-          <a:chExt cx="0" cy="0"/>
-        </a:xfrm>
-      </p:grpSpPr>
-      <p:sp>
-        <p:nvSpPr>
-          <p:cNvPr id="2" name="Title 1">
-            <a:extLst>
-              <a:ext uri="{FF2B5EF4-FFF2-40B4-BE49-F238E27FC236}">
-                <a16:creationId xmlns:a16="http://schemas.microsoft.com/office/drawing/2014/main" id="{97D17C85-208C-7FFA-5E36-DFD5867B4CA4}"/>
-              </a:ext>
-            </a:extLst>
-          </p:cNvPr>
-          <p:cNvSpPr>
-            <a:spLocks noGrp="1"/>
-          </p:cNvSpPr>
-          <p:nvPr>
-            <p:ph type="title"/>
-          </p:nvPr>
-        </p:nvSpPr>
-        <p:spPr/>
-        <p:txBody>
-          <a:bodyPr/>
-          <a:lstStyle/>
-          <a:p>
-            <a:r>
-              <a:rPr lang="en-US" dirty="0"/>
-              <a:t>Recommendations</a:t>
-            </a:r>
-            <a:endParaRPr lang="en-IN" dirty="0"/>
-          </a:p>
-        </p:txBody>
-      </p:sp>
-      <p:sp>
-        <p:nvSpPr>
-          <p:cNvPr id="3" name="Content Placeholder 2">
-            <a:extLst>
-              <a:ext uri="{FF2B5EF4-FFF2-40B4-BE49-F238E27FC236}">
-                <a16:creationId xmlns:a16="http://schemas.microsoft.com/office/drawing/2014/main" id="{66A77BCF-D7E8-2808-D5B4-00803FB316B1}"/>
-              </a:ext>
-            </a:extLst>
-          </p:cNvPr>
-          <p:cNvSpPr>
-            <a:spLocks noGrp="1"/>
-          </p:cNvSpPr>
-          <p:nvPr>
-            <p:ph idx="1"/>
-          </p:nvPr>
-        </p:nvSpPr>
-        <p:spPr>
-          <a:xfrm>
-            <a:off x="677334" y="1488613"/>
-            <a:ext cx="8596668" cy="3880773"/>
-          </a:xfrm>
-        </p:spPr>
-        <p:txBody>
-          <a:bodyPr>
-            <a:normAutofit/>
-          </a:bodyPr>
-          <a:lstStyle/>
-          <a:p>
-            <a:pPr>
-              <a:lnSpc>
-                <a:spcPct val="100000"/>
-              </a:lnSpc>
-            </a:pPr>
-            <a:r>
-              <a:rPr lang="en-US" sz="1500" dirty="0"/>
-              <a:t>C, D, E, F, and G grade borrowers exhibit a higher default rate compared to A and B grade borrowers. Despite having annual incomes comparable to those of A and B grade borrowers, these higher-grade borrowers were extended larger loan amounts at interest rates above 12%. In contrast, A and B grade borrowers received loans with interest rates not exceeding 12% for most part. Default rate steadily increases with interest rate. Care need to be taken when interest rate goes beyond 12%.</a:t>
+              <a:t>C, D, E, F, and G grade borrowers exhibit a higher default rate compared to A and B grade borrowers. Despite having annual incomes comparable to those of A and B grade borrowers, these higher-grade borrowers were extended larger loan amounts at interest rates above 12%. In contrast, A and B grade borrowers received loans with interest rates not exceeding 12% for most part. Default rate steadily increases with interest rate.</a:t>
             </a:r>
           </a:p>
         </p:txBody>
@@ -8480,6 +9031,165 @@
     <p:extLst>
       <p:ext uri="{BB962C8B-B14F-4D97-AF65-F5344CB8AC3E}">
         <p14:creationId xmlns:p14="http://schemas.microsoft.com/office/powerpoint/2010/main" val="2151947758"/>
+      </p:ext>
+    </p:extLst>
+  </p:cSld>
+  <p:clrMapOvr>
+    <a:masterClrMapping/>
+  </p:clrMapOvr>
+</p:sld>
+</file>
+
+<file path=ppt/slides/slide9.xml><?xml version="1.0" encoding="utf-8"?>
+<p:sld xmlns:a="http://schemas.openxmlformats.org/drawingml/2006/main" xmlns:r="http://schemas.openxmlformats.org/officeDocument/2006/relationships" xmlns:p="http://schemas.openxmlformats.org/presentationml/2006/main">
+  <p:cSld>
+    <p:spTree>
+      <p:nvGrpSpPr>
+        <p:cNvPr id="1" name=""/>
+        <p:cNvGrpSpPr/>
+        <p:nvPr/>
+      </p:nvGrpSpPr>
+      <p:grpSpPr>
+        <a:xfrm>
+          <a:off x="0" y="0"/>
+          <a:ext cx="0" cy="0"/>
+          <a:chOff x="0" y="0"/>
+          <a:chExt cx="0" cy="0"/>
+        </a:xfrm>
+      </p:grpSpPr>
+      <p:sp>
+        <p:nvSpPr>
+          <p:cNvPr id="2" name="Title 1">
+            <a:extLst>
+              <a:ext uri="{FF2B5EF4-FFF2-40B4-BE49-F238E27FC236}">
+                <a16:creationId xmlns:a16="http://schemas.microsoft.com/office/drawing/2014/main" id="{97D17C85-208C-7FFA-5E36-DFD5867B4CA4}"/>
+              </a:ext>
+            </a:extLst>
+          </p:cNvPr>
+          <p:cNvSpPr>
+            <a:spLocks noGrp="1"/>
+          </p:cNvSpPr>
+          <p:nvPr>
+            <p:ph type="title"/>
+          </p:nvPr>
+        </p:nvSpPr>
+        <p:spPr/>
+        <p:txBody>
+          <a:bodyPr/>
+          <a:lstStyle/>
+          <a:p>
+            <a:r>
+              <a:rPr lang="en-US" dirty="0"/>
+              <a:t>Conclusions</a:t>
+            </a:r>
+            <a:endParaRPr lang="en-IN" dirty="0"/>
+          </a:p>
+        </p:txBody>
+      </p:sp>
+      <p:sp>
+        <p:nvSpPr>
+          <p:cNvPr id="3" name="Content Placeholder 2">
+            <a:extLst>
+              <a:ext uri="{FF2B5EF4-FFF2-40B4-BE49-F238E27FC236}">
+                <a16:creationId xmlns:a16="http://schemas.microsoft.com/office/drawing/2014/main" id="{66A77BCF-D7E8-2808-D5B4-00803FB316B1}"/>
+              </a:ext>
+            </a:extLst>
+          </p:cNvPr>
+          <p:cNvSpPr>
+            <a:spLocks noGrp="1"/>
+          </p:cNvSpPr>
+          <p:nvPr>
+            <p:ph idx="1"/>
+          </p:nvPr>
+        </p:nvSpPr>
+        <p:spPr>
+          <a:xfrm>
+            <a:off x="677334" y="1488613"/>
+            <a:ext cx="8596668" cy="3880773"/>
+          </a:xfrm>
+        </p:spPr>
+        <p:txBody>
+          <a:bodyPr>
+            <a:normAutofit/>
+          </a:bodyPr>
+          <a:lstStyle/>
+          <a:p>
+            <a:pPr>
+              <a:lnSpc>
+                <a:spcPct val="100000"/>
+              </a:lnSpc>
+            </a:pPr>
+            <a:r>
+              <a:rPr lang="en-US" sz="1500" dirty="0"/>
+              <a:t>Debt consolidation loans amount to 47% of all loans given and have a significant default rate at 15.41%.</a:t>
+            </a:r>
+          </a:p>
+        </p:txBody>
+      </p:sp>
+      <p:pic>
+        <p:nvPicPr>
+          <p:cNvPr id="5" name="Picture 4">
+            <a:extLst>
+              <a:ext uri="{FF2B5EF4-FFF2-40B4-BE49-F238E27FC236}">
+                <a16:creationId xmlns:a16="http://schemas.microsoft.com/office/drawing/2014/main" id="{2BD902A7-802A-ECFF-624F-E73B98BFA300}"/>
+              </a:ext>
+            </a:extLst>
+          </p:cNvPr>
+          <p:cNvPicPr>
+            <a:picLocks noChangeAspect="1"/>
+          </p:cNvPicPr>
+          <p:nvPr/>
+        </p:nvPicPr>
+        <p:blipFill>
+          <a:blip r:embed="rId2"/>
+          <a:stretch>
+            <a:fillRect/>
+          </a:stretch>
+        </p:blipFill>
+        <p:spPr>
+          <a:xfrm>
+            <a:off x="254524" y="2568160"/>
+            <a:ext cx="9819414" cy="4157503"/>
+          </a:xfrm>
+          <a:prstGeom prst="rect">
+            <a:avLst/>
+          </a:prstGeom>
+        </p:spPr>
+      </p:pic>
+      <p:pic>
+        <p:nvPicPr>
+          <p:cNvPr id="6" name="Picture 5">
+            <a:extLst>
+              <a:ext uri="{FF2B5EF4-FFF2-40B4-BE49-F238E27FC236}">
+                <a16:creationId xmlns:a16="http://schemas.microsoft.com/office/drawing/2014/main" id="{03BC3058-F5DB-9266-AE48-3E403FA080E0}"/>
+              </a:ext>
+            </a:extLst>
+          </p:cNvPr>
+          <p:cNvPicPr>
+            <a:picLocks noChangeAspect="1"/>
+          </p:cNvPicPr>
+          <p:nvPr/>
+        </p:nvPicPr>
+        <p:blipFill>
+          <a:blip r:embed="rId3"/>
+          <a:stretch>
+            <a:fillRect/>
+          </a:stretch>
+        </p:blipFill>
+        <p:spPr>
+          <a:xfrm>
+            <a:off x="4609706" y="2565717"/>
+            <a:ext cx="7582293" cy="4011111"/>
+          </a:xfrm>
+          <a:prstGeom prst="rect">
+            <a:avLst/>
+          </a:prstGeom>
+        </p:spPr>
+      </p:pic>
+    </p:spTree>
+    <p:extLst>
+      <p:ext uri="{BB962C8B-B14F-4D97-AF65-F5344CB8AC3E}">
+        <p14:creationId xmlns:p14="http://schemas.microsoft.com/office/powerpoint/2010/main" val="3440983064"/>
       </p:ext>
     </p:extLst>
   </p:cSld>
